--- a/notes/Lecture_01.pptx
+++ b/notes/Lecture_01.pptx
@@ -6,23 +6,24 @@
     <p:sldMasterId id="2147483777" r:id="rId2"/>
   </p:sldMasterIdLst>
   <p:notesMasterIdLst>
-    <p:notesMasterId r:id="rId14"/>
+    <p:notesMasterId r:id="rId15"/>
   </p:notesMasterIdLst>
   <p:handoutMasterIdLst>
-    <p:handoutMasterId r:id="rId15"/>
+    <p:handoutMasterId r:id="rId16"/>
   </p:handoutMasterIdLst>
   <p:sldIdLst>
     <p:sldId id="256" r:id="rId3"/>
     <p:sldId id="257" r:id="rId4"/>
     <p:sldId id="258" r:id="rId5"/>
     <p:sldId id="259" r:id="rId6"/>
-    <p:sldId id="260" r:id="rId7"/>
-    <p:sldId id="261" r:id="rId8"/>
-    <p:sldId id="262" r:id="rId9"/>
-    <p:sldId id="263" r:id="rId10"/>
-    <p:sldId id="264" r:id="rId11"/>
-    <p:sldId id="265" r:id="rId12"/>
-    <p:sldId id="266" r:id="rId13"/>
+    <p:sldId id="267" r:id="rId7"/>
+    <p:sldId id="260" r:id="rId8"/>
+    <p:sldId id="261" r:id="rId9"/>
+    <p:sldId id="262" r:id="rId10"/>
+    <p:sldId id="263" r:id="rId11"/>
+    <p:sldId id="264" r:id="rId12"/>
+    <p:sldId id="265" r:id="rId13"/>
+    <p:sldId id="266" r:id="rId14"/>
   </p:sldIdLst>
   <p:sldSz cx="9144000" cy="6858000" type="screen4x3"/>
   <p:notesSz cx="7010400" cy="9296400"/>
@@ -11453,7 +11454,7 @@
           <p:cNvPr id="2" name="Title 1">
             <a:extLst>
               <a:ext uri="{FF2B5EF4-FFF2-40B4-BE49-F238E27FC236}">
-                <a16:creationId xmlns:a16="http://schemas.microsoft.com/office/drawing/2014/main" id="{F25AD9A8-636A-134B-B825-1762CE316BDC}"/>
+                <a16:creationId xmlns:a16="http://schemas.microsoft.com/office/drawing/2014/main" id="{BE60D491-1761-714E-A582-97CCB8ADA51E}"/>
               </a:ext>
             </a:extLst>
           </p:cNvPr>
@@ -11471,133 +11472,2247 @@
           <a:p>
             <a:r>
               <a:rPr lang="en-US" dirty="0"/>
-              <a:t>The Extras! (Maximum of 8 points)</a:t>
-            </a:r>
-          </a:p>
-        </p:txBody>
-      </p:sp>
-      <p:sp>
-        <p:nvSpPr>
-          <p:cNvPr id="3" name="Content Placeholder 2">
+              <a:t>Important Information</a:t>
+            </a:r>
+          </a:p>
+        </p:txBody>
+      </p:sp>
+      <p:graphicFrame>
+        <p:nvGraphicFramePr>
+          <p:cNvPr id="5" name="Content Placeholder 4">
             <a:extLst>
               <a:ext uri="{FF2B5EF4-FFF2-40B4-BE49-F238E27FC236}">
-                <a16:creationId xmlns:a16="http://schemas.microsoft.com/office/drawing/2014/main" id="{A16CCA75-6A16-624C-9EC2-107120C455E6}"/>
+                <a16:creationId xmlns:a16="http://schemas.microsoft.com/office/drawing/2014/main" id="{5DA5253B-173D-2F49-ABD5-A26D07B6DAE9}"/>
               </a:ext>
             </a:extLst>
           </p:cNvPr>
-          <p:cNvSpPr>
-            <a:spLocks noGrp="1"/>
-          </p:cNvSpPr>
+          <p:cNvGraphicFramePr>
+            <a:graphicFrameLocks noGrp="1"/>
+          </p:cNvGraphicFramePr>
           <p:nvPr>
             <p:ph idx="1"/>
+            <p:extLst>
+              <p:ext uri="{D42A27DB-BD31-4B8C-83A1-F6EECF244321}">
+                <p14:modId xmlns:p14="http://schemas.microsoft.com/office/powerpoint/2010/main" val="2156546034"/>
+              </p:ext>
+            </p:extLst>
           </p:nvPr>
-        </p:nvSpPr>
-        <p:spPr/>
-        <p:txBody>
-          <a:bodyPr/>
-          <a:lstStyle/>
-          <a:p>
-            <a:r>
-              <a:rPr lang="en-US" dirty="0"/>
-              <a:t>Mediating discussions (4 points)</a:t>
-            </a:r>
-          </a:p>
-          <a:p>
-            <a:pPr lvl="1"/>
-            <a:r>
-              <a:rPr lang="en-US" dirty="0"/>
-              <a:t>There will be at least 5 opportunities</a:t>
-            </a:r>
-          </a:p>
-          <a:p>
-            <a:pPr lvl="1"/>
-            <a:r>
-              <a:rPr lang="en-US" dirty="0"/>
-              <a:t>4 mediators per opportunity</a:t>
-            </a:r>
-          </a:p>
-          <a:p>
-            <a:pPr lvl="1"/>
-            <a:r>
-              <a:rPr lang="en-US" dirty="0"/>
-              <a:t>Maximum 1 per student</a:t>
-            </a:r>
-          </a:p>
-          <a:p>
-            <a:r>
-              <a:rPr lang="en-US" dirty="0"/>
-              <a:t>Presenting short talks (5 minutes) – (4 points)</a:t>
-            </a:r>
-          </a:p>
-          <a:p>
-            <a:pPr lvl="1"/>
-            <a:r>
-              <a:rPr lang="en-US" dirty="0"/>
-              <a:t>Beginning of the class - Maximum 2 per day</a:t>
-            </a:r>
-          </a:p>
-          <a:p>
-            <a:pPr lvl="1"/>
-            <a:r>
-              <a:rPr lang="en-US" dirty="0"/>
-              <a:t>Maximum 1 per student</a:t>
-            </a:r>
-          </a:p>
-          <a:p>
-            <a:pPr lvl="1"/>
-            <a:r>
-              <a:rPr lang="en-US" dirty="0"/>
-              <a:t>Topics and rules at GitHub</a:t>
-            </a:r>
-          </a:p>
-          <a:p>
-            <a:r>
-              <a:rPr lang="en-US" dirty="0"/>
-              <a:t>Essays (2 points)</a:t>
-            </a:r>
-          </a:p>
-          <a:p>
-            <a:pPr lvl="1"/>
-            <a:r>
-              <a:rPr lang="en-US" dirty="0"/>
-              <a:t>1 page essay summarizing papers made available</a:t>
-            </a:r>
-          </a:p>
-          <a:p>
-            <a:pPr lvl="1"/>
-            <a:r>
-              <a:rPr lang="en-US" dirty="0"/>
-              <a:t>Maximum 2 per student</a:t>
-            </a:r>
-          </a:p>
-          <a:p>
-            <a:r>
-              <a:rPr lang="en-US" dirty="0"/>
-              <a:t>Participation in Talks (2 points)</a:t>
-            </a:r>
-          </a:p>
-          <a:p>
-            <a:pPr lvl="1"/>
-            <a:r>
-              <a:rPr lang="en-US" dirty="0"/>
-              <a:t>Invited talks at SICCS: attend and write a ½ page essay</a:t>
-            </a:r>
-          </a:p>
-          <a:p>
-            <a:pPr lvl="1"/>
-            <a:r>
-              <a:rPr lang="en-US" dirty="0"/>
-              <a:t>Maximum 2 per student</a:t>
-            </a:r>
-          </a:p>
-        </p:txBody>
-      </p:sp>
+        </p:nvGraphicFramePr>
+        <p:xfrm>
+          <a:off x="156527" y="1389096"/>
+          <a:ext cx="8756361" cy="4607562"/>
+        </p:xfrm>
+        <a:graphic>
+          <a:graphicData uri="http://schemas.openxmlformats.org/drawingml/2006/table">
+            <a:tbl>
+              <a:tblPr firstRow="1" firstCol="1" bandRow="1">
+                <a:tableStyleId>{5C22544A-7EE6-4342-B048-85BDC9FD1C3A}</a:tableStyleId>
+              </a:tblPr>
+              <a:tblGrid>
+                <a:gridCol w="2858172">
+                  <a:extLst>
+                    <a:ext uri="{9D8B030D-6E8A-4147-A177-3AD203B41FA5}">
+                      <a16:colId xmlns:a16="http://schemas.microsoft.com/office/drawing/2014/main" val="1001266871"/>
+                    </a:ext>
+                  </a:extLst>
+                </a:gridCol>
+                <a:gridCol w="3970457">
+                  <a:extLst>
+                    <a:ext uri="{9D8B030D-6E8A-4147-A177-3AD203B41FA5}">
+                      <a16:colId xmlns:a16="http://schemas.microsoft.com/office/drawing/2014/main" val="61217609"/>
+                    </a:ext>
+                  </a:extLst>
+                </a:gridCol>
+                <a:gridCol w="941648">
+                  <a:extLst>
+                    <a:ext uri="{9D8B030D-6E8A-4147-A177-3AD203B41FA5}">
+                      <a16:colId xmlns:a16="http://schemas.microsoft.com/office/drawing/2014/main" val="1255764092"/>
+                    </a:ext>
+                  </a:extLst>
+                </a:gridCol>
+                <a:gridCol w="986084">
+                  <a:extLst>
+                    <a:ext uri="{9D8B030D-6E8A-4147-A177-3AD203B41FA5}">
+                      <a16:colId xmlns:a16="http://schemas.microsoft.com/office/drawing/2014/main" val="3755768530"/>
+                    </a:ext>
+                  </a:extLst>
+                </a:gridCol>
+              </a:tblGrid>
+              <a:tr h="383541">
+                <a:tc>
+                  <a:txBody>
+                    <a:bodyPr/>
+                    <a:lstStyle/>
+                    <a:p>
+                      <a:pPr marL="0" marR="0">
+                        <a:spcBef>
+                          <a:spcPts val="0"/>
+                        </a:spcBef>
+                        <a:spcAft>
+                          <a:spcPts val="0"/>
+                        </a:spcAft>
+                      </a:pPr>
+                      <a:r>
+                        <a:rPr lang="en-US" sz="1800" b="1" dirty="0">
+                          <a:effectLst/>
+                        </a:rPr>
+                        <a:t>Assignment</a:t>
+                      </a:r>
+                      <a:endParaRPr lang="en-US" sz="1800" b="1" dirty="0">
+                        <a:effectLst/>
+                        <a:latin typeface="Calibri" panose="020F0502020204030204" pitchFamily="34" charset="0"/>
+                        <a:ea typeface="Calibri" panose="020F0502020204030204" pitchFamily="34" charset="0"/>
+                        <a:cs typeface="Times New Roman" panose="02020603050405020304" pitchFamily="18" charset="0"/>
+                      </a:endParaRPr>
+                    </a:p>
+                  </a:txBody>
+                  <a:tcPr marL="34673" marR="34673" marT="0" marB="0">
+                    <a:lnL w="12700" cap="flat" cmpd="sng" algn="ctr">
+                      <a:solidFill>
+                        <a:schemeClr val="tx1"/>
+                      </a:solidFill>
+                      <a:prstDash val="solid"/>
+                      <a:round/>
+                      <a:headEnd type="none" w="med" len="med"/>
+                      <a:tailEnd type="none" w="med" len="med"/>
+                    </a:lnL>
+                    <a:lnR w="12700" cap="flat" cmpd="sng" algn="ctr">
+                      <a:solidFill>
+                        <a:schemeClr val="tx1"/>
+                      </a:solidFill>
+                      <a:prstDash val="solid"/>
+                      <a:round/>
+                      <a:headEnd type="none" w="med" len="med"/>
+                      <a:tailEnd type="none" w="med" len="med"/>
+                    </a:lnR>
+                    <a:lnT w="12700" cap="flat" cmpd="sng" algn="ctr">
+                      <a:solidFill>
+                        <a:schemeClr val="tx1"/>
+                      </a:solidFill>
+                      <a:prstDash val="solid"/>
+                      <a:round/>
+                      <a:headEnd type="none" w="med" len="med"/>
+                      <a:tailEnd type="none" w="med" len="med"/>
+                    </a:lnT>
+                    <a:lnB w="12700" cap="flat" cmpd="sng" algn="ctr">
+                      <a:solidFill>
+                        <a:schemeClr val="tx1"/>
+                      </a:solidFill>
+                      <a:prstDash val="solid"/>
+                      <a:round/>
+                      <a:headEnd type="none" w="med" len="med"/>
+                      <a:tailEnd type="none" w="med" len="med"/>
+                    </a:lnB>
+                    <a:solidFill>
+                      <a:srgbClr val="0E3361"/>
+                    </a:solidFill>
+                  </a:tcPr>
+                </a:tc>
+                <a:tc>
+                  <a:txBody>
+                    <a:bodyPr/>
+                    <a:lstStyle/>
+                    <a:p>
+                      <a:pPr marL="0" marR="0">
+                        <a:spcBef>
+                          <a:spcPts val="0"/>
+                        </a:spcBef>
+                        <a:spcAft>
+                          <a:spcPts val="0"/>
+                        </a:spcAft>
+                      </a:pPr>
+                      <a:r>
+                        <a:rPr lang="en-US" sz="1800" b="1" dirty="0">
+                          <a:effectLst/>
+                        </a:rPr>
+                        <a:t>Planned Deliverable</a:t>
+                      </a:r>
+                      <a:endParaRPr lang="en-US" sz="1800" b="1" dirty="0">
+                        <a:effectLst/>
+                        <a:latin typeface="Calibri" panose="020F0502020204030204" pitchFamily="34" charset="0"/>
+                        <a:ea typeface="Calibri" panose="020F0502020204030204" pitchFamily="34" charset="0"/>
+                        <a:cs typeface="Times New Roman" panose="02020603050405020304" pitchFamily="18" charset="0"/>
+                      </a:endParaRPr>
+                    </a:p>
+                  </a:txBody>
+                  <a:tcPr marL="34673" marR="34673" marT="0" marB="0">
+                    <a:lnL w="12700" cap="flat" cmpd="sng" algn="ctr">
+                      <a:solidFill>
+                        <a:schemeClr val="tx1"/>
+                      </a:solidFill>
+                      <a:prstDash val="solid"/>
+                      <a:round/>
+                      <a:headEnd type="none" w="med" len="med"/>
+                      <a:tailEnd type="none" w="med" len="med"/>
+                    </a:lnL>
+                    <a:lnR w="12700" cap="flat" cmpd="sng" algn="ctr">
+                      <a:solidFill>
+                        <a:schemeClr val="tx1"/>
+                      </a:solidFill>
+                      <a:prstDash val="solid"/>
+                      <a:round/>
+                      <a:headEnd type="none" w="med" len="med"/>
+                      <a:tailEnd type="none" w="med" len="med"/>
+                    </a:lnR>
+                    <a:lnT w="12700" cap="flat" cmpd="sng" algn="ctr">
+                      <a:solidFill>
+                        <a:schemeClr val="tx1"/>
+                      </a:solidFill>
+                      <a:prstDash val="solid"/>
+                      <a:round/>
+                      <a:headEnd type="none" w="med" len="med"/>
+                      <a:tailEnd type="none" w="med" len="med"/>
+                    </a:lnT>
+                    <a:lnB w="12700" cap="flat" cmpd="sng" algn="ctr">
+                      <a:solidFill>
+                        <a:schemeClr val="tx1"/>
+                      </a:solidFill>
+                      <a:prstDash val="solid"/>
+                      <a:round/>
+                      <a:headEnd type="none" w="med" len="med"/>
+                      <a:tailEnd type="none" w="med" len="med"/>
+                    </a:lnB>
+                    <a:solidFill>
+                      <a:srgbClr val="0E3361"/>
+                    </a:solidFill>
+                  </a:tcPr>
+                </a:tc>
+                <a:tc>
+                  <a:txBody>
+                    <a:bodyPr/>
+                    <a:lstStyle/>
+                    <a:p>
+                      <a:pPr marL="0" marR="0">
+                        <a:spcBef>
+                          <a:spcPts val="0"/>
+                        </a:spcBef>
+                        <a:spcAft>
+                          <a:spcPts val="0"/>
+                        </a:spcAft>
+                      </a:pPr>
+                      <a:r>
+                        <a:rPr lang="en-US" sz="1800" b="1">
+                          <a:effectLst/>
+                        </a:rPr>
+                        <a:t>Weight</a:t>
+                      </a:r>
+                      <a:endParaRPr lang="en-US" sz="1800" b="1">
+                        <a:effectLst/>
+                        <a:latin typeface="Calibri" panose="020F0502020204030204" pitchFamily="34" charset="0"/>
+                        <a:ea typeface="Calibri" panose="020F0502020204030204" pitchFamily="34" charset="0"/>
+                        <a:cs typeface="Times New Roman" panose="02020603050405020304" pitchFamily="18" charset="0"/>
+                      </a:endParaRPr>
+                    </a:p>
+                  </a:txBody>
+                  <a:tcPr marL="34673" marR="34673" marT="0" marB="0">
+                    <a:lnL w="12700" cap="flat" cmpd="sng" algn="ctr">
+                      <a:solidFill>
+                        <a:schemeClr val="tx1"/>
+                      </a:solidFill>
+                      <a:prstDash val="solid"/>
+                      <a:round/>
+                      <a:headEnd type="none" w="med" len="med"/>
+                      <a:tailEnd type="none" w="med" len="med"/>
+                    </a:lnL>
+                    <a:lnR w="12700" cap="flat" cmpd="sng" algn="ctr">
+                      <a:solidFill>
+                        <a:schemeClr val="tx1"/>
+                      </a:solidFill>
+                      <a:prstDash val="solid"/>
+                      <a:round/>
+                      <a:headEnd type="none" w="med" len="med"/>
+                      <a:tailEnd type="none" w="med" len="med"/>
+                    </a:lnR>
+                    <a:lnT w="12700" cap="flat" cmpd="sng" algn="ctr">
+                      <a:solidFill>
+                        <a:schemeClr val="tx1"/>
+                      </a:solidFill>
+                      <a:prstDash val="solid"/>
+                      <a:round/>
+                      <a:headEnd type="none" w="med" len="med"/>
+                      <a:tailEnd type="none" w="med" len="med"/>
+                    </a:lnT>
+                    <a:lnB w="12700" cap="flat" cmpd="sng" algn="ctr">
+                      <a:solidFill>
+                        <a:schemeClr val="tx1"/>
+                      </a:solidFill>
+                      <a:prstDash val="solid"/>
+                      <a:round/>
+                      <a:headEnd type="none" w="med" len="med"/>
+                      <a:tailEnd type="none" w="med" len="med"/>
+                    </a:lnB>
+                    <a:solidFill>
+                      <a:srgbClr val="0E3361"/>
+                    </a:solidFill>
+                  </a:tcPr>
+                </a:tc>
+                <a:tc>
+                  <a:txBody>
+                    <a:bodyPr/>
+                    <a:lstStyle/>
+                    <a:p>
+                      <a:pPr marL="0" marR="0">
+                        <a:spcBef>
+                          <a:spcPts val="0"/>
+                        </a:spcBef>
+                        <a:spcAft>
+                          <a:spcPts val="0"/>
+                        </a:spcAft>
+                      </a:pPr>
+                      <a:r>
+                        <a:rPr lang="en-US" sz="1800" b="1" dirty="0">
+                          <a:effectLst/>
+                        </a:rPr>
+                        <a:t>Deadline</a:t>
+                      </a:r>
+                      <a:endParaRPr lang="en-US" sz="1800" b="1" dirty="0">
+                        <a:effectLst/>
+                        <a:latin typeface="Calibri" panose="020F0502020204030204" pitchFamily="34" charset="0"/>
+                        <a:ea typeface="Calibri" panose="020F0502020204030204" pitchFamily="34" charset="0"/>
+                        <a:cs typeface="Times New Roman" panose="02020603050405020304" pitchFamily="18" charset="0"/>
+                      </a:endParaRPr>
+                    </a:p>
+                  </a:txBody>
+                  <a:tcPr marL="34673" marR="34673" marT="0" marB="0">
+                    <a:lnL w="12700" cap="flat" cmpd="sng" algn="ctr">
+                      <a:solidFill>
+                        <a:schemeClr val="tx1"/>
+                      </a:solidFill>
+                      <a:prstDash val="solid"/>
+                      <a:round/>
+                      <a:headEnd type="none" w="med" len="med"/>
+                      <a:tailEnd type="none" w="med" len="med"/>
+                    </a:lnL>
+                    <a:lnR w="12700" cap="flat" cmpd="sng" algn="ctr">
+                      <a:solidFill>
+                        <a:schemeClr val="tx1"/>
+                      </a:solidFill>
+                      <a:prstDash val="solid"/>
+                      <a:round/>
+                      <a:headEnd type="none" w="med" len="med"/>
+                      <a:tailEnd type="none" w="med" len="med"/>
+                    </a:lnR>
+                    <a:lnT w="12700" cap="flat" cmpd="sng" algn="ctr">
+                      <a:solidFill>
+                        <a:schemeClr val="tx1"/>
+                      </a:solidFill>
+                      <a:prstDash val="solid"/>
+                      <a:round/>
+                      <a:headEnd type="none" w="med" len="med"/>
+                      <a:tailEnd type="none" w="med" len="med"/>
+                    </a:lnT>
+                    <a:lnB w="12700" cap="flat" cmpd="sng" algn="ctr">
+                      <a:solidFill>
+                        <a:schemeClr val="tx1"/>
+                      </a:solidFill>
+                      <a:prstDash val="solid"/>
+                      <a:round/>
+                      <a:headEnd type="none" w="med" len="med"/>
+                      <a:tailEnd type="none" w="med" len="med"/>
+                    </a:lnB>
+                    <a:solidFill>
+                      <a:srgbClr val="0E3361"/>
+                    </a:solidFill>
+                  </a:tcPr>
+                </a:tc>
+                <a:extLst>
+                  <a:ext uri="{0D108BD9-81ED-4DB2-BD59-A6C34878D82A}">
+                    <a16:rowId xmlns:a16="http://schemas.microsoft.com/office/drawing/2014/main" val="870305153"/>
+                  </a:ext>
+                </a:extLst>
+              </a:tr>
+              <a:tr h="383541">
+                <a:tc>
+                  <a:txBody>
+                    <a:bodyPr/>
+                    <a:lstStyle/>
+                    <a:p>
+                      <a:pPr marL="0" marR="0">
+                        <a:spcBef>
+                          <a:spcPts val="0"/>
+                        </a:spcBef>
+                        <a:spcAft>
+                          <a:spcPts val="0"/>
+                        </a:spcAft>
+                      </a:pPr>
+                      <a:r>
+                        <a:rPr lang="en-US" sz="1800" b="0" dirty="0">
+                          <a:solidFill>
+                            <a:schemeClr val="tx1"/>
+                          </a:solidFill>
+                          <a:effectLst/>
+                        </a:rPr>
+                        <a:t>Contribution to Open Source</a:t>
+                      </a:r>
+                      <a:endParaRPr lang="en-US" sz="1800" b="0" dirty="0">
+                        <a:solidFill>
+                          <a:schemeClr val="tx1"/>
+                        </a:solidFill>
+                        <a:effectLst/>
+                        <a:latin typeface="Calibri" panose="020F0502020204030204" pitchFamily="34" charset="0"/>
+                        <a:ea typeface="Calibri" panose="020F0502020204030204" pitchFamily="34" charset="0"/>
+                        <a:cs typeface="Times New Roman" panose="02020603050405020304" pitchFamily="18" charset="0"/>
+                      </a:endParaRPr>
+                    </a:p>
+                  </a:txBody>
+                  <a:tcPr marL="34673" marR="34673" marT="0" marB="0">
+                    <a:lnL w="12700" cap="flat" cmpd="sng" algn="ctr">
+                      <a:solidFill>
+                        <a:schemeClr val="tx1"/>
+                      </a:solidFill>
+                      <a:prstDash val="solid"/>
+                      <a:round/>
+                      <a:headEnd type="none" w="med" len="med"/>
+                      <a:tailEnd type="none" w="med" len="med"/>
+                    </a:lnL>
+                    <a:lnR w="12700" cap="flat" cmpd="sng" algn="ctr">
+                      <a:solidFill>
+                        <a:schemeClr val="tx1"/>
+                      </a:solidFill>
+                      <a:prstDash val="solid"/>
+                      <a:round/>
+                      <a:headEnd type="none" w="med" len="med"/>
+                      <a:tailEnd type="none" w="med" len="med"/>
+                    </a:lnR>
+                    <a:lnT w="12700" cap="flat" cmpd="sng" algn="ctr">
+                      <a:solidFill>
+                        <a:schemeClr val="tx1"/>
+                      </a:solidFill>
+                      <a:prstDash val="solid"/>
+                      <a:round/>
+                      <a:headEnd type="none" w="med" len="med"/>
+                      <a:tailEnd type="none" w="med" len="med"/>
+                    </a:lnT>
+                    <a:lnB w="12700" cap="flat" cmpd="sng" algn="ctr">
+                      <a:solidFill>
+                        <a:schemeClr val="tx1"/>
+                      </a:solidFill>
+                      <a:prstDash val="solid"/>
+                      <a:round/>
+                      <a:headEnd type="none" w="med" len="med"/>
+                      <a:tailEnd type="none" w="med" len="med"/>
+                    </a:lnB>
+                    <a:solidFill>
+                      <a:srgbClr val="FFC000"/>
+                    </a:solidFill>
+                  </a:tcPr>
+                </a:tc>
+                <a:tc>
+                  <a:txBody>
+                    <a:bodyPr/>
+                    <a:lstStyle/>
+                    <a:p>
+                      <a:pPr marL="0" marR="0">
+                        <a:spcBef>
+                          <a:spcPts val="0"/>
+                        </a:spcBef>
+                        <a:spcAft>
+                          <a:spcPts val="0"/>
+                        </a:spcAft>
+                      </a:pPr>
+                      <a:r>
+                        <a:rPr lang="en-US" sz="1800" dirty="0">
+                          <a:solidFill>
+                            <a:schemeClr val="tx1"/>
+                          </a:solidFill>
+                          <a:effectLst/>
+                          <a:latin typeface="Calibri" panose="020F0502020204030204" pitchFamily="34" charset="0"/>
+                          <a:ea typeface="Calibri" panose="020F0502020204030204" pitchFamily="34" charset="0"/>
+                          <a:cs typeface="Times New Roman" panose="02020603050405020304" pitchFamily="18" charset="0"/>
+                        </a:rPr>
+                        <a:t>Decision about project and tasks</a:t>
+                      </a:r>
+                    </a:p>
+                  </a:txBody>
+                  <a:tcPr marL="34673" marR="34673" marT="0" marB="0">
+                    <a:lnL w="12700" cap="flat" cmpd="sng" algn="ctr">
+                      <a:solidFill>
+                        <a:schemeClr val="tx1"/>
+                      </a:solidFill>
+                      <a:prstDash val="solid"/>
+                      <a:round/>
+                      <a:headEnd type="none" w="med" len="med"/>
+                      <a:tailEnd type="none" w="med" len="med"/>
+                    </a:lnL>
+                    <a:lnR w="12700" cap="flat" cmpd="sng" algn="ctr">
+                      <a:solidFill>
+                        <a:schemeClr val="tx1"/>
+                      </a:solidFill>
+                      <a:prstDash val="solid"/>
+                      <a:round/>
+                      <a:headEnd type="none" w="med" len="med"/>
+                      <a:tailEnd type="none" w="med" len="med"/>
+                    </a:lnR>
+                    <a:lnT w="12700" cap="flat" cmpd="sng" algn="ctr">
+                      <a:solidFill>
+                        <a:schemeClr val="tx1"/>
+                      </a:solidFill>
+                      <a:prstDash val="solid"/>
+                      <a:round/>
+                      <a:headEnd type="none" w="med" len="med"/>
+                      <a:tailEnd type="none" w="med" len="med"/>
+                    </a:lnT>
+                    <a:lnB w="12700" cap="flat" cmpd="sng" algn="ctr">
+                      <a:solidFill>
+                        <a:schemeClr val="tx1"/>
+                      </a:solidFill>
+                      <a:prstDash val="solid"/>
+                      <a:round/>
+                      <a:headEnd type="none" w="med" len="med"/>
+                      <a:tailEnd type="none" w="med" len="med"/>
+                    </a:lnB>
+                    <a:solidFill>
+                      <a:srgbClr val="FFC000"/>
+                    </a:solidFill>
+                  </a:tcPr>
+                </a:tc>
+                <a:tc>
+                  <a:txBody>
+                    <a:bodyPr/>
+                    <a:lstStyle/>
+                    <a:p>
+                      <a:pPr marL="0" marR="0">
+                        <a:spcBef>
+                          <a:spcPts val="0"/>
+                        </a:spcBef>
+                        <a:spcAft>
+                          <a:spcPts val="0"/>
+                        </a:spcAft>
+                      </a:pPr>
+                      <a:r>
+                        <a:rPr lang="en-US" sz="1800">
+                          <a:solidFill>
+                            <a:schemeClr val="tx1"/>
+                          </a:solidFill>
+                          <a:effectLst/>
+                        </a:rPr>
+                        <a:t>5%</a:t>
+                      </a:r>
+                      <a:endParaRPr lang="en-US" sz="1800">
+                        <a:solidFill>
+                          <a:schemeClr val="tx1"/>
+                        </a:solidFill>
+                        <a:effectLst/>
+                        <a:latin typeface="Calibri" panose="020F0502020204030204" pitchFamily="34" charset="0"/>
+                        <a:ea typeface="Calibri" panose="020F0502020204030204" pitchFamily="34" charset="0"/>
+                        <a:cs typeface="Times New Roman" panose="02020603050405020304" pitchFamily="18" charset="0"/>
+                      </a:endParaRPr>
+                    </a:p>
+                  </a:txBody>
+                  <a:tcPr marL="34673" marR="34673" marT="0" marB="0">
+                    <a:lnL w="12700" cap="flat" cmpd="sng" algn="ctr">
+                      <a:solidFill>
+                        <a:schemeClr val="tx1"/>
+                      </a:solidFill>
+                      <a:prstDash val="solid"/>
+                      <a:round/>
+                      <a:headEnd type="none" w="med" len="med"/>
+                      <a:tailEnd type="none" w="med" len="med"/>
+                    </a:lnL>
+                    <a:lnR w="12700" cap="flat" cmpd="sng" algn="ctr">
+                      <a:solidFill>
+                        <a:schemeClr val="tx1"/>
+                      </a:solidFill>
+                      <a:prstDash val="solid"/>
+                      <a:round/>
+                      <a:headEnd type="none" w="med" len="med"/>
+                      <a:tailEnd type="none" w="med" len="med"/>
+                    </a:lnR>
+                    <a:lnT w="12700" cap="flat" cmpd="sng" algn="ctr">
+                      <a:solidFill>
+                        <a:schemeClr val="tx1"/>
+                      </a:solidFill>
+                      <a:prstDash val="solid"/>
+                      <a:round/>
+                      <a:headEnd type="none" w="med" len="med"/>
+                      <a:tailEnd type="none" w="med" len="med"/>
+                    </a:lnT>
+                    <a:lnB w="12700" cap="flat" cmpd="sng" algn="ctr">
+                      <a:solidFill>
+                        <a:schemeClr val="tx1"/>
+                      </a:solidFill>
+                      <a:prstDash val="solid"/>
+                      <a:round/>
+                      <a:headEnd type="none" w="med" len="med"/>
+                      <a:tailEnd type="none" w="med" len="med"/>
+                    </a:lnB>
+                    <a:solidFill>
+                      <a:srgbClr val="FFC000"/>
+                    </a:solidFill>
+                  </a:tcPr>
+                </a:tc>
+                <a:tc>
+                  <a:txBody>
+                    <a:bodyPr/>
+                    <a:lstStyle/>
+                    <a:p>
+                      <a:pPr marL="0" marR="0">
+                        <a:spcBef>
+                          <a:spcPts val="0"/>
+                        </a:spcBef>
+                        <a:spcAft>
+                          <a:spcPts val="0"/>
+                        </a:spcAft>
+                      </a:pPr>
+                      <a:r>
+                        <a:rPr lang="en-US" sz="1800" dirty="0">
+                          <a:solidFill>
+                            <a:schemeClr val="tx1"/>
+                          </a:solidFill>
+                          <a:effectLst/>
+                        </a:rPr>
+                        <a:t>Oct. 9</a:t>
+                      </a:r>
+                      <a:endParaRPr lang="en-US" sz="1800" dirty="0">
+                        <a:solidFill>
+                          <a:schemeClr val="tx1"/>
+                        </a:solidFill>
+                        <a:effectLst/>
+                        <a:latin typeface="Calibri" panose="020F0502020204030204" pitchFamily="34" charset="0"/>
+                        <a:ea typeface="Calibri" panose="020F0502020204030204" pitchFamily="34" charset="0"/>
+                        <a:cs typeface="Times New Roman" panose="02020603050405020304" pitchFamily="18" charset="0"/>
+                      </a:endParaRPr>
+                    </a:p>
+                  </a:txBody>
+                  <a:tcPr marL="34673" marR="34673" marT="0" marB="0">
+                    <a:lnL w="12700" cap="flat" cmpd="sng" algn="ctr">
+                      <a:solidFill>
+                        <a:schemeClr val="tx1"/>
+                      </a:solidFill>
+                      <a:prstDash val="solid"/>
+                      <a:round/>
+                      <a:headEnd type="none" w="med" len="med"/>
+                      <a:tailEnd type="none" w="med" len="med"/>
+                    </a:lnL>
+                    <a:lnR w="12700" cap="flat" cmpd="sng" algn="ctr">
+                      <a:solidFill>
+                        <a:schemeClr val="tx1"/>
+                      </a:solidFill>
+                      <a:prstDash val="solid"/>
+                      <a:round/>
+                      <a:headEnd type="none" w="med" len="med"/>
+                      <a:tailEnd type="none" w="med" len="med"/>
+                    </a:lnR>
+                    <a:lnT w="12700" cap="flat" cmpd="sng" algn="ctr">
+                      <a:solidFill>
+                        <a:schemeClr val="tx1"/>
+                      </a:solidFill>
+                      <a:prstDash val="solid"/>
+                      <a:round/>
+                      <a:headEnd type="none" w="med" len="med"/>
+                      <a:tailEnd type="none" w="med" len="med"/>
+                    </a:lnT>
+                    <a:lnB w="12700" cap="flat" cmpd="sng" algn="ctr">
+                      <a:solidFill>
+                        <a:schemeClr val="tx1"/>
+                      </a:solidFill>
+                      <a:prstDash val="solid"/>
+                      <a:round/>
+                      <a:headEnd type="none" w="med" len="med"/>
+                      <a:tailEnd type="none" w="med" len="med"/>
+                    </a:lnB>
+                    <a:solidFill>
+                      <a:srgbClr val="FFC000"/>
+                    </a:solidFill>
+                  </a:tcPr>
+                </a:tc>
+                <a:extLst>
+                  <a:ext uri="{0D108BD9-81ED-4DB2-BD59-A6C34878D82A}">
+                    <a16:rowId xmlns:a16="http://schemas.microsoft.com/office/drawing/2014/main" val="2364507170"/>
+                  </a:ext>
+                </a:extLst>
+              </a:tr>
+              <a:tr h="479425">
+                <a:tc>
+                  <a:txBody>
+                    <a:bodyPr/>
+                    <a:lstStyle/>
+                    <a:p>
+                      <a:pPr marL="0" marR="0">
+                        <a:spcBef>
+                          <a:spcPts val="0"/>
+                        </a:spcBef>
+                        <a:spcAft>
+                          <a:spcPts val="0"/>
+                        </a:spcAft>
+                      </a:pPr>
+                      <a:r>
+                        <a:rPr lang="en-US" sz="1800" b="0" dirty="0">
+                          <a:solidFill>
+                            <a:schemeClr val="tx1"/>
+                          </a:solidFill>
+                          <a:effectLst/>
+                        </a:rPr>
+                        <a:t>Contribution to Open Source</a:t>
+                      </a:r>
+                    </a:p>
+                    <a:p>
+                      <a:pPr marL="0" marR="0">
+                        <a:spcBef>
+                          <a:spcPts val="0"/>
+                        </a:spcBef>
+                        <a:spcAft>
+                          <a:spcPts val="0"/>
+                        </a:spcAft>
+                      </a:pPr>
+                      <a:r>
+                        <a:rPr lang="en-US" sz="1800" b="0" dirty="0">
+                          <a:solidFill>
+                            <a:schemeClr val="tx1"/>
+                          </a:solidFill>
+                          <a:effectLst/>
+                        </a:rPr>
+                        <a:t>(Checkpoint 1)</a:t>
+                      </a:r>
+                      <a:endParaRPr lang="en-US" sz="1800" b="0" dirty="0">
+                        <a:solidFill>
+                          <a:schemeClr val="tx1"/>
+                        </a:solidFill>
+                        <a:effectLst/>
+                        <a:latin typeface="Calibri" panose="020F0502020204030204" pitchFamily="34" charset="0"/>
+                        <a:ea typeface="Calibri" panose="020F0502020204030204" pitchFamily="34" charset="0"/>
+                        <a:cs typeface="Times New Roman" panose="02020603050405020304" pitchFamily="18" charset="0"/>
+                      </a:endParaRPr>
+                    </a:p>
+                  </a:txBody>
+                  <a:tcPr marL="34673" marR="34673" marT="0" marB="0">
+                    <a:lnL w="12700" cap="flat" cmpd="sng" algn="ctr">
+                      <a:solidFill>
+                        <a:schemeClr val="tx1"/>
+                      </a:solidFill>
+                      <a:prstDash val="solid"/>
+                      <a:round/>
+                      <a:headEnd type="none" w="med" len="med"/>
+                      <a:tailEnd type="none" w="med" len="med"/>
+                    </a:lnL>
+                    <a:lnR w="12700" cap="flat" cmpd="sng" algn="ctr">
+                      <a:solidFill>
+                        <a:schemeClr val="tx1"/>
+                      </a:solidFill>
+                      <a:prstDash val="solid"/>
+                      <a:round/>
+                      <a:headEnd type="none" w="med" len="med"/>
+                      <a:tailEnd type="none" w="med" len="med"/>
+                    </a:lnR>
+                    <a:lnT w="12700" cap="flat" cmpd="sng" algn="ctr">
+                      <a:solidFill>
+                        <a:schemeClr val="tx1"/>
+                      </a:solidFill>
+                      <a:prstDash val="solid"/>
+                      <a:round/>
+                      <a:headEnd type="none" w="med" len="med"/>
+                      <a:tailEnd type="none" w="med" len="med"/>
+                    </a:lnT>
+                    <a:lnB w="12700" cap="flat" cmpd="sng" algn="ctr">
+                      <a:solidFill>
+                        <a:schemeClr val="tx1"/>
+                      </a:solidFill>
+                      <a:prstDash val="solid"/>
+                      <a:round/>
+                      <a:headEnd type="none" w="med" len="med"/>
+                      <a:tailEnd type="none" w="med" len="med"/>
+                    </a:lnB>
+                    <a:noFill/>
+                  </a:tcPr>
+                </a:tc>
+                <a:tc>
+                  <a:txBody>
+                    <a:bodyPr/>
+                    <a:lstStyle/>
+                    <a:p>
+                      <a:pPr marL="0" marR="0">
+                        <a:spcBef>
+                          <a:spcPts val="0"/>
+                        </a:spcBef>
+                        <a:spcAft>
+                          <a:spcPts val="0"/>
+                        </a:spcAft>
+                      </a:pPr>
+                      <a:r>
+                        <a:rPr lang="en-US" sz="1800" dirty="0">
+                          <a:solidFill>
+                            <a:schemeClr val="tx1"/>
+                          </a:solidFill>
+                          <a:effectLst/>
+                        </a:rPr>
+                        <a:t>* Present the task details/progress report</a:t>
+                      </a:r>
+                      <a:br>
+                        <a:rPr lang="en-US" sz="1800" dirty="0">
+                          <a:solidFill>
+                            <a:schemeClr val="tx1"/>
+                          </a:solidFill>
+                          <a:effectLst/>
+                        </a:rPr>
+                      </a:br>
+                      <a:r>
+                        <a:rPr lang="en-US" sz="1800" dirty="0">
+                          <a:solidFill>
+                            <a:schemeClr val="tx1"/>
+                          </a:solidFill>
+                          <a:effectLst/>
+                        </a:rPr>
+                        <a:t>* First impressions/guidelines availability</a:t>
+                      </a:r>
+                      <a:br>
+                        <a:rPr lang="en-US" sz="1800" dirty="0">
+                          <a:solidFill>
+                            <a:schemeClr val="tx1"/>
+                          </a:solidFill>
+                          <a:effectLst/>
+                        </a:rPr>
+                      </a:br>
+                      <a:r>
+                        <a:rPr lang="en-US" sz="1800" dirty="0">
+                          <a:solidFill>
+                            <a:schemeClr val="tx1"/>
+                          </a:solidFill>
+                          <a:effectLst/>
+                        </a:rPr>
+                        <a:t>* Architectural analysis (document)</a:t>
+                      </a:r>
+                      <a:endParaRPr lang="en-US" sz="1800" dirty="0">
+                        <a:solidFill>
+                          <a:schemeClr val="tx1"/>
+                        </a:solidFill>
+                        <a:effectLst/>
+                        <a:latin typeface="Calibri" panose="020F0502020204030204" pitchFamily="34" charset="0"/>
+                        <a:ea typeface="Calibri" panose="020F0502020204030204" pitchFamily="34" charset="0"/>
+                        <a:cs typeface="Times New Roman" panose="02020603050405020304" pitchFamily="18" charset="0"/>
+                      </a:endParaRPr>
+                    </a:p>
+                  </a:txBody>
+                  <a:tcPr marL="34673" marR="34673" marT="0" marB="0">
+                    <a:lnL w="12700" cap="flat" cmpd="sng" algn="ctr">
+                      <a:solidFill>
+                        <a:schemeClr val="tx1"/>
+                      </a:solidFill>
+                      <a:prstDash val="solid"/>
+                      <a:round/>
+                      <a:headEnd type="none" w="med" len="med"/>
+                      <a:tailEnd type="none" w="med" len="med"/>
+                    </a:lnL>
+                    <a:lnR w="12700" cap="flat" cmpd="sng" algn="ctr">
+                      <a:solidFill>
+                        <a:schemeClr val="tx1"/>
+                      </a:solidFill>
+                      <a:prstDash val="solid"/>
+                      <a:round/>
+                      <a:headEnd type="none" w="med" len="med"/>
+                      <a:tailEnd type="none" w="med" len="med"/>
+                    </a:lnR>
+                    <a:lnT w="12700" cap="flat" cmpd="sng" algn="ctr">
+                      <a:solidFill>
+                        <a:schemeClr val="tx1"/>
+                      </a:solidFill>
+                      <a:prstDash val="solid"/>
+                      <a:round/>
+                      <a:headEnd type="none" w="med" len="med"/>
+                      <a:tailEnd type="none" w="med" len="med"/>
+                    </a:lnT>
+                    <a:lnB w="12700" cap="flat" cmpd="sng" algn="ctr">
+                      <a:solidFill>
+                        <a:schemeClr val="tx1"/>
+                      </a:solidFill>
+                      <a:prstDash val="solid"/>
+                      <a:round/>
+                      <a:headEnd type="none" w="med" len="med"/>
+                      <a:tailEnd type="none" w="med" len="med"/>
+                    </a:lnB>
+                    <a:noFill/>
+                  </a:tcPr>
+                </a:tc>
+                <a:tc>
+                  <a:txBody>
+                    <a:bodyPr/>
+                    <a:lstStyle/>
+                    <a:p>
+                      <a:pPr marL="0" marR="0">
+                        <a:spcBef>
+                          <a:spcPts val="0"/>
+                        </a:spcBef>
+                        <a:spcAft>
+                          <a:spcPts val="0"/>
+                        </a:spcAft>
+                      </a:pPr>
+                      <a:r>
+                        <a:rPr lang="en-US" sz="1800">
+                          <a:solidFill>
+                            <a:schemeClr val="tx1"/>
+                          </a:solidFill>
+                          <a:effectLst/>
+                        </a:rPr>
+                        <a:t>10%</a:t>
+                      </a:r>
+                      <a:endParaRPr lang="en-US" sz="1800">
+                        <a:solidFill>
+                          <a:schemeClr val="tx1"/>
+                        </a:solidFill>
+                        <a:effectLst/>
+                        <a:latin typeface="Calibri" panose="020F0502020204030204" pitchFamily="34" charset="0"/>
+                        <a:ea typeface="Calibri" panose="020F0502020204030204" pitchFamily="34" charset="0"/>
+                        <a:cs typeface="Times New Roman" panose="02020603050405020304" pitchFamily="18" charset="0"/>
+                      </a:endParaRPr>
+                    </a:p>
+                  </a:txBody>
+                  <a:tcPr marL="34673" marR="34673" marT="0" marB="0">
+                    <a:lnL w="12700" cap="flat" cmpd="sng" algn="ctr">
+                      <a:solidFill>
+                        <a:schemeClr val="tx1"/>
+                      </a:solidFill>
+                      <a:prstDash val="solid"/>
+                      <a:round/>
+                      <a:headEnd type="none" w="med" len="med"/>
+                      <a:tailEnd type="none" w="med" len="med"/>
+                    </a:lnL>
+                    <a:lnR w="12700" cap="flat" cmpd="sng" algn="ctr">
+                      <a:solidFill>
+                        <a:schemeClr val="tx1"/>
+                      </a:solidFill>
+                      <a:prstDash val="solid"/>
+                      <a:round/>
+                      <a:headEnd type="none" w="med" len="med"/>
+                      <a:tailEnd type="none" w="med" len="med"/>
+                    </a:lnR>
+                    <a:lnT w="12700" cap="flat" cmpd="sng" algn="ctr">
+                      <a:solidFill>
+                        <a:schemeClr val="tx1"/>
+                      </a:solidFill>
+                      <a:prstDash val="solid"/>
+                      <a:round/>
+                      <a:headEnd type="none" w="med" len="med"/>
+                      <a:tailEnd type="none" w="med" len="med"/>
+                    </a:lnT>
+                    <a:lnB w="12700" cap="flat" cmpd="sng" algn="ctr">
+                      <a:solidFill>
+                        <a:schemeClr val="tx1"/>
+                      </a:solidFill>
+                      <a:prstDash val="solid"/>
+                      <a:round/>
+                      <a:headEnd type="none" w="med" len="med"/>
+                      <a:tailEnd type="none" w="med" len="med"/>
+                    </a:lnB>
+                    <a:noFill/>
+                  </a:tcPr>
+                </a:tc>
+                <a:tc>
+                  <a:txBody>
+                    <a:bodyPr/>
+                    <a:lstStyle/>
+                    <a:p>
+                      <a:pPr marL="0" marR="0">
+                        <a:spcBef>
+                          <a:spcPts val="0"/>
+                        </a:spcBef>
+                        <a:spcAft>
+                          <a:spcPts val="0"/>
+                        </a:spcAft>
+                      </a:pPr>
+                      <a:r>
+                        <a:rPr lang="en-US" sz="1800" dirty="0">
+                          <a:solidFill>
+                            <a:schemeClr val="tx1"/>
+                          </a:solidFill>
+                          <a:effectLst/>
+                        </a:rPr>
+                        <a:t>Oct. 25</a:t>
+                      </a:r>
+                      <a:endParaRPr lang="en-US" sz="1800" dirty="0">
+                        <a:solidFill>
+                          <a:schemeClr val="tx1"/>
+                        </a:solidFill>
+                        <a:effectLst/>
+                        <a:latin typeface="Calibri" panose="020F0502020204030204" pitchFamily="34" charset="0"/>
+                        <a:ea typeface="Calibri" panose="020F0502020204030204" pitchFamily="34" charset="0"/>
+                        <a:cs typeface="Times New Roman" panose="02020603050405020304" pitchFamily="18" charset="0"/>
+                      </a:endParaRPr>
+                    </a:p>
+                  </a:txBody>
+                  <a:tcPr marL="34673" marR="34673" marT="0" marB="0">
+                    <a:lnL w="12700" cap="flat" cmpd="sng" algn="ctr">
+                      <a:solidFill>
+                        <a:schemeClr val="tx1"/>
+                      </a:solidFill>
+                      <a:prstDash val="solid"/>
+                      <a:round/>
+                      <a:headEnd type="none" w="med" len="med"/>
+                      <a:tailEnd type="none" w="med" len="med"/>
+                    </a:lnL>
+                    <a:lnR w="12700" cap="flat" cmpd="sng" algn="ctr">
+                      <a:solidFill>
+                        <a:schemeClr val="tx1"/>
+                      </a:solidFill>
+                      <a:prstDash val="solid"/>
+                      <a:round/>
+                      <a:headEnd type="none" w="med" len="med"/>
+                      <a:tailEnd type="none" w="med" len="med"/>
+                    </a:lnR>
+                    <a:lnT w="12700" cap="flat" cmpd="sng" algn="ctr">
+                      <a:solidFill>
+                        <a:schemeClr val="tx1"/>
+                      </a:solidFill>
+                      <a:prstDash val="solid"/>
+                      <a:round/>
+                      <a:headEnd type="none" w="med" len="med"/>
+                      <a:tailEnd type="none" w="med" len="med"/>
+                    </a:lnT>
+                    <a:lnB w="12700" cap="flat" cmpd="sng" algn="ctr">
+                      <a:solidFill>
+                        <a:schemeClr val="tx1"/>
+                      </a:solidFill>
+                      <a:prstDash val="solid"/>
+                      <a:round/>
+                      <a:headEnd type="none" w="med" len="med"/>
+                      <a:tailEnd type="none" w="med" len="med"/>
+                    </a:lnB>
+                    <a:noFill/>
+                  </a:tcPr>
+                </a:tc>
+                <a:extLst>
+                  <a:ext uri="{0D108BD9-81ED-4DB2-BD59-A6C34878D82A}">
+                    <a16:rowId xmlns:a16="http://schemas.microsoft.com/office/drawing/2014/main" val="2509813462"/>
+                  </a:ext>
+                </a:extLst>
+              </a:tr>
+              <a:tr h="479425">
+                <a:tc>
+                  <a:txBody>
+                    <a:bodyPr/>
+                    <a:lstStyle/>
+                    <a:p>
+                      <a:pPr marL="0" marR="0">
+                        <a:spcBef>
+                          <a:spcPts val="0"/>
+                        </a:spcBef>
+                        <a:spcAft>
+                          <a:spcPts val="0"/>
+                        </a:spcAft>
+                      </a:pPr>
+                      <a:r>
+                        <a:rPr lang="en-US" sz="1800" b="0" dirty="0">
+                          <a:solidFill>
+                            <a:schemeClr val="tx1"/>
+                          </a:solidFill>
+                          <a:effectLst/>
+                        </a:rPr>
+                        <a:t>Contribution to Open Source (Checkpoint 2)</a:t>
+                      </a:r>
+                      <a:endParaRPr lang="en-US" sz="1800" b="0" dirty="0">
+                        <a:solidFill>
+                          <a:schemeClr val="tx1"/>
+                        </a:solidFill>
+                        <a:effectLst/>
+                        <a:latin typeface="Calibri" panose="020F0502020204030204" pitchFamily="34" charset="0"/>
+                        <a:ea typeface="Calibri" panose="020F0502020204030204" pitchFamily="34" charset="0"/>
+                        <a:cs typeface="Times New Roman" panose="02020603050405020304" pitchFamily="18" charset="0"/>
+                      </a:endParaRPr>
+                    </a:p>
+                  </a:txBody>
+                  <a:tcPr marL="34673" marR="34673" marT="0" marB="0">
+                    <a:lnL w="12700" cap="flat" cmpd="sng" algn="ctr">
+                      <a:solidFill>
+                        <a:schemeClr val="tx1"/>
+                      </a:solidFill>
+                      <a:prstDash val="solid"/>
+                      <a:round/>
+                      <a:headEnd type="none" w="med" len="med"/>
+                      <a:tailEnd type="none" w="med" len="med"/>
+                    </a:lnL>
+                    <a:lnR w="12700" cap="flat" cmpd="sng" algn="ctr">
+                      <a:solidFill>
+                        <a:schemeClr val="tx1"/>
+                      </a:solidFill>
+                      <a:prstDash val="solid"/>
+                      <a:round/>
+                      <a:headEnd type="none" w="med" len="med"/>
+                      <a:tailEnd type="none" w="med" len="med"/>
+                    </a:lnR>
+                    <a:lnT w="12700" cap="flat" cmpd="sng" algn="ctr">
+                      <a:solidFill>
+                        <a:schemeClr val="tx1"/>
+                      </a:solidFill>
+                      <a:prstDash val="solid"/>
+                      <a:round/>
+                      <a:headEnd type="none" w="med" len="med"/>
+                      <a:tailEnd type="none" w="med" len="med"/>
+                    </a:lnT>
+                    <a:lnB w="12700" cap="flat" cmpd="sng" algn="ctr">
+                      <a:solidFill>
+                        <a:schemeClr val="tx1"/>
+                      </a:solidFill>
+                      <a:prstDash val="solid"/>
+                      <a:round/>
+                      <a:headEnd type="none" w="med" len="med"/>
+                      <a:tailEnd type="none" w="med" len="med"/>
+                    </a:lnB>
+                    <a:solidFill>
+                      <a:srgbClr val="FFC000"/>
+                    </a:solidFill>
+                  </a:tcPr>
+                </a:tc>
+                <a:tc>
+                  <a:txBody>
+                    <a:bodyPr/>
+                    <a:lstStyle/>
+                    <a:p>
+                      <a:pPr marL="0" marR="0">
+                        <a:spcBef>
+                          <a:spcPts val="0"/>
+                        </a:spcBef>
+                        <a:spcAft>
+                          <a:spcPts val="0"/>
+                        </a:spcAft>
+                      </a:pPr>
+                      <a:r>
+                        <a:rPr lang="en-US" sz="1800" dirty="0">
+                          <a:solidFill>
+                            <a:schemeClr val="tx1"/>
+                          </a:solidFill>
+                          <a:effectLst/>
+                        </a:rPr>
+                        <a:t>Progress report presentation</a:t>
+                      </a:r>
+                      <a:endParaRPr lang="en-US" sz="1800" dirty="0">
+                        <a:solidFill>
+                          <a:schemeClr val="tx1"/>
+                        </a:solidFill>
+                        <a:effectLst/>
+                        <a:latin typeface="Calibri" panose="020F0502020204030204" pitchFamily="34" charset="0"/>
+                        <a:ea typeface="Calibri" panose="020F0502020204030204" pitchFamily="34" charset="0"/>
+                        <a:cs typeface="Times New Roman" panose="02020603050405020304" pitchFamily="18" charset="0"/>
+                      </a:endParaRPr>
+                    </a:p>
+                  </a:txBody>
+                  <a:tcPr marL="34673" marR="34673" marT="0" marB="0">
+                    <a:lnL w="12700" cap="flat" cmpd="sng" algn="ctr">
+                      <a:solidFill>
+                        <a:schemeClr val="tx1"/>
+                      </a:solidFill>
+                      <a:prstDash val="solid"/>
+                      <a:round/>
+                      <a:headEnd type="none" w="med" len="med"/>
+                      <a:tailEnd type="none" w="med" len="med"/>
+                    </a:lnL>
+                    <a:lnR w="12700" cap="flat" cmpd="sng" algn="ctr">
+                      <a:solidFill>
+                        <a:schemeClr val="tx1"/>
+                      </a:solidFill>
+                      <a:prstDash val="solid"/>
+                      <a:round/>
+                      <a:headEnd type="none" w="med" len="med"/>
+                      <a:tailEnd type="none" w="med" len="med"/>
+                    </a:lnR>
+                    <a:lnT w="12700" cap="flat" cmpd="sng" algn="ctr">
+                      <a:solidFill>
+                        <a:schemeClr val="tx1"/>
+                      </a:solidFill>
+                      <a:prstDash val="solid"/>
+                      <a:round/>
+                      <a:headEnd type="none" w="med" len="med"/>
+                      <a:tailEnd type="none" w="med" len="med"/>
+                    </a:lnT>
+                    <a:lnB w="12700" cap="flat" cmpd="sng" algn="ctr">
+                      <a:solidFill>
+                        <a:schemeClr val="tx1"/>
+                      </a:solidFill>
+                      <a:prstDash val="solid"/>
+                      <a:round/>
+                      <a:headEnd type="none" w="med" len="med"/>
+                      <a:tailEnd type="none" w="med" len="med"/>
+                    </a:lnB>
+                    <a:solidFill>
+                      <a:srgbClr val="FFC000"/>
+                    </a:solidFill>
+                  </a:tcPr>
+                </a:tc>
+                <a:tc>
+                  <a:txBody>
+                    <a:bodyPr/>
+                    <a:lstStyle/>
+                    <a:p>
+                      <a:pPr marL="0" marR="0">
+                        <a:spcBef>
+                          <a:spcPts val="0"/>
+                        </a:spcBef>
+                        <a:spcAft>
+                          <a:spcPts val="0"/>
+                        </a:spcAft>
+                      </a:pPr>
+                      <a:r>
+                        <a:rPr lang="en-US" sz="1800">
+                          <a:solidFill>
+                            <a:schemeClr val="tx1"/>
+                          </a:solidFill>
+                          <a:effectLst/>
+                        </a:rPr>
+                        <a:t>5%</a:t>
+                      </a:r>
+                      <a:endParaRPr lang="en-US" sz="1800">
+                        <a:solidFill>
+                          <a:schemeClr val="tx1"/>
+                        </a:solidFill>
+                        <a:effectLst/>
+                        <a:latin typeface="Calibri" panose="020F0502020204030204" pitchFamily="34" charset="0"/>
+                        <a:ea typeface="Calibri" panose="020F0502020204030204" pitchFamily="34" charset="0"/>
+                        <a:cs typeface="Times New Roman" panose="02020603050405020304" pitchFamily="18" charset="0"/>
+                      </a:endParaRPr>
+                    </a:p>
+                  </a:txBody>
+                  <a:tcPr marL="34673" marR="34673" marT="0" marB="0">
+                    <a:lnL w="12700" cap="flat" cmpd="sng" algn="ctr">
+                      <a:solidFill>
+                        <a:schemeClr val="tx1"/>
+                      </a:solidFill>
+                      <a:prstDash val="solid"/>
+                      <a:round/>
+                      <a:headEnd type="none" w="med" len="med"/>
+                      <a:tailEnd type="none" w="med" len="med"/>
+                    </a:lnL>
+                    <a:lnR w="12700" cap="flat" cmpd="sng" algn="ctr">
+                      <a:solidFill>
+                        <a:schemeClr val="tx1"/>
+                      </a:solidFill>
+                      <a:prstDash val="solid"/>
+                      <a:round/>
+                      <a:headEnd type="none" w="med" len="med"/>
+                      <a:tailEnd type="none" w="med" len="med"/>
+                    </a:lnR>
+                    <a:lnT w="12700" cap="flat" cmpd="sng" algn="ctr">
+                      <a:solidFill>
+                        <a:schemeClr val="tx1"/>
+                      </a:solidFill>
+                      <a:prstDash val="solid"/>
+                      <a:round/>
+                      <a:headEnd type="none" w="med" len="med"/>
+                      <a:tailEnd type="none" w="med" len="med"/>
+                    </a:lnT>
+                    <a:lnB w="12700" cap="flat" cmpd="sng" algn="ctr">
+                      <a:solidFill>
+                        <a:schemeClr val="tx1"/>
+                      </a:solidFill>
+                      <a:prstDash val="solid"/>
+                      <a:round/>
+                      <a:headEnd type="none" w="med" len="med"/>
+                      <a:tailEnd type="none" w="med" len="med"/>
+                    </a:lnB>
+                    <a:solidFill>
+                      <a:srgbClr val="FFC000"/>
+                    </a:solidFill>
+                  </a:tcPr>
+                </a:tc>
+                <a:tc>
+                  <a:txBody>
+                    <a:bodyPr/>
+                    <a:lstStyle/>
+                    <a:p>
+                      <a:pPr marL="0" marR="0">
+                        <a:spcBef>
+                          <a:spcPts val="0"/>
+                        </a:spcBef>
+                        <a:spcAft>
+                          <a:spcPts val="0"/>
+                        </a:spcAft>
+                      </a:pPr>
+                      <a:r>
+                        <a:rPr lang="en-US" sz="1800" dirty="0">
+                          <a:solidFill>
+                            <a:schemeClr val="tx1"/>
+                          </a:solidFill>
+                          <a:effectLst/>
+                        </a:rPr>
+                        <a:t>Nov. 15</a:t>
+                      </a:r>
+                      <a:endParaRPr lang="en-US" sz="1800" dirty="0">
+                        <a:solidFill>
+                          <a:schemeClr val="tx1"/>
+                        </a:solidFill>
+                        <a:effectLst/>
+                        <a:latin typeface="Calibri" panose="020F0502020204030204" pitchFamily="34" charset="0"/>
+                        <a:ea typeface="Calibri" panose="020F0502020204030204" pitchFamily="34" charset="0"/>
+                        <a:cs typeface="Times New Roman" panose="02020603050405020304" pitchFamily="18" charset="0"/>
+                      </a:endParaRPr>
+                    </a:p>
+                  </a:txBody>
+                  <a:tcPr marL="34673" marR="34673" marT="0" marB="0">
+                    <a:lnL w="12700" cap="flat" cmpd="sng" algn="ctr">
+                      <a:solidFill>
+                        <a:schemeClr val="tx1"/>
+                      </a:solidFill>
+                      <a:prstDash val="solid"/>
+                      <a:round/>
+                      <a:headEnd type="none" w="med" len="med"/>
+                      <a:tailEnd type="none" w="med" len="med"/>
+                    </a:lnL>
+                    <a:lnR w="12700" cap="flat" cmpd="sng" algn="ctr">
+                      <a:solidFill>
+                        <a:schemeClr val="tx1"/>
+                      </a:solidFill>
+                      <a:prstDash val="solid"/>
+                      <a:round/>
+                      <a:headEnd type="none" w="med" len="med"/>
+                      <a:tailEnd type="none" w="med" len="med"/>
+                    </a:lnR>
+                    <a:lnT w="12700" cap="flat" cmpd="sng" algn="ctr">
+                      <a:solidFill>
+                        <a:schemeClr val="tx1"/>
+                      </a:solidFill>
+                      <a:prstDash val="solid"/>
+                      <a:round/>
+                      <a:headEnd type="none" w="med" len="med"/>
+                      <a:tailEnd type="none" w="med" len="med"/>
+                    </a:lnT>
+                    <a:lnB w="12700" cap="flat" cmpd="sng" algn="ctr">
+                      <a:solidFill>
+                        <a:schemeClr val="tx1"/>
+                      </a:solidFill>
+                      <a:prstDash val="solid"/>
+                      <a:round/>
+                      <a:headEnd type="none" w="med" len="med"/>
+                      <a:tailEnd type="none" w="med" len="med"/>
+                    </a:lnB>
+                    <a:solidFill>
+                      <a:srgbClr val="FFC000"/>
+                    </a:solidFill>
+                  </a:tcPr>
+                </a:tc>
+                <a:extLst>
+                  <a:ext uri="{0D108BD9-81ED-4DB2-BD59-A6C34878D82A}">
+                    <a16:rowId xmlns:a16="http://schemas.microsoft.com/office/drawing/2014/main" val="1432815250"/>
+                  </a:ext>
+                </a:extLst>
+              </a:tr>
+              <a:tr h="479425">
+                <a:tc>
+                  <a:txBody>
+                    <a:bodyPr/>
+                    <a:lstStyle/>
+                    <a:p>
+                      <a:pPr marL="0" marR="0">
+                        <a:spcBef>
+                          <a:spcPts val="0"/>
+                        </a:spcBef>
+                        <a:spcAft>
+                          <a:spcPts val="0"/>
+                        </a:spcAft>
+                      </a:pPr>
+                      <a:r>
+                        <a:rPr lang="en-US" sz="1800" b="0" dirty="0">
+                          <a:solidFill>
+                            <a:schemeClr val="tx1"/>
+                          </a:solidFill>
+                          <a:effectLst/>
+                        </a:rPr>
+                        <a:t>Contribution to Open Source [Peer (in-class) code Review]</a:t>
+                      </a:r>
+                      <a:endParaRPr lang="en-US" sz="1800" b="0" dirty="0">
+                        <a:solidFill>
+                          <a:schemeClr val="tx1"/>
+                        </a:solidFill>
+                        <a:effectLst/>
+                        <a:latin typeface="Calibri" panose="020F0502020204030204" pitchFamily="34" charset="0"/>
+                        <a:ea typeface="Calibri" panose="020F0502020204030204" pitchFamily="34" charset="0"/>
+                        <a:cs typeface="Times New Roman" panose="02020603050405020304" pitchFamily="18" charset="0"/>
+                      </a:endParaRPr>
+                    </a:p>
+                  </a:txBody>
+                  <a:tcPr marL="34673" marR="34673" marT="0" marB="0">
+                    <a:lnL w="12700" cap="flat" cmpd="sng" algn="ctr">
+                      <a:solidFill>
+                        <a:schemeClr val="tx1"/>
+                      </a:solidFill>
+                      <a:prstDash val="solid"/>
+                      <a:round/>
+                      <a:headEnd type="none" w="med" len="med"/>
+                      <a:tailEnd type="none" w="med" len="med"/>
+                    </a:lnL>
+                    <a:lnR w="12700" cap="flat" cmpd="sng" algn="ctr">
+                      <a:solidFill>
+                        <a:schemeClr val="tx1"/>
+                      </a:solidFill>
+                      <a:prstDash val="solid"/>
+                      <a:round/>
+                      <a:headEnd type="none" w="med" len="med"/>
+                      <a:tailEnd type="none" w="med" len="med"/>
+                    </a:lnR>
+                    <a:lnT w="12700" cap="flat" cmpd="sng" algn="ctr">
+                      <a:solidFill>
+                        <a:schemeClr val="tx1"/>
+                      </a:solidFill>
+                      <a:prstDash val="solid"/>
+                      <a:round/>
+                      <a:headEnd type="none" w="med" len="med"/>
+                      <a:tailEnd type="none" w="med" len="med"/>
+                    </a:lnT>
+                    <a:lnB w="12700" cap="flat" cmpd="sng" algn="ctr">
+                      <a:solidFill>
+                        <a:schemeClr val="tx1"/>
+                      </a:solidFill>
+                      <a:prstDash val="solid"/>
+                      <a:round/>
+                      <a:headEnd type="none" w="med" len="med"/>
+                      <a:tailEnd type="none" w="med" len="med"/>
+                    </a:lnB>
+                    <a:noFill/>
+                  </a:tcPr>
+                </a:tc>
+                <a:tc>
+                  <a:txBody>
+                    <a:bodyPr/>
+                    <a:lstStyle/>
+                    <a:p>
+                      <a:pPr marL="0" marR="0">
+                        <a:spcBef>
+                          <a:spcPts val="0"/>
+                        </a:spcBef>
+                        <a:spcAft>
+                          <a:spcPts val="0"/>
+                        </a:spcAft>
+                      </a:pPr>
+                      <a:r>
+                        <a:rPr lang="en-US" sz="1800" dirty="0">
+                          <a:solidFill>
+                            <a:schemeClr val="tx1"/>
+                          </a:solidFill>
+                          <a:effectLst/>
+                        </a:rPr>
+                        <a:t>Code review performed by other group (This task may be done throughout the period, depending on the flux of submissions)</a:t>
+                      </a:r>
+                      <a:endParaRPr lang="en-US" sz="1800" dirty="0">
+                        <a:solidFill>
+                          <a:schemeClr val="tx1"/>
+                        </a:solidFill>
+                        <a:effectLst/>
+                        <a:latin typeface="Calibri" panose="020F0502020204030204" pitchFamily="34" charset="0"/>
+                        <a:ea typeface="Calibri" panose="020F0502020204030204" pitchFamily="34" charset="0"/>
+                        <a:cs typeface="Times New Roman" panose="02020603050405020304" pitchFamily="18" charset="0"/>
+                      </a:endParaRPr>
+                    </a:p>
+                  </a:txBody>
+                  <a:tcPr marL="34673" marR="34673" marT="0" marB="0">
+                    <a:lnL w="12700" cap="flat" cmpd="sng" algn="ctr">
+                      <a:solidFill>
+                        <a:schemeClr val="tx1"/>
+                      </a:solidFill>
+                      <a:prstDash val="solid"/>
+                      <a:round/>
+                      <a:headEnd type="none" w="med" len="med"/>
+                      <a:tailEnd type="none" w="med" len="med"/>
+                    </a:lnL>
+                    <a:lnR w="12700" cap="flat" cmpd="sng" algn="ctr">
+                      <a:solidFill>
+                        <a:schemeClr val="tx1"/>
+                      </a:solidFill>
+                      <a:prstDash val="solid"/>
+                      <a:round/>
+                      <a:headEnd type="none" w="med" len="med"/>
+                      <a:tailEnd type="none" w="med" len="med"/>
+                    </a:lnR>
+                    <a:lnT w="12700" cap="flat" cmpd="sng" algn="ctr">
+                      <a:solidFill>
+                        <a:schemeClr val="tx1"/>
+                      </a:solidFill>
+                      <a:prstDash val="solid"/>
+                      <a:round/>
+                      <a:headEnd type="none" w="med" len="med"/>
+                      <a:tailEnd type="none" w="med" len="med"/>
+                    </a:lnT>
+                    <a:lnB w="12700" cap="flat" cmpd="sng" algn="ctr">
+                      <a:solidFill>
+                        <a:schemeClr val="tx1"/>
+                      </a:solidFill>
+                      <a:prstDash val="solid"/>
+                      <a:round/>
+                      <a:headEnd type="none" w="med" len="med"/>
+                      <a:tailEnd type="none" w="med" len="med"/>
+                    </a:lnB>
+                    <a:noFill/>
+                  </a:tcPr>
+                </a:tc>
+                <a:tc>
+                  <a:txBody>
+                    <a:bodyPr/>
+                    <a:lstStyle/>
+                    <a:p>
+                      <a:pPr marL="0" marR="0">
+                        <a:spcBef>
+                          <a:spcPts val="0"/>
+                        </a:spcBef>
+                        <a:spcAft>
+                          <a:spcPts val="0"/>
+                        </a:spcAft>
+                      </a:pPr>
+                      <a:r>
+                        <a:rPr lang="en-US" sz="1800" dirty="0">
+                          <a:solidFill>
+                            <a:schemeClr val="tx1"/>
+                          </a:solidFill>
+                          <a:effectLst/>
+                        </a:rPr>
+                        <a:t>5%</a:t>
+                      </a:r>
+                      <a:endParaRPr lang="en-US" sz="1800" dirty="0">
+                        <a:solidFill>
+                          <a:schemeClr val="tx1"/>
+                        </a:solidFill>
+                        <a:effectLst/>
+                        <a:latin typeface="Calibri" panose="020F0502020204030204" pitchFamily="34" charset="0"/>
+                        <a:ea typeface="Calibri" panose="020F0502020204030204" pitchFamily="34" charset="0"/>
+                        <a:cs typeface="Times New Roman" panose="02020603050405020304" pitchFamily="18" charset="0"/>
+                      </a:endParaRPr>
+                    </a:p>
+                  </a:txBody>
+                  <a:tcPr marL="34673" marR="34673" marT="0" marB="0">
+                    <a:lnL w="12700" cap="flat" cmpd="sng" algn="ctr">
+                      <a:solidFill>
+                        <a:schemeClr val="tx1"/>
+                      </a:solidFill>
+                      <a:prstDash val="solid"/>
+                      <a:round/>
+                      <a:headEnd type="none" w="med" len="med"/>
+                      <a:tailEnd type="none" w="med" len="med"/>
+                    </a:lnL>
+                    <a:lnR w="12700" cap="flat" cmpd="sng" algn="ctr">
+                      <a:solidFill>
+                        <a:schemeClr val="tx1"/>
+                      </a:solidFill>
+                      <a:prstDash val="solid"/>
+                      <a:round/>
+                      <a:headEnd type="none" w="med" len="med"/>
+                      <a:tailEnd type="none" w="med" len="med"/>
+                    </a:lnR>
+                    <a:lnT w="12700" cap="flat" cmpd="sng" algn="ctr">
+                      <a:solidFill>
+                        <a:schemeClr val="tx1"/>
+                      </a:solidFill>
+                      <a:prstDash val="solid"/>
+                      <a:round/>
+                      <a:headEnd type="none" w="med" len="med"/>
+                      <a:tailEnd type="none" w="med" len="med"/>
+                    </a:lnT>
+                    <a:lnB w="12700" cap="flat" cmpd="sng" algn="ctr">
+                      <a:solidFill>
+                        <a:schemeClr val="tx1"/>
+                      </a:solidFill>
+                      <a:prstDash val="solid"/>
+                      <a:round/>
+                      <a:headEnd type="none" w="med" len="med"/>
+                      <a:tailEnd type="none" w="med" len="med"/>
+                    </a:lnB>
+                    <a:noFill/>
+                  </a:tcPr>
+                </a:tc>
+                <a:tc>
+                  <a:txBody>
+                    <a:bodyPr/>
+                    <a:lstStyle/>
+                    <a:p>
+                      <a:pPr marL="0" marR="0">
+                        <a:spcBef>
+                          <a:spcPts val="0"/>
+                        </a:spcBef>
+                        <a:spcAft>
+                          <a:spcPts val="0"/>
+                        </a:spcAft>
+                      </a:pPr>
+                      <a:r>
+                        <a:rPr lang="en-US" sz="1800" dirty="0">
+                          <a:solidFill>
+                            <a:schemeClr val="tx1"/>
+                          </a:solidFill>
+                          <a:effectLst/>
+                        </a:rPr>
+                        <a:t>Nov. 29</a:t>
+                      </a:r>
+                      <a:endParaRPr lang="en-US" sz="1800" dirty="0">
+                        <a:solidFill>
+                          <a:schemeClr val="tx1"/>
+                        </a:solidFill>
+                        <a:effectLst/>
+                        <a:latin typeface="Calibri" panose="020F0502020204030204" pitchFamily="34" charset="0"/>
+                        <a:ea typeface="Calibri" panose="020F0502020204030204" pitchFamily="34" charset="0"/>
+                        <a:cs typeface="Times New Roman" panose="02020603050405020304" pitchFamily="18" charset="0"/>
+                      </a:endParaRPr>
+                    </a:p>
+                  </a:txBody>
+                  <a:tcPr marL="34673" marR="34673" marT="0" marB="0">
+                    <a:lnL w="12700" cap="flat" cmpd="sng" algn="ctr">
+                      <a:solidFill>
+                        <a:schemeClr val="tx1"/>
+                      </a:solidFill>
+                      <a:prstDash val="solid"/>
+                      <a:round/>
+                      <a:headEnd type="none" w="med" len="med"/>
+                      <a:tailEnd type="none" w="med" len="med"/>
+                    </a:lnL>
+                    <a:lnR w="12700" cap="flat" cmpd="sng" algn="ctr">
+                      <a:solidFill>
+                        <a:schemeClr val="tx1"/>
+                      </a:solidFill>
+                      <a:prstDash val="solid"/>
+                      <a:round/>
+                      <a:headEnd type="none" w="med" len="med"/>
+                      <a:tailEnd type="none" w="med" len="med"/>
+                    </a:lnR>
+                    <a:lnT w="12700" cap="flat" cmpd="sng" algn="ctr">
+                      <a:solidFill>
+                        <a:schemeClr val="tx1"/>
+                      </a:solidFill>
+                      <a:prstDash val="solid"/>
+                      <a:round/>
+                      <a:headEnd type="none" w="med" len="med"/>
+                      <a:tailEnd type="none" w="med" len="med"/>
+                    </a:lnT>
+                    <a:lnB w="12700" cap="flat" cmpd="sng" algn="ctr">
+                      <a:solidFill>
+                        <a:schemeClr val="tx1"/>
+                      </a:solidFill>
+                      <a:prstDash val="solid"/>
+                      <a:round/>
+                      <a:headEnd type="none" w="med" len="med"/>
+                      <a:tailEnd type="none" w="med" len="med"/>
+                    </a:lnB>
+                    <a:noFill/>
+                  </a:tcPr>
+                </a:tc>
+                <a:extLst>
+                  <a:ext uri="{0D108BD9-81ED-4DB2-BD59-A6C34878D82A}">
+                    <a16:rowId xmlns:a16="http://schemas.microsoft.com/office/drawing/2014/main" val="774169476"/>
+                  </a:ext>
+                </a:extLst>
+              </a:tr>
+              <a:tr h="383541">
+                <a:tc>
+                  <a:txBody>
+                    <a:bodyPr/>
+                    <a:lstStyle/>
+                    <a:p>
+                      <a:pPr marL="0" marR="0">
+                        <a:spcBef>
+                          <a:spcPts val="0"/>
+                        </a:spcBef>
+                        <a:spcAft>
+                          <a:spcPts val="0"/>
+                        </a:spcAft>
+                      </a:pPr>
+                      <a:r>
+                        <a:rPr lang="en-US" sz="1800" b="0" dirty="0">
+                          <a:solidFill>
+                            <a:schemeClr val="tx1"/>
+                          </a:solidFill>
+                          <a:effectLst/>
+                        </a:rPr>
+                        <a:t>Contribution to Open Source (Checkpoint 3)</a:t>
+                      </a:r>
+                      <a:endParaRPr lang="en-US" sz="1800" b="0" dirty="0">
+                        <a:solidFill>
+                          <a:schemeClr val="tx1"/>
+                        </a:solidFill>
+                        <a:effectLst/>
+                        <a:latin typeface="Calibri" panose="020F0502020204030204" pitchFamily="34" charset="0"/>
+                        <a:ea typeface="Calibri" panose="020F0502020204030204" pitchFamily="34" charset="0"/>
+                        <a:cs typeface="Times New Roman" panose="02020603050405020304" pitchFamily="18" charset="0"/>
+                      </a:endParaRPr>
+                    </a:p>
+                  </a:txBody>
+                  <a:tcPr marL="34673" marR="34673" marT="0" marB="0">
+                    <a:lnL w="12700" cap="flat" cmpd="sng" algn="ctr">
+                      <a:solidFill>
+                        <a:schemeClr val="tx1"/>
+                      </a:solidFill>
+                      <a:prstDash val="solid"/>
+                      <a:round/>
+                      <a:headEnd type="none" w="med" len="med"/>
+                      <a:tailEnd type="none" w="med" len="med"/>
+                    </a:lnL>
+                    <a:lnR w="12700" cap="flat" cmpd="sng" algn="ctr">
+                      <a:solidFill>
+                        <a:schemeClr val="tx1"/>
+                      </a:solidFill>
+                      <a:prstDash val="solid"/>
+                      <a:round/>
+                      <a:headEnd type="none" w="med" len="med"/>
+                      <a:tailEnd type="none" w="med" len="med"/>
+                    </a:lnR>
+                    <a:lnT w="12700" cap="flat" cmpd="sng" algn="ctr">
+                      <a:solidFill>
+                        <a:schemeClr val="tx1"/>
+                      </a:solidFill>
+                      <a:prstDash val="solid"/>
+                      <a:round/>
+                      <a:headEnd type="none" w="med" len="med"/>
+                      <a:tailEnd type="none" w="med" len="med"/>
+                    </a:lnT>
+                    <a:lnB w="12700" cap="flat" cmpd="sng" algn="ctr">
+                      <a:solidFill>
+                        <a:schemeClr val="tx1"/>
+                      </a:solidFill>
+                      <a:prstDash val="solid"/>
+                      <a:round/>
+                      <a:headEnd type="none" w="med" len="med"/>
+                      <a:tailEnd type="none" w="med" len="med"/>
+                    </a:lnB>
+                    <a:solidFill>
+                      <a:srgbClr val="FFC000"/>
+                    </a:solidFill>
+                  </a:tcPr>
+                </a:tc>
+                <a:tc>
+                  <a:txBody>
+                    <a:bodyPr/>
+                    <a:lstStyle/>
+                    <a:p>
+                      <a:pPr marL="0" marR="0">
+                        <a:spcBef>
+                          <a:spcPts val="0"/>
+                        </a:spcBef>
+                        <a:spcAft>
+                          <a:spcPts val="0"/>
+                        </a:spcAft>
+                      </a:pPr>
+                      <a:r>
+                        <a:rPr lang="en-US" sz="1800" dirty="0">
+                          <a:solidFill>
+                            <a:schemeClr val="tx1"/>
+                          </a:solidFill>
+                          <a:effectLst/>
+                        </a:rPr>
+                        <a:t>Final presentation (group + instructor)</a:t>
+                      </a:r>
+                      <a:br>
+                        <a:rPr lang="en-US" sz="1800" dirty="0">
+                          <a:solidFill>
+                            <a:schemeClr val="tx1"/>
+                          </a:solidFill>
+                          <a:effectLst/>
+                        </a:rPr>
+                      </a:br>
+                      <a:r>
+                        <a:rPr lang="en-US" sz="1800" dirty="0">
+                          <a:solidFill>
+                            <a:schemeClr val="tx1"/>
+                          </a:solidFill>
+                          <a:effectLst/>
+                        </a:rPr>
+                        <a:t>can be done during office hours</a:t>
+                      </a:r>
+                      <a:endParaRPr lang="en-US" sz="1800" dirty="0">
+                        <a:solidFill>
+                          <a:schemeClr val="tx1"/>
+                        </a:solidFill>
+                        <a:effectLst/>
+                        <a:latin typeface="Calibri" panose="020F0502020204030204" pitchFamily="34" charset="0"/>
+                        <a:ea typeface="Calibri" panose="020F0502020204030204" pitchFamily="34" charset="0"/>
+                        <a:cs typeface="Times New Roman" panose="02020603050405020304" pitchFamily="18" charset="0"/>
+                      </a:endParaRPr>
+                    </a:p>
+                  </a:txBody>
+                  <a:tcPr marL="34673" marR="34673" marT="0" marB="0">
+                    <a:lnL w="12700" cap="flat" cmpd="sng" algn="ctr">
+                      <a:solidFill>
+                        <a:schemeClr val="tx1"/>
+                      </a:solidFill>
+                      <a:prstDash val="solid"/>
+                      <a:round/>
+                      <a:headEnd type="none" w="med" len="med"/>
+                      <a:tailEnd type="none" w="med" len="med"/>
+                    </a:lnL>
+                    <a:lnR w="12700" cap="flat" cmpd="sng" algn="ctr">
+                      <a:solidFill>
+                        <a:schemeClr val="tx1"/>
+                      </a:solidFill>
+                      <a:prstDash val="solid"/>
+                      <a:round/>
+                      <a:headEnd type="none" w="med" len="med"/>
+                      <a:tailEnd type="none" w="med" len="med"/>
+                    </a:lnR>
+                    <a:lnT w="12700" cap="flat" cmpd="sng" algn="ctr">
+                      <a:solidFill>
+                        <a:schemeClr val="tx1"/>
+                      </a:solidFill>
+                      <a:prstDash val="solid"/>
+                      <a:round/>
+                      <a:headEnd type="none" w="med" len="med"/>
+                      <a:tailEnd type="none" w="med" len="med"/>
+                    </a:lnT>
+                    <a:lnB w="12700" cap="flat" cmpd="sng" algn="ctr">
+                      <a:solidFill>
+                        <a:schemeClr val="tx1"/>
+                      </a:solidFill>
+                      <a:prstDash val="solid"/>
+                      <a:round/>
+                      <a:headEnd type="none" w="med" len="med"/>
+                      <a:tailEnd type="none" w="med" len="med"/>
+                    </a:lnB>
+                    <a:solidFill>
+                      <a:srgbClr val="FFC000"/>
+                    </a:solidFill>
+                  </a:tcPr>
+                </a:tc>
+                <a:tc>
+                  <a:txBody>
+                    <a:bodyPr/>
+                    <a:lstStyle/>
+                    <a:p>
+                      <a:pPr marL="0" marR="0">
+                        <a:spcBef>
+                          <a:spcPts val="0"/>
+                        </a:spcBef>
+                        <a:spcAft>
+                          <a:spcPts val="0"/>
+                        </a:spcAft>
+                      </a:pPr>
+                      <a:r>
+                        <a:rPr lang="en-US" sz="1800">
+                          <a:solidFill>
+                            <a:schemeClr val="tx1"/>
+                          </a:solidFill>
+                          <a:effectLst/>
+                        </a:rPr>
+                        <a:t>10%</a:t>
+                      </a:r>
+                      <a:endParaRPr lang="en-US" sz="1800">
+                        <a:solidFill>
+                          <a:schemeClr val="tx1"/>
+                        </a:solidFill>
+                        <a:effectLst/>
+                        <a:latin typeface="Calibri" panose="020F0502020204030204" pitchFamily="34" charset="0"/>
+                        <a:ea typeface="Calibri" panose="020F0502020204030204" pitchFamily="34" charset="0"/>
+                        <a:cs typeface="Times New Roman" panose="02020603050405020304" pitchFamily="18" charset="0"/>
+                      </a:endParaRPr>
+                    </a:p>
+                  </a:txBody>
+                  <a:tcPr marL="34673" marR="34673" marT="0" marB="0">
+                    <a:lnL w="12700" cap="flat" cmpd="sng" algn="ctr">
+                      <a:solidFill>
+                        <a:schemeClr val="tx1"/>
+                      </a:solidFill>
+                      <a:prstDash val="solid"/>
+                      <a:round/>
+                      <a:headEnd type="none" w="med" len="med"/>
+                      <a:tailEnd type="none" w="med" len="med"/>
+                    </a:lnL>
+                    <a:lnR w="12700" cap="flat" cmpd="sng" algn="ctr">
+                      <a:solidFill>
+                        <a:schemeClr val="tx1"/>
+                      </a:solidFill>
+                      <a:prstDash val="solid"/>
+                      <a:round/>
+                      <a:headEnd type="none" w="med" len="med"/>
+                      <a:tailEnd type="none" w="med" len="med"/>
+                    </a:lnR>
+                    <a:lnT w="12700" cap="flat" cmpd="sng" algn="ctr">
+                      <a:solidFill>
+                        <a:schemeClr val="tx1"/>
+                      </a:solidFill>
+                      <a:prstDash val="solid"/>
+                      <a:round/>
+                      <a:headEnd type="none" w="med" len="med"/>
+                      <a:tailEnd type="none" w="med" len="med"/>
+                    </a:lnT>
+                    <a:lnB w="12700" cap="flat" cmpd="sng" algn="ctr">
+                      <a:solidFill>
+                        <a:schemeClr val="tx1"/>
+                      </a:solidFill>
+                      <a:prstDash val="solid"/>
+                      <a:round/>
+                      <a:headEnd type="none" w="med" len="med"/>
+                      <a:tailEnd type="none" w="med" len="med"/>
+                    </a:lnB>
+                    <a:solidFill>
+                      <a:srgbClr val="FFC000"/>
+                    </a:solidFill>
+                  </a:tcPr>
+                </a:tc>
+                <a:tc>
+                  <a:txBody>
+                    <a:bodyPr/>
+                    <a:lstStyle/>
+                    <a:p>
+                      <a:pPr marL="0" marR="0">
+                        <a:spcBef>
+                          <a:spcPts val="0"/>
+                        </a:spcBef>
+                        <a:spcAft>
+                          <a:spcPts val="0"/>
+                        </a:spcAft>
+                      </a:pPr>
+                      <a:r>
+                        <a:rPr lang="en-US" sz="1800" dirty="0">
+                          <a:solidFill>
+                            <a:schemeClr val="tx1"/>
+                          </a:solidFill>
+                          <a:effectLst/>
+                        </a:rPr>
+                        <a:t>Dec. 6</a:t>
+                      </a:r>
+                      <a:endParaRPr lang="en-US" sz="1800" dirty="0">
+                        <a:solidFill>
+                          <a:schemeClr val="tx1"/>
+                        </a:solidFill>
+                        <a:effectLst/>
+                        <a:latin typeface="Calibri" panose="020F0502020204030204" pitchFamily="34" charset="0"/>
+                        <a:ea typeface="Calibri" panose="020F0502020204030204" pitchFamily="34" charset="0"/>
+                        <a:cs typeface="Times New Roman" panose="02020603050405020304" pitchFamily="18" charset="0"/>
+                      </a:endParaRPr>
+                    </a:p>
+                  </a:txBody>
+                  <a:tcPr marL="34673" marR="34673" marT="0" marB="0">
+                    <a:lnL w="12700" cap="flat" cmpd="sng" algn="ctr">
+                      <a:solidFill>
+                        <a:schemeClr val="tx1"/>
+                      </a:solidFill>
+                      <a:prstDash val="solid"/>
+                      <a:round/>
+                      <a:headEnd type="none" w="med" len="med"/>
+                      <a:tailEnd type="none" w="med" len="med"/>
+                    </a:lnL>
+                    <a:lnR w="12700" cap="flat" cmpd="sng" algn="ctr">
+                      <a:solidFill>
+                        <a:schemeClr val="tx1"/>
+                      </a:solidFill>
+                      <a:prstDash val="solid"/>
+                      <a:round/>
+                      <a:headEnd type="none" w="med" len="med"/>
+                      <a:tailEnd type="none" w="med" len="med"/>
+                    </a:lnR>
+                    <a:lnT w="12700" cap="flat" cmpd="sng" algn="ctr">
+                      <a:solidFill>
+                        <a:schemeClr val="tx1"/>
+                      </a:solidFill>
+                      <a:prstDash val="solid"/>
+                      <a:round/>
+                      <a:headEnd type="none" w="med" len="med"/>
+                      <a:tailEnd type="none" w="med" len="med"/>
+                    </a:lnT>
+                    <a:lnB w="12700" cap="flat" cmpd="sng" algn="ctr">
+                      <a:solidFill>
+                        <a:schemeClr val="tx1"/>
+                      </a:solidFill>
+                      <a:prstDash val="solid"/>
+                      <a:round/>
+                      <a:headEnd type="none" w="med" len="med"/>
+                      <a:tailEnd type="none" w="med" len="med"/>
+                    </a:lnB>
+                    <a:solidFill>
+                      <a:srgbClr val="FFC000"/>
+                    </a:solidFill>
+                  </a:tcPr>
+                </a:tc>
+                <a:extLst>
+                  <a:ext uri="{0D108BD9-81ED-4DB2-BD59-A6C34878D82A}">
+                    <a16:rowId xmlns:a16="http://schemas.microsoft.com/office/drawing/2014/main" val="2735399775"/>
+                  </a:ext>
+                </a:extLst>
+              </a:tr>
+              <a:tr h="479425">
+                <a:tc>
+                  <a:txBody>
+                    <a:bodyPr/>
+                    <a:lstStyle/>
+                    <a:p>
+                      <a:pPr marL="0" marR="0">
+                        <a:spcBef>
+                          <a:spcPts val="0"/>
+                        </a:spcBef>
+                        <a:spcAft>
+                          <a:spcPts val="0"/>
+                        </a:spcAft>
+                      </a:pPr>
+                      <a:r>
+                        <a:rPr lang="en-US" sz="1800" b="0">
+                          <a:solidFill>
+                            <a:schemeClr val="tx1"/>
+                          </a:solidFill>
+                          <a:effectLst/>
+                        </a:rPr>
+                        <a:t>Contribution to Open Source (Final report)</a:t>
+                      </a:r>
+                      <a:endParaRPr lang="en-US" sz="1800" b="0">
+                        <a:solidFill>
+                          <a:schemeClr val="tx1"/>
+                        </a:solidFill>
+                        <a:effectLst/>
+                        <a:latin typeface="Calibri" panose="020F0502020204030204" pitchFamily="34" charset="0"/>
+                        <a:ea typeface="Calibri" panose="020F0502020204030204" pitchFamily="34" charset="0"/>
+                        <a:cs typeface="Times New Roman" panose="02020603050405020304" pitchFamily="18" charset="0"/>
+                      </a:endParaRPr>
+                    </a:p>
+                  </a:txBody>
+                  <a:tcPr marL="34673" marR="34673" marT="0" marB="0">
+                    <a:lnL w="12700" cap="flat" cmpd="sng" algn="ctr">
+                      <a:solidFill>
+                        <a:schemeClr val="tx1"/>
+                      </a:solidFill>
+                      <a:prstDash val="solid"/>
+                      <a:round/>
+                      <a:headEnd type="none" w="med" len="med"/>
+                      <a:tailEnd type="none" w="med" len="med"/>
+                    </a:lnL>
+                    <a:lnR w="12700" cap="flat" cmpd="sng" algn="ctr">
+                      <a:solidFill>
+                        <a:schemeClr val="tx1"/>
+                      </a:solidFill>
+                      <a:prstDash val="solid"/>
+                      <a:round/>
+                      <a:headEnd type="none" w="med" len="med"/>
+                      <a:tailEnd type="none" w="med" len="med"/>
+                    </a:lnR>
+                    <a:lnT w="12700" cap="flat" cmpd="sng" algn="ctr">
+                      <a:solidFill>
+                        <a:schemeClr val="tx1"/>
+                      </a:solidFill>
+                      <a:prstDash val="solid"/>
+                      <a:round/>
+                      <a:headEnd type="none" w="med" len="med"/>
+                      <a:tailEnd type="none" w="med" len="med"/>
+                    </a:lnT>
+                    <a:lnB w="12700" cap="flat" cmpd="sng" algn="ctr">
+                      <a:solidFill>
+                        <a:schemeClr val="tx1"/>
+                      </a:solidFill>
+                      <a:prstDash val="solid"/>
+                      <a:round/>
+                      <a:headEnd type="none" w="med" len="med"/>
+                      <a:tailEnd type="none" w="med" len="med"/>
+                    </a:lnB>
+                    <a:noFill/>
+                  </a:tcPr>
+                </a:tc>
+                <a:tc>
+                  <a:txBody>
+                    <a:bodyPr/>
+                    <a:lstStyle/>
+                    <a:p>
+                      <a:pPr marL="0" marR="0">
+                        <a:spcBef>
+                          <a:spcPts val="0"/>
+                        </a:spcBef>
+                        <a:spcAft>
+                          <a:spcPts val="0"/>
+                        </a:spcAft>
+                      </a:pPr>
+                      <a:r>
+                        <a:rPr lang="en-US" sz="1800">
+                          <a:solidFill>
+                            <a:schemeClr val="tx1"/>
+                          </a:solidFill>
+                          <a:effectLst/>
+                        </a:rPr>
+                        <a:t>Summary of the contribution process (I recommend to be written on-the-fly to avoid forgetting things)</a:t>
+                      </a:r>
+                      <a:endParaRPr lang="en-US" sz="1800">
+                        <a:solidFill>
+                          <a:schemeClr val="tx1"/>
+                        </a:solidFill>
+                        <a:effectLst/>
+                        <a:latin typeface="Calibri" panose="020F0502020204030204" pitchFamily="34" charset="0"/>
+                        <a:ea typeface="Calibri" panose="020F0502020204030204" pitchFamily="34" charset="0"/>
+                        <a:cs typeface="Times New Roman" panose="02020603050405020304" pitchFamily="18" charset="0"/>
+                      </a:endParaRPr>
+                    </a:p>
+                  </a:txBody>
+                  <a:tcPr marL="34673" marR="34673" marT="0" marB="0">
+                    <a:lnL w="12700" cap="flat" cmpd="sng" algn="ctr">
+                      <a:solidFill>
+                        <a:schemeClr val="tx1"/>
+                      </a:solidFill>
+                      <a:prstDash val="solid"/>
+                      <a:round/>
+                      <a:headEnd type="none" w="med" len="med"/>
+                      <a:tailEnd type="none" w="med" len="med"/>
+                    </a:lnL>
+                    <a:lnR w="12700" cap="flat" cmpd="sng" algn="ctr">
+                      <a:solidFill>
+                        <a:schemeClr val="tx1"/>
+                      </a:solidFill>
+                      <a:prstDash val="solid"/>
+                      <a:round/>
+                      <a:headEnd type="none" w="med" len="med"/>
+                      <a:tailEnd type="none" w="med" len="med"/>
+                    </a:lnR>
+                    <a:lnT w="12700" cap="flat" cmpd="sng" algn="ctr">
+                      <a:solidFill>
+                        <a:schemeClr val="tx1"/>
+                      </a:solidFill>
+                      <a:prstDash val="solid"/>
+                      <a:round/>
+                      <a:headEnd type="none" w="med" len="med"/>
+                      <a:tailEnd type="none" w="med" len="med"/>
+                    </a:lnT>
+                    <a:lnB w="12700" cap="flat" cmpd="sng" algn="ctr">
+                      <a:solidFill>
+                        <a:schemeClr val="tx1"/>
+                      </a:solidFill>
+                      <a:prstDash val="solid"/>
+                      <a:round/>
+                      <a:headEnd type="none" w="med" len="med"/>
+                      <a:tailEnd type="none" w="med" len="med"/>
+                    </a:lnB>
+                    <a:noFill/>
+                  </a:tcPr>
+                </a:tc>
+                <a:tc>
+                  <a:txBody>
+                    <a:bodyPr/>
+                    <a:lstStyle/>
+                    <a:p>
+                      <a:pPr marL="0" marR="0">
+                        <a:spcBef>
+                          <a:spcPts val="0"/>
+                        </a:spcBef>
+                        <a:spcAft>
+                          <a:spcPts val="0"/>
+                        </a:spcAft>
+                      </a:pPr>
+                      <a:r>
+                        <a:rPr lang="en-US" sz="1800">
+                          <a:solidFill>
+                            <a:schemeClr val="tx1"/>
+                          </a:solidFill>
+                          <a:effectLst/>
+                        </a:rPr>
+                        <a:t>20%</a:t>
+                      </a:r>
+                      <a:endParaRPr lang="en-US" sz="1800">
+                        <a:solidFill>
+                          <a:schemeClr val="tx1"/>
+                        </a:solidFill>
+                        <a:effectLst/>
+                        <a:latin typeface="Calibri" panose="020F0502020204030204" pitchFamily="34" charset="0"/>
+                        <a:ea typeface="Calibri" panose="020F0502020204030204" pitchFamily="34" charset="0"/>
+                        <a:cs typeface="Times New Roman" panose="02020603050405020304" pitchFamily="18" charset="0"/>
+                      </a:endParaRPr>
+                    </a:p>
+                  </a:txBody>
+                  <a:tcPr marL="34673" marR="34673" marT="0" marB="0">
+                    <a:lnL w="12700" cap="flat" cmpd="sng" algn="ctr">
+                      <a:solidFill>
+                        <a:schemeClr val="tx1"/>
+                      </a:solidFill>
+                      <a:prstDash val="solid"/>
+                      <a:round/>
+                      <a:headEnd type="none" w="med" len="med"/>
+                      <a:tailEnd type="none" w="med" len="med"/>
+                    </a:lnL>
+                    <a:lnR w="12700" cap="flat" cmpd="sng" algn="ctr">
+                      <a:solidFill>
+                        <a:schemeClr val="tx1"/>
+                      </a:solidFill>
+                      <a:prstDash val="solid"/>
+                      <a:round/>
+                      <a:headEnd type="none" w="med" len="med"/>
+                      <a:tailEnd type="none" w="med" len="med"/>
+                    </a:lnR>
+                    <a:lnT w="12700" cap="flat" cmpd="sng" algn="ctr">
+                      <a:solidFill>
+                        <a:schemeClr val="tx1"/>
+                      </a:solidFill>
+                      <a:prstDash val="solid"/>
+                      <a:round/>
+                      <a:headEnd type="none" w="med" len="med"/>
+                      <a:tailEnd type="none" w="med" len="med"/>
+                    </a:lnT>
+                    <a:lnB w="12700" cap="flat" cmpd="sng" algn="ctr">
+                      <a:solidFill>
+                        <a:schemeClr val="tx1"/>
+                      </a:solidFill>
+                      <a:prstDash val="solid"/>
+                      <a:round/>
+                      <a:headEnd type="none" w="med" len="med"/>
+                      <a:tailEnd type="none" w="med" len="med"/>
+                    </a:lnB>
+                    <a:noFill/>
+                  </a:tcPr>
+                </a:tc>
+                <a:tc>
+                  <a:txBody>
+                    <a:bodyPr/>
+                    <a:lstStyle/>
+                    <a:p>
+                      <a:pPr marL="0" marR="0">
+                        <a:spcBef>
+                          <a:spcPts val="0"/>
+                        </a:spcBef>
+                        <a:spcAft>
+                          <a:spcPts val="0"/>
+                        </a:spcAft>
+                      </a:pPr>
+                      <a:r>
+                        <a:rPr lang="en-US" sz="1800" dirty="0">
+                          <a:solidFill>
+                            <a:schemeClr val="tx1"/>
+                          </a:solidFill>
+                          <a:effectLst/>
+                        </a:rPr>
+                        <a:t>Dec. 13</a:t>
+                      </a:r>
+                      <a:endParaRPr lang="en-US" sz="1800" dirty="0">
+                        <a:solidFill>
+                          <a:schemeClr val="tx1"/>
+                        </a:solidFill>
+                        <a:effectLst/>
+                        <a:latin typeface="Calibri" panose="020F0502020204030204" pitchFamily="34" charset="0"/>
+                        <a:ea typeface="Calibri" panose="020F0502020204030204" pitchFamily="34" charset="0"/>
+                        <a:cs typeface="Times New Roman" panose="02020603050405020304" pitchFamily="18" charset="0"/>
+                      </a:endParaRPr>
+                    </a:p>
+                  </a:txBody>
+                  <a:tcPr marL="34673" marR="34673" marT="0" marB="0">
+                    <a:lnL w="12700" cap="flat" cmpd="sng" algn="ctr">
+                      <a:solidFill>
+                        <a:schemeClr val="tx1"/>
+                      </a:solidFill>
+                      <a:prstDash val="solid"/>
+                      <a:round/>
+                      <a:headEnd type="none" w="med" len="med"/>
+                      <a:tailEnd type="none" w="med" len="med"/>
+                    </a:lnL>
+                    <a:lnR w="12700" cap="flat" cmpd="sng" algn="ctr">
+                      <a:solidFill>
+                        <a:schemeClr val="tx1"/>
+                      </a:solidFill>
+                      <a:prstDash val="solid"/>
+                      <a:round/>
+                      <a:headEnd type="none" w="med" len="med"/>
+                      <a:tailEnd type="none" w="med" len="med"/>
+                    </a:lnR>
+                    <a:lnT w="12700" cap="flat" cmpd="sng" algn="ctr">
+                      <a:solidFill>
+                        <a:schemeClr val="tx1"/>
+                      </a:solidFill>
+                      <a:prstDash val="solid"/>
+                      <a:round/>
+                      <a:headEnd type="none" w="med" len="med"/>
+                      <a:tailEnd type="none" w="med" len="med"/>
+                    </a:lnT>
+                    <a:lnB w="12700" cap="flat" cmpd="sng" algn="ctr">
+                      <a:solidFill>
+                        <a:schemeClr val="tx1"/>
+                      </a:solidFill>
+                      <a:prstDash val="solid"/>
+                      <a:round/>
+                      <a:headEnd type="none" w="med" len="med"/>
+                      <a:tailEnd type="none" w="med" len="med"/>
+                    </a:lnB>
+                    <a:noFill/>
+                  </a:tcPr>
+                </a:tc>
+                <a:extLst>
+                  <a:ext uri="{0D108BD9-81ED-4DB2-BD59-A6C34878D82A}">
+                    <a16:rowId xmlns:a16="http://schemas.microsoft.com/office/drawing/2014/main" val="661763097"/>
+                  </a:ext>
+                </a:extLst>
+              </a:tr>
+            </a:tbl>
+          </a:graphicData>
+        </a:graphic>
+      </p:graphicFrame>
       <p:sp>
         <p:nvSpPr>
           <p:cNvPr id="4" name="Slide Number Placeholder 3">
             <a:extLst>
               <a:ext uri="{FF2B5EF4-FFF2-40B4-BE49-F238E27FC236}">
-                <a16:creationId xmlns:a16="http://schemas.microsoft.com/office/drawing/2014/main" id="{47889EFB-6F86-5E48-A79C-B0F844D8190A}"/>
+                <a16:creationId xmlns:a16="http://schemas.microsoft.com/office/drawing/2014/main" id="{5980FA27-603B-B242-A33D-22682FC1C95F}"/>
               </a:ext>
             </a:extLst>
           </p:cNvPr>
@@ -11627,58 +13742,10 @@
           </a:p>
         </p:txBody>
       </p:sp>
-      <p:sp>
-        <p:nvSpPr>
-          <p:cNvPr id="5" name="TextBox 4">
-            <a:extLst>
-              <a:ext uri="{FF2B5EF4-FFF2-40B4-BE49-F238E27FC236}">
-                <a16:creationId xmlns:a16="http://schemas.microsoft.com/office/drawing/2014/main" id="{FAD1C1FC-A48D-5642-A015-FC49F3FF618E}"/>
-              </a:ext>
-            </a:extLst>
-          </p:cNvPr>
-          <p:cNvSpPr txBox="1"/>
-          <p:nvPr/>
-        </p:nvSpPr>
-        <p:spPr>
-          <a:xfrm rot="1329265">
-            <a:off x="4753897" y="1556388"/>
-            <a:ext cx="2297885" cy="400110"/>
-          </a:xfrm>
-          <a:prstGeom prst="rect">
-            <a:avLst/>
-          </a:prstGeom>
-        </p:spPr>
-        <p:style>
-          <a:lnRef idx="2">
-            <a:schemeClr val="accent1"/>
-          </a:lnRef>
-          <a:fillRef idx="1">
-            <a:schemeClr val="lt1"/>
-          </a:fillRef>
-          <a:effectRef idx="0">
-            <a:schemeClr val="accent1"/>
-          </a:effectRef>
-          <a:fontRef idx="minor">
-            <a:schemeClr val="dk1"/>
-          </a:fontRef>
-        </p:style>
-        <p:txBody>
-          <a:bodyPr wrap="square" rtlCol="0">
-            <a:spAutoFit/>
-          </a:bodyPr>
-          <a:lstStyle/>
-          <a:p>
-            <a:r>
-              <a:rPr lang="en-US" b="1" dirty="0"/>
-              <a:t>First is next week!!!</a:t>
-            </a:r>
-          </a:p>
-        </p:txBody>
-      </p:sp>
     </p:spTree>
     <p:extLst>
       <p:ext uri="{BB962C8B-B14F-4D97-AF65-F5344CB8AC3E}">
-        <p14:creationId xmlns:p14="http://schemas.microsoft.com/office/powerpoint/2010/main" val="2450152829"/>
+        <p14:creationId xmlns:p14="http://schemas.microsoft.com/office/powerpoint/2010/main" val="2492843989"/>
       </p:ext>
     </p:extLst>
   </p:cSld>
@@ -11710,6 +13777,263 @@
           <p:cNvPr id="2" name="Title 1">
             <a:extLst>
               <a:ext uri="{FF2B5EF4-FFF2-40B4-BE49-F238E27FC236}">
+                <a16:creationId xmlns:a16="http://schemas.microsoft.com/office/drawing/2014/main" id="{F25AD9A8-636A-134B-B825-1762CE316BDC}"/>
+              </a:ext>
+            </a:extLst>
+          </p:cNvPr>
+          <p:cNvSpPr>
+            <a:spLocks noGrp="1"/>
+          </p:cNvSpPr>
+          <p:nvPr>
+            <p:ph type="title"/>
+          </p:nvPr>
+        </p:nvSpPr>
+        <p:spPr/>
+        <p:txBody>
+          <a:bodyPr/>
+          <a:lstStyle/>
+          <a:p>
+            <a:r>
+              <a:rPr lang="en-US" dirty="0"/>
+              <a:t>The Extras! (Maximum of 8 points)</a:t>
+            </a:r>
+          </a:p>
+        </p:txBody>
+      </p:sp>
+      <p:sp>
+        <p:nvSpPr>
+          <p:cNvPr id="3" name="Content Placeholder 2">
+            <a:extLst>
+              <a:ext uri="{FF2B5EF4-FFF2-40B4-BE49-F238E27FC236}">
+                <a16:creationId xmlns:a16="http://schemas.microsoft.com/office/drawing/2014/main" id="{A16CCA75-6A16-624C-9EC2-107120C455E6}"/>
+              </a:ext>
+            </a:extLst>
+          </p:cNvPr>
+          <p:cNvSpPr>
+            <a:spLocks noGrp="1"/>
+          </p:cNvSpPr>
+          <p:nvPr>
+            <p:ph idx="1"/>
+          </p:nvPr>
+        </p:nvSpPr>
+        <p:spPr/>
+        <p:txBody>
+          <a:bodyPr/>
+          <a:lstStyle/>
+          <a:p>
+            <a:r>
+              <a:rPr lang="en-US" dirty="0"/>
+              <a:t>Mediating discussions (4 points)</a:t>
+            </a:r>
+          </a:p>
+          <a:p>
+            <a:pPr lvl="1"/>
+            <a:r>
+              <a:rPr lang="en-US" dirty="0"/>
+              <a:t>There will be at least 5 opportunities</a:t>
+            </a:r>
+          </a:p>
+          <a:p>
+            <a:pPr lvl="1"/>
+            <a:r>
+              <a:rPr lang="en-US" dirty="0"/>
+              <a:t>4 mediators per opportunity</a:t>
+            </a:r>
+          </a:p>
+          <a:p>
+            <a:pPr lvl="1"/>
+            <a:r>
+              <a:rPr lang="en-US" dirty="0"/>
+              <a:t>Maximum 1 per student</a:t>
+            </a:r>
+          </a:p>
+          <a:p>
+            <a:r>
+              <a:rPr lang="en-US" dirty="0"/>
+              <a:t>Presenting short talks (5 minutes) – (4 points)</a:t>
+            </a:r>
+          </a:p>
+          <a:p>
+            <a:pPr lvl="1"/>
+            <a:r>
+              <a:rPr lang="en-US" dirty="0"/>
+              <a:t>Beginning of the class - Maximum 2 per day</a:t>
+            </a:r>
+          </a:p>
+          <a:p>
+            <a:pPr lvl="1"/>
+            <a:r>
+              <a:rPr lang="en-US" dirty="0"/>
+              <a:t>Maximum 1 per student</a:t>
+            </a:r>
+          </a:p>
+          <a:p>
+            <a:pPr lvl="1"/>
+            <a:r>
+              <a:rPr lang="en-US" dirty="0"/>
+              <a:t>Topics and rules at GitHub</a:t>
+            </a:r>
+          </a:p>
+          <a:p>
+            <a:r>
+              <a:rPr lang="en-US" dirty="0"/>
+              <a:t>Essays (2 points)</a:t>
+            </a:r>
+          </a:p>
+          <a:p>
+            <a:pPr lvl="1"/>
+            <a:r>
+              <a:rPr lang="en-US" dirty="0"/>
+              <a:t>1 page essay summarizing papers made available</a:t>
+            </a:r>
+          </a:p>
+          <a:p>
+            <a:pPr lvl="1"/>
+            <a:r>
+              <a:rPr lang="en-US" dirty="0"/>
+              <a:t>Maximum 2 per student</a:t>
+            </a:r>
+          </a:p>
+          <a:p>
+            <a:r>
+              <a:rPr lang="en-US" dirty="0"/>
+              <a:t>Participation in Talks (2 points)</a:t>
+            </a:r>
+          </a:p>
+          <a:p>
+            <a:pPr lvl="1"/>
+            <a:r>
+              <a:rPr lang="en-US" dirty="0"/>
+              <a:t>Invited talks at SICCS: attend and write a ½ page essay</a:t>
+            </a:r>
+          </a:p>
+          <a:p>
+            <a:pPr lvl="1"/>
+            <a:r>
+              <a:rPr lang="en-US" dirty="0"/>
+              <a:t>Maximum 2 per student</a:t>
+            </a:r>
+          </a:p>
+        </p:txBody>
+      </p:sp>
+      <p:sp>
+        <p:nvSpPr>
+          <p:cNvPr id="4" name="Slide Number Placeholder 3">
+            <a:extLst>
+              <a:ext uri="{FF2B5EF4-FFF2-40B4-BE49-F238E27FC236}">
+                <a16:creationId xmlns:a16="http://schemas.microsoft.com/office/drawing/2014/main" id="{47889EFB-6F86-5E48-A79C-B0F844D8190A}"/>
+              </a:ext>
+            </a:extLst>
+          </p:cNvPr>
+          <p:cNvSpPr>
+            <a:spLocks noGrp="1"/>
+          </p:cNvSpPr>
+          <p:nvPr>
+            <p:ph type="sldNum" sz="quarter" idx="12"/>
+          </p:nvPr>
+        </p:nvSpPr>
+        <p:spPr/>
+        <p:txBody>
+          <a:bodyPr/>
+          <a:lstStyle/>
+          <a:p>
+            <a:pPr>
+              <a:defRPr/>
+            </a:pPr>
+            <a:fld id="{3464530E-D695-45C9-AFB6-E411BBE0972A}" type="slidenum">
+              <a:rPr lang="en-US" smtClean="0"/>
+              <a:pPr>
+                <a:defRPr/>
+              </a:pPr>
+              <a:t>11</a:t>
+            </a:fld>
+            <a:endParaRPr lang="en-US"/>
+          </a:p>
+        </p:txBody>
+      </p:sp>
+      <p:sp>
+        <p:nvSpPr>
+          <p:cNvPr id="5" name="TextBox 4">
+            <a:extLst>
+              <a:ext uri="{FF2B5EF4-FFF2-40B4-BE49-F238E27FC236}">
+                <a16:creationId xmlns:a16="http://schemas.microsoft.com/office/drawing/2014/main" id="{FAD1C1FC-A48D-5642-A015-FC49F3FF618E}"/>
+              </a:ext>
+            </a:extLst>
+          </p:cNvPr>
+          <p:cNvSpPr txBox="1"/>
+          <p:nvPr/>
+        </p:nvSpPr>
+        <p:spPr>
+          <a:xfrm rot="1329265">
+            <a:off x="4753897" y="1556388"/>
+            <a:ext cx="2297885" cy="400110"/>
+          </a:xfrm>
+          <a:prstGeom prst="rect">
+            <a:avLst/>
+          </a:prstGeom>
+        </p:spPr>
+        <p:style>
+          <a:lnRef idx="2">
+            <a:schemeClr val="accent1"/>
+          </a:lnRef>
+          <a:fillRef idx="1">
+            <a:schemeClr val="lt1"/>
+          </a:fillRef>
+          <a:effectRef idx="0">
+            <a:schemeClr val="accent1"/>
+          </a:effectRef>
+          <a:fontRef idx="minor">
+            <a:schemeClr val="dk1"/>
+          </a:fontRef>
+        </p:style>
+        <p:txBody>
+          <a:bodyPr wrap="square" rtlCol="0">
+            <a:spAutoFit/>
+          </a:bodyPr>
+          <a:lstStyle/>
+          <a:p>
+            <a:r>
+              <a:rPr lang="en-US" b="1" dirty="0"/>
+              <a:t>First is next week!!!</a:t>
+            </a:r>
+          </a:p>
+        </p:txBody>
+      </p:sp>
+    </p:spTree>
+    <p:extLst>
+      <p:ext uri="{BB962C8B-B14F-4D97-AF65-F5344CB8AC3E}">
+        <p14:creationId xmlns:p14="http://schemas.microsoft.com/office/powerpoint/2010/main" val="2450152829"/>
+      </p:ext>
+    </p:extLst>
+  </p:cSld>
+  <p:clrMapOvr>
+    <a:masterClrMapping/>
+  </p:clrMapOvr>
+</p:sld>
+</file>
+
+<file path=ppt/slides/slide12.xml><?xml version="1.0" encoding="utf-8"?>
+<p:sld xmlns:a="http://schemas.openxmlformats.org/drawingml/2006/main" xmlns:r="http://schemas.openxmlformats.org/officeDocument/2006/relationships" xmlns:p="http://schemas.openxmlformats.org/presentationml/2006/main">
+  <p:cSld>
+    <p:spTree>
+      <p:nvGrpSpPr>
+        <p:cNvPr id="1" name=""/>
+        <p:cNvGrpSpPr/>
+        <p:nvPr/>
+      </p:nvGrpSpPr>
+      <p:grpSpPr>
+        <a:xfrm>
+          <a:off x="0" y="0"/>
+          <a:ext cx="0" cy="0"/>
+          <a:chOff x="0" y="0"/>
+          <a:chExt cx="0" cy="0"/>
+        </a:xfrm>
+      </p:grpSpPr>
+      <p:sp>
+        <p:nvSpPr>
+          <p:cNvPr id="2" name="Title 1">
+            <a:extLst>
+              <a:ext uri="{FF2B5EF4-FFF2-40B4-BE49-F238E27FC236}">
                 <a16:creationId xmlns:a16="http://schemas.microsoft.com/office/drawing/2014/main" id="{12116DA8-0EB8-8245-94BA-568D65F96093}"/>
               </a:ext>
             </a:extLst>
@@ -11824,7 +14148,7 @@
               <a:pPr>
                 <a:defRPr/>
               </a:pPr>
-              <a:t>11</a:t>
+              <a:t>12</a:t>
             </a:fld>
             <a:endParaRPr lang="en-US"/>
           </a:p>
@@ -12295,7 +14619,7 @@
           <p:cNvPr id="2" name="Title 1">
             <a:extLst>
               <a:ext uri="{FF2B5EF4-FFF2-40B4-BE49-F238E27FC236}">
-                <a16:creationId xmlns:a16="http://schemas.microsoft.com/office/drawing/2014/main" id="{3FC2C9EB-BB5C-AF4F-9A4D-B42D806BDA46}"/>
+                <a16:creationId xmlns:a16="http://schemas.microsoft.com/office/drawing/2014/main" id="{3F08CA82-05C8-E641-81D4-2A0F79E15B49}"/>
               </a:ext>
             </a:extLst>
           </p:cNvPr>
@@ -12313,7 +14637,7 @@
           <a:p>
             <a:r>
               <a:rPr lang="en-US" dirty="0"/>
-              <a:t>This Course: What to Expect </a:t>
+              <a:t>Basics</a:t>
             </a:r>
           </a:p>
         </p:txBody>
@@ -12323,7 +14647,7 @@
           <p:cNvPr id="3" name="Content Placeholder 2">
             <a:extLst>
               <a:ext uri="{FF2B5EF4-FFF2-40B4-BE49-F238E27FC236}">
-                <a16:creationId xmlns:a16="http://schemas.microsoft.com/office/drawing/2014/main" id="{5A4D7267-C702-AC44-8084-258F77CFEE15}"/>
+                <a16:creationId xmlns:a16="http://schemas.microsoft.com/office/drawing/2014/main" id="{CE1B6F80-C3CF-AD49-BB48-A78ABD5CE8BE}"/>
               </a:ext>
             </a:extLst>
           </p:cNvPr>
@@ -12339,30 +14663,12 @@
           <a:bodyPr/>
           <a:lstStyle/>
           <a:p>
-            <a:r>
-              <a:rPr lang="en-US" dirty="0"/>
-              <a:t>Work! </a:t>
-            </a:r>
-          </a:p>
-          <a:p>
-            <a:pPr lvl="1"/>
-            <a:r>
-              <a:rPr lang="en-US" dirty="0"/>
-              <a:t>First half: many small assignments</a:t>
-            </a:r>
-          </a:p>
-          <a:p>
-            <a:pPr lvl="1"/>
-            <a:r>
-              <a:rPr lang="en-US" dirty="0"/>
-              <a:t>Second half: one multi-part assignment</a:t>
-            </a:r>
-          </a:p>
-          <a:p>
-            <a:pPr lvl="1"/>
-            <a:r>
-              <a:rPr lang="en-US" dirty="0"/>
-              <a:t>Readings</a:t>
+            <a:endParaRPr lang="en-US" dirty="0"/>
+          </a:p>
+          <a:p>
+            <a:r>
+              <a:rPr lang="en-US" dirty="0"/>
+              <a:t>Open source</a:t>
             </a:r>
           </a:p>
           <a:p>
@@ -12370,37 +14676,10 @@
             <a:endParaRPr lang="en-US" dirty="0"/>
           </a:p>
           <a:p>
-            <a:r>
-              <a:rPr lang="en-US" dirty="0"/>
-              <a:t>Learning Open Source</a:t>
-            </a:r>
-          </a:p>
-          <a:p>
             <a:pPr lvl="1"/>
             <a:r>
               <a:rPr lang="en-US" dirty="0"/>
-              <a:t>Philosophy</a:t>
-            </a:r>
-          </a:p>
-          <a:p>
-            <a:pPr lvl="1"/>
-            <a:r>
-              <a:rPr lang="en-US" dirty="0"/>
-              <a:t>Tools</a:t>
-            </a:r>
-          </a:p>
-          <a:p>
-            <a:pPr lvl="1"/>
-            <a:r>
-              <a:rPr lang="en-US" dirty="0"/>
-              <a:t>Development Process</a:t>
-            </a:r>
-          </a:p>
-          <a:p>
-            <a:pPr lvl="1"/>
-            <a:r>
-              <a:rPr lang="en-US" dirty="0"/>
-              <a:t>Practice!!!</a:t>
+              <a:t>License</a:t>
             </a:r>
           </a:p>
           <a:p>
@@ -12408,7 +14687,33 @@
             <a:endParaRPr lang="en-US" dirty="0"/>
           </a:p>
           <a:p>
+            <a:pPr lvl="1"/>
+            <a:r>
+              <a:rPr lang="en-US" dirty="0"/>
+              <a:t>Community</a:t>
+            </a:r>
+          </a:p>
+          <a:p>
+            <a:pPr lvl="1"/>
             <a:endParaRPr lang="en-US" dirty="0"/>
+          </a:p>
+          <a:p>
+            <a:pPr lvl="1"/>
+            <a:r>
+              <a:rPr lang="en-US" dirty="0"/>
+              <a:t>Freedom</a:t>
+            </a:r>
+          </a:p>
+          <a:p>
+            <a:pPr lvl="1"/>
+            <a:endParaRPr lang="en-US" dirty="0"/>
+          </a:p>
+          <a:p>
+            <a:pPr lvl="1"/>
+            <a:r>
+              <a:rPr lang="en-US" dirty="0"/>
+              <a:t>Knowledge for all</a:t>
+            </a:r>
           </a:p>
         </p:txBody>
       </p:sp>
@@ -12417,7 +14722,7 @@
           <p:cNvPr id="4" name="Slide Number Placeholder 3">
             <a:extLst>
               <a:ext uri="{FF2B5EF4-FFF2-40B4-BE49-F238E27FC236}">
-                <a16:creationId xmlns:a16="http://schemas.microsoft.com/office/drawing/2014/main" id="{B81FC40E-224A-4240-B9BC-9B0DA51D1F20}"/>
+                <a16:creationId xmlns:a16="http://schemas.microsoft.com/office/drawing/2014/main" id="{1CC40B10-C0F1-AE4E-B6E6-CFFF99622506}"/>
               </a:ext>
             </a:extLst>
           </p:cNvPr>
@@ -12450,7 +14755,7 @@
     </p:spTree>
     <p:extLst>
       <p:ext uri="{BB962C8B-B14F-4D97-AF65-F5344CB8AC3E}">
-        <p14:creationId xmlns:p14="http://schemas.microsoft.com/office/powerpoint/2010/main" val="1286476817"/>
+        <p14:creationId xmlns:p14="http://schemas.microsoft.com/office/powerpoint/2010/main" val="1093797392"/>
       </p:ext>
     </p:extLst>
   </p:cSld>
@@ -12482,7 +14787,7 @@
           <p:cNvPr id="2" name="Title 1">
             <a:extLst>
               <a:ext uri="{FF2B5EF4-FFF2-40B4-BE49-F238E27FC236}">
-                <a16:creationId xmlns:a16="http://schemas.microsoft.com/office/drawing/2014/main" id="{A96F9E8F-78EB-CD4E-B598-345415D42698}"/>
+                <a16:creationId xmlns:a16="http://schemas.microsoft.com/office/drawing/2014/main" id="{3FC2C9EB-BB5C-AF4F-9A4D-B42D806BDA46}"/>
               </a:ext>
             </a:extLst>
           </p:cNvPr>
@@ -12500,7 +14805,7 @@
           <a:p>
             <a:r>
               <a:rPr lang="en-US" dirty="0"/>
-              <a:t>Important Information</a:t>
+              <a:t>This Course: What to Expect </a:t>
             </a:r>
           </a:p>
         </p:txBody>
@@ -12510,7 +14815,7 @@
           <p:cNvPr id="3" name="Content Placeholder 2">
             <a:extLst>
               <a:ext uri="{FF2B5EF4-FFF2-40B4-BE49-F238E27FC236}">
-                <a16:creationId xmlns:a16="http://schemas.microsoft.com/office/drawing/2014/main" id="{E355BBAE-F7B4-4545-8870-59FF1146E2E9}"/>
+                <a16:creationId xmlns:a16="http://schemas.microsoft.com/office/drawing/2014/main" id="{5A4D7267-C702-AC44-8084-258F77CFEE15}"/>
               </a:ext>
             </a:extLst>
           </p:cNvPr>
@@ -12527,72 +14832,29 @@
           <a:lstStyle/>
           <a:p>
             <a:r>
-              <a:rPr lang="en-US" b="1" dirty="0"/>
-              <a:t>Where to find me:</a:t>
+              <a:rPr lang="en-US" dirty="0"/>
+              <a:t>Work! </a:t>
             </a:r>
           </a:p>
           <a:p>
             <a:pPr lvl="1"/>
             <a:r>
               <a:rPr lang="en-US" dirty="0"/>
-              <a:t>Over there </a:t>
-            </a:r>
-            <a:r>
-              <a:rPr lang="en-US" dirty="0">
-                <a:sym typeface="Wingdings" pitchFamily="2" charset="2"/>
-              </a:rPr>
-              <a:t> </a:t>
-            </a:r>
-            <a:r>
-              <a:rPr lang="en-US" dirty="0"/>
-              <a:t>Room 090-115.</a:t>
+              <a:t>First half: many small assignments</a:t>
             </a:r>
           </a:p>
           <a:p>
             <a:pPr lvl="1"/>
             <a:r>
-              <a:rPr lang="en-US" b="1" dirty="0" err="1"/>
-              <a:t>Igor.Steinmacher@nau.edu</a:t>
-            </a:r>
-            <a:endParaRPr lang="en-US" b="1" dirty="0"/>
+              <a:rPr lang="en-US" dirty="0"/>
+              <a:t>Second half: one multi-part assignment</a:t>
+            </a:r>
           </a:p>
           <a:p>
             <a:pPr lvl="1"/>
             <a:r>
               <a:rPr lang="en-US" dirty="0"/>
-              <a:t>Slack! (Check our GitHub page)</a:t>
-            </a:r>
-          </a:p>
-          <a:p>
-            <a:pPr lvl="1"/>
-            <a:endParaRPr lang="en-US" b="1" dirty="0"/>
-          </a:p>
-          <a:p>
-            <a:r>
-              <a:rPr lang="en-US" b="1" dirty="0"/>
-              <a:t>Office Hours</a:t>
-            </a:r>
-            <a:r>
-              <a:rPr lang="en-US" dirty="0"/>
-              <a:t>: </a:t>
-            </a:r>
-          </a:p>
-          <a:p>
-            <a:pPr lvl="1"/>
-            <a:r>
-              <a:rPr lang="en-US" dirty="0" err="1"/>
-              <a:t>TuTh</a:t>
-            </a:r>
-            <a:r>
-              <a:rPr lang="en-US" dirty="0"/>
-              <a:t> 09:30AM – 11:20AM</a:t>
-            </a:r>
-          </a:p>
-          <a:p>
-            <a:pPr lvl="1"/>
-            <a:r>
-              <a:rPr lang="en-US" dirty="0"/>
-              <a:t>And you can schedule appointments</a:t>
+              <a:t>Readings</a:t>
             </a:r>
           </a:p>
           <a:p>
@@ -12600,9 +14862,41 @@
             <a:endParaRPr lang="en-US" dirty="0"/>
           </a:p>
           <a:p>
-            <a:endParaRPr lang="en-US" dirty="0"/>
-          </a:p>
-          <a:p>
+            <a:r>
+              <a:rPr lang="en-US" dirty="0"/>
+              <a:t>Learning Open Source</a:t>
+            </a:r>
+          </a:p>
+          <a:p>
+            <a:pPr lvl="1"/>
+            <a:r>
+              <a:rPr lang="en-US" dirty="0"/>
+              <a:t>Philosophy</a:t>
+            </a:r>
+          </a:p>
+          <a:p>
+            <a:pPr lvl="1"/>
+            <a:r>
+              <a:rPr lang="en-US" dirty="0"/>
+              <a:t>Tools</a:t>
+            </a:r>
+          </a:p>
+          <a:p>
+            <a:pPr lvl="1"/>
+            <a:r>
+              <a:rPr lang="en-US" dirty="0"/>
+              <a:t>Development Process</a:t>
+            </a:r>
+          </a:p>
+          <a:p>
+            <a:pPr lvl="1"/>
+            <a:r>
+              <a:rPr lang="en-US" dirty="0"/>
+              <a:t>Practice!!!</a:t>
+            </a:r>
+          </a:p>
+          <a:p>
+            <a:pPr lvl="1"/>
             <a:endParaRPr lang="en-US" dirty="0"/>
           </a:p>
           <a:p>
@@ -12615,7 +14909,7 @@
           <p:cNvPr id="4" name="Slide Number Placeholder 3">
             <a:extLst>
               <a:ext uri="{FF2B5EF4-FFF2-40B4-BE49-F238E27FC236}">
-                <a16:creationId xmlns:a16="http://schemas.microsoft.com/office/drawing/2014/main" id="{4E8606BE-BC1F-194C-8F0D-DF8760F02EC0}"/>
+                <a16:creationId xmlns:a16="http://schemas.microsoft.com/office/drawing/2014/main" id="{B81FC40E-224A-4240-B9BC-9B0DA51D1F20}"/>
               </a:ext>
             </a:extLst>
           </p:cNvPr>
@@ -12648,7 +14942,7 @@
     </p:spTree>
     <p:extLst>
       <p:ext uri="{BB962C8B-B14F-4D97-AF65-F5344CB8AC3E}">
-        <p14:creationId xmlns:p14="http://schemas.microsoft.com/office/powerpoint/2010/main" val="502534666"/>
+        <p14:creationId xmlns:p14="http://schemas.microsoft.com/office/powerpoint/2010/main" val="1286476817"/>
       </p:ext>
     </p:extLst>
   </p:cSld>
@@ -12725,101 +15019,73 @@
           <a:lstStyle/>
           <a:p>
             <a:r>
-              <a:rPr lang="en-US" sz="2400" b="1" dirty="0"/>
-              <a:t>Attendance</a:t>
-            </a:r>
-            <a:endParaRPr lang="en-US" sz="1800" i="1" dirty="0"/>
+              <a:rPr lang="en-US" b="1" dirty="0"/>
+              <a:t>Where to find me:</a:t>
+            </a:r>
           </a:p>
           <a:p>
             <a:pPr lvl="1"/>
             <a:r>
-              <a:rPr lang="en-US" sz="2100" b="1" dirty="0"/>
-              <a:t>3</a:t>
-            </a:r>
-            <a:r>
-              <a:rPr lang="en-US" sz="2100" dirty="0"/>
-              <a:t> unexcused absences – 10% penalty in your final grade</a:t>
-            </a:r>
-            <a:endParaRPr lang="en-US" sz="1500" i="1" dirty="0"/>
+              <a:rPr lang="en-US" dirty="0"/>
+              <a:t>Over there </a:t>
+            </a:r>
+            <a:r>
+              <a:rPr lang="en-US" dirty="0">
+                <a:sym typeface="Wingdings" pitchFamily="2" charset="2"/>
+              </a:rPr>
+              <a:t> </a:t>
+            </a:r>
+            <a:r>
+              <a:rPr lang="en-US" dirty="0"/>
+              <a:t>Room 090-115.</a:t>
+            </a:r>
           </a:p>
           <a:p>
             <a:pPr lvl="1"/>
             <a:r>
-              <a:rPr lang="en-US" sz="2100" b="1" dirty="0"/>
-              <a:t>5</a:t>
-            </a:r>
-            <a:r>
-              <a:rPr lang="en-US" sz="2100" dirty="0"/>
-              <a:t> unexcused absences – 20% penalty in your final grade</a:t>
-            </a:r>
-            <a:endParaRPr lang="en-US" sz="1500" i="1" dirty="0"/>
+              <a:rPr lang="en-US" b="1" dirty="0" err="1"/>
+              <a:t>Igor.Steinmacher@nau.edu</a:t>
+            </a:r>
+            <a:endParaRPr lang="en-US" b="1" dirty="0"/>
           </a:p>
           <a:p>
             <a:pPr lvl="1"/>
             <a:r>
-              <a:rPr lang="en-US" sz="2100" b="1" dirty="0"/>
-              <a:t>7</a:t>
-            </a:r>
-            <a:r>
-              <a:rPr lang="en-US" sz="2100" dirty="0"/>
-              <a:t> unexcused absences – 30% penalty in your final grade</a:t>
-            </a:r>
-            <a:endParaRPr lang="en-US" sz="1500" i="1" dirty="0"/>
+              <a:rPr lang="en-US" dirty="0"/>
+              <a:t>Slack! (Check our GitHub page)</a:t>
+            </a:r>
           </a:p>
           <a:p>
             <a:pPr lvl="1"/>
-            <a:r>
-              <a:rPr lang="en-US" sz="2100" b="1" dirty="0"/>
-              <a:t>9</a:t>
-            </a:r>
-            <a:r>
-              <a:rPr lang="en-US" sz="2100" dirty="0"/>
-              <a:t> unexcused absences – 40% penalty in your final grade</a:t>
-            </a:r>
-            <a:endParaRPr lang="en-US" sz="1500" i="1" dirty="0"/>
+            <a:endParaRPr lang="en-US" b="1" dirty="0"/>
           </a:p>
           <a:p>
             <a:r>
               <a:rPr lang="en-US" b="1" dirty="0"/>
-              <a:t>Late Submissions</a:t>
+              <a:t>Office Hours</a:t>
+            </a:r>
+            <a:r>
+              <a:rPr lang="en-US" dirty="0"/>
+              <a:t>: </a:t>
             </a:r>
           </a:p>
           <a:p>
             <a:pPr lvl="1"/>
             <a:r>
-              <a:rPr lang="en-US" dirty="0"/>
-              <a:t>will not be accepted</a:t>
-            </a:r>
-          </a:p>
-          <a:p>
-            <a:r>
-              <a:rPr lang="en-US" b="1" dirty="0"/>
-              <a:t>In-class assignments</a:t>
+              <a:rPr lang="en-US" dirty="0" err="1"/>
+              <a:t>TuTh</a:t>
+            </a:r>
+            <a:r>
+              <a:rPr lang="en-US" dirty="0"/>
+              <a:t> 09:30AM – 11:20AM</a:t>
             </a:r>
           </a:p>
           <a:p>
             <a:pPr lvl="1"/>
             <a:r>
               <a:rPr lang="en-US" dirty="0"/>
-              <a:t>There is no second chance to turn in in-class assignment. </a:t>
-            </a:r>
-          </a:p>
-          <a:p>
-            <a:pPr lvl="1"/>
-            <a:endParaRPr lang="en-US" dirty="0"/>
-          </a:p>
-          <a:p>
-            <a:r>
-              <a:rPr lang="en-US" b="1" dirty="0"/>
-              <a:t>ACADEMIC INTEGRITY ACADEMIC INTEGRITY</a:t>
-            </a:r>
-            <a:endParaRPr lang="en-US" dirty="0"/>
-          </a:p>
-          <a:p>
-            <a:endParaRPr lang="en-US" dirty="0"/>
-          </a:p>
-          <a:p>
-            <a:endParaRPr lang="en-US" dirty="0"/>
+              <a:t>And you can schedule appointments</a:t>
+            </a:r>
           </a:p>
           <a:p>
             <a:pPr lvl="1"/>
@@ -12874,7 +15140,7 @@
     </p:spTree>
     <p:extLst>
       <p:ext uri="{BB962C8B-B14F-4D97-AF65-F5344CB8AC3E}">
-        <p14:creationId xmlns:p14="http://schemas.microsoft.com/office/powerpoint/2010/main" val="1911756747"/>
+        <p14:creationId xmlns:p14="http://schemas.microsoft.com/office/powerpoint/2010/main" val="502534666"/>
       </p:ext>
     </p:extLst>
   </p:cSld>
@@ -12931,6 +15197,139 @@
       </p:sp>
       <p:sp>
         <p:nvSpPr>
+          <p:cNvPr id="3" name="Content Placeholder 2">
+            <a:extLst>
+              <a:ext uri="{FF2B5EF4-FFF2-40B4-BE49-F238E27FC236}">
+                <a16:creationId xmlns:a16="http://schemas.microsoft.com/office/drawing/2014/main" id="{E355BBAE-F7B4-4545-8870-59FF1146E2E9}"/>
+              </a:ext>
+            </a:extLst>
+          </p:cNvPr>
+          <p:cNvSpPr>
+            <a:spLocks noGrp="1"/>
+          </p:cNvSpPr>
+          <p:nvPr>
+            <p:ph idx="1"/>
+          </p:nvPr>
+        </p:nvSpPr>
+        <p:spPr/>
+        <p:txBody>
+          <a:bodyPr/>
+          <a:lstStyle/>
+          <a:p>
+            <a:r>
+              <a:rPr lang="en-US" sz="2400" b="1" dirty="0"/>
+              <a:t>Attendance</a:t>
+            </a:r>
+            <a:endParaRPr lang="en-US" sz="1800" i="1" dirty="0"/>
+          </a:p>
+          <a:p>
+            <a:pPr lvl="1"/>
+            <a:r>
+              <a:rPr lang="en-US" sz="2100" b="1" dirty="0"/>
+              <a:t>3</a:t>
+            </a:r>
+            <a:r>
+              <a:rPr lang="en-US" sz="2100" dirty="0"/>
+              <a:t> unexcused absences – 10% penalty in your final grade</a:t>
+            </a:r>
+            <a:endParaRPr lang="en-US" sz="1500" i="1" dirty="0"/>
+          </a:p>
+          <a:p>
+            <a:pPr lvl="1"/>
+            <a:r>
+              <a:rPr lang="en-US" sz="2100" b="1" dirty="0"/>
+              <a:t>5</a:t>
+            </a:r>
+            <a:r>
+              <a:rPr lang="en-US" sz="2100" dirty="0"/>
+              <a:t> unexcused absences – 20% penalty in your final grade</a:t>
+            </a:r>
+            <a:endParaRPr lang="en-US" sz="1500" i="1" dirty="0"/>
+          </a:p>
+          <a:p>
+            <a:pPr lvl="1"/>
+            <a:r>
+              <a:rPr lang="en-US" sz="2100" b="1" dirty="0"/>
+              <a:t>7</a:t>
+            </a:r>
+            <a:r>
+              <a:rPr lang="en-US" sz="2100" dirty="0"/>
+              <a:t> unexcused absences – 30% penalty in your final grade</a:t>
+            </a:r>
+            <a:endParaRPr lang="en-US" sz="1500" i="1" dirty="0"/>
+          </a:p>
+          <a:p>
+            <a:pPr lvl="1"/>
+            <a:r>
+              <a:rPr lang="en-US" sz="2100" b="1" dirty="0"/>
+              <a:t>9</a:t>
+            </a:r>
+            <a:r>
+              <a:rPr lang="en-US" sz="2100" dirty="0"/>
+              <a:t> unexcused absences – 40% penalty in your final grade</a:t>
+            </a:r>
+            <a:endParaRPr lang="en-US" sz="1500" i="1" dirty="0"/>
+          </a:p>
+          <a:p>
+            <a:r>
+              <a:rPr lang="en-US" b="1" dirty="0"/>
+              <a:t>Late Submissions</a:t>
+            </a:r>
+          </a:p>
+          <a:p>
+            <a:pPr lvl="1"/>
+            <a:r>
+              <a:rPr lang="en-US" dirty="0"/>
+              <a:t>will not be accepted</a:t>
+            </a:r>
+          </a:p>
+          <a:p>
+            <a:r>
+              <a:rPr lang="en-US" b="1" dirty="0"/>
+              <a:t>In-class assignments</a:t>
+            </a:r>
+          </a:p>
+          <a:p>
+            <a:pPr lvl="1"/>
+            <a:r>
+              <a:rPr lang="en-US" dirty="0"/>
+              <a:t>There is no second chance to turn in in-class assignment. </a:t>
+            </a:r>
+          </a:p>
+          <a:p>
+            <a:pPr lvl="1"/>
+            <a:endParaRPr lang="en-US" dirty="0"/>
+          </a:p>
+          <a:p>
+            <a:r>
+              <a:rPr lang="en-US" b="1" dirty="0"/>
+              <a:t>ACADEMIC INTEGRITY ACADEMIC INTEGRITY</a:t>
+            </a:r>
+            <a:endParaRPr lang="en-US" dirty="0"/>
+          </a:p>
+          <a:p>
+            <a:endParaRPr lang="en-US" dirty="0"/>
+          </a:p>
+          <a:p>
+            <a:endParaRPr lang="en-US" dirty="0"/>
+          </a:p>
+          <a:p>
+            <a:pPr lvl="1"/>
+            <a:endParaRPr lang="en-US" dirty="0"/>
+          </a:p>
+          <a:p>
+            <a:endParaRPr lang="en-US" dirty="0"/>
+          </a:p>
+          <a:p>
+            <a:endParaRPr lang="en-US" dirty="0"/>
+          </a:p>
+          <a:p>
+            <a:endParaRPr lang="en-US" dirty="0"/>
+          </a:p>
+        </p:txBody>
+      </p:sp>
+      <p:sp>
+        <p:nvSpPr>
           <p:cNvPr id="4" name="Slide Number Placeholder 3">
             <a:extLst>
               <a:ext uri="{FF2B5EF4-FFF2-40B4-BE49-F238E27FC236}">
@@ -12959,6 +15358,99 @@
                 <a:defRPr/>
               </a:pPr>
               <a:t>8</a:t>
+            </a:fld>
+            <a:endParaRPr lang="en-US"/>
+          </a:p>
+        </p:txBody>
+      </p:sp>
+    </p:spTree>
+    <p:extLst>
+      <p:ext uri="{BB962C8B-B14F-4D97-AF65-F5344CB8AC3E}">
+        <p14:creationId xmlns:p14="http://schemas.microsoft.com/office/powerpoint/2010/main" val="1911756747"/>
+      </p:ext>
+    </p:extLst>
+  </p:cSld>
+  <p:clrMapOvr>
+    <a:masterClrMapping/>
+  </p:clrMapOvr>
+</p:sld>
+</file>
+
+<file path=ppt/slides/slide9.xml><?xml version="1.0" encoding="utf-8"?>
+<p:sld xmlns:a="http://schemas.openxmlformats.org/drawingml/2006/main" xmlns:r="http://schemas.openxmlformats.org/officeDocument/2006/relationships" xmlns:p="http://schemas.openxmlformats.org/presentationml/2006/main">
+  <p:cSld>
+    <p:spTree>
+      <p:nvGrpSpPr>
+        <p:cNvPr id="1" name=""/>
+        <p:cNvGrpSpPr/>
+        <p:nvPr/>
+      </p:nvGrpSpPr>
+      <p:grpSpPr>
+        <a:xfrm>
+          <a:off x="0" y="0"/>
+          <a:ext cx="0" cy="0"/>
+          <a:chOff x="0" y="0"/>
+          <a:chExt cx="0" cy="0"/>
+        </a:xfrm>
+      </p:grpSpPr>
+      <p:sp>
+        <p:nvSpPr>
+          <p:cNvPr id="2" name="Title 1">
+            <a:extLst>
+              <a:ext uri="{FF2B5EF4-FFF2-40B4-BE49-F238E27FC236}">
+                <a16:creationId xmlns:a16="http://schemas.microsoft.com/office/drawing/2014/main" id="{A96F9E8F-78EB-CD4E-B598-345415D42698}"/>
+              </a:ext>
+            </a:extLst>
+          </p:cNvPr>
+          <p:cNvSpPr>
+            <a:spLocks noGrp="1"/>
+          </p:cNvSpPr>
+          <p:nvPr>
+            <p:ph type="title"/>
+          </p:nvPr>
+        </p:nvSpPr>
+        <p:spPr/>
+        <p:txBody>
+          <a:bodyPr/>
+          <a:lstStyle/>
+          <a:p>
+            <a:r>
+              <a:rPr lang="en-US" dirty="0"/>
+              <a:t>Important Information</a:t>
+            </a:r>
+          </a:p>
+        </p:txBody>
+      </p:sp>
+      <p:sp>
+        <p:nvSpPr>
+          <p:cNvPr id="4" name="Slide Number Placeholder 3">
+            <a:extLst>
+              <a:ext uri="{FF2B5EF4-FFF2-40B4-BE49-F238E27FC236}">
+                <a16:creationId xmlns:a16="http://schemas.microsoft.com/office/drawing/2014/main" id="{4E8606BE-BC1F-194C-8F0D-DF8760F02EC0}"/>
+              </a:ext>
+            </a:extLst>
+          </p:cNvPr>
+          <p:cNvSpPr>
+            <a:spLocks noGrp="1"/>
+          </p:cNvSpPr>
+          <p:nvPr>
+            <p:ph type="sldNum" sz="quarter" idx="12"/>
+          </p:nvPr>
+        </p:nvSpPr>
+        <p:spPr/>
+        <p:txBody>
+          <a:bodyPr/>
+          <a:lstStyle/>
+          <a:p>
+            <a:pPr>
+              <a:defRPr/>
+            </a:pPr>
+            <a:fld id="{3464530E-D695-45C9-AFB6-E411BBE0972A}" type="slidenum">
+              <a:rPr lang="en-US" smtClean="0"/>
+              <a:pPr>
+                <a:defRPr/>
+              </a:pPr>
+              <a:t>9</a:t>
             </a:fld>
             <a:endParaRPr lang="en-US"/>
           </a:p>
@@ -14811,2329 +17303,6 @@
     <p:extLst>
       <p:ext uri="{BB962C8B-B14F-4D97-AF65-F5344CB8AC3E}">
         <p14:creationId xmlns:p14="http://schemas.microsoft.com/office/powerpoint/2010/main" val="3412484968"/>
-      </p:ext>
-    </p:extLst>
-  </p:cSld>
-  <p:clrMapOvr>
-    <a:masterClrMapping/>
-  </p:clrMapOvr>
-</p:sld>
-</file>
-
-<file path=ppt/slides/slide9.xml><?xml version="1.0" encoding="utf-8"?>
-<p:sld xmlns:a="http://schemas.openxmlformats.org/drawingml/2006/main" xmlns:r="http://schemas.openxmlformats.org/officeDocument/2006/relationships" xmlns:p="http://schemas.openxmlformats.org/presentationml/2006/main">
-  <p:cSld>
-    <p:spTree>
-      <p:nvGrpSpPr>
-        <p:cNvPr id="1" name=""/>
-        <p:cNvGrpSpPr/>
-        <p:nvPr/>
-      </p:nvGrpSpPr>
-      <p:grpSpPr>
-        <a:xfrm>
-          <a:off x="0" y="0"/>
-          <a:ext cx="0" cy="0"/>
-          <a:chOff x="0" y="0"/>
-          <a:chExt cx="0" cy="0"/>
-        </a:xfrm>
-      </p:grpSpPr>
-      <p:sp>
-        <p:nvSpPr>
-          <p:cNvPr id="2" name="Title 1">
-            <a:extLst>
-              <a:ext uri="{FF2B5EF4-FFF2-40B4-BE49-F238E27FC236}">
-                <a16:creationId xmlns:a16="http://schemas.microsoft.com/office/drawing/2014/main" id="{BE60D491-1761-714E-A582-97CCB8ADA51E}"/>
-              </a:ext>
-            </a:extLst>
-          </p:cNvPr>
-          <p:cNvSpPr>
-            <a:spLocks noGrp="1"/>
-          </p:cNvSpPr>
-          <p:nvPr>
-            <p:ph type="title"/>
-          </p:nvPr>
-        </p:nvSpPr>
-        <p:spPr/>
-        <p:txBody>
-          <a:bodyPr/>
-          <a:lstStyle/>
-          <a:p>
-            <a:r>
-              <a:rPr lang="en-US" dirty="0"/>
-              <a:t>Important Information</a:t>
-            </a:r>
-          </a:p>
-        </p:txBody>
-      </p:sp>
-      <p:graphicFrame>
-        <p:nvGraphicFramePr>
-          <p:cNvPr id="5" name="Content Placeholder 4">
-            <a:extLst>
-              <a:ext uri="{FF2B5EF4-FFF2-40B4-BE49-F238E27FC236}">
-                <a16:creationId xmlns:a16="http://schemas.microsoft.com/office/drawing/2014/main" id="{5DA5253B-173D-2F49-ABD5-A26D07B6DAE9}"/>
-              </a:ext>
-            </a:extLst>
-          </p:cNvPr>
-          <p:cNvGraphicFramePr>
-            <a:graphicFrameLocks noGrp="1"/>
-          </p:cNvGraphicFramePr>
-          <p:nvPr>
-            <p:ph idx="1"/>
-            <p:extLst>
-              <p:ext uri="{D42A27DB-BD31-4B8C-83A1-F6EECF244321}">
-                <p14:modId xmlns:p14="http://schemas.microsoft.com/office/powerpoint/2010/main" val="2156546034"/>
-              </p:ext>
-            </p:extLst>
-          </p:nvPr>
-        </p:nvGraphicFramePr>
-        <p:xfrm>
-          <a:off x="156527" y="1389096"/>
-          <a:ext cx="8756361" cy="4607562"/>
-        </p:xfrm>
-        <a:graphic>
-          <a:graphicData uri="http://schemas.openxmlformats.org/drawingml/2006/table">
-            <a:tbl>
-              <a:tblPr firstRow="1" firstCol="1" bandRow="1">
-                <a:tableStyleId>{5C22544A-7EE6-4342-B048-85BDC9FD1C3A}</a:tableStyleId>
-              </a:tblPr>
-              <a:tblGrid>
-                <a:gridCol w="2858172">
-                  <a:extLst>
-                    <a:ext uri="{9D8B030D-6E8A-4147-A177-3AD203B41FA5}">
-                      <a16:colId xmlns:a16="http://schemas.microsoft.com/office/drawing/2014/main" val="1001266871"/>
-                    </a:ext>
-                  </a:extLst>
-                </a:gridCol>
-                <a:gridCol w="3970457">
-                  <a:extLst>
-                    <a:ext uri="{9D8B030D-6E8A-4147-A177-3AD203B41FA5}">
-                      <a16:colId xmlns:a16="http://schemas.microsoft.com/office/drawing/2014/main" val="61217609"/>
-                    </a:ext>
-                  </a:extLst>
-                </a:gridCol>
-                <a:gridCol w="941648">
-                  <a:extLst>
-                    <a:ext uri="{9D8B030D-6E8A-4147-A177-3AD203B41FA5}">
-                      <a16:colId xmlns:a16="http://schemas.microsoft.com/office/drawing/2014/main" val="1255764092"/>
-                    </a:ext>
-                  </a:extLst>
-                </a:gridCol>
-                <a:gridCol w="986084">
-                  <a:extLst>
-                    <a:ext uri="{9D8B030D-6E8A-4147-A177-3AD203B41FA5}">
-                      <a16:colId xmlns:a16="http://schemas.microsoft.com/office/drawing/2014/main" val="3755768530"/>
-                    </a:ext>
-                  </a:extLst>
-                </a:gridCol>
-              </a:tblGrid>
-              <a:tr h="383541">
-                <a:tc>
-                  <a:txBody>
-                    <a:bodyPr/>
-                    <a:lstStyle/>
-                    <a:p>
-                      <a:pPr marL="0" marR="0">
-                        <a:spcBef>
-                          <a:spcPts val="0"/>
-                        </a:spcBef>
-                        <a:spcAft>
-                          <a:spcPts val="0"/>
-                        </a:spcAft>
-                      </a:pPr>
-                      <a:r>
-                        <a:rPr lang="en-US" sz="1800" b="1" dirty="0">
-                          <a:effectLst/>
-                        </a:rPr>
-                        <a:t>Assignment</a:t>
-                      </a:r>
-                      <a:endParaRPr lang="en-US" sz="1800" b="1" dirty="0">
-                        <a:effectLst/>
-                        <a:latin typeface="Calibri" panose="020F0502020204030204" pitchFamily="34" charset="0"/>
-                        <a:ea typeface="Calibri" panose="020F0502020204030204" pitchFamily="34" charset="0"/>
-                        <a:cs typeface="Times New Roman" panose="02020603050405020304" pitchFamily="18" charset="0"/>
-                      </a:endParaRPr>
-                    </a:p>
-                  </a:txBody>
-                  <a:tcPr marL="34673" marR="34673" marT="0" marB="0">
-                    <a:lnL w="12700" cap="flat" cmpd="sng" algn="ctr">
-                      <a:solidFill>
-                        <a:schemeClr val="tx1"/>
-                      </a:solidFill>
-                      <a:prstDash val="solid"/>
-                      <a:round/>
-                      <a:headEnd type="none" w="med" len="med"/>
-                      <a:tailEnd type="none" w="med" len="med"/>
-                    </a:lnL>
-                    <a:lnR w="12700" cap="flat" cmpd="sng" algn="ctr">
-                      <a:solidFill>
-                        <a:schemeClr val="tx1"/>
-                      </a:solidFill>
-                      <a:prstDash val="solid"/>
-                      <a:round/>
-                      <a:headEnd type="none" w="med" len="med"/>
-                      <a:tailEnd type="none" w="med" len="med"/>
-                    </a:lnR>
-                    <a:lnT w="12700" cap="flat" cmpd="sng" algn="ctr">
-                      <a:solidFill>
-                        <a:schemeClr val="tx1"/>
-                      </a:solidFill>
-                      <a:prstDash val="solid"/>
-                      <a:round/>
-                      <a:headEnd type="none" w="med" len="med"/>
-                      <a:tailEnd type="none" w="med" len="med"/>
-                    </a:lnT>
-                    <a:lnB w="12700" cap="flat" cmpd="sng" algn="ctr">
-                      <a:solidFill>
-                        <a:schemeClr val="tx1"/>
-                      </a:solidFill>
-                      <a:prstDash val="solid"/>
-                      <a:round/>
-                      <a:headEnd type="none" w="med" len="med"/>
-                      <a:tailEnd type="none" w="med" len="med"/>
-                    </a:lnB>
-                    <a:solidFill>
-                      <a:srgbClr val="0E3361"/>
-                    </a:solidFill>
-                  </a:tcPr>
-                </a:tc>
-                <a:tc>
-                  <a:txBody>
-                    <a:bodyPr/>
-                    <a:lstStyle/>
-                    <a:p>
-                      <a:pPr marL="0" marR="0">
-                        <a:spcBef>
-                          <a:spcPts val="0"/>
-                        </a:spcBef>
-                        <a:spcAft>
-                          <a:spcPts val="0"/>
-                        </a:spcAft>
-                      </a:pPr>
-                      <a:r>
-                        <a:rPr lang="en-US" sz="1800" b="1" dirty="0">
-                          <a:effectLst/>
-                        </a:rPr>
-                        <a:t>Planned Deliverable</a:t>
-                      </a:r>
-                      <a:endParaRPr lang="en-US" sz="1800" b="1" dirty="0">
-                        <a:effectLst/>
-                        <a:latin typeface="Calibri" panose="020F0502020204030204" pitchFamily="34" charset="0"/>
-                        <a:ea typeface="Calibri" panose="020F0502020204030204" pitchFamily="34" charset="0"/>
-                        <a:cs typeface="Times New Roman" panose="02020603050405020304" pitchFamily="18" charset="0"/>
-                      </a:endParaRPr>
-                    </a:p>
-                  </a:txBody>
-                  <a:tcPr marL="34673" marR="34673" marT="0" marB="0">
-                    <a:lnL w="12700" cap="flat" cmpd="sng" algn="ctr">
-                      <a:solidFill>
-                        <a:schemeClr val="tx1"/>
-                      </a:solidFill>
-                      <a:prstDash val="solid"/>
-                      <a:round/>
-                      <a:headEnd type="none" w="med" len="med"/>
-                      <a:tailEnd type="none" w="med" len="med"/>
-                    </a:lnL>
-                    <a:lnR w="12700" cap="flat" cmpd="sng" algn="ctr">
-                      <a:solidFill>
-                        <a:schemeClr val="tx1"/>
-                      </a:solidFill>
-                      <a:prstDash val="solid"/>
-                      <a:round/>
-                      <a:headEnd type="none" w="med" len="med"/>
-                      <a:tailEnd type="none" w="med" len="med"/>
-                    </a:lnR>
-                    <a:lnT w="12700" cap="flat" cmpd="sng" algn="ctr">
-                      <a:solidFill>
-                        <a:schemeClr val="tx1"/>
-                      </a:solidFill>
-                      <a:prstDash val="solid"/>
-                      <a:round/>
-                      <a:headEnd type="none" w="med" len="med"/>
-                      <a:tailEnd type="none" w="med" len="med"/>
-                    </a:lnT>
-                    <a:lnB w="12700" cap="flat" cmpd="sng" algn="ctr">
-                      <a:solidFill>
-                        <a:schemeClr val="tx1"/>
-                      </a:solidFill>
-                      <a:prstDash val="solid"/>
-                      <a:round/>
-                      <a:headEnd type="none" w="med" len="med"/>
-                      <a:tailEnd type="none" w="med" len="med"/>
-                    </a:lnB>
-                    <a:solidFill>
-                      <a:srgbClr val="0E3361"/>
-                    </a:solidFill>
-                  </a:tcPr>
-                </a:tc>
-                <a:tc>
-                  <a:txBody>
-                    <a:bodyPr/>
-                    <a:lstStyle/>
-                    <a:p>
-                      <a:pPr marL="0" marR="0">
-                        <a:spcBef>
-                          <a:spcPts val="0"/>
-                        </a:spcBef>
-                        <a:spcAft>
-                          <a:spcPts val="0"/>
-                        </a:spcAft>
-                      </a:pPr>
-                      <a:r>
-                        <a:rPr lang="en-US" sz="1800" b="1">
-                          <a:effectLst/>
-                        </a:rPr>
-                        <a:t>Weight</a:t>
-                      </a:r>
-                      <a:endParaRPr lang="en-US" sz="1800" b="1">
-                        <a:effectLst/>
-                        <a:latin typeface="Calibri" panose="020F0502020204030204" pitchFamily="34" charset="0"/>
-                        <a:ea typeface="Calibri" panose="020F0502020204030204" pitchFamily="34" charset="0"/>
-                        <a:cs typeface="Times New Roman" panose="02020603050405020304" pitchFamily="18" charset="0"/>
-                      </a:endParaRPr>
-                    </a:p>
-                  </a:txBody>
-                  <a:tcPr marL="34673" marR="34673" marT="0" marB="0">
-                    <a:lnL w="12700" cap="flat" cmpd="sng" algn="ctr">
-                      <a:solidFill>
-                        <a:schemeClr val="tx1"/>
-                      </a:solidFill>
-                      <a:prstDash val="solid"/>
-                      <a:round/>
-                      <a:headEnd type="none" w="med" len="med"/>
-                      <a:tailEnd type="none" w="med" len="med"/>
-                    </a:lnL>
-                    <a:lnR w="12700" cap="flat" cmpd="sng" algn="ctr">
-                      <a:solidFill>
-                        <a:schemeClr val="tx1"/>
-                      </a:solidFill>
-                      <a:prstDash val="solid"/>
-                      <a:round/>
-                      <a:headEnd type="none" w="med" len="med"/>
-                      <a:tailEnd type="none" w="med" len="med"/>
-                    </a:lnR>
-                    <a:lnT w="12700" cap="flat" cmpd="sng" algn="ctr">
-                      <a:solidFill>
-                        <a:schemeClr val="tx1"/>
-                      </a:solidFill>
-                      <a:prstDash val="solid"/>
-                      <a:round/>
-                      <a:headEnd type="none" w="med" len="med"/>
-                      <a:tailEnd type="none" w="med" len="med"/>
-                    </a:lnT>
-                    <a:lnB w="12700" cap="flat" cmpd="sng" algn="ctr">
-                      <a:solidFill>
-                        <a:schemeClr val="tx1"/>
-                      </a:solidFill>
-                      <a:prstDash val="solid"/>
-                      <a:round/>
-                      <a:headEnd type="none" w="med" len="med"/>
-                      <a:tailEnd type="none" w="med" len="med"/>
-                    </a:lnB>
-                    <a:solidFill>
-                      <a:srgbClr val="0E3361"/>
-                    </a:solidFill>
-                  </a:tcPr>
-                </a:tc>
-                <a:tc>
-                  <a:txBody>
-                    <a:bodyPr/>
-                    <a:lstStyle/>
-                    <a:p>
-                      <a:pPr marL="0" marR="0">
-                        <a:spcBef>
-                          <a:spcPts val="0"/>
-                        </a:spcBef>
-                        <a:spcAft>
-                          <a:spcPts val="0"/>
-                        </a:spcAft>
-                      </a:pPr>
-                      <a:r>
-                        <a:rPr lang="en-US" sz="1800" b="1" dirty="0">
-                          <a:effectLst/>
-                        </a:rPr>
-                        <a:t>Deadline</a:t>
-                      </a:r>
-                      <a:endParaRPr lang="en-US" sz="1800" b="1" dirty="0">
-                        <a:effectLst/>
-                        <a:latin typeface="Calibri" panose="020F0502020204030204" pitchFamily="34" charset="0"/>
-                        <a:ea typeface="Calibri" panose="020F0502020204030204" pitchFamily="34" charset="0"/>
-                        <a:cs typeface="Times New Roman" panose="02020603050405020304" pitchFamily="18" charset="0"/>
-                      </a:endParaRPr>
-                    </a:p>
-                  </a:txBody>
-                  <a:tcPr marL="34673" marR="34673" marT="0" marB="0">
-                    <a:lnL w="12700" cap="flat" cmpd="sng" algn="ctr">
-                      <a:solidFill>
-                        <a:schemeClr val="tx1"/>
-                      </a:solidFill>
-                      <a:prstDash val="solid"/>
-                      <a:round/>
-                      <a:headEnd type="none" w="med" len="med"/>
-                      <a:tailEnd type="none" w="med" len="med"/>
-                    </a:lnL>
-                    <a:lnR w="12700" cap="flat" cmpd="sng" algn="ctr">
-                      <a:solidFill>
-                        <a:schemeClr val="tx1"/>
-                      </a:solidFill>
-                      <a:prstDash val="solid"/>
-                      <a:round/>
-                      <a:headEnd type="none" w="med" len="med"/>
-                      <a:tailEnd type="none" w="med" len="med"/>
-                    </a:lnR>
-                    <a:lnT w="12700" cap="flat" cmpd="sng" algn="ctr">
-                      <a:solidFill>
-                        <a:schemeClr val="tx1"/>
-                      </a:solidFill>
-                      <a:prstDash val="solid"/>
-                      <a:round/>
-                      <a:headEnd type="none" w="med" len="med"/>
-                      <a:tailEnd type="none" w="med" len="med"/>
-                    </a:lnT>
-                    <a:lnB w="12700" cap="flat" cmpd="sng" algn="ctr">
-                      <a:solidFill>
-                        <a:schemeClr val="tx1"/>
-                      </a:solidFill>
-                      <a:prstDash val="solid"/>
-                      <a:round/>
-                      <a:headEnd type="none" w="med" len="med"/>
-                      <a:tailEnd type="none" w="med" len="med"/>
-                    </a:lnB>
-                    <a:solidFill>
-                      <a:srgbClr val="0E3361"/>
-                    </a:solidFill>
-                  </a:tcPr>
-                </a:tc>
-                <a:extLst>
-                  <a:ext uri="{0D108BD9-81ED-4DB2-BD59-A6C34878D82A}">
-                    <a16:rowId xmlns:a16="http://schemas.microsoft.com/office/drawing/2014/main" val="870305153"/>
-                  </a:ext>
-                </a:extLst>
-              </a:tr>
-              <a:tr h="383541">
-                <a:tc>
-                  <a:txBody>
-                    <a:bodyPr/>
-                    <a:lstStyle/>
-                    <a:p>
-                      <a:pPr marL="0" marR="0">
-                        <a:spcBef>
-                          <a:spcPts val="0"/>
-                        </a:spcBef>
-                        <a:spcAft>
-                          <a:spcPts val="0"/>
-                        </a:spcAft>
-                      </a:pPr>
-                      <a:r>
-                        <a:rPr lang="en-US" sz="1800" b="0" dirty="0">
-                          <a:solidFill>
-                            <a:schemeClr val="tx1"/>
-                          </a:solidFill>
-                          <a:effectLst/>
-                        </a:rPr>
-                        <a:t>Contribution to Open Source</a:t>
-                      </a:r>
-                      <a:endParaRPr lang="en-US" sz="1800" b="0" dirty="0">
-                        <a:solidFill>
-                          <a:schemeClr val="tx1"/>
-                        </a:solidFill>
-                        <a:effectLst/>
-                        <a:latin typeface="Calibri" panose="020F0502020204030204" pitchFamily="34" charset="0"/>
-                        <a:ea typeface="Calibri" panose="020F0502020204030204" pitchFamily="34" charset="0"/>
-                        <a:cs typeface="Times New Roman" panose="02020603050405020304" pitchFamily="18" charset="0"/>
-                      </a:endParaRPr>
-                    </a:p>
-                  </a:txBody>
-                  <a:tcPr marL="34673" marR="34673" marT="0" marB="0">
-                    <a:lnL w="12700" cap="flat" cmpd="sng" algn="ctr">
-                      <a:solidFill>
-                        <a:schemeClr val="tx1"/>
-                      </a:solidFill>
-                      <a:prstDash val="solid"/>
-                      <a:round/>
-                      <a:headEnd type="none" w="med" len="med"/>
-                      <a:tailEnd type="none" w="med" len="med"/>
-                    </a:lnL>
-                    <a:lnR w="12700" cap="flat" cmpd="sng" algn="ctr">
-                      <a:solidFill>
-                        <a:schemeClr val="tx1"/>
-                      </a:solidFill>
-                      <a:prstDash val="solid"/>
-                      <a:round/>
-                      <a:headEnd type="none" w="med" len="med"/>
-                      <a:tailEnd type="none" w="med" len="med"/>
-                    </a:lnR>
-                    <a:lnT w="12700" cap="flat" cmpd="sng" algn="ctr">
-                      <a:solidFill>
-                        <a:schemeClr val="tx1"/>
-                      </a:solidFill>
-                      <a:prstDash val="solid"/>
-                      <a:round/>
-                      <a:headEnd type="none" w="med" len="med"/>
-                      <a:tailEnd type="none" w="med" len="med"/>
-                    </a:lnT>
-                    <a:lnB w="12700" cap="flat" cmpd="sng" algn="ctr">
-                      <a:solidFill>
-                        <a:schemeClr val="tx1"/>
-                      </a:solidFill>
-                      <a:prstDash val="solid"/>
-                      <a:round/>
-                      <a:headEnd type="none" w="med" len="med"/>
-                      <a:tailEnd type="none" w="med" len="med"/>
-                    </a:lnB>
-                    <a:solidFill>
-                      <a:srgbClr val="FFC000"/>
-                    </a:solidFill>
-                  </a:tcPr>
-                </a:tc>
-                <a:tc>
-                  <a:txBody>
-                    <a:bodyPr/>
-                    <a:lstStyle/>
-                    <a:p>
-                      <a:pPr marL="0" marR="0">
-                        <a:spcBef>
-                          <a:spcPts val="0"/>
-                        </a:spcBef>
-                        <a:spcAft>
-                          <a:spcPts val="0"/>
-                        </a:spcAft>
-                      </a:pPr>
-                      <a:r>
-                        <a:rPr lang="en-US" sz="1800" dirty="0">
-                          <a:solidFill>
-                            <a:schemeClr val="tx1"/>
-                          </a:solidFill>
-                          <a:effectLst/>
-                          <a:latin typeface="Calibri" panose="020F0502020204030204" pitchFamily="34" charset="0"/>
-                          <a:ea typeface="Calibri" panose="020F0502020204030204" pitchFamily="34" charset="0"/>
-                          <a:cs typeface="Times New Roman" panose="02020603050405020304" pitchFamily="18" charset="0"/>
-                        </a:rPr>
-                        <a:t>Decision about project and tasks</a:t>
-                      </a:r>
-                    </a:p>
-                  </a:txBody>
-                  <a:tcPr marL="34673" marR="34673" marT="0" marB="0">
-                    <a:lnL w="12700" cap="flat" cmpd="sng" algn="ctr">
-                      <a:solidFill>
-                        <a:schemeClr val="tx1"/>
-                      </a:solidFill>
-                      <a:prstDash val="solid"/>
-                      <a:round/>
-                      <a:headEnd type="none" w="med" len="med"/>
-                      <a:tailEnd type="none" w="med" len="med"/>
-                    </a:lnL>
-                    <a:lnR w="12700" cap="flat" cmpd="sng" algn="ctr">
-                      <a:solidFill>
-                        <a:schemeClr val="tx1"/>
-                      </a:solidFill>
-                      <a:prstDash val="solid"/>
-                      <a:round/>
-                      <a:headEnd type="none" w="med" len="med"/>
-                      <a:tailEnd type="none" w="med" len="med"/>
-                    </a:lnR>
-                    <a:lnT w="12700" cap="flat" cmpd="sng" algn="ctr">
-                      <a:solidFill>
-                        <a:schemeClr val="tx1"/>
-                      </a:solidFill>
-                      <a:prstDash val="solid"/>
-                      <a:round/>
-                      <a:headEnd type="none" w="med" len="med"/>
-                      <a:tailEnd type="none" w="med" len="med"/>
-                    </a:lnT>
-                    <a:lnB w="12700" cap="flat" cmpd="sng" algn="ctr">
-                      <a:solidFill>
-                        <a:schemeClr val="tx1"/>
-                      </a:solidFill>
-                      <a:prstDash val="solid"/>
-                      <a:round/>
-                      <a:headEnd type="none" w="med" len="med"/>
-                      <a:tailEnd type="none" w="med" len="med"/>
-                    </a:lnB>
-                    <a:solidFill>
-                      <a:srgbClr val="FFC000"/>
-                    </a:solidFill>
-                  </a:tcPr>
-                </a:tc>
-                <a:tc>
-                  <a:txBody>
-                    <a:bodyPr/>
-                    <a:lstStyle/>
-                    <a:p>
-                      <a:pPr marL="0" marR="0">
-                        <a:spcBef>
-                          <a:spcPts val="0"/>
-                        </a:spcBef>
-                        <a:spcAft>
-                          <a:spcPts val="0"/>
-                        </a:spcAft>
-                      </a:pPr>
-                      <a:r>
-                        <a:rPr lang="en-US" sz="1800">
-                          <a:solidFill>
-                            <a:schemeClr val="tx1"/>
-                          </a:solidFill>
-                          <a:effectLst/>
-                        </a:rPr>
-                        <a:t>5%</a:t>
-                      </a:r>
-                      <a:endParaRPr lang="en-US" sz="1800">
-                        <a:solidFill>
-                          <a:schemeClr val="tx1"/>
-                        </a:solidFill>
-                        <a:effectLst/>
-                        <a:latin typeface="Calibri" panose="020F0502020204030204" pitchFamily="34" charset="0"/>
-                        <a:ea typeface="Calibri" panose="020F0502020204030204" pitchFamily="34" charset="0"/>
-                        <a:cs typeface="Times New Roman" panose="02020603050405020304" pitchFamily="18" charset="0"/>
-                      </a:endParaRPr>
-                    </a:p>
-                  </a:txBody>
-                  <a:tcPr marL="34673" marR="34673" marT="0" marB="0">
-                    <a:lnL w="12700" cap="flat" cmpd="sng" algn="ctr">
-                      <a:solidFill>
-                        <a:schemeClr val="tx1"/>
-                      </a:solidFill>
-                      <a:prstDash val="solid"/>
-                      <a:round/>
-                      <a:headEnd type="none" w="med" len="med"/>
-                      <a:tailEnd type="none" w="med" len="med"/>
-                    </a:lnL>
-                    <a:lnR w="12700" cap="flat" cmpd="sng" algn="ctr">
-                      <a:solidFill>
-                        <a:schemeClr val="tx1"/>
-                      </a:solidFill>
-                      <a:prstDash val="solid"/>
-                      <a:round/>
-                      <a:headEnd type="none" w="med" len="med"/>
-                      <a:tailEnd type="none" w="med" len="med"/>
-                    </a:lnR>
-                    <a:lnT w="12700" cap="flat" cmpd="sng" algn="ctr">
-                      <a:solidFill>
-                        <a:schemeClr val="tx1"/>
-                      </a:solidFill>
-                      <a:prstDash val="solid"/>
-                      <a:round/>
-                      <a:headEnd type="none" w="med" len="med"/>
-                      <a:tailEnd type="none" w="med" len="med"/>
-                    </a:lnT>
-                    <a:lnB w="12700" cap="flat" cmpd="sng" algn="ctr">
-                      <a:solidFill>
-                        <a:schemeClr val="tx1"/>
-                      </a:solidFill>
-                      <a:prstDash val="solid"/>
-                      <a:round/>
-                      <a:headEnd type="none" w="med" len="med"/>
-                      <a:tailEnd type="none" w="med" len="med"/>
-                    </a:lnB>
-                    <a:solidFill>
-                      <a:srgbClr val="FFC000"/>
-                    </a:solidFill>
-                  </a:tcPr>
-                </a:tc>
-                <a:tc>
-                  <a:txBody>
-                    <a:bodyPr/>
-                    <a:lstStyle/>
-                    <a:p>
-                      <a:pPr marL="0" marR="0">
-                        <a:spcBef>
-                          <a:spcPts val="0"/>
-                        </a:spcBef>
-                        <a:spcAft>
-                          <a:spcPts val="0"/>
-                        </a:spcAft>
-                      </a:pPr>
-                      <a:r>
-                        <a:rPr lang="en-US" sz="1800" dirty="0">
-                          <a:solidFill>
-                            <a:schemeClr val="tx1"/>
-                          </a:solidFill>
-                          <a:effectLst/>
-                        </a:rPr>
-                        <a:t>Oct. 9</a:t>
-                      </a:r>
-                      <a:endParaRPr lang="en-US" sz="1800" dirty="0">
-                        <a:solidFill>
-                          <a:schemeClr val="tx1"/>
-                        </a:solidFill>
-                        <a:effectLst/>
-                        <a:latin typeface="Calibri" panose="020F0502020204030204" pitchFamily="34" charset="0"/>
-                        <a:ea typeface="Calibri" panose="020F0502020204030204" pitchFamily="34" charset="0"/>
-                        <a:cs typeface="Times New Roman" panose="02020603050405020304" pitchFamily="18" charset="0"/>
-                      </a:endParaRPr>
-                    </a:p>
-                  </a:txBody>
-                  <a:tcPr marL="34673" marR="34673" marT="0" marB="0">
-                    <a:lnL w="12700" cap="flat" cmpd="sng" algn="ctr">
-                      <a:solidFill>
-                        <a:schemeClr val="tx1"/>
-                      </a:solidFill>
-                      <a:prstDash val="solid"/>
-                      <a:round/>
-                      <a:headEnd type="none" w="med" len="med"/>
-                      <a:tailEnd type="none" w="med" len="med"/>
-                    </a:lnL>
-                    <a:lnR w="12700" cap="flat" cmpd="sng" algn="ctr">
-                      <a:solidFill>
-                        <a:schemeClr val="tx1"/>
-                      </a:solidFill>
-                      <a:prstDash val="solid"/>
-                      <a:round/>
-                      <a:headEnd type="none" w="med" len="med"/>
-                      <a:tailEnd type="none" w="med" len="med"/>
-                    </a:lnR>
-                    <a:lnT w="12700" cap="flat" cmpd="sng" algn="ctr">
-                      <a:solidFill>
-                        <a:schemeClr val="tx1"/>
-                      </a:solidFill>
-                      <a:prstDash val="solid"/>
-                      <a:round/>
-                      <a:headEnd type="none" w="med" len="med"/>
-                      <a:tailEnd type="none" w="med" len="med"/>
-                    </a:lnT>
-                    <a:lnB w="12700" cap="flat" cmpd="sng" algn="ctr">
-                      <a:solidFill>
-                        <a:schemeClr val="tx1"/>
-                      </a:solidFill>
-                      <a:prstDash val="solid"/>
-                      <a:round/>
-                      <a:headEnd type="none" w="med" len="med"/>
-                      <a:tailEnd type="none" w="med" len="med"/>
-                    </a:lnB>
-                    <a:solidFill>
-                      <a:srgbClr val="FFC000"/>
-                    </a:solidFill>
-                  </a:tcPr>
-                </a:tc>
-                <a:extLst>
-                  <a:ext uri="{0D108BD9-81ED-4DB2-BD59-A6C34878D82A}">
-                    <a16:rowId xmlns:a16="http://schemas.microsoft.com/office/drawing/2014/main" val="2364507170"/>
-                  </a:ext>
-                </a:extLst>
-              </a:tr>
-              <a:tr h="479425">
-                <a:tc>
-                  <a:txBody>
-                    <a:bodyPr/>
-                    <a:lstStyle/>
-                    <a:p>
-                      <a:pPr marL="0" marR="0">
-                        <a:spcBef>
-                          <a:spcPts val="0"/>
-                        </a:spcBef>
-                        <a:spcAft>
-                          <a:spcPts val="0"/>
-                        </a:spcAft>
-                      </a:pPr>
-                      <a:r>
-                        <a:rPr lang="en-US" sz="1800" b="0" dirty="0">
-                          <a:solidFill>
-                            <a:schemeClr val="tx1"/>
-                          </a:solidFill>
-                          <a:effectLst/>
-                        </a:rPr>
-                        <a:t>Contribution to Open Source</a:t>
-                      </a:r>
-                    </a:p>
-                    <a:p>
-                      <a:pPr marL="0" marR="0">
-                        <a:spcBef>
-                          <a:spcPts val="0"/>
-                        </a:spcBef>
-                        <a:spcAft>
-                          <a:spcPts val="0"/>
-                        </a:spcAft>
-                      </a:pPr>
-                      <a:r>
-                        <a:rPr lang="en-US" sz="1800" b="0" dirty="0">
-                          <a:solidFill>
-                            <a:schemeClr val="tx1"/>
-                          </a:solidFill>
-                          <a:effectLst/>
-                        </a:rPr>
-                        <a:t>(Checkpoint 1)</a:t>
-                      </a:r>
-                      <a:endParaRPr lang="en-US" sz="1800" b="0" dirty="0">
-                        <a:solidFill>
-                          <a:schemeClr val="tx1"/>
-                        </a:solidFill>
-                        <a:effectLst/>
-                        <a:latin typeface="Calibri" panose="020F0502020204030204" pitchFamily="34" charset="0"/>
-                        <a:ea typeface="Calibri" panose="020F0502020204030204" pitchFamily="34" charset="0"/>
-                        <a:cs typeface="Times New Roman" panose="02020603050405020304" pitchFamily="18" charset="0"/>
-                      </a:endParaRPr>
-                    </a:p>
-                  </a:txBody>
-                  <a:tcPr marL="34673" marR="34673" marT="0" marB="0">
-                    <a:lnL w="12700" cap="flat" cmpd="sng" algn="ctr">
-                      <a:solidFill>
-                        <a:schemeClr val="tx1"/>
-                      </a:solidFill>
-                      <a:prstDash val="solid"/>
-                      <a:round/>
-                      <a:headEnd type="none" w="med" len="med"/>
-                      <a:tailEnd type="none" w="med" len="med"/>
-                    </a:lnL>
-                    <a:lnR w="12700" cap="flat" cmpd="sng" algn="ctr">
-                      <a:solidFill>
-                        <a:schemeClr val="tx1"/>
-                      </a:solidFill>
-                      <a:prstDash val="solid"/>
-                      <a:round/>
-                      <a:headEnd type="none" w="med" len="med"/>
-                      <a:tailEnd type="none" w="med" len="med"/>
-                    </a:lnR>
-                    <a:lnT w="12700" cap="flat" cmpd="sng" algn="ctr">
-                      <a:solidFill>
-                        <a:schemeClr val="tx1"/>
-                      </a:solidFill>
-                      <a:prstDash val="solid"/>
-                      <a:round/>
-                      <a:headEnd type="none" w="med" len="med"/>
-                      <a:tailEnd type="none" w="med" len="med"/>
-                    </a:lnT>
-                    <a:lnB w="12700" cap="flat" cmpd="sng" algn="ctr">
-                      <a:solidFill>
-                        <a:schemeClr val="tx1"/>
-                      </a:solidFill>
-                      <a:prstDash val="solid"/>
-                      <a:round/>
-                      <a:headEnd type="none" w="med" len="med"/>
-                      <a:tailEnd type="none" w="med" len="med"/>
-                    </a:lnB>
-                    <a:noFill/>
-                  </a:tcPr>
-                </a:tc>
-                <a:tc>
-                  <a:txBody>
-                    <a:bodyPr/>
-                    <a:lstStyle/>
-                    <a:p>
-                      <a:pPr marL="0" marR="0">
-                        <a:spcBef>
-                          <a:spcPts val="0"/>
-                        </a:spcBef>
-                        <a:spcAft>
-                          <a:spcPts val="0"/>
-                        </a:spcAft>
-                      </a:pPr>
-                      <a:r>
-                        <a:rPr lang="en-US" sz="1800" dirty="0">
-                          <a:solidFill>
-                            <a:schemeClr val="tx1"/>
-                          </a:solidFill>
-                          <a:effectLst/>
-                        </a:rPr>
-                        <a:t>* Present the task details/progress report</a:t>
-                      </a:r>
-                      <a:br>
-                        <a:rPr lang="en-US" sz="1800" dirty="0">
-                          <a:solidFill>
-                            <a:schemeClr val="tx1"/>
-                          </a:solidFill>
-                          <a:effectLst/>
-                        </a:rPr>
-                      </a:br>
-                      <a:r>
-                        <a:rPr lang="en-US" sz="1800" dirty="0">
-                          <a:solidFill>
-                            <a:schemeClr val="tx1"/>
-                          </a:solidFill>
-                          <a:effectLst/>
-                        </a:rPr>
-                        <a:t>* First impressions/guidelines availability</a:t>
-                      </a:r>
-                      <a:br>
-                        <a:rPr lang="en-US" sz="1800" dirty="0">
-                          <a:solidFill>
-                            <a:schemeClr val="tx1"/>
-                          </a:solidFill>
-                          <a:effectLst/>
-                        </a:rPr>
-                      </a:br>
-                      <a:r>
-                        <a:rPr lang="en-US" sz="1800" dirty="0">
-                          <a:solidFill>
-                            <a:schemeClr val="tx1"/>
-                          </a:solidFill>
-                          <a:effectLst/>
-                        </a:rPr>
-                        <a:t>* Architectural analysis (document)</a:t>
-                      </a:r>
-                      <a:endParaRPr lang="en-US" sz="1800" dirty="0">
-                        <a:solidFill>
-                          <a:schemeClr val="tx1"/>
-                        </a:solidFill>
-                        <a:effectLst/>
-                        <a:latin typeface="Calibri" panose="020F0502020204030204" pitchFamily="34" charset="0"/>
-                        <a:ea typeface="Calibri" panose="020F0502020204030204" pitchFamily="34" charset="0"/>
-                        <a:cs typeface="Times New Roman" panose="02020603050405020304" pitchFamily="18" charset="0"/>
-                      </a:endParaRPr>
-                    </a:p>
-                  </a:txBody>
-                  <a:tcPr marL="34673" marR="34673" marT="0" marB="0">
-                    <a:lnL w="12700" cap="flat" cmpd="sng" algn="ctr">
-                      <a:solidFill>
-                        <a:schemeClr val="tx1"/>
-                      </a:solidFill>
-                      <a:prstDash val="solid"/>
-                      <a:round/>
-                      <a:headEnd type="none" w="med" len="med"/>
-                      <a:tailEnd type="none" w="med" len="med"/>
-                    </a:lnL>
-                    <a:lnR w="12700" cap="flat" cmpd="sng" algn="ctr">
-                      <a:solidFill>
-                        <a:schemeClr val="tx1"/>
-                      </a:solidFill>
-                      <a:prstDash val="solid"/>
-                      <a:round/>
-                      <a:headEnd type="none" w="med" len="med"/>
-                      <a:tailEnd type="none" w="med" len="med"/>
-                    </a:lnR>
-                    <a:lnT w="12700" cap="flat" cmpd="sng" algn="ctr">
-                      <a:solidFill>
-                        <a:schemeClr val="tx1"/>
-                      </a:solidFill>
-                      <a:prstDash val="solid"/>
-                      <a:round/>
-                      <a:headEnd type="none" w="med" len="med"/>
-                      <a:tailEnd type="none" w="med" len="med"/>
-                    </a:lnT>
-                    <a:lnB w="12700" cap="flat" cmpd="sng" algn="ctr">
-                      <a:solidFill>
-                        <a:schemeClr val="tx1"/>
-                      </a:solidFill>
-                      <a:prstDash val="solid"/>
-                      <a:round/>
-                      <a:headEnd type="none" w="med" len="med"/>
-                      <a:tailEnd type="none" w="med" len="med"/>
-                    </a:lnB>
-                    <a:noFill/>
-                  </a:tcPr>
-                </a:tc>
-                <a:tc>
-                  <a:txBody>
-                    <a:bodyPr/>
-                    <a:lstStyle/>
-                    <a:p>
-                      <a:pPr marL="0" marR="0">
-                        <a:spcBef>
-                          <a:spcPts val="0"/>
-                        </a:spcBef>
-                        <a:spcAft>
-                          <a:spcPts val="0"/>
-                        </a:spcAft>
-                      </a:pPr>
-                      <a:r>
-                        <a:rPr lang="en-US" sz="1800">
-                          <a:solidFill>
-                            <a:schemeClr val="tx1"/>
-                          </a:solidFill>
-                          <a:effectLst/>
-                        </a:rPr>
-                        <a:t>10%</a:t>
-                      </a:r>
-                      <a:endParaRPr lang="en-US" sz="1800">
-                        <a:solidFill>
-                          <a:schemeClr val="tx1"/>
-                        </a:solidFill>
-                        <a:effectLst/>
-                        <a:latin typeface="Calibri" panose="020F0502020204030204" pitchFamily="34" charset="0"/>
-                        <a:ea typeface="Calibri" panose="020F0502020204030204" pitchFamily="34" charset="0"/>
-                        <a:cs typeface="Times New Roman" panose="02020603050405020304" pitchFamily="18" charset="0"/>
-                      </a:endParaRPr>
-                    </a:p>
-                  </a:txBody>
-                  <a:tcPr marL="34673" marR="34673" marT="0" marB="0">
-                    <a:lnL w="12700" cap="flat" cmpd="sng" algn="ctr">
-                      <a:solidFill>
-                        <a:schemeClr val="tx1"/>
-                      </a:solidFill>
-                      <a:prstDash val="solid"/>
-                      <a:round/>
-                      <a:headEnd type="none" w="med" len="med"/>
-                      <a:tailEnd type="none" w="med" len="med"/>
-                    </a:lnL>
-                    <a:lnR w="12700" cap="flat" cmpd="sng" algn="ctr">
-                      <a:solidFill>
-                        <a:schemeClr val="tx1"/>
-                      </a:solidFill>
-                      <a:prstDash val="solid"/>
-                      <a:round/>
-                      <a:headEnd type="none" w="med" len="med"/>
-                      <a:tailEnd type="none" w="med" len="med"/>
-                    </a:lnR>
-                    <a:lnT w="12700" cap="flat" cmpd="sng" algn="ctr">
-                      <a:solidFill>
-                        <a:schemeClr val="tx1"/>
-                      </a:solidFill>
-                      <a:prstDash val="solid"/>
-                      <a:round/>
-                      <a:headEnd type="none" w="med" len="med"/>
-                      <a:tailEnd type="none" w="med" len="med"/>
-                    </a:lnT>
-                    <a:lnB w="12700" cap="flat" cmpd="sng" algn="ctr">
-                      <a:solidFill>
-                        <a:schemeClr val="tx1"/>
-                      </a:solidFill>
-                      <a:prstDash val="solid"/>
-                      <a:round/>
-                      <a:headEnd type="none" w="med" len="med"/>
-                      <a:tailEnd type="none" w="med" len="med"/>
-                    </a:lnB>
-                    <a:noFill/>
-                  </a:tcPr>
-                </a:tc>
-                <a:tc>
-                  <a:txBody>
-                    <a:bodyPr/>
-                    <a:lstStyle/>
-                    <a:p>
-                      <a:pPr marL="0" marR="0">
-                        <a:spcBef>
-                          <a:spcPts val="0"/>
-                        </a:spcBef>
-                        <a:spcAft>
-                          <a:spcPts val="0"/>
-                        </a:spcAft>
-                      </a:pPr>
-                      <a:r>
-                        <a:rPr lang="en-US" sz="1800" dirty="0">
-                          <a:solidFill>
-                            <a:schemeClr val="tx1"/>
-                          </a:solidFill>
-                          <a:effectLst/>
-                        </a:rPr>
-                        <a:t>Oct. 25</a:t>
-                      </a:r>
-                      <a:endParaRPr lang="en-US" sz="1800" dirty="0">
-                        <a:solidFill>
-                          <a:schemeClr val="tx1"/>
-                        </a:solidFill>
-                        <a:effectLst/>
-                        <a:latin typeface="Calibri" panose="020F0502020204030204" pitchFamily="34" charset="0"/>
-                        <a:ea typeface="Calibri" panose="020F0502020204030204" pitchFamily="34" charset="0"/>
-                        <a:cs typeface="Times New Roman" panose="02020603050405020304" pitchFamily="18" charset="0"/>
-                      </a:endParaRPr>
-                    </a:p>
-                  </a:txBody>
-                  <a:tcPr marL="34673" marR="34673" marT="0" marB="0">
-                    <a:lnL w="12700" cap="flat" cmpd="sng" algn="ctr">
-                      <a:solidFill>
-                        <a:schemeClr val="tx1"/>
-                      </a:solidFill>
-                      <a:prstDash val="solid"/>
-                      <a:round/>
-                      <a:headEnd type="none" w="med" len="med"/>
-                      <a:tailEnd type="none" w="med" len="med"/>
-                    </a:lnL>
-                    <a:lnR w="12700" cap="flat" cmpd="sng" algn="ctr">
-                      <a:solidFill>
-                        <a:schemeClr val="tx1"/>
-                      </a:solidFill>
-                      <a:prstDash val="solid"/>
-                      <a:round/>
-                      <a:headEnd type="none" w="med" len="med"/>
-                      <a:tailEnd type="none" w="med" len="med"/>
-                    </a:lnR>
-                    <a:lnT w="12700" cap="flat" cmpd="sng" algn="ctr">
-                      <a:solidFill>
-                        <a:schemeClr val="tx1"/>
-                      </a:solidFill>
-                      <a:prstDash val="solid"/>
-                      <a:round/>
-                      <a:headEnd type="none" w="med" len="med"/>
-                      <a:tailEnd type="none" w="med" len="med"/>
-                    </a:lnT>
-                    <a:lnB w="12700" cap="flat" cmpd="sng" algn="ctr">
-                      <a:solidFill>
-                        <a:schemeClr val="tx1"/>
-                      </a:solidFill>
-                      <a:prstDash val="solid"/>
-                      <a:round/>
-                      <a:headEnd type="none" w="med" len="med"/>
-                      <a:tailEnd type="none" w="med" len="med"/>
-                    </a:lnB>
-                    <a:noFill/>
-                  </a:tcPr>
-                </a:tc>
-                <a:extLst>
-                  <a:ext uri="{0D108BD9-81ED-4DB2-BD59-A6C34878D82A}">
-                    <a16:rowId xmlns:a16="http://schemas.microsoft.com/office/drawing/2014/main" val="2509813462"/>
-                  </a:ext>
-                </a:extLst>
-              </a:tr>
-              <a:tr h="479425">
-                <a:tc>
-                  <a:txBody>
-                    <a:bodyPr/>
-                    <a:lstStyle/>
-                    <a:p>
-                      <a:pPr marL="0" marR="0">
-                        <a:spcBef>
-                          <a:spcPts val="0"/>
-                        </a:spcBef>
-                        <a:spcAft>
-                          <a:spcPts val="0"/>
-                        </a:spcAft>
-                      </a:pPr>
-                      <a:r>
-                        <a:rPr lang="en-US" sz="1800" b="0" dirty="0">
-                          <a:solidFill>
-                            <a:schemeClr val="tx1"/>
-                          </a:solidFill>
-                          <a:effectLst/>
-                        </a:rPr>
-                        <a:t>Contribution to Open Source (Checkpoint 2)</a:t>
-                      </a:r>
-                      <a:endParaRPr lang="en-US" sz="1800" b="0" dirty="0">
-                        <a:solidFill>
-                          <a:schemeClr val="tx1"/>
-                        </a:solidFill>
-                        <a:effectLst/>
-                        <a:latin typeface="Calibri" panose="020F0502020204030204" pitchFamily="34" charset="0"/>
-                        <a:ea typeface="Calibri" panose="020F0502020204030204" pitchFamily="34" charset="0"/>
-                        <a:cs typeface="Times New Roman" panose="02020603050405020304" pitchFamily="18" charset="0"/>
-                      </a:endParaRPr>
-                    </a:p>
-                  </a:txBody>
-                  <a:tcPr marL="34673" marR="34673" marT="0" marB="0">
-                    <a:lnL w="12700" cap="flat" cmpd="sng" algn="ctr">
-                      <a:solidFill>
-                        <a:schemeClr val="tx1"/>
-                      </a:solidFill>
-                      <a:prstDash val="solid"/>
-                      <a:round/>
-                      <a:headEnd type="none" w="med" len="med"/>
-                      <a:tailEnd type="none" w="med" len="med"/>
-                    </a:lnL>
-                    <a:lnR w="12700" cap="flat" cmpd="sng" algn="ctr">
-                      <a:solidFill>
-                        <a:schemeClr val="tx1"/>
-                      </a:solidFill>
-                      <a:prstDash val="solid"/>
-                      <a:round/>
-                      <a:headEnd type="none" w="med" len="med"/>
-                      <a:tailEnd type="none" w="med" len="med"/>
-                    </a:lnR>
-                    <a:lnT w="12700" cap="flat" cmpd="sng" algn="ctr">
-                      <a:solidFill>
-                        <a:schemeClr val="tx1"/>
-                      </a:solidFill>
-                      <a:prstDash val="solid"/>
-                      <a:round/>
-                      <a:headEnd type="none" w="med" len="med"/>
-                      <a:tailEnd type="none" w="med" len="med"/>
-                    </a:lnT>
-                    <a:lnB w="12700" cap="flat" cmpd="sng" algn="ctr">
-                      <a:solidFill>
-                        <a:schemeClr val="tx1"/>
-                      </a:solidFill>
-                      <a:prstDash val="solid"/>
-                      <a:round/>
-                      <a:headEnd type="none" w="med" len="med"/>
-                      <a:tailEnd type="none" w="med" len="med"/>
-                    </a:lnB>
-                    <a:solidFill>
-                      <a:srgbClr val="FFC000"/>
-                    </a:solidFill>
-                  </a:tcPr>
-                </a:tc>
-                <a:tc>
-                  <a:txBody>
-                    <a:bodyPr/>
-                    <a:lstStyle/>
-                    <a:p>
-                      <a:pPr marL="0" marR="0">
-                        <a:spcBef>
-                          <a:spcPts val="0"/>
-                        </a:spcBef>
-                        <a:spcAft>
-                          <a:spcPts val="0"/>
-                        </a:spcAft>
-                      </a:pPr>
-                      <a:r>
-                        <a:rPr lang="en-US" sz="1800" dirty="0">
-                          <a:solidFill>
-                            <a:schemeClr val="tx1"/>
-                          </a:solidFill>
-                          <a:effectLst/>
-                        </a:rPr>
-                        <a:t>Progress report presentation</a:t>
-                      </a:r>
-                      <a:endParaRPr lang="en-US" sz="1800" dirty="0">
-                        <a:solidFill>
-                          <a:schemeClr val="tx1"/>
-                        </a:solidFill>
-                        <a:effectLst/>
-                        <a:latin typeface="Calibri" panose="020F0502020204030204" pitchFamily="34" charset="0"/>
-                        <a:ea typeface="Calibri" panose="020F0502020204030204" pitchFamily="34" charset="0"/>
-                        <a:cs typeface="Times New Roman" panose="02020603050405020304" pitchFamily="18" charset="0"/>
-                      </a:endParaRPr>
-                    </a:p>
-                  </a:txBody>
-                  <a:tcPr marL="34673" marR="34673" marT="0" marB="0">
-                    <a:lnL w="12700" cap="flat" cmpd="sng" algn="ctr">
-                      <a:solidFill>
-                        <a:schemeClr val="tx1"/>
-                      </a:solidFill>
-                      <a:prstDash val="solid"/>
-                      <a:round/>
-                      <a:headEnd type="none" w="med" len="med"/>
-                      <a:tailEnd type="none" w="med" len="med"/>
-                    </a:lnL>
-                    <a:lnR w="12700" cap="flat" cmpd="sng" algn="ctr">
-                      <a:solidFill>
-                        <a:schemeClr val="tx1"/>
-                      </a:solidFill>
-                      <a:prstDash val="solid"/>
-                      <a:round/>
-                      <a:headEnd type="none" w="med" len="med"/>
-                      <a:tailEnd type="none" w="med" len="med"/>
-                    </a:lnR>
-                    <a:lnT w="12700" cap="flat" cmpd="sng" algn="ctr">
-                      <a:solidFill>
-                        <a:schemeClr val="tx1"/>
-                      </a:solidFill>
-                      <a:prstDash val="solid"/>
-                      <a:round/>
-                      <a:headEnd type="none" w="med" len="med"/>
-                      <a:tailEnd type="none" w="med" len="med"/>
-                    </a:lnT>
-                    <a:lnB w="12700" cap="flat" cmpd="sng" algn="ctr">
-                      <a:solidFill>
-                        <a:schemeClr val="tx1"/>
-                      </a:solidFill>
-                      <a:prstDash val="solid"/>
-                      <a:round/>
-                      <a:headEnd type="none" w="med" len="med"/>
-                      <a:tailEnd type="none" w="med" len="med"/>
-                    </a:lnB>
-                    <a:solidFill>
-                      <a:srgbClr val="FFC000"/>
-                    </a:solidFill>
-                  </a:tcPr>
-                </a:tc>
-                <a:tc>
-                  <a:txBody>
-                    <a:bodyPr/>
-                    <a:lstStyle/>
-                    <a:p>
-                      <a:pPr marL="0" marR="0">
-                        <a:spcBef>
-                          <a:spcPts val="0"/>
-                        </a:spcBef>
-                        <a:spcAft>
-                          <a:spcPts val="0"/>
-                        </a:spcAft>
-                      </a:pPr>
-                      <a:r>
-                        <a:rPr lang="en-US" sz="1800">
-                          <a:solidFill>
-                            <a:schemeClr val="tx1"/>
-                          </a:solidFill>
-                          <a:effectLst/>
-                        </a:rPr>
-                        <a:t>5%</a:t>
-                      </a:r>
-                      <a:endParaRPr lang="en-US" sz="1800">
-                        <a:solidFill>
-                          <a:schemeClr val="tx1"/>
-                        </a:solidFill>
-                        <a:effectLst/>
-                        <a:latin typeface="Calibri" panose="020F0502020204030204" pitchFamily="34" charset="0"/>
-                        <a:ea typeface="Calibri" panose="020F0502020204030204" pitchFamily="34" charset="0"/>
-                        <a:cs typeface="Times New Roman" panose="02020603050405020304" pitchFamily="18" charset="0"/>
-                      </a:endParaRPr>
-                    </a:p>
-                  </a:txBody>
-                  <a:tcPr marL="34673" marR="34673" marT="0" marB="0">
-                    <a:lnL w="12700" cap="flat" cmpd="sng" algn="ctr">
-                      <a:solidFill>
-                        <a:schemeClr val="tx1"/>
-                      </a:solidFill>
-                      <a:prstDash val="solid"/>
-                      <a:round/>
-                      <a:headEnd type="none" w="med" len="med"/>
-                      <a:tailEnd type="none" w="med" len="med"/>
-                    </a:lnL>
-                    <a:lnR w="12700" cap="flat" cmpd="sng" algn="ctr">
-                      <a:solidFill>
-                        <a:schemeClr val="tx1"/>
-                      </a:solidFill>
-                      <a:prstDash val="solid"/>
-                      <a:round/>
-                      <a:headEnd type="none" w="med" len="med"/>
-                      <a:tailEnd type="none" w="med" len="med"/>
-                    </a:lnR>
-                    <a:lnT w="12700" cap="flat" cmpd="sng" algn="ctr">
-                      <a:solidFill>
-                        <a:schemeClr val="tx1"/>
-                      </a:solidFill>
-                      <a:prstDash val="solid"/>
-                      <a:round/>
-                      <a:headEnd type="none" w="med" len="med"/>
-                      <a:tailEnd type="none" w="med" len="med"/>
-                    </a:lnT>
-                    <a:lnB w="12700" cap="flat" cmpd="sng" algn="ctr">
-                      <a:solidFill>
-                        <a:schemeClr val="tx1"/>
-                      </a:solidFill>
-                      <a:prstDash val="solid"/>
-                      <a:round/>
-                      <a:headEnd type="none" w="med" len="med"/>
-                      <a:tailEnd type="none" w="med" len="med"/>
-                    </a:lnB>
-                    <a:solidFill>
-                      <a:srgbClr val="FFC000"/>
-                    </a:solidFill>
-                  </a:tcPr>
-                </a:tc>
-                <a:tc>
-                  <a:txBody>
-                    <a:bodyPr/>
-                    <a:lstStyle/>
-                    <a:p>
-                      <a:pPr marL="0" marR="0">
-                        <a:spcBef>
-                          <a:spcPts val="0"/>
-                        </a:spcBef>
-                        <a:spcAft>
-                          <a:spcPts val="0"/>
-                        </a:spcAft>
-                      </a:pPr>
-                      <a:r>
-                        <a:rPr lang="en-US" sz="1800" dirty="0">
-                          <a:solidFill>
-                            <a:schemeClr val="tx1"/>
-                          </a:solidFill>
-                          <a:effectLst/>
-                        </a:rPr>
-                        <a:t>Nov. 15</a:t>
-                      </a:r>
-                      <a:endParaRPr lang="en-US" sz="1800" dirty="0">
-                        <a:solidFill>
-                          <a:schemeClr val="tx1"/>
-                        </a:solidFill>
-                        <a:effectLst/>
-                        <a:latin typeface="Calibri" panose="020F0502020204030204" pitchFamily="34" charset="0"/>
-                        <a:ea typeface="Calibri" panose="020F0502020204030204" pitchFamily="34" charset="0"/>
-                        <a:cs typeface="Times New Roman" panose="02020603050405020304" pitchFamily="18" charset="0"/>
-                      </a:endParaRPr>
-                    </a:p>
-                  </a:txBody>
-                  <a:tcPr marL="34673" marR="34673" marT="0" marB="0">
-                    <a:lnL w="12700" cap="flat" cmpd="sng" algn="ctr">
-                      <a:solidFill>
-                        <a:schemeClr val="tx1"/>
-                      </a:solidFill>
-                      <a:prstDash val="solid"/>
-                      <a:round/>
-                      <a:headEnd type="none" w="med" len="med"/>
-                      <a:tailEnd type="none" w="med" len="med"/>
-                    </a:lnL>
-                    <a:lnR w="12700" cap="flat" cmpd="sng" algn="ctr">
-                      <a:solidFill>
-                        <a:schemeClr val="tx1"/>
-                      </a:solidFill>
-                      <a:prstDash val="solid"/>
-                      <a:round/>
-                      <a:headEnd type="none" w="med" len="med"/>
-                      <a:tailEnd type="none" w="med" len="med"/>
-                    </a:lnR>
-                    <a:lnT w="12700" cap="flat" cmpd="sng" algn="ctr">
-                      <a:solidFill>
-                        <a:schemeClr val="tx1"/>
-                      </a:solidFill>
-                      <a:prstDash val="solid"/>
-                      <a:round/>
-                      <a:headEnd type="none" w="med" len="med"/>
-                      <a:tailEnd type="none" w="med" len="med"/>
-                    </a:lnT>
-                    <a:lnB w="12700" cap="flat" cmpd="sng" algn="ctr">
-                      <a:solidFill>
-                        <a:schemeClr val="tx1"/>
-                      </a:solidFill>
-                      <a:prstDash val="solid"/>
-                      <a:round/>
-                      <a:headEnd type="none" w="med" len="med"/>
-                      <a:tailEnd type="none" w="med" len="med"/>
-                    </a:lnB>
-                    <a:solidFill>
-                      <a:srgbClr val="FFC000"/>
-                    </a:solidFill>
-                  </a:tcPr>
-                </a:tc>
-                <a:extLst>
-                  <a:ext uri="{0D108BD9-81ED-4DB2-BD59-A6C34878D82A}">
-                    <a16:rowId xmlns:a16="http://schemas.microsoft.com/office/drawing/2014/main" val="1432815250"/>
-                  </a:ext>
-                </a:extLst>
-              </a:tr>
-              <a:tr h="479425">
-                <a:tc>
-                  <a:txBody>
-                    <a:bodyPr/>
-                    <a:lstStyle/>
-                    <a:p>
-                      <a:pPr marL="0" marR="0">
-                        <a:spcBef>
-                          <a:spcPts val="0"/>
-                        </a:spcBef>
-                        <a:spcAft>
-                          <a:spcPts val="0"/>
-                        </a:spcAft>
-                      </a:pPr>
-                      <a:r>
-                        <a:rPr lang="en-US" sz="1800" b="0" dirty="0">
-                          <a:solidFill>
-                            <a:schemeClr val="tx1"/>
-                          </a:solidFill>
-                          <a:effectLst/>
-                        </a:rPr>
-                        <a:t>Contribution to Open Source [Peer (in-class) code Review]</a:t>
-                      </a:r>
-                      <a:endParaRPr lang="en-US" sz="1800" b="0" dirty="0">
-                        <a:solidFill>
-                          <a:schemeClr val="tx1"/>
-                        </a:solidFill>
-                        <a:effectLst/>
-                        <a:latin typeface="Calibri" panose="020F0502020204030204" pitchFamily="34" charset="0"/>
-                        <a:ea typeface="Calibri" panose="020F0502020204030204" pitchFamily="34" charset="0"/>
-                        <a:cs typeface="Times New Roman" panose="02020603050405020304" pitchFamily="18" charset="0"/>
-                      </a:endParaRPr>
-                    </a:p>
-                  </a:txBody>
-                  <a:tcPr marL="34673" marR="34673" marT="0" marB="0">
-                    <a:lnL w="12700" cap="flat" cmpd="sng" algn="ctr">
-                      <a:solidFill>
-                        <a:schemeClr val="tx1"/>
-                      </a:solidFill>
-                      <a:prstDash val="solid"/>
-                      <a:round/>
-                      <a:headEnd type="none" w="med" len="med"/>
-                      <a:tailEnd type="none" w="med" len="med"/>
-                    </a:lnL>
-                    <a:lnR w="12700" cap="flat" cmpd="sng" algn="ctr">
-                      <a:solidFill>
-                        <a:schemeClr val="tx1"/>
-                      </a:solidFill>
-                      <a:prstDash val="solid"/>
-                      <a:round/>
-                      <a:headEnd type="none" w="med" len="med"/>
-                      <a:tailEnd type="none" w="med" len="med"/>
-                    </a:lnR>
-                    <a:lnT w="12700" cap="flat" cmpd="sng" algn="ctr">
-                      <a:solidFill>
-                        <a:schemeClr val="tx1"/>
-                      </a:solidFill>
-                      <a:prstDash val="solid"/>
-                      <a:round/>
-                      <a:headEnd type="none" w="med" len="med"/>
-                      <a:tailEnd type="none" w="med" len="med"/>
-                    </a:lnT>
-                    <a:lnB w="12700" cap="flat" cmpd="sng" algn="ctr">
-                      <a:solidFill>
-                        <a:schemeClr val="tx1"/>
-                      </a:solidFill>
-                      <a:prstDash val="solid"/>
-                      <a:round/>
-                      <a:headEnd type="none" w="med" len="med"/>
-                      <a:tailEnd type="none" w="med" len="med"/>
-                    </a:lnB>
-                    <a:noFill/>
-                  </a:tcPr>
-                </a:tc>
-                <a:tc>
-                  <a:txBody>
-                    <a:bodyPr/>
-                    <a:lstStyle/>
-                    <a:p>
-                      <a:pPr marL="0" marR="0">
-                        <a:spcBef>
-                          <a:spcPts val="0"/>
-                        </a:spcBef>
-                        <a:spcAft>
-                          <a:spcPts val="0"/>
-                        </a:spcAft>
-                      </a:pPr>
-                      <a:r>
-                        <a:rPr lang="en-US" sz="1800" dirty="0">
-                          <a:solidFill>
-                            <a:schemeClr val="tx1"/>
-                          </a:solidFill>
-                          <a:effectLst/>
-                        </a:rPr>
-                        <a:t>Code review performed by other group (This task may be done throughout the period, depending on the flux of submissions)</a:t>
-                      </a:r>
-                      <a:endParaRPr lang="en-US" sz="1800" dirty="0">
-                        <a:solidFill>
-                          <a:schemeClr val="tx1"/>
-                        </a:solidFill>
-                        <a:effectLst/>
-                        <a:latin typeface="Calibri" panose="020F0502020204030204" pitchFamily="34" charset="0"/>
-                        <a:ea typeface="Calibri" panose="020F0502020204030204" pitchFamily="34" charset="0"/>
-                        <a:cs typeface="Times New Roman" panose="02020603050405020304" pitchFamily="18" charset="0"/>
-                      </a:endParaRPr>
-                    </a:p>
-                  </a:txBody>
-                  <a:tcPr marL="34673" marR="34673" marT="0" marB="0">
-                    <a:lnL w="12700" cap="flat" cmpd="sng" algn="ctr">
-                      <a:solidFill>
-                        <a:schemeClr val="tx1"/>
-                      </a:solidFill>
-                      <a:prstDash val="solid"/>
-                      <a:round/>
-                      <a:headEnd type="none" w="med" len="med"/>
-                      <a:tailEnd type="none" w="med" len="med"/>
-                    </a:lnL>
-                    <a:lnR w="12700" cap="flat" cmpd="sng" algn="ctr">
-                      <a:solidFill>
-                        <a:schemeClr val="tx1"/>
-                      </a:solidFill>
-                      <a:prstDash val="solid"/>
-                      <a:round/>
-                      <a:headEnd type="none" w="med" len="med"/>
-                      <a:tailEnd type="none" w="med" len="med"/>
-                    </a:lnR>
-                    <a:lnT w="12700" cap="flat" cmpd="sng" algn="ctr">
-                      <a:solidFill>
-                        <a:schemeClr val="tx1"/>
-                      </a:solidFill>
-                      <a:prstDash val="solid"/>
-                      <a:round/>
-                      <a:headEnd type="none" w="med" len="med"/>
-                      <a:tailEnd type="none" w="med" len="med"/>
-                    </a:lnT>
-                    <a:lnB w="12700" cap="flat" cmpd="sng" algn="ctr">
-                      <a:solidFill>
-                        <a:schemeClr val="tx1"/>
-                      </a:solidFill>
-                      <a:prstDash val="solid"/>
-                      <a:round/>
-                      <a:headEnd type="none" w="med" len="med"/>
-                      <a:tailEnd type="none" w="med" len="med"/>
-                    </a:lnB>
-                    <a:noFill/>
-                  </a:tcPr>
-                </a:tc>
-                <a:tc>
-                  <a:txBody>
-                    <a:bodyPr/>
-                    <a:lstStyle/>
-                    <a:p>
-                      <a:pPr marL="0" marR="0">
-                        <a:spcBef>
-                          <a:spcPts val="0"/>
-                        </a:spcBef>
-                        <a:spcAft>
-                          <a:spcPts val="0"/>
-                        </a:spcAft>
-                      </a:pPr>
-                      <a:r>
-                        <a:rPr lang="en-US" sz="1800" dirty="0">
-                          <a:solidFill>
-                            <a:schemeClr val="tx1"/>
-                          </a:solidFill>
-                          <a:effectLst/>
-                        </a:rPr>
-                        <a:t>5%</a:t>
-                      </a:r>
-                      <a:endParaRPr lang="en-US" sz="1800" dirty="0">
-                        <a:solidFill>
-                          <a:schemeClr val="tx1"/>
-                        </a:solidFill>
-                        <a:effectLst/>
-                        <a:latin typeface="Calibri" panose="020F0502020204030204" pitchFamily="34" charset="0"/>
-                        <a:ea typeface="Calibri" panose="020F0502020204030204" pitchFamily="34" charset="0"/>
-                        <a:cs typeface="Times New Roman" panose="02020603050405020304" pitchFamily="18" charset="0"/>
-                      </a:endParaRPr>
-                    </a:p>
-                  </a:txBody>
-                  <a:tcPr marL="34673" marR="34673" marT="0" marB="0">
-                    <a:lnL w="12700" cap="flat" cmpd="sng" algn="ctr">
-                      <a:solidFill>
-                        <a:schemeClr val="tx1"/>
-                      </a:solidFill>
-                      <a:prstDash val="solid"/>
-                      <a:round/>
-                      <a:headEnd type="none" w="med" len="med"/>
-                      <a:tailEnd type="none" w="med" len="med"/>
-                    </a:lnL>
-                    <a:lnR w="12700" cap="flat" cmpd="sng" algn="ctr">
-                      <a:solidFill>
-                        <a:schemeClr val="tx1"/>
-                      </a:solidFill>
-                      <a:prstDash val="solid"/>
-                      <a:round/>
-                      <a:headEnd type="none" w="med" len="med"/>
-                      <a:tailEnd type="none" w="med" len="med"/>
-                    </a:lnR>
-                    <a:lnT w="12700" cap="flat" cmpd="sng" algn="ctr">
-                      <a:solidFill>
-                        <a:schemeClr val="tx1"/>
-                      </a:solidFill>
-                      <a:prstDash val="solid"/>
-                      <a:round/>
-                      <a:headEnd type="none" w="med" len="med"/>
-                      <a:tailEnd type="none" w="med" len="med"/>
-                    </a:lnT>
-                    <a:lnB w="12700" cap="flat" cmpd="sng" algn="ctr">
-                      <a:solidFill>
-                        <a:schemeClr val="tx1"/>
-                      </a:solidFill>
-                      <a:prstDash val="solid"/>
-                      <a:round/>
-                      <a:headEnd type="none" w="med" len="med"/>
-                      <a:tailEnd type="none" w="med" len="med"/>
-                    </a:lnB>
-                    <a:noFill/>
-                  </a:tcPr>
-                </a:tc>
-                <a:tc>
-                  <a:txBody>
-                    <a:bodyPr/>
-                    <a:lstStyle/>
-                    <a:p>
-                      <a:pPr marL="0" marR="0">
-                        <a:spcBef>
-                          <a:spcPts val="0"/>
-                        </a:spcBef>
-                        <a:spcAft>
-                          <a:spcPts val="0"/>
-                        </a:spcAft>
-                      </a:pPr>
-                      <a:r>
-                        <a:rPr lang="en-US" sz="1800" dirty="0">
-                          <a:solidFill>
-                            <a:schemeClr val="tx1"/>
-                          </a:solidFill>
-                          <a:effectLst/>
-                        </a:rPr>
-                        <a:t>Nov. 29</a:t>
-                      </a:r>
-                      <a:endParaRPr lang="en-US" sz="1800" dirty="0">
-                        <a:solidFill>
-                          <a:schemeClr val="tx1"/>
-                        </a:solidFill>
-                        <a:effectLst/>
-                        <a:latin typeface="Calibri" panose="020F0502020204030204" pitchFamily="34" charset="0"/>
-                        <a:ea typeface="Calibri" panose="020F0502020204030204" pitchFamily="34" charset="0"/>
-                        <a:cs typeface="Times New Roman" panose="02020603050405020304" pitchFamily="18" charset="0"/>
-                      </a:endParaRPr>
-                    </a:p>
-                  </a:txBody>
-                  <a:tcPr marL="34673" marR="34673" marT="0" marB="0">
-                    <a:lnL w="12700" cap="flat" cmpd="sng" algn="ctr">
-                      <a:solidFill>
-                        <a:schemeClr val="tx1"/>
-                      </a:solidFill>
-                      <a:prstDash val="solid"/>
-                      <a:round/>
-                      <a:headEnd type="none" w="med" len="med"/>
-                      <a:tailEnd type="none" w="med" len="med"/>
-                    </a:lnL>
-                    <a:lnR w="12700" cap="flat" cmpd="sng" algn="ctr">
-                      <a:solidFill>
-                        <a:schemeClr val="tx1"/>
-                      </a:solidFill>
-                      <a:prstDash val="solid"/>
-                      <a:round/>
-                      <a:headEnd type="none" w="med" len="med"/>
-                      <a:tailEnd type="none" w="med" len="med"/>
-                    </a:lnR>
-                    <a:lnT w="12700" cap="flat" cmpd="sng" algn="ctr">
-                      <a:solidFill>
-                        <a:schemeClr val="tx1"/>
-                      </a:solidFill>
-                      <a:prstDash val="solid"/>
-                      <a:round/>
-                      <a:headEnd type="none" w="med" len="med"/>
-                      <a:tailEnd type="none" w="med" len="med"/>
-                    </a:lnT>
-                    <a:lnB w="12700" cap="flat" cmpd="sng" algn="ctr">
-                      <a:solidFill>
-                        <a:schemeClr val="tx1"/>
-                      </a:solidFill>
-                      <a:prstDash val="solid"/>
-                      <a:round/>
-                      <a:headEnd type="none" w="med" len="med"/>
-                      <a:tailEnd type="none" w="med" len="med"/>
-                    </a:lnB>
-                    <a:noFill/>
-                  </a:tcPr>
-                </a:tc>
-                <a:extLst>
-                  <a:ext uri="{0D108BD9-81ED-4DB2-BD59-A6C34878D82A}">
-                    <a16:rowId xmlns:a16="http://schemas.microsoft.com/office/drawing/2014/main" val="774169476"/>
-                  </a:ext>
-                </a:extLst>
-              </a:tr>
-              <a:tr h="383541">
-                <a:tc>
-                  <a:txBody>
-                    <a:bodyPr/>
-                    <a:lstStyle/>
-                    <a:p>
-                      <a:pPr marL="0" marR="0">
-                        <a:spcBef>
-                          <a:spcPts val="0"/>
-                        </a:spcBef>
-                        <a:spcAft>
-                          <a:spcPts val="0"/>
-                        </a:spcAft>
-                      </a:pPr>
-                      <a:r>
-                        <a:rPr lang="en-US" sz="1800" b="0" dirty="0">
-                          <a:solidFill>
-                            <a:schemeClr val="tx1"/>
-                          </a:solidFill>
-                          <a:effectLst/>
-                        </a:rPr>
-                        <a:t>Contribution to Open Source (Checkpoint 3)</a:t>
-                      </a:r>
-                      <a:endParaRPr lang="en-US" sz="1800" b="0" dirty="0">
-                        <a:solidFill>
-                          <a:schemeClr val="tx1"/>
-                        </a:solidFill>
-                        <a:effectLst/>
-                        <a:latin typeface="Calibri" panose="020F0502020204030204" pitchFamily="34" charset="0"/>
-                        <a:ea typeface="Calibri" panose="020F0502020204030204" pitchFamily="34" charset="0"/>
-                        <a:cs typeface="Times New Roman" panose="02020603050405020304" pitchFamily="18" charset="0"/>
-                      </a:endParaRPr>
-                    </a:p>
-                  </a:txBody>
-                  <a:tcPr marL="34673" marR="34673" marT="0" marB="0">
-                    <a:lnL w="12700" cap="flat" cmpd="sng" algn="ctr">
-                      <a:solidFill>
-                        <a:schemeClr val="tx1"/>
-                      </a:solidFill>
-                      <a:prstDash val="solid"/>
-                      <a:round/>
-                      <a:headEnd type="none" w="med" len="med"/>
-                      <a:tailEnd type="none" w="med" len="med"/>
-                    </a:lnL>
-                    <a:lnR w="12700" cap="flat" cmpd="sng" algn="ctr">
-                      <a:solidFill>
-                        <a:schemeClr val="tx1"/>
-                      </a:solidFill>
-                      <a:prstDash val="solid"/>
-                      <a:round/>
-                      <a:headEnd type="none" w="med" len="med"/>
-                      <a:tailEnd type="none" w="med" len="med"/>
-                    </a:lnR>
-                    <a:lnT w="12700" cap="flat" cmpd="sng" algn="ctr">
-                      <a:solidFill>
-                        <a:schemeClr val="tx1"/>
-                      </a:solidFill>
-                      <a:prstDash val="solid"/>
-                      <a:round/>
-                      <a:headEnd type="none" w="med" len="med"/>
-                      <a:tailEnd type="none" w="med" len="med"/>
-                    </a:lnT>
-                    <a:lnB w="12700" cap="flat" cmpd="sng" algn="ctr">
-                      <a:solidFill>
-                        <a:schemeClr val="tx1"/>
-                      </a:solidFill>
-                      <a:prstDash val="solid"/>
-                      <a:round/>
-                      <a:headEnd type="none" w="med" len="med"/>
-                      <a:tailEnd type="none" w="med" len="med"/>
-                    </a:lnB>
-                    <a:solidFill>
-                      <a:srgbClr val="FFC000"/>
-                    </a:solidFill>
-                  </a:tcPr>
-                </a:tc>
-                <a:tc>
-                  <a:txBody>
-                    <a:bodyPr/>
-                    <a:lstStyle/>
-                    <a:p>
-                      <a:pPr marL="0" marR="0">
-                        <a:spcBef>
-                          <a:spcPts val="0"/>
-                        </a:spcBef>
-                        <a:spcAft>
-                          <a:spcPts val="0"/>
-                        </a:spcAft>
-                      </a:pPr>
-                      <a:r>
-                        <a:rPr lang="en-US" sz="1800" dirty="0">
-                          <a:solidFill>
-                            <a:schemeClr val="tx1"/>
-                          </a:solidFill>
-                          <a:effectLst/>
-                        </a:rPr>
-                        <a:t>Final presentation (group + instructor)</a:t>
-                      </a:r>
-                      <a:br>
-                        <a:rPr lang="en-US" sz="1800" dirty="0">
-                          <a:solidFill>
-                            <a:schemeClr val="tx1"/>
-                          </a:solidFill>
-                          <a:effectLst/>
-                        </a:rPr>
-                      </a:br>
-                      <a:r>
-                        <a:rPr lang="en-US" sz="1800" dirty="0">
-                          <a:solidFill>
-                            <a:schemeClr val="tx1"/>
-                          </a:solidFill>
-                          <a:effectLst/>
-                        </a:rPr>
-                        <a:t>can be done during office hours</a:t>
-                      </a:r>
-                      <a:endParaRPr lang="en-US" sz="1800" dirty="0">
-                        <a:solidFill>
-                          <a:schemeClr val="tx1"/>
-                        </a:solidFill>
-                        <a:effectLst/>
-                        <a:latin typeface="Calibri" panose="020F0502020204030204" pitchFamily="34" charset="0"/>
-                        <a:ea typeface="Calibri" panose="020F0502020204030204" pitchFamily="34" charset="0"/>
-                        <a:cs typeface="Times New Roman" panose="02020603050405020304" pitchFamily="18" charset="0"/>
-                      </a:endParaRPr>
-                    </a:p>
-                  </a:txBody>
-                  <a:tcPr marL="34673" marR="34673" marT="0" marB="0">
-                    <a:lnL w="12700" cap="flat" cmpd="sng" algn="ctr">
-                      <a:solidFill>
-                        <a:schemeClr val="tx1"/>
-                      </a:solidFill>
-                      <a:prstDash val="solid"/>
-                      <a:round/>
-                      <a:headEnd type="none" w="med" len="med"/>
-                      <a:tailEnd type="none" w="med" len="med"/>
-                    </a:lnL>
-                    <a:lnR w="12700" cap="flat" cmpd="sng" algn="ctr">
-                      <a:solidFill>
-                        <a:schemeClr val="tx1"/>
-                      </a:solidFill>
-                      <a:prstDash val="solid"/>
-                      <a:round/>
-                      <a:headEnd type="none" w="med" len="med"/>
-                      <a:tailEnd type="none" w="med" len="med"/>
-                    </a:lnR>
-                    <a:lnT w="12700" cap="flat" cmpd="sng" algn="ctr">
-                      <a:solidFill>
-                        <a:schemeClr val="tx1"/>
-                      </a:solidFill>
-                      <a:prstDash val="solid"/>
-                      <a:round/>
-                      <a:headEnd type="none" w="med" len="med"/>
-                      <a:tailEnd type="none" w="med" len="med"/>
-                    </a:lnT>
-                    <a:lnB w="12700" cap="flat" cmpd="sng" algn="ctr">
-                      <a:solidFill>
-                        <a:schemeClr val="tx1"/>
-                      </a:solidFill>
-                      <a:prstDash val="solid"/>
-                      <a:round/>
-                      <a:headEnd type="none" w="med" len="med"/>
-                      <a:tailEnd type="none" w="med" len="med"/>
-                    </a:lnB>
-                    <a:solidFill>
-                      <a:srgbClr val="FFC000"/>
-                    </a:solidFill>
-                  </a:tcPr>
-                </a:tc>
-                <a:tc>
-                  <a:txBody>
-                    <a:bodyPr/>
-                    <a:lstStyle/>
-                    <a:p>
-                      <a:pPr marL="0" marR="0">
-                        <a:spcBef>
-                          <a:spcPts val="0"/>
-                        </a:spcBef>
-                        <a:spcAft>
-                          <a:spcPts val="0"/>
-                        </a:spcAft>
-                      </a:pPr>
-                      <a:r>
-                        <a:rPr lang="en-US" sz="1800">
-                          <a:solidFill>
-                            <a:schemeClr val="tx1"/>
-                          </a:solidFill>
-                          <a:effectLst/>
-                        </a:rPr>
-                        <a:t>10%</a:t>
-                      </a:r>
-                      <a:endParaRPr lang="en-US" sz="1800">
-                        <a:solidFill>
-                          <a:schemeClr val="tx1"/>
-                        </a:solidFill>
-                        <a:effectLst/>
-                        <a:latin typeface="Calibri" panose="020F0502020204030204" pitchFamily="34" charset="0"/>
-                        <a:ea typeface="Calibri" panose="020F0502020204030204" pitchFamily="34" charset="0"/>
-                        <a:cs typeface="Times New Roman" panose="02020603050405020304" pitchFamily="18" charset="0"/>
-                      </a:endParaRPr>
-                    </a:p>
-                  </a:txBody>
-                  <a:tcPr marL="34673" marR="34673" marT="0" marB="0">
-                    <a:lnL w="12700" cap="flat" cmpd="sng" algn="ctr">
-                      <a:solidFill>
-                        <a:schemeClr val="tx1"/>
-                      </a:solidFill>
-                      <a:prstDash val="solid"/>
-                      <a:round/>
-                      <a:headEnd type="none" w="med" len="med"/>
-                      <a:tailEnd type="none" w="med" len="med"/>
-                    </a:lnL>
-                    <a:lnR w="12700" cap="flat" cmpd="sng" algn="ctr">
-                      <a:solidFill>
-                        <a:schemeClr val="tx1"/>
-                      </a:solidFill>
-                      <a:prstDash val="solid"/>
-                      <a:round/>
-                      <a:headEnd type="none" w="med" len="med"/>
-                      <a:tailEnd type="none" w="med" len="med"/>
-                    </a:lnR>
-                    <a:lnT w="12700" cap="flat" cmpd="sng" algn="ctr">
-                      <a:solidFill>
-                        <a:schemeClr val="tx1"/>
-                      </a:solidFill>
-                      <a:prstDash val="solid"/>
-                      <a:round/>
-                      <a:headEnd type="none" w="med" len="med"/>
-                      <a:tailEnd type="none" w="med" len="med"/>
-                    </a:lnT>
-                    <a:lnB w="12700" cap="flat" cmpd="sng" algn="ctr">
-                      <a:solidFill>
-                        <a:schemeClr val="tx1"/>
-                      </a:solidFill>
-                      <a:prstDash val="solid"/>
-                      <a:round/>
-                      <a:headEnd type="none" w="med" len="med"/>
-                      <a:tailEnd type="none" w="med" len="med"/>
-                    </a:lnB>
-                    <a:solidFill>
-                      <a:srgbClr val="FFC000"/>
-                    </a:solidFill>
-                  </a:tcPr>
-                </a:tc>
-                <a:tc>
-                  <a:txBody>
-                    <a:bodyPr/>
-                    <a:lstStyle/>
-                    <a:p>
-                      <a:pPr marL="0" marR="0">
-                        <a:spcBef>
-                          <a:spcPts val="0"/>
-                        </a:spcBef>
-                        <a:spcAft>
-                          <a:spcPts val="0"/>
-                        </a:spcAft>
-                      </a:pPr>
-                      <a:r>
-                        <a:rPr lang="en-US" sz="1800" dirty="0">
-                          <a:solidFill>
-                            <a:schemeClr val="tx1"/>
-                          </a:solidFill>
-                          <a:effectLst/>
-                        </a:rPr>
-                        <a:t>Dec. 6</a:t>
-                      </a:r>
-                      <a:endParaRPr lang="en-US" sz="1800" dirty="0">
-                        <a:solidFill>
-                          <a:schemeClr val="tx1"/>
-                        </a:solidFill>
-                        <a:effectLst/>
-                        <a:latin typeface="Calibri" panose="020F0502020204030204" pitchFamily="34" charset="0"/>
-                        <a:ea typeface="Calibri" panose="020F0502020204030204" pitchFamily="34" charset="0"/>
-                        <a:cs typeface="Times New Roman" panose="02020603050405020304" pitchFamily="18" charset="0"/>
-                      </a:endParaRPr>
-                    </a:p>
-                  </a:txBody>
-                  <a:tcPr marL="34673" marR="34673" marT="0" marB="0">
-                    <a:lnL w="12700" cap="flat" cmpd="sng" algn="ctr">
-                      <a:solidFill>
-                        <a:schemeClr val="tx1"/>
-                      </a:solidFill>
-                      <a:prstDash val="solid"/>
-                      <a:round/>
-                      <a:headEnd type="none" w="med" len="med"/>
-                      <a:tailEnd type="none" w="med" len="med"/>
-                    </a:lnL>
-                    <a:lnR w="12700" cap="flat" cmpd="sng" algn="ctr">
-                      <a:solidFill>
-                        <a:schemeClr val="tx1"/>
-                      </a:solidFill>
-                      <a:prstDash val="solid"/>
-                      <a:round/>
-                      <a:headEnd type="none" w="med" len="med"/>
-                      <a:tailEnd type="none" w="med" len="med"/>
-                    </a:lnR>
-                    <a:lnT w="12700" cap="flat" cmpd="sng" algn="ctr">
-                      <a:solidFill>
-                        <a:schemeClr val="tx1"/>
-                      </a:solidFill>
-                      <a:prstDash val="solid"/>
-                      <a:round/>
-                      <a:headEnd type="none" w="med" len="med"/>
-                      <a:tailEnd type="none" w="med" len="med"/>
-                    </a:lnT>
-                    <a:lnB w="12700" cap="flat" cmpd="sng" algn="ctr">
-                      <a:solidFill>
-                        <a:schemeClr val="tx1"/>
-                      </a:solidFill>
-                      <a:prstDash val="solid"/>
-                      <a:round/>
-                      <a:headEnd type="none" w="med" len="med"/>
-                      <a:tailEnd type="none" w="med" len="med"/>
-                    </a:lnB>
-                    <a:solidFill>
-                      <a:srgbClr val="FFC000"/>
-                    </a:solidFill>
-                  </a:tcPr>
-                </a:tc>
-                <a:extLst>
-                  <a:ext uri="{0D108BD9-81ED-4DB2-BD59-A6C34878D82A}">
-                    <a16:rowId xmlns:a16="http://schemas.microsoft.com/office/drawing/2014/main" val="2735399775"/>
-                  </a:ext>
-                </a:extLst>
-              </a:tr>
-              <a:tr h="479425">
-                <a:tc>
-                  <a:txBody>
-                    <a:bodyPr/>
-                    <a:lstStyle/>
-                    <a:p>
-                      <a:pPr marL="0" marR="0">
-                        <a:spcBef>
-                          <a:spcPts val="0"/>
-                        </a:spcBef>
-                        <a:spcAft>
-                          <a:spcPts val="0"/>
-                        </a:spcAft>
-                      </a:pPr>
-                      <a:r>
-                        <a:rPr lang="en-US" sz="1800" b="0">
-                          <a:solidFill>
-                            <a:schemeClr val="tx1"/>
-                          </a:solidFill>
-                          <a:effectLst/>
-                        </a:rPr>
-                        <a:t>Contribution to Open Source (Final report)</a:t>
-                      </a:r>
-                      <a:endParaRPr lang="en-US" sz="1800" b="0">
-                        <a:solidFill>
-                          <a:schemeClr val="tx1"/>
-                        </a:solidFill>
-                        <a:effectLst/>
-                        <a:latin typeface="Calibri" panose="020F0502020204030204" pitchFamily="34" charset="0"/>
-                        <a:ea typeface="Calibri" panose="020F0502020204030204" pitchFamily="34" charset="0"/>
-                        <a:cs typeface="Times New Roman" panose="02020603050405020304" pitchFamily="18" charset="0"/>
-                      </a:endParaRPr>
-                    </a:p>
-                  </a:txBody>
-                  <a:tcPr marL="34673" marR="34673" marT="0" marB="0">
-                    <a:lnL w="12700" cap="flat" cmpd="sng" algn="ctr">
-                      <a:solidFill>
-                        <a:schemeClr val="tx1"/>
-                      </a:solidFill>
-                      <a:prstDash val="solid"/>
-                      <a:round/>
-                      <a:headEnd type="none" w="med" len="med"/>
-                      <a:tailEnd type="none" w="med" len="med"/>
-                    </a:lnL>
-                    <a:lnR w="12700" cap="flat" cmpd="sng" algn="ctr">
-                      <a:solidFill>
-                        <a:schemeClr val="tx1"/>
-                      </a:solidFill>
-                      <a:prstDash val="solid"/>
-                      <a:round/>
-                      <a:headEnd type="none" w="med" len="med"/>
-                      <a:tailEnd type="none" w="med" len="med"/>
-                    </a:lnR>
-                    <a:lnT w="12700" cap="flat" cmpd="sng" algn="ctr">
-                      <a:solidFill>
-                        <a:schemeClr val="tx1"/>
-                      </a:solidFill>
-                      <a:prstDash val="solid"/>
-                      <a:round/>
-                      <a:headEnd type="none" w="med" len="med"/>
-                      <a:tailEnd type="none" w="med" len="med"/>
-                    </a:lnT>
-                    <a:lnB w="12700" cap="flat" cmpd="sng" algn="ctr">
-                      <a:solidFill>
-                        <a:schemeClr val="tx1"/>
-                      </a:solidFill>
-                      <a:prstDash val="solid"/>
-                      <a:round/>
-                      <a:headEnd type="none" w="med" len="med"/>
-                      <a:tailEnd type="none" w="med" len="med"/>
-                    </a:lnB>
-                    <a:noFill/>
-                  </a:tcPr>
-                </a:tc>
-                <a:tc>
-                  <a:txBody>
-                    <a:bodyPr/>
-                    <a:lstStyle/>
-                    <a:p>
-                      <a:pPr marL="0" marR="0">
-                        <a:spcBef>
-                          <a:spcPts val="0"/>
-                        </a:spcBef>
-                        <a:spcAft>
-                          <a:spcPts val="0"/>
-                        </a:spcAft>
-                      </a:pPr>
-                      <a:r>
-                        <a:rPr lang="en-US" sz="1800">
-                          <a:solidFill>
-                            <a:schemeClr val="tx1"/>
-                          </a:solidFill>
-                          <a:effectLst/>
-                        </a:rPr>
-                        <a:t>Summary of the contribution process (I recommend to be written on-the-fly to avoid forgetting things)</a:t>
-                      </a:r>
-                      <a:endParaRPr lang="en-US" sz="1800">
-                        <a:solidFill>
-                          <a:schemeClr val="tx1"/>
-                        </a:solidFill>
-                        <a:effectLst/>
-                        <a:latin typeface="Calibri" panose="020F0502020204030204" pitchFamily="34" charset="0"/>
-                        <a:ea typeface="Calibri" panose="020F0502020204030204" pitchFamily="34" charset="0"/>
-                        <a:cs typeface="Times New Roman" panose="02020603050405020304" pitchFamily="18" charset="0"/>
-                      </a:endParaRPr>
-                    </a:p>
-                  </a:txBody>
-                  <a:tcPr marL="34673" marR="34673" marT="0" marB="0">
-                    <a:lnL w="12700" cap="flat" cmpd="sng" algn="ctr">
-                      <a:solidFill>
-                        <a:schemeClr val="tx1"/>
-                      </a:solidFill>
-                      <a:prstDash val="solid"/>
-                      <a:round/>
-                      <a:headEnd type="none" w="med" len="med"/>
-                      <a:tailEnd type="none" w="med" len="med"/>
-                    </a:lnL>
-                    <a:lnR w="12700" cap="flat" cmpd="sng" algn="ctr">
-                      <a:solidFill>
-                        <a:schemeClr val="tx1"/>
-                      </a:solidFill>
-                      <a:prstDash val="solid"/>
-                      <a:round/>
-                      <a:headEnd type="none" w="med" len="med"/>
-                      <a:tailEnd type="none" w="med" len="med"/>
-                    </a:lnR>
-                    <a:lnT w="12700" cap="flat" cmpd="sng" algn="ctr">
-                      <a:solidFill>
-                        <a:schemeClr val="tx1"/>
-                      </a:solidFill>
-                      <a:prstDash val="solid"/>
-                      <a:round/>
-                      <a:headEnd type="none" w="med" len="med"/>
-                      <a:tailEnd type="none" w="med" len="med"/>
-                    </a:lnT>
-                    <a:lnB w="12700" cap="flat" cmpd="sng" algn="ctr">
-                      <a:solidFill>
-                        <a:schemeClr val="tx1"/>
-                      </a:solidFill>
-                      <a:prstDash val="solid"/>
-                      <a:round/>
-                      <a:headEnd type="none" w="med" len="med"/>
-                      <a:tailEnd type="none" w="med" len="med"/>
-                    </a:lnB>
-                    <a:noFill/>
-                  </a:tcPr>
-                </a:tc>
-                <a:tc>
-                  <a:txBody>
-                    <a:bodyPr/>
-                    <a:lstStyle/>
-                    <a:p>
-                      <a:pPr marL="0" marR="0">
-                        <a:spcBef>
-                          <a:spcPts val="0"/>
-                        </a:spcBef>
-                        <a:spcAft>
-                          <a:spcPts val="0"/>
-                        </a:spcAft>
-                      </a:pPr>
-                      <a:r>
-                        <a:rPr lang="en-US" sz="1800">
-                          <a:solidFill>
-                            <a:schemeClr val="tx1"/>
-                          </a:solidFill>
-                          <a:effectLst/>
-                        </a:rPr>
-                        <a:t>20%</a:t>
-                      </a:r>
-                      <a:endParaRPr lang="en-US" sz="1800">
-                        <a:solidFill>
-                          <a:schemeClr val="tx1"/>
-                        </a:solidFill>
-                        <a:effectLst/>
-                        <a:latin typeface="Calibri" panose="020F0502020204030204" pitchFamily="34" charset="0"/>
-                        <a:ea typeface="Calibri" panose="020F0502020204030204" pitchFamily="34" charset="0"/>
-                        <a:cs typeface="Times New Roman" panose="02020603050405020304" pitchFamily="18" charset="0"/>
-                      </a:endParaRPr>
-                    </a:p>
-                  </a:txBody>
-                  <a:tcPr marL="34673" marR="34673" marT="0" marB="0">
-                    <a:lnL w="12700" cap="flat" cmpd="sng" algn="ctr">
-                      <a:solidFill>
-                        <a:schemeClr val="tx1"/>
-                      </a:solidFill>
-                      <a:prstDash val="solid"/>
-                      <a:round/>
-                      <a:headEnd type="none" w="med" len="med"/>
-                      <a:tailEnd type="none" w="med" len="med"/>
-                    </a:lnL>
-                    <a:lnR w="12700" cap="flat" cmpd="sng" algn="ctr">
-                      <a:solidFill>
-                        <a:schemeClr val="tx1"/>
-                      </a:solidFill>
-                      <a:prstDash val="solid"/>
-                      <a:round/>
-                      <a:headEnd type="none" w="med" len="med"/>
-                      <a:tailEnd type="none" w="med" len="med"/>
-                    </a:lnR>
-                    <a:lnT w="12700" cap="flat" cmpd="sng" algn="ctr">
-                      <a:solidFill>
-                        <a:schemeClr val="tx1"/>
-                      </a:solidFill>
-                      <a:prstDash val="solid"/>
-                      <a:round/>
-                      <a:headEnd type="none" w="med" len="med"/>
-                      <a:tailEnd type="none" w="med" len="med"/>
-                    </a:lnT>
-                    <a:lnB w="12700" cap="flat" cmpd="sng" algn="ctr">
-                      <a:solidFill>
-                        <a:schemeClr val="tx1"/>
-                      </a:solidFill>
-                      <a:prstDash val="solid"/>
-                      <a:round/>
-                      <a:headEnd type="none" w="med" len="med"/>
-                      <a:tailEnd type="none" w="med" len="med"/>
-                    </a:lnB>
-                    <a:noFill/>
-                  </a:tcPr>
-                </a:tc>
-                <a:tc>
-                  <a:txBody>
-                    <a:bodyPr/>
-                    <a:lstStyle/>
-                    <a:p>
-                      <a:pPr marL="0" marR="0">
-                        <a:spcBef>
-                          <a:spcPts val="0"/>
-                        </a:spcBef>
-                        <a:spcAft>
-                          <a:spcPts val="0"/>
-                        </a:spcAft>
-                      </a:pPr>
-                      <a:r>
-                        <a:rPr lang="en-US" sz="1800" dirty="0">
-                          <a:solidFill>
-                            <a:schemeClr val="tx1"/>
-                          </a:solidFill>
-                          <a:effectLst/>
-                        </a:rPr>
-                        <a:t>Dec. 13</a:t>
-                      </a:r>
-                      <a:endParaRPr lang="en-US" sz="1800" dirty="0">
-                        <a:solidFill>
-                          <a:schemeClr val="tx1"/>
-                        </a:solidFill>
-                        <a:effectLst/>
-                        <a:latin typeface="Calibri" panose="020F0502020204030204" pitchFamily="34" charset="0"/>
-                        <a:ea typeface="Calibri" panose="020F0502020204030204" pitchFamily="34" charset="0"/>
-                        <a:cs typeface="Times New Roman" panose="02020603050405020304" pitchFamily="18" charset="0"/>
-                      </a:endParaRPr>
-                    </a:p>
-                  </a:txBody>
-                  <a:tcPr marL="34673" marR="34673" marT="0" marB="0">
-                    <a:lnL w="12700" cap="flat" cmpd="sng" algn="ctr">
-                      <a:solidFill>
-                        <a:schemeClr val="tx1"/>
-                      </a:solidFill>
-                      <a:prstDash val="solid"/>
-                      <a:round/>
-                      <a:headEnd type="none" w="med" len="med"/>
-                      <a:tailEnd type="none" w="med" len="med"/>
-                    </a:lnL>
-                    <a:lnR w="12700" cap="flat" cmpd="sng" algn="ctr">
-                      <a:solidFill>
-                        <a:schemeClr val="tx1"/>
-                      </a:solidFill>
-                      <a:prstDash val="solid"/>
-                      <a:round/>
-                      <a:headEnd type="none" w="med" len="med"/>
-                      <a:tailEnd type="none" w="med" len="med"/>
-                    </a:lnR>
-                    <a:lnT w="12700" cap="flat" cmpd="sng" algn="ctr">
-                      <a:solidFill>
-                        <a:schemeClr val="tx1"/>
-                      </a:solidFill>
-                      <a:prstDash val="solid"/>
-                      <a:round/>
-                      <a:headEnd type="none" w="med" len="med"/>
-                      <a:tailEnd type="none" w="med" len="med"/>
-                    </a:lnT>
-                    <a:lnB w="12700" cap="flat" cmpd="sng" algn="ctr">
-                      <a:solidFill>
-                        <a:schemeClr val="tx1"/>
-                      </a:solidFill>
-                      <a:prstDash val="solid"/>
-                      <a:round/>
-                      <a:headEnd type="none" w="med" len="med"/>
-                      <a:tailEnd type="none" w="med" len="med"/>
-                    </a:lnB>
-                    <a:noFill/>
-                  </a:tcPr>
-                </a:tc>
-                <a:extLst>
-                  <a:ext uri="{0D108BD9-81ED-4DB2-BD59-A6C34878D82A}">
-                    <a16:rowId xmlns:a16="http://schemas.microsoft.com/office/drawing/2014/main" val="661763097"/>
-                  </a:ext>
-                </a:extLst>
-              </a:tr>
-            </a:tbl>
-          </a:graphicData>
-        </a:graphic>
-      </p:graphicFrame>
-      <p:sp>
-        <p:nvSpPr>
-          <p:cNvPr id="4" name="Slide Number Placeholder 3">
-            <a:extLst>
-              <a:ext uri="{FF2B5EF4-FFF2-40B4-BE49-F238E27FC236}">
-                <a16:creationId xmlns:a16="http://schemas.microsoft.com/office/drawing/2014/main" id="{5980FA27-603B-B242-A33D-22682FC1C95F}"/>
-              </a:ext>
-            </a:extLst>
-          </p:cNvPr>
-          <p:cNvSpPr>
-            <a:spLocks noGrp="1"/>
-          </p:cNvSpPr>
-          <p:nvPr>
-            <p:ph type="sldNum" sz="quarter" idx="12"/>
-          </p:nvPr>
-        </p:nvSpPr>
-        <p:spPr/>
-        <p:txBody>
-          <a:bodyPr/>
-          <a:lstStyle/>
-          <a:p>
-            <a:pPr>
-              <a:defRPr/>
-            </a:pPr>
-            <a:fld id="{3464530E-D695-45C9-AFB6-E411BBE0972A}" type="slidenum">
-              <a:rPr lang="en-US" smtClean="0"/>
-              <a:pPr>
-                <a:defRPr/>
-              </a:pPr>
-              <a:t>9</a:t>
-            </a:fld>
-            <a:endParaRPr lang="en-US"/>
-          </a:p>
-        </p:txBody>
-      </p:sp>
-    </p:spTree>
-    <p:extLst>
-      <p:ext uri="{BB962C8B-B14F-4D97-AF65-F5344CB8AC3E}">
-        <p14:creationId xmlns:p14="http://schemas.microsoft.com/office/powerpoint/2010/main" val="2492843989"/>
       </p:ext>
     </p:extLst>
   </p:cSld>

--- a/notes/Lecture_01.pptx
+++ b/notes/Lecture_01.pptx
@@ -2,27 +2,26 @@
 <file path=ppt/presentation.xml><?xml version="1.0" encoding="utf-8"?>
 <p:presentation xmlns:a="http://schemas.openxmlformats.org/drawingml/2006/main" xmlns:r="http://schemas.openxmlformats.org/officeDocument/2006/relationships" xmlns:p="http://schemas.openxmlformats.org/presentationml/2006/main" showSpecialPlsOnTitleSld="0" strictFirstAndLastChars="0" saveSubsetFonts="1">
   <p:sldMasterIdLst>
-    <p:sldMasterId id="2147483648" r:id="rId1"/>
-    <p:sldMasterId id="2147483777" r:id="rId2"/>
+    <p:sldMasterId id="2147483777" r:id="rId1"/>
   </p:sldMasterIdLst>
   <p:notesMasterIdLst>
-    <p:notesMasterId r:id="rId14"/>
+    <p:notesMasterId r:id="rId13"/>
   </p:notesMasterIdLst>
   <p:handoutMasterIdLst>
-    <p:handoutMasterId r:id="rId15"/>
+    <p:handoutMasterId r:id="rId14"/>
   </p:handoutMasterIdLst>
   <p:sldIdLst>
-    <p:sldId id="256" r:id="rId3"/>
-    <p:sldId id="257" r:id="rId4"/>
-    <p:sldId id="258" r:id="rId5"/>
-    <p:sldId id="259" r:id="rId6"/>
-    <p:sldId id="267" r:id="rId7"/>
-    <p:sldId id="260" r:id="rId8"/>
-    <p:sldId id="261" r:id="rId9"/>
-    <p:sldId id="262" r:id="rId10"/>
-    <p:sldId id="263" r:id="rId11"/>
-    <p:sldId id="264" r:id="rId12"/>
-    <p:sldId id="266" r:id="rId13"/>
+    <p:sldId id="256" r:id="rId2"/>
+    <p:sldId id="257" r:id="rId3"/>
+    <p:sldId id="258" r:id="rId4"/>
+    <p:sldId id="259" r:id="rId5"/>
+    <p:sldId id="267" r:id="rId6"/>
+    <p:sldId id="260" r:id="rId7"/>
+    <p:sldId id="261" r:id="rId8"/>
+    <p:sldId id="262" r:id="rId9"/>
+    <p:sldId id="263" r:id="rId10"/>
+    <p:sldId id="264" r:id="rId11"/>
+    <p:sldId id="266" r:id="rId12"/>
   </p:sldIdLst>
   <p:sldSz cx="9144000" cy="6858000" type="screen4x3"/>
   <p:notesSz cx="7010400" cy="9296400"/>
@@ -888,7 +887,7 @@
 
 <file path=ppt/slideLayouts/slideLayout1.xml><?xml version="1.0" encoding="utf-8"?>
 <p:sldLayout xmlns:a="http://schemas.openxmlformats.org/drawingml/2006/main" xmlns:r="http://schemas.openxmlformats.org/officeDocument/2006/relationships" xmlns:p="http://schemas.openxmlformats.org/presentationml/2006/main" showMasterSp="0" preserve="1" userDrawn="1">
-  <p:cSld name="11_Title Slide">
+  <p:cSld name="7_Title Slide">
     <p:spTree>
       <p:nvGrpSpPr>
         <p:cNvPr id="1" name=""/>
@@ -913,8 +912,8 @@
         </p:nvSpPr>
         <p:spPr bwMode="auto">
           <a:xfrm rot="5400000">
-            <a:off x="3623637" y="-3620681"/>
-            <a:ext cx="1899684" cy="9141044"/>
+            <a:off x="2066629" y="-219370"/>
+            <a:ext cx="5013700" cy="9141044"/>
           </a:xfrm>
           <a:prstGeom prst="rect">
             <a:avLst/>
@@ -966,9 +965,8 @@
             <a:lvl1pPr algn="ctr">
               <a:defRPr>
                 <a:solidFill>
-                  <a:schemeClr val="tx1">
-                    <a:lumMod val="50000"/>
-                    <a:lumOff val="50000"/>
+                  <a:schemeClr val="bg1">
+                    <a:lumMod val="75000"/>
                   </a:schemeClr>
                 </a:solidFill>
                 <a:latin typeface="Arial" charset="0"/>
@@ -997,7 +995,7 @@
         </p:nvSpPr>
         <p:spPr>
           <a:xfrm>
-            <a:off x="946688" y="4661592"/>
+            <a:off x="946688" y="4509981"/>
             <a:ext cx="7239000" cy="1086040"/>
           </a:xfrm>
         </p:spPr>
@@ -1009,7 +1007,7 @@
               <a:buNone/>
               <a:defRPr sz="1800" b="0" i="0" spc="100">
                 <a:solidFill>
-                  <a:srgbClr val="003264"/>
+                  <a:srgbClr val="FFFFCC"/>
                 </a:solidFill>
                 <a:latin typeface="Arial" charset="0"/>
                 <a:ea typeface="Arial" charset="0"/>
@@ -1037,7 +1035,7 @@
         </p:nvSpPr>
         <p:spPr>
           <a:xfrm>
-            <a:off x="946688" y="2509285"/>
+            <a:off x="946688" y="2357674"/>
             <a:ext cx="7239000" cy="2048540"/>
           </a:xfrm>
         </p:spPr>
@@ -1050,7 +1048,7 @@
               </a:spcAft>
               <a:defRPr b="1">
                 <a:solidFill>
-                  <a:srgbClr val="003264"/>
+                  <a:schemeClr val="bg1"/>
                 </a:solidFill>
                 <a:latin typeface="Arial"/>
                 <a:cs typeface="Arial"/>
@@ -1113,17 +1111,59 @@
           </a:p>
         </p:txBody>
       </p:sp>
+      <p:sp>
+        <p:nvSpPr>
+          <p:cNvPr id="9" name="Rectangle 8"/>
+          <p:cNvSpPr>
+            <a:spLocks noChangeArrowheads="1"/>
+          </p:cNvSpPr>
+          <p:nvPr userDrawn="1"/>
+        </p:nvSpPr>
+        <p:spPr bwMode="auto">
+          <a:xfrm rot="5400000">
+            <a:off x="3644296" y="-3648115"/>
+            <a:ext cx="1843787" cy="9141046"/>
+          </a:xfrm>
+          <a:prstGeom prst="rect">
+            <a:avLst/>
+          </a:prstGeom>
+          <a:solidFill>
+            <a:srgbClr val="FFCC00"/>
+          </a:solidFill>
+          <a:ln w="9525">
+            <a:noFill/>
+            <a:miter lim="800000"/>
+            <a:headEnd/>
+            <a:tailEnd/>
+          </a:ln>
+          <a:effectLst/>
+        </p:spPr>
+        <p:txBody>
+          <a:bodyPr wrap="none" anchor="ctr"/>
+          <a:lstStyle/>
+          <a:p>
+            <a:pPr eaLnBrk="0" hangingPunct="0">
+              <a:spcBef>
+                <a:spcPct val="50000"/>
+              </a:spcBef>
+              <a:defRPr/>
+            </a:pPr>
+            <a:r>
+              <a:rPr lang="en-US" sz="2000" dirty="0">
+                <a:solidFill>
+                  <a:srgbClr val="FFCC00"/>
+                </a:solidFill>
+              </a:rPr>
+              <a:t> </a:t>
+            </a:r>
+          </a:p>
+        </p:txBody>
+      </p:sp>
       <p:pic>
         <p:nvPicPr>
-          <p:cNvPr id="1030" name="Picture 6" descr="Prim-H2L_School of Informatics Computing and Cyber Systems-rev.png">
-            <a:extLst>
-              <a:ext uri="{FF2B5EF4-FFF2-40B4-BE49-F238E27FC236}">
-                <a16:creationId xmlns:a16="http://schemas.microsoft.com/office/drawing/2014/main" id="{1629A603-B828-4B44-B08F-4948D068ADAF}"/>
-              </a:ext>
-            </a:extLst>
-          </p:cNvPr>
+          <p:cNvPr id="14" name="Picture 13"/>
           <p:cNvPicPr>
-            <a:picLocks noChangeAspect="1" noChangeArrowheads="1"/>
+            <a:picLocks noChangeAspect="1"/>
           </p:cNvPicPr>
           <p:nvPr userDrawn="1"/>
         </p:nvPicPr>
@@ -1135,35 +1175,24 @@
               </a:ext>
             </a:extLst>
           </a:blip>
-          <a:srcRect/>
           <a:stretch>
             <a:fillRect/>
           </a:stretch>
         </p:blipFill>
-        <p:spPr bwMode="auto">
+        <p:spPr>
           <a:xfrm>
-            <a:off x="1253492" y="183780"/>
-            <a:ext cx="6625392" cy="1532122"/>
+            <a:off x="3401891" y="649668"/>
+            <a:ext cx="2343172" cy="861930"/>
           </a:xfrm>
           <a:prstGeom prst="rect">
             <a:avLst/>
           </a:prstGeom>
-          <a:noFill/>
-          <a:extLst>
-            <a:ext uri="{909E8E84-426E-40DD-AFC4-6F175D3DCCD1}">
-              <a14:hiddenFill xmlns:a14="http://schemas.microsoft.com/office/drawing/2010/main">
-                <a:solidFill>
-                  <a:srgbClr val="FFFFFF"/>
-                </a:solidFill>
-              </a14:hiddenFill>
-            </a:ext>
-          </a:extLst>
         </p:spPr>
       </p:pic>
     </p:spTree>
     <p:extLst>
       <p:ext uri="{BB962C8B-B14F-4D97-AF65-F5344CB8AC3E}">
-        <p14:creationId xmlns:p14="http://schemas.microsoft.com/office/powerpoint/2010/main" val="1351855580"/>
+        <p14:creationId xmlns:p14="http://schemas.microsoft.com/office/powerpoint/2010/main" val="1509777931"/>
       </p:ext>
     </p:extLst>
   </p:cSld>
@@ -1174,329 +1203,6 @@
 </file>
 
 <file path=ppt/slideLayouts/slideLayout10.xml><?xml version="1.0" encoding="utf-8"?>
-<p:sldLayout xmlns:a="http://schemas.openxmlformats.org/drawingml/2006/main" xmlns:r="http://schemas.openxmlformats.org/officeDocument/2006/relationships" xmlns:p="http://schemas.openxmlformats.org/presentationml/2006/main" type="obj" preserve="1">
-  <p:cSld name="1_Title and Content">
-    <p:spTree>
-      <p:nvGrpSpPr>
-        <p:cNvPr id="1" name=""/>
-        <p:cNvGrpSpPr/>
-        <p:nvPr/>
-      </p:nvGrpSpPr>
-      <p:grpSpPr>
-        <a:xfrm>
-          <a:off x="0" y="0"/>
-          <a:ext cx="0" cy="0"/>
-          <a:chOff x="0" y="0"/>
-          <a:chExt cx="0" cy="0"/>
-        </a:xfrm>
-      </p:grpSpPr>
-      <p:sp>
-        <p:nvSpPr>
-          <p:cNvPr id="7" name="Rectangle 6"/>
-          <p:cNvSpPr/>
-          <p:nvPr userDrawn="1"/>
-        </p:nvSpPr>
-        <p:spPr bwMode="auto">
-          <a:xfrm>
-            <a:off x="0" y="1151819"/>
-            <a:ext cx="9144000" cy="400110"/>
-          </a:xfrm>
-          <a:prstGeom prst="rect">
-            <a:avLst/>
-          </a:prstGeom>
-          <a:solidFill>
-            <a:schemeClr val="bg1"/>
-          </a:solidFill>
-          <a:ln w="9525" cap="flat" cmpd="sng" algn="ctr">
-            <a:noFill/>
-            <a:prstDash val="solid"/>
-            <a:round/>
-            <a:headEnd type="none" w="med" len="med"/>
-            <a:tailEnd type="none" w="med" len="med"/>
-          </a:ln>
-          <a:effectLst/>
-        </p:spPr>
-        <p:txBody>
-          <a:bodyPr vert="horz" wrap="square" lIns="91440" tIns="45720" rIns="91440" bIns="45720" numCol="1" rtlCol="0" anchor="t" anchorCtr="0" compatLnSpc="1">
-            <a:prstTxWarp prst="textNoShape">
-              <a:avLst/>
-            </a:prstTxWarp>
-            <a:spAutoFit/>
-          </a:bodyPr>
-          <a:lstStyle/>
-          <a:p>
-            <a:pPr marL="0" marR="0" indent="0" algn="l" defTabSz="914377" rtl="0" eaLnBrk="0" fontAlgn="base" latinLnBrk="0" hangingPunct="0">
-              <a:lnSpc>
-                <a:spcPct val="100000"/>
-              </a:lnSpc>
-              <a:spcBef>
-                <a:spcPct val="50000"/>
-              </a:spcBef>
-              <a:spcAft>
-                <a:spcPct val="0"/>
-              </a:spcAft>
-              <a:buClrTx/>
-              <a:buSzTx/>
-              <a:buFontTx/>
-              <a:buNone/>
-              <a:tabLst/>
-            </a:pPr>
-            <a:endParaRPr kumimoji="0" lang="en-US" sz="2000" b="0" i="0" u="none" strike="noStrike" cap="none" normalizeH="0" baseline="0">
-              <a:ln>
-                <a:noFill/>
-              </a:ln>
-              <a:solidFill>
-                <a:schemeClr val="tx1"/>
-              </a:solidFill>
-              <a:effectLst/>
-              <a:latin typeface="Arial" charset="0"/>
-            </a:endParaRPr>
-          </a:p>
-        </p:txBody>
-      </p:sp>
-      <p:sp>
-        <p:nvSpPr>
-          <p:cNvPr id="2" name="Title 1"/>
-          <p:cNvSpPr>
-            <a:spLocks noGrp="1"/>
-          </p:cNvSpPr>
-          <p:nvPr>
-            <p:ph type="title" hasCustomPrompt="1"/>
-          </p:nvPr>
-        </p:nvSpPr>
-        <p:spPr>
-          <a:xfrm>
-            <a:off x="457200" y="147287"/>
-            <a:ext cx="8305800" cy="990600"/>
-          </a:xfrm>
-        </p:spPr>
-        <p:txBody>
-          <a:bodyPr anchor="ctr"/>
-          <a:lstStyle>
-            <a:lvl1pPr>
-              <a:defRPr sz="2800" cap="small" baseline="0">
-                <a:solidFill>
-                  <a:schemeClr val="bg1"/>
-                </a:solidFill>
-                <a:latin typeface="Arial"/>
-                <a:cs typeface="Arial"/>
-              </a:defRPr>
-            </a:lvl1pPr>
-          </a:lstStyle>
-          <a:p>
-            <a:r>
-              <a:rPr lang="en-US" dirty="0"/>
-              <a:t>CLICK TO EDIT MASTER TITLE STYLE</a:t>
-            </a:r>
-          </a:p>
-        </p:txBody>
-      </p:sp>
-      <p:sp>
-        <p:nvSpPr>
-          <p:cNvPr id="3" name="Content Placeholder 2"/>
-          <p:cNvSpPr>
-            <a:spLocks noGrp="1"/>
-          </p:cNvSpPr>
-          <p:nvPr>
-            <p:ph idx="1"/>
-          </p:nvPr>
-        </p:nvSpPr>
-        <p:spPr>
-          <a:xfrm>
-            <a:off x="457200" y="1358555"/>
-            <a:ext cx="8305800" cy="5001061"/>
-          </a:xfrm>
-        </p:spPr>
-        <p:txBody>
-          <a:bodyPr/>
-          <a:lstStyle>
-            <a:lvl1pPr>
-              <a:buClr>
-                <a:srgbClr val="003264"/>
-              </a:buClr>
-              <a:buFont typeface="Arial"/>
-              <a:buChar char="•"/>
-              <a:defRPr baseline="0">
-                <a:solidFill>
-                  <a:srgbClr val="003D7C"/>
-                </a:solidFill>
-              </a:defRPr>
-            </a:lvl1pPr>
-            <a:lvl2pPr>
-              <a:defRPr baseline="0">
-                <a:solidFill>
-                  <a:srgbClr val="0070C0"/>
-                </a:solidFill>
-              </a:defRPr>
-            </a:lvl2pPr>
-            <a:lvl3pPr>
-              <a:defRPr>
-                <a:solidFill>
-                  <a:srgbClr val="0070C0"/>
-                </a:solidFill>
-              </a:defRPr>
-            </a:lvl3pPr>
-            <a:lvl4pPr>
-              <a:defRPr baseline="0">
-                <a:solidFill>
-                  <a:srgbClr val="0070C0"/>
-                </a:solidFill>
-              </a:defRPr>
-            </a:lvl4pPr>
-            <a:lvl5pPr>
-              <a:defRPr>
-                <a:solidFill>
-                  <a:srgbClr val="0070C0"/>
-                </a:solidFill>
-              </a:defRPr>
-            </a:lvl5pPr>
-          </a:lstStyle>
-          <a:p>
-            <a:pPr lvl="0"/>
-            <a:r>
-              <a:rPr lang="en-US" dirty="0"/>
-              <a:t>Click to edit Master text styles</a:t>
-            </a:r>
-          </a:p>
-          <a:p>
-            <a:pPr lvl="1"/>
-            <a:r>
-              <a:rPr lang="en-US" dirty="0"/>
-              <a:t>Second level</a:t>
-            </a:r>
-          </a:p>
-          <a:p>
-            <a:pPr lvl="2"/>
-            <a:r>
-              <a:rPr lang="en-US" dirty="0"/>
-              <a:t>Third level</a:t>
-            </a:r>
-          </a:p>
-          <a:p>
-            <a:pPr lvl="3"/>
-            <a:r>
-              <a:rPr lang="en-US" dirty="0"/>
-              <a:t>Fourth level</a:t>
-            </a:r>
-          </a:p>
-          <a:p>
-            <a:pPr lvl="4"/>
-            <a:r>
-              <a:rPr lang="en-US" dirty="0"/>
-              <a:t>Fifth level</a:t>
-            </a:r>
-          </a:p>
-        </p:txBody>
-      </p:sp>
-      <p:sp>
-        <p:nvSpPr>
-          <p:cNvPr id="4" name="Rectangle 4"/>
-          <p:cNvSpPr>
-            <a:spLocks noGrp="1" noChangeArrowheads="1"/>
-          </p:cNvSpPr>
-          <p:nvPr>
-            <p:ph type="dt" sz="half" idx="10"/>
-          </p:nvPr>
-        </p:nvSpPr>
-        <p:spPr>
-          <a:ln/>
-        </p:spPr>
-        <p:txBody>
-          <a:bodyPr/>
-          <a:lstStyle>
-            <a:lvl1pPr>
-              <a:defRPr>
-                <a:latin typeface="Arial Hebrew Scholar" charset="-79"/>
-                <a:ea typeface="Arial Hebrew Scholar" charset="-79"/>
-                <a:cs typeface="Arial Hebrew Scholar" charset="-79"/>
-              </a:defRPr>
-            </a:lvl1pPr>
-          </a:lstStyle>
-          <a:p>
-            <a:pPr>
-              <a:defRPr/>
-            </a:pPr>
-            <a:endParaRPr lang="en-US" dirty="0"/>
-          </a:p>
-        </p:txBody>
-      </p:sp>
-      <p:sp>
-        <p:nvSpPr>
-          <p:cNvPr id="5" name="Rectangle 5"/>
-          <p:cNvSpPr>
-            <a:spLocks noGrp="1" noChangeArrowheads="1"/>
-          </p:cNvSpPr>
-          <p:nvPr>
-            <p:ph type="ftr" sz="quarter" idx="11"/>
-          </p:nvPr>
-        </p:nvSpPr>
-        <p:spPr>
-          <a:ln/>
-        </p:spPr>
-        <p:txBody>
-          <a:bodyPr/>
-          <a:lstStyle>
-            <a:lvl1pPr>
-              <a:defRPr/>
-            </a:lvl1pPr>
-          </a:lstStyle>
-          <a:p>
-            <a:pPr>
-              <a:defRPr/>
-            </a:pPr>
-            <a:endParaRPr lang="en-US"/>
-          </a:p>
-        </p:txBody>
-      </p:sp>
-      <p:sp>
-        <p:nvSpPr>
-          <p:cNvPr id="6" name="Rectangle 6"/>
-          <p:cNvSpPr>
-            <a:spLocks noGrp="1" noChangeArrowheads="1"/>
-          </p:cNvSpPr>
-          <p:nvPr>
-            <p:ph type="sldNum" sz="quarter" idx="12"/>
-          </p:nvPr>
-        </p:nvSpPr>
-        <p:spPr>
-          <a:ln/>
-        </p:spPr>
-        <p:txBody>
-          <a:bodyPr/>
-          <a:lstStyle>
-            <a:lvl1pPr>
-              <a:defRPr/>
-            </a:lvl1pPr>
-          </a:lstStyle>
-          <a:p>
-            <a:pPr>
-              <a:defRPr/>
-            </a:pPr>
-            <a:fld id="{3464530E-D695-45C9-AFB6-E411BBE0972A}" type="slidenum">
-              <a:rPr lang="en-US"/>
-              <a:pPr>
-                <a:defRPr/>
-              </a:pPr>
-              <a:t>‹#›</a:t>
-            </a:fld>
-            <a:endParaRPr lang="en-US"/>
-          </a:p>
-        </p:txBody>
-      </p:sp>
-    </p:spTree>
-    <p:extLst>
-      <p:ext uri="{BB962C8B-B14F-4D97-AF65-F5344CB8AC3E}">
-        <p14:creationId xmlns:p14="http://schemas.microsoft.com/office/powerpoint/2010/main" val="728163518"/>
-      </p:ext>
-    </p:extLst>
-  </p:cSld>
-  <p:clrMapOvr>
-    <a:masterClrMapping/>
-  </p:clrMapOvr>
-</p:sldLayout>
-</file>
-
-<file path=ppt/slideLayouts/slideLayout11.xml><?xml version="1.0" encoding="utf-8"?>
 <p:sldLayout xmlns:a="http://schemas.openxmlformats.org/drawingml/2006/main" xmlns:r="http://schemas.openxmlformats.org/officeDocument/2006/relationships" xmlns:p="http://schemas.openxmlformats.org/presentationml/2006/main" preserve="1" userDrawn="1">
   <p:cSld name="Two Content">
     <p:spTree>
@@ -1913,6 +1619,11 @@
         </p:txBody>
       </p:sp>
     </p:spTree>
+    <p:extLst>
+      <p:ext uri="{BB962C8B-B14F-4D97-AF65-F5344CB8AC3E}">
+        <p14:creationId xmlns:p14="http://schemas.microsoft.com/office/powerpoint/2010/main" val="1578159591"/>
+      </p:ext>
+    </p:extLst>
   </p:cSld>
   <p:clrMapOvr>
     <a:masterClrMapping/>
@@ -1920,7 +1631,7 @@
 </p:sldLayout>
 </file>
 
-<file path=ppt/slideLayouts/slideLayout12.xml><?xml version="1.0" encoding="utf-8"?>
+<file path=ppt/slideLayouts/slideLayout11.xml><?xml version="1.0" encoding="utf-8"?>
 <p:sldLayout xmlns:a="http://schemas.openxmlformats.org/drawingml/2006/main" xmlns:r="http://schemas.openxmlformats.org/officeDocument/2006/relationships" xmlns:p="http://schemas.openxmlformats.org/presentationml/2006/main" preserve="1" userDrawn="1">
   <p:cSld name="Title, Content, and 2 Content">
     <p:spTree>
@@ -2402,6 +2113,11 @@
         </p:txBody>
       </p:sp>
     </p:spTree>
+    <p:extLst>
+      <p:ext uri="{BB962C8B-B14F-4D97-AF65-F5344CB8AC3E}">
+        <p14:creationId xmlns:p14="http://schemas.microsoft.com/office/powerpoint/2010/main" val="2012329372"/>
+      </p:ext>
+    </p:extLst>
   </p:cSld>
   <p:clrMapOvr>
     <a:masterClrMapping/>
@@ -2409,7 +2125,7 @@
 </p:sldLayout>
 </file>
 
-<file path=ppt/slideLayouts/slideLayout13.xml><?xml version="1.0" encoding="utf-8"?>
+<file path=ppt/slideLayouts/slideLayout12.xml><?xml version="1.0" encoding="utf-8"?>
 <p:sldLayout xmlns:a="http://schemas.openxmlformats.org/drawingml/2006/main" xmlns:r="http://schemas.openxmlformats.org/officeDocument/2006/relationships" xmlns:p="http://schemas.openxmlformats.org/presentationml/2006/main" preserve="1" userDrawn="1">
   <p:cSld name="Title and 4 Content">
     <p:spTree>
@@ -2965,6 +2681,11 @@
         </p:txBody>
       </p:sp>
     </p:spTree>
+    <p:extLst>
+      <p:ext uri="{BB962C8B-B14F-4D97-AF65-F5344CB8AC3E}">
+        <p14:creationId xmlns:p14="http://schemas.microsoft.com/office/powerpoint/2010/main" val="1306543590"/>
+      </p:ext>
+    </p:extLst>
   </p:cSld>
   <p:clrMapOvr>
     <a:masterClrMapping/>
@@ -2972,7 +2693,7 @@
 </p:sldLayout>
 </file>
 
-<file path=ppt/slideLayouts/slideLayout14.xml><?xml version="1.0" encoding="utf-8"?>
+<file path=ppt/slideLayouts/slideLayout13.xml><?xml version="1.0" encoding="utf-8"?>
 <p:sldLayout xmlns:a="http://schemas.openxmlformats.org/drawingml/2006/main" xmlns:r="http://schemas.openxmlformats.org/officeDocument/2006/relationships" xmlns:p="http://schemas.openxmlformats.org/presentationml/2006/main" preserve="1" userDrawn="1">
   <p:cSld name="Title and Table">
     <p:spTree>
@@ -3216,6 +2937,11 @@
         </p:txBody>
       </p:sp>
     </p:spTree>
+    <p:extLst>
+      <p:ext uri="{BB962C8B-B14F-4D97-AF65-F5344CB8AC3E}">
+        <p14:creationId xmlns:p14="http://schemas.microsoft.com/office/powerpoint/2010/main" val="2021280019"/>
+      </p:ext>
+    </p:extLst>
   </p:cSld>
   <p:clrMapOvr>
     <a:masterClrMapping/>
@@ -3223,7 +2949,7 @@
 </p:sldLayout>
 </file>
 
-<file path=ppt/slideLayouts/slideLayout15.xml><?xml version="1.0" encoding="utf-8"?>
+<file path=ppt/slideLayouts/slideLayout14.xml><?xml version="1.0" encoding="utf-8"?>
 <p:sldLayout xmlns:a="http://schemas.openxmlformats.org/drawingml/2006/main" xmlns:r="http://schemas.openxmlformats.org/officeDocument/2006/relationships" xmlns:p="http://schemas.openxmlformats.org/presentationml/2006/main" type="picTx" preserve="1">
   <p:cSld name="Picture with Caption">
     <p:spTree>
@@ -3502,6 +3228,11 @@
         </p:txBody>
       </p:sp>
     </p:spTree>
+    <p:extLst>
+      <p:ext uri="{BB962C8B-B14F-4D97-AF65-F5344CB8AC3E}">
+        <p14:creationId xmlns:p14="http://schemas.microsoft.com/office/powerpoint/2010/main" val="1969751537"/>
+      </p:ext>
+    </p:extLst>
   </p:cSld>
   <p:clrMapOvr>
     <a:masterClrMapping/>
@@ -3509,9 +3240,9 @@
 </p:sldLayout>
 </file>
 
-<file path=ppt/slideLayouts/slideLayout16.xml><?xml version="1.0" encoding="utf-8"?>
-<p:sldLayout xmlns:a="http://schemas.openxmlformats.org/drawingml/2006/main" xmlns:r="http://schemas.openxmlformats.org/officeDocument/2006/relationships" xmlns:p="http://schemas.openxmlformats.org/presentationml/2006/main" showMasterSp="0" preserve="1" userDrawn="1">
-  <p:cSld name="7_Title Slide">
+<file path=ppt/slideLayouts/slideLayout15.xml><?xml version="1.0" encoding="utf-8"?>
+<p:sldLayout xmlns:a="http://schemas.openxmlformats.org/drawingml/2006/main" xmlns:r="http://schemas.openxmlformats.org/officeDocument/2006/relationships" xmlns:p="http://schemas.openxmlformats.org/presentationml/2006/main" showMasterSp="0" userDrawn="1">
+  <p:cSld name="11_Title Slide">
     <p:spTree>
       <p:nvGrpSpPr>
         <p:cNvPr id="1" name=""/>
@@ -3528,16 +3259,16 @@
       </p:grpSpPr>
       <p:sp>
         <p:nvSpPr>
-          <p:cNvPr id="6" name="Rectangle 13"/>
+          <p:cNvPr id="9" name="Rectangle 13"/>
           <p:cNvSpPr>
             <a:spLocks noChangeArrowheads="1"/>
           </p:cNvSpPr>
-          <p:nvPr/>
+          <p:nvPr userDrawn="1"/>
         </p:nvSpPr>
         <p:spPr bwMode="auto">
           <a:xfrm rot="5400000">
-            <a:off x="2066629" y="-219370"/>
-            <a:ext cx="5013700" cy="9141044"/>
+            <a:off x="1144478" y="-1141521"/>
+            <a:ext cx="6858000" cy="9141044"/>
           </a:xfrm>
           <a:prstGeom prst="rect">
             <a:avLst/>
@@ -3569,7 +3300,7 @@
       </p:sp>
       <p:sp>
         <p:nvSpPr>
-          <p:cNvPr id="10" name="Rectangle 4"/>
+          <p:cNvPr id="14" name="Rectangle 4"/>
           <p:cNvSpPr>
             <a:spLocks noGrp="1" noChangeArrowheads="1"/>
           </p:cNvSpPr>
@@ -3579,7 +3310,7 @@
         </p:nvSpPr>
         <p:spPr>
           <a:xfrm>
-            <a:off x="3768061" y="6085317"/>
+            <a:off x="3768061" y="5745753"/>
             <a:ext cx="1610832" cy="304800"/>
           </a:xfrm>
         </p:spPr>
@@ -3609,7 +3340,7 @@
       </p:sp>
       <p:sp>
         <p:nvSpPr>
-          <p:cNvPr id="11" name="Rectangle 3"/>
+          <p:cNvPr id="15" name="Rectangle 3"/>
           <p:cNvSpPr>
             <a:spLocks noGrp="1" noChangeArrowheads="1"/>
           </p:cNvSpPr>
@@ -3619,7 +3350,7 @@
         </p:nvSpPr>
         <p:spPr>
           <a:xfrm>
-            <a:off x="946688" y="4509981"/>
+            <a:off x="946688" y="4461865"/>
             <a:ext cx="7239000" cy="1086040"/>
           </a:xfrm>
         </p:spPr>
@@ -3649,7 +3380,7 @@
       </p:sp>
       <p:sp>
         <p:nvSpPr>
-          <p:cNvPr id="12" name="Rectangle 2"/>
+          <p:cNvPr id="16" name="Rectangle 2"/>
           <p:cNvSpPr>
             <a:spLocks noGrp="1" noChangeArrowheads="1"/>
           </p:cNvSpPr>
@@ -3659,7 +3390,7 @@
         </p:nvSpPr>
         <p:spPr>
           <a:xfrm>
-            <a:off x="946688" y="2357674"/>
+            <a:off x="946688" y="2309558"/>
             <a:ext cx="7239000" cy="2048540"/>
           </a:xfrm>
         </p:spPr>
@@ -3673,6 +3404,245 @@
               <a:defRPr b="1">
                 <a:solidFill>
                   <a:schemeClr val="bg1"/>
+                </a:solidFill>
+                <a:latin typeface="Arial"/>
+                <a:cs typeface="Arial"/>
+              </a:defRPr>
+            </a:lvl1pPr>
+          </a:lstStyle>
+          <a:p>
+            <a:r>
+              <a:rPr lang="en-US" dirty="0"/>
+              <a:t>CLICK TO EDIT MASTER TITLE STYLE</a:t>
+            </a:r>
+          </a:p>
+        </p:txBody>
+      </p:sp>
+      <p:pic>
+        <p:nvPicPr>
+          <p:cNvPr id="8" name="Picture 6" descr="Prim-H2L_School of Informatics Computing and Cyber Systems-rev.png">
+            <a:extLst>
+              <a:ext uri="{FF2B5EF4-FFF2-40B4-BE49-F238E27FC236}">
+                <a16:creationId xmlns:a16="http://schemas.microsoft.com/office/drawing/2014/main" id="{C7C4CDF3-AC9D-684C-94A1-6FCDF7B8F6B3}"/>
+              </a:ext>
+            </a:extLst>
+          </p:cNvPr>
+          <p:cNvPicPr>
+            <a:picLocks noChangeAspect="1" noChangeArrowheads="1"/>
+          </p:cNvPicPr>
+          <p:nvPr userDrawn="1"/>
+        </p:nvPicPr>
+        <p:blipFill>
+          <a:blip r:embed="rId2">
+            <a:extLst>
+              <a:ext uri="{28A0092B-C50C-407E-A947-70E740481C1C}">
+                <a14:useLocalDpi xmlns:a14="http://schemas.microsoft.com/office/drawing/2010/main" val="0"/>
+              </a:ext>
+            </a:extLst>
+          </a:blip>
+          <a:srcRect/>
+          <a:stretch>
+            <a:fillRect/>
+          </a:stretch>
+        </p:blipFill>
+        <p:spPr bwMode="auto">
+          <a:xfrm>
+            <a:off x="1253492" y="388719"/>
+            <a:ext cx="6625392" cy="1532122"/>
+          </a:xfrm>
+          <a:prstGeom prst="rect">
+            <a:avLst/>
+          </a:prstGeom>
+          <a:noFill/>
+          <a:extLst>
+            <a:ext uri="{909E8E84-426E-40DD-AFC4-6F175D3DCCD1}">
+              <a14:hiddenFill xmlns:a14="http://schemas.microsoft.com/office/drawing/2010/main">
+                <a:solidFill>
+                  <a:srgbClr val="FFFFFF"/>
+                </a:solidFill>
+              </a14:hiddenFill>
+            </a:ext>
+          </a:extLst>
+        </p:spPr>
+      </p:pic>
+    </p:spTree>
+    <p:extLst>
+      <p:ext uri="{BB962C8B-B14F-4D97-AF65-F5344CB8AC3E}">
+        <p14:creationId xmlns:p14="http://schemas.microsoft.com/office/powerpoint/2010/main" val="3236430400"/>
+      </p:ext>
+    </p:extLst>
+  </p:cSld>
+  <p:clrMapOvr>
+    <a:masterClrMapping/>
+  </p:clrMapOvr>
+</p:sldLayout>
+</file>
+
+<file path=ppt/slideLayouts/slideLayout16.xml><?xml version="1.0" encoding="utf-8"?>
+<p:sldLayout xmlns:a="http://schemas.openxmlformats.org/drawingml/2006/main" xmlns:r="http://schemas.openxmlformats.org/officeDocument/2006/relationships" xmlns:p="http://schemas.openxmlformats.org/presentationml/2006/main" showMasterSp="0" preserve="1" userDrawn="1">
+  <p:cSld name="12_Title Slide">
+    <p:spTree>
+      <p:nvGrpSpPr>
+        <p:cNvPr id="1" name=""/>
+        <p:cNvGrpSpPr/>
+        <p:nvPr/>
+      </p:nvGrpSpPr>
+      <p:grpSpPr>
+        <a:xfrm>
+          <a:off x="0" y="0"/>
+          <a:ext cx="0" cy="0"/>
+          <a:chOff x="0" y="0"/>
+          <a:chExt cx="0" cy="0"/>
+        </a:xfrm>
+      </p:grpSpPr>
+      <p:sp>
+        <p:nvSpPr>
+          <p:cNvPr id="6" name="Rectangle 13"/>
+          <p:cNvSpPr>
+            <a:spLocks noChangeArrowheads="1"/>
+          </p:cNvSpPr>
+          <p:nvPr/>
+        </p:nvSpPr>
+        <p:spPr bwMode="auto">
+          <a:xfrm rot="5400000">
+            <a:off x="3623637" y="-3620681"/>
+            <a:ext cx="1899684" cy="9141044"/>
+          </a:xfrm>
+          <a:prstGeom prst="rect">
+            <a:avLst/>
+          </a:prstGeom>
+          <a:solidFill>
+            <a:srgbClr val="003264"/>
+          </a:solidFill>
+          <a:ln w="9525">
+            <a:noFill/>
+            <a:miter lim="800000"/>
+            <a:headEnd/>
+            <a:tailEnd/>
+          </a:ln>
+          <a:effectLst/>
+        </p:spPr>
+        <p:txBody>
+          <a:bodyPr wrap="none" anchor="ctr"/>
+          <a:lstStyle/>
+          <a:p>
+            <a:pPr eaLnBrk="0" hangingPunct="0">
+              <a:spcBef>
+                <a:spcPct val="50000"/>
+              </a:spcBef>
+              <a:defRPr/>
+            </a:pPr>
+            <a:endParaRPr lang="en-US" sz="2000"/>
+          </a:p>
+        </p:txBody>
+      </p:sp>
+      <p:sp>
+        <p:nvSpPr>
+          <p:cNvPr id="10" name="Rectangle 4"/>
+          <p:cNvSpPr>
+            <a:spLocks noGrp="1" noChangeArrowheads="1"/>
+          </p:cNvSpPr>
+          <p:nvPr>
+            <p:ph type="dt" sz="half" idx="10"/>
+          </p:nvPr>
+        </p:nvSpPr>
+        <p:spPr>
+          <a:xfrm>
+            <a:off x="3768061" y="6085317"/>
+            <a:ext cx="1610832" cy="304800"/>
+          </a:xfrm>
+        </p:spPr>
+        <p:txBody>
+          <a:bodyPr anchor="ctr"/>
+          <a:lstStyle>
+            <a:lvl1pPr algn="ctr">
+              <a:defRPr>
+                <a:solidFill>
+                  <a:schemeClr val="tx1">
+                    <a:lumMod val="50000"/>
+                    <a:lumOff val="50000"/>
+                  </a:schemeClr>
+                </a:solidFill>
+                <a:latin typeface="Arial" charset="0"/>
+                <a:ea typeface="Arial" charset="0"/>
+                <a:cs typeface="Arial" charset="0"/>
+              </a:defRPr>
+            </a:lvl1pPr>
+          </a:lstStyle>
+          <a:p>
+            <a:pPr>
+              <a:defRPr/>
+            </a:pPr>
+            <a:endParaRPr lang="en-US" dirty="0"/>
+          </a:p>
+        </p:txBody>
+      </p:sp>
+      <p:sp>
+        <p:nvSpPr>
+          <p:cNvPr id="11" name="Rectangle 3"/>
+          <p:cNvSpPr>
+            <a:spLocks noGrp="1" noChangeArrowheads="1"/>
+          </p:cNvSpPr>
+          <p:nvPr>
+            <p:ph type="subTitle" idx="1"/>
+          </p:nvPr>
+        </p:nvSpPr>
+        <p:spPr>
+          <a:xfrm>
+            <a:off x="946688" y="4661592"/>
+            <a:ext cx="7239000" cy="1086040"/>
+          </a:xfrm>
+        </p:spPr>
+        <p:txBody>
+          <a:bodyPr anchor="t"/>
+          <a:lstStyle>
+            <a:lvl1pPr marL="0" indent="0" algn="ctr">
+              <a:buFontTx/>
+              <a:buNone/>
+              <a:defRPr sz="1800" b="0" i="0" spc="100">
+                <a:solidFill>
+                  <a:srgbClr val="003264"/>
+                </a:solidFill>
+                <a:latin typeface="Arial" charset="0"/>
+                <a:ea typeface="Arial" charset="0"/>
+                <a:cs typeface="Arial" charset="0"/>
+              </a:defRPr>
+            </a:lvl1pPr>
+          </a:lstStyle>
+          <a:p>
+            <a:r>
+              <a:rPr lang="en-US" dirty="0"/>
+              <a:t>Click to edit Master subtitle style</a:t>
+            </a:r>
+          </a:p>
+        </p:txBody>
+      </p:sp>
+      <p:sp>
+        <p:nvSpPr>
+          <p:cNvPr id="12" name="Rectangle 2"/>
+          <p:cNvSpPr>
+            <a:spLocks noGrp="1" noChangeArrowheads="1"/>
+          </p:cNvSpPr>
+          <p:nvPr>
+            <p:ph type="ctrTitle" hasCustomPrompt="1"/>
+          </p:nvPr>
+        </p:nvSpPr>
+        <p:spPr>
+          <a:xfrm>
+            <a:off x="946688" y="2509285"/>
+            <a:ext cx="7239000" cy="2048540"/>
+          </a:xfrm>
+        </p:spPr>
+        <p:txBody>
+          <a:bodyPr anchor="ctr"/>
+          <a:lstStyle>
+            <a:lvl1pPr algn="ctr">
+              <a:spcAft>
+                <a:spcPts val="0"/>
+              </a:spcAft>
+              <a:defRPr b="1">
+                <a:solidFill>
+                  <a:srgbClr val="003264"/>
                 </a:solidFill>
                 <a:latin typeface="Arial"/>
                 <a:cs typeface="Arial"/>
@@ -3735,59 +3705,17 @@
           </a:p>
         </p:txBody>
       </p:sp>
-      <p:sp>
-        <p:nvSpPr>
-          <p:cNvPr id="9" name="Rectangle 8"/>
-          <p:cNvSpPr>
-            <a:spLocks noChangeArrowheads="1"/>
-          </p:cNvSpPr>
-          <p:nvPr userDrawn="1"/>
-        </p:nvSpPr>
-        <p:spPr bwMode="auto">
-          <a:xfrm rot="5400000">
-            <a:off x="3644296" y="-3648115"/>
-            <a:ext cx="1843787" cy="9141046"/>
-          </a:xfrm>
-          <a:prstGeom prst="rect">
-            <a:avLst/>
-          </a:prstGeom>
-          <a:solidFill>
-            <a:srgbClr val="FFCC00"/>
-          </a:solidFill>
-          <a:ln w="9525">
-            <a:noFill/>
-            <a:miter lim="800000"/>
-            <a:headEnd/>
-            <a:tailEnd/>
-          </a:ln>
-          <a:effectLst/>
-        </p:spPr>
-        <p:txBody>
-          <a:bodyPr wrap="none" anchor="ctr"/>
-          <a:lstStyle/>
-          <a:p>
-            <a:pPr eaLnBrk="0" hangingPunct="0">
-              <a:spcBef>
-                <a:spcPct val="50000"/>
-              </a:spcBef>
-              <a:defRPr/>
-            </a:pPr>
-            <a:r>
-              <a:rPr lang="en-US" sz="2000" dirty="0">
-                <a:solidFill>
-                  <a:srgbClr val="FFCC00"/>
-                </a:solidFill>
-              </a:rPr>
-              <a:t> </a:t>
-            </a:r>
-          </a:p>
-        </p:txBody>
-      </p:sp>
       <p:pic>
         <p:nvPicPr>
-          <p:cNvPr id="14" name="Picture 13"/>
+          <p:cNvPr id="1030" name="Picture 6" descr="Prim-H2L_School of Informatics Computing and Cyber Systems-rev.png">
+            <a:extLst>
+              <a:ext uri="{FF2B5EF4-FFF2-40B4-BE49-F238E27FC236}">
+                <a16:creationId xmlns:a16="http://schemas.microsoft.com/office/drawing/2014/main" id="{1629A603-B828-4B44-B08F-4948D068ADAF}"/>
+              </a:ext>
+            </a:extLst>
+          </p:cNvPr>
           <p:cNvPicPr>
-            <a:picLocks noChangeAspect="1"/>
+            <a:picLocks noChangeAspect="1" noChangeArrowheads="1"/>
           </p:cNvPicPr>
           <p:nvPr userDrawn="1"/>
         </p:nvPicPr>
@@ -3799,24 +3727,35 @@
               </a:ext>
             </a:extLst>
           </a:blip>
+          <a:srcRect/>
           <a:stretch>
             <a:fillRect/>
           </a:stretch>
         </p:blipFill>
-        <p:spPr>
+        <p:spPr bwMode="auto">
           <a:xfrm>
-            <a:off x="3401891" y="649668"/>
-            <a:ext cx="2343172" cy="861930"/>
+            <a:off x="1253492" y="183780"/>
+            <a:ext cx="6625392" cy="1532122"/>
           </a:xfrm>
           <a:prstGeom prst="rect">
             <a:avLst/>
           </a:prstGeom>
+          <a:noFill/>
+          <a:extLst>
+            <a:ext uri="{909E8E84-426E-40DD-AFC4-6F175D3DCCD1}">
+              <a14:hiddenFill xmlns:a14="http://schemas.microsoft.com/office/drawing/2010/main">
+                <a:solidFill>
+                  <a:srgbClr val="FFFFFF"/>
+                </a:solidFill>
+              </a14:hiddenFill>
+            </a:ext>
+          </a:extLst>
         </p:spPr>
       </p:pic>
     </p:spTree>
     <p:extLst>
       <p:ext uri="{BB962C8B-B14F-4D97-AF65-F5344CB8AC3E}">
-        <p14:creationId xmlns:p14="http://schemas.microsoft.com/office/powerpoint/2010/main" val="1509777931"/>
+        <p14:creationId xmlns:p14="http://schemas.microsoft.com/office/powerpoint/2010/main" val="1351855580"/>
       </p:ext>
     </p:extLst>
   </p:cSld>
@@ -3827,828 +3766,6 @@
 </file>
 
 <file path=ppt/slideLayouts/slideLayout17.xml><?xml version="1.0" encoding="utf-8"?>
-<p:sldLayout xmlns:a="http://schemas.openxmlformats.org/drawingml/2006/main" xmlns:r="http://schemas.openxmlformats.org/officeDocument/2006/relationships" xmlns:p="http://schemas.openxmlformats.org/presentationml/2006/main" showMasterSp="0" preserve="1" userDrawn="1">
-  <p:cSld name="10_Title Slide">
-    <p:spTree>
-      <p:nvGrpSpPr>
-        <p:cNvPr id="1" name=""/>
-        <p:cNvGrpSpPr/>
-        <p:nvPr/>
-      </p:nvGrpSpPr>
-      <p:grpSpPr>
-        <a:xfrm>
-          <a:off x="0" y="0"/>
-          <a:ext cx="0" cy="0"/>
-          <a:chOff x="0" y="0"/>
-          <a:chExt cx="0" cy="0"/>
-        </a:xfrm>
-      </p:grpSpPr>
-      <p:sp>
-        <p:nvSpPr>
-          <p:cNvPr id="8" name="Rectangle 7"/>
-          <p:cNvSpPr>
-            <a:spLocks noChangeArrowheads="1"/>
-          </p:cNvSpPr>
-          <p:nvPr userDrawn="1"/>
-        </p:nvSpPr>
-        <p:spPr bwMode="auto">
-          <a:xfrm rot="5400000">
-            <a:off x="4421079" y="2135077"/>
-            <a:ext cx="304800" cy="9141046"/>
-          </a:xfrm>
-          <a:prstGeom prst="rect">
-            <a:avLst/>
-          </a:prstGeom>
-          <a:solidFill>
-            <a:srgbClr val="003264"/>
-          </a:solidFill>
-          <a:ln w="9525">
-            <a:noFill/>
-            <a:miter lim="800000"/>
-            <a:headEnd/>
-            <a:tailEnd/>
-          </a:ln>
-          <a:effectLst/>
-        </p:spPr>
-        <p:txBody>
-          <a:bodyPr wrap="none" anchor="ctr"/>
-          <a:lstStyle/>
-          <a:p>
-            <a:pPr eaLnBrk="0" hangingPunct="0">
-              <a:spcBef>
-                <a:spcPct val="50000"/>
-              </a:spcBef>
-              <a:defRPr/>
-            </a:pPr>
-            <a:r>
-              <a:rPr lang="en-US" sz="2000" dirty="0">
-                <a:solidFill>
-                  <a:srgbClr val="FFCC00"/>
-                </a:solidFill>
-              </a:rPr>
-              <a:t> </a:t>
-            </a:r>
-          </a:p>
-        </p:txBody>
-      </p:sp>
-      <p:sp>
-        <p:nvSpPr>
-          <p:cNvPr id="9" name="Rectangle 8"/>
-          <p:cNvSpPr>
-            <a:spLocks noChangeArrowheads="1"/>
-          </p:cNvSpPr>
-          <p:nvPr userDrawn="1"/>
-        </p:nvSpPr>
-        <p:spPr bwMode="auto">
-          <a:xfrm rot="5400000">
-            <a:off x="3644296" y="-3648115"/>
-            <a:ext cx="1843787" cy="9141046"/>
-          </a:xfrm>
-          <a:prstGeom prst="rect">
-            <a:avLst/>
-          </a:prstGeom>
-          <a:solidFill>
-            <a:srgbClr val="FFCC00"/>
-          </a:solidFill>
-          <a:ln w="9525">
-            <a:noFill/>
-            <a:miter lim="800000"/>
-            <a:headEnd/>
-            <a:tailEnd/>
-          </a:ln>
-          <a:effectLst/>
-        </p:spPr>
-        <p:txBody>
-          <a:bodyPr wrap="none" anchor="ctr"/>
-          <a:lstStyle/>
-          <a:p>
-            <a:pPr eaLnBrk="0" hangingPunct="0">
-              <a:spcBef>
-                <a:spcPct val="50000"/>
-              </a:spcBef>
-              <a:defRPr/>
-            </a:pPr>
-            <a:r>
-              <a:rPr lang="en-US" sz="2000" dirty="0">
-                <a:solidFill>
-                  <a:srgbClr val="FFCC00"/>
-                </a:solidFill>
-              </a:rPr>
-              <a:t> </a:t>
-            </a:r>
-          </a:p>
-        </p:txBody>
-      </p:sp>
-      <p:sp>
-        <p:nvSpPr>
-          <p:cNvPr id="13" name="Rectangle 4"/>
-          <p:cNvSpPr>
-            <a:spLocks noGrp="1" noChangeArrowheads="1"/>
-          </p:cNvSpPr>
-          <p:nvPr>
-            <p:ph type="dt" sz="half" idx="10"/>
-          </p:nvPr>
-        </p:nvSpPr>
-        <p:spPr>
-          <a:xfrm>
-            <a:off x="3768061" y="6085317"/>
-            <a:ext cx="1610832" cy="304800"/>
-          </a:xfrm>
-        </p:spPr>
-        <p:txBody>
-          <a:bodyPr anchor="ctr"/>
-          <a:lstStyle>
-            <a:lvl1pPr algn="ctr">
-              <a:defRPr>
-                <a:solidFill>
-                  <a:schemeClr val="tx1">
-                    <a:lumMod val="50000"/>
-                    <a:lumOff val="50000"/>
-                  </a:schemeClr>
-                </a:solidFill>
-                <a:latin typeface="Arial" charset="0"/>
-                <a:ea typeface="Arial" charset="0"/>
-                <a:cs typeface="Arial" charset="0"/>
-              </a:defRPr>
-            </a:lvl1pPr>
-          </a:lstStyle>
-          <a:p>
-            <a:pPr>
-              <a:defRPr/>
-            </a:pPr>
-            <a:endParaRPr lang="en-US" dirty="0"/>
-          </a:p>
-        </p:txBody>
-      </p:sp>
-      <p:sp>
-        <p:nvSpPr>
-          <p:cNvPr id="14" name="Rectangle 3"/>
-          <p:cNvSpPr>
-            <a:spLocks noGrp="1" noChangeArrowheads="1"/>
-          </p:cNvSpPr>
-          <p:nvPr>
-            <p:ph type="subTitle" idx="1"/>
-          </p:nvPr>
-        </p:nvSpPr>
-        <p:spPr>
-          <a:xfrm>
-            <a:off x="946688" y="4661592"/>
-            <a:ext cx="7239000" cy="1086040"/>
-          </a:xfrm>
-        </p:spPr>
-        <p:txBody>
-          <a:bodyPr anchor="t"/>
-          <a:lstStyle>
-            <a:lvl1pPr marL="0" indent="0" algn="ctr">
-              <a:buFontTx/>
-              <a:buNone/>
-              <a:defRPr sz="1800" b="0" i="0" spc="100">
-                <a:solidFill>
-                  <a:srgbClr val="003264"/>
-                </a:solidFill>
-                <a:latin typeface="Arial" charset="0"/>
-                <a:ea typeface="Arial" charset="0"/>
-                <a:cs typeface="Arial" charset="0"/>
-              </a:defRPr>
-            </a:lvl1pPr>
-          </a:lstStyle>
-          <a:p>
-            <a:r>
-              <a:rPr lang="en-US" dirty="0"/>
-              <a:t>Click to edit Master subtitle style</a:t>
-            </a:r>
-          </a:p>
-        </p:txBody>
-      </p:sp>
-      <p:sp>
-        <p:nvSpPr>
-          <p:cNvPr id="15" name="Rectangle 2"/>
-          <p:cNvSpPr>
-            <a:spLocks noGrp="1" noChangeArrowheads="1"/>
-          </p:cNvSpPr>
-          <p:nvPr>
-            <p:ph type="ctrTitle" hasCustomPrompt="1"/>
-          </p:nvPr>
-        </p:nvSpPr>
-        <p:spPr>
-          <a:xfrm>
-            <a:off x="946688" y="2509285"/>
-            <a:ext cx="7239000" cy="2048540"/>
-          </a:xfrm>
-        </p:spPr>
-        <p:txBody>
-          <a:bodyPr anchor="ctr"/>
-          <a:lstStyle>
-            <a:lvl1pPr algn="ctr">
-              <a:spcAft>
-                <a:spcPts val="0"/>
-              </a:spcAft>
-              <a:defRPr b="1">
-                <a:solidFill>
-                  <a:srgbClr val="003264"/>
-                </a:solidFill>
-                <a:latin typeface="Arial"/>
-                <a:cs typeface="Arial"/>
-              </a:defRPr>
-            </a:lvl1pPr>
-          </a:lstStyle>
-          <a:p>
-            <a:r>
-              <a:rPr lang="en-US" dirty="0"/>
-              <a:t>CLICK TO EDIT MASTER TITLE STYLE</a:t>
-            </a:r>
-          </a:p>
-        </p:txBody>
-      </p:sp>
-      <p:pic>
-        <p:nvPicPr>
-          <p:cNvPr id="11" name="Picture 10"/>
-          <p:cNvPicPr>
-            <a:picLocks noChangeAspect="1"/>
-          </p:cNvPicPr>
-          <p:nvPr userDrawn="1"/>
-        </p:nvPicPr>
-        <p:blipFill>
-          <a:blip r:embed="rId2">
-            <a:extLst>
-              <a:ext uri="{28A0092B-C50C-407E-A947-70E740481C1C}">
-                <a14:useLocalDpi xmlns:a14="http://schemas.microsoft.com/office/drawing/2010/main" val="0"/>
-              </a:ext>
-            </a:extLst>
-          </a:blip>
-          <a:stretch>
-            <a:fillRect/>
-          </a:stretch>
-        </p:blipFill>
-        <p:spPr>
-          <a:xfrm>
-            <a:off x="3401891" y="649668"/>
-            <a:ext cx="2343172" cy="861930"/>
-          </a:xfrm>
-          <a:prstGeom prst="rect">
-            <a:avLst/>
-          </a:prstGeom>
-        </p:spPr>
-      </p:pic>
-    </p:spTree>
-    <p:extLst>
-      <p:ext uri="{BB962C8B-B14F-4D97-AF65-F5344CB8AC3E}">
-        <p14:creationId xmlns:p14="http://schemas.microsoft.com/office/powerpoint/2010/main" val="940515174"/>
-      </p:ext>
-    </p:extLst>
-  </p:cSld>
-  <p:clrMapOvr>
-    <a:masterClrMapping/>
-  </p:clrMapOvr>
-</p:sldLayout>
-</file>
-
-<file path=ppt/slideLayouts/slideLayout18.xml><?xml version="1.0" encoding="utf-8"?>
-<p:sldLayout xmlns:a="http://schemas.openxmlformats.org/drawingml/2006/main" xmlns:r="http://schemas.openxmlformats.org/officeDocument/2006/relationships" xmlns:p="http://schemas.openxmlformats.org/presentationml/2006/main" showMasterSp="0" preserve="1" userDrawn="1">
-  <p:cSld name="3_Title Slide">
-    <p:spTree>
-      <p:nvGrpSpPr>
-        <p:cNvPr id="1" name=""/>
-        <p:cNvGrpSpPr/>
-        <p:nvPr/>
-      </p:nvGrpSpPr>
-      <p:grpSpPr>
-        <a:xfrm>
-          <a:off x="0" y="0"/>
-          <a:ext cx="0" cy="0"/>
-          <a:chOff x="0" y="0"/>
-          <a:chExt cx="0" cy="0"/>
-        </a:xfrm>
-      </p:grpSpPr>
-      <p:sp>
-        <p:nvSpPr>
-          <p:cNvPr id="6" name="Rectangle 13"/>
-          <p:cNvSpPr>
-            <a:spLocks noChangeArrowheads="1"/>
-          </p:cNvSpPr>
-          <p:nvPr/>
-        </p:nvSpPr>
-        <p:spPr bwMode="auto">
-          <a:xfrm rot="5400000">
-            <a:off x="1144478" y="-1141521"/>
-            <a:ext cx="6858000" cy="9141044"/>
-          </a:xfrm>
-          <a:prstGeom prst="rect">
-            <a:avLst/>
-          </a:prstGeom>
-          <a:solidFill>
-            <a:srgbClr val="003264"/>
-          </a:solidFill>
-          <a:ln w="9525">
-            <a:noFill/>
-            <a:miter lim="800000"/>
-            <a:headEnd/>
-            <a:tailEnd/>
-          </a:ln>
-          <a:effectLst/>
-        </p:spPr>
-        <p:txBody>
-          <a:bodyPr wrap="none" anchor="ctr"/>
-          <a:lstStyle/>
-          <a:p>
-            <a:pPr eaLnBrk="0" hangingPunct="0">
-              <a:spcBef>
-                <a:spcPct val="50000"/>
-              </a:spcBef>
-              <a:defRPr/>
-            </a:pPr>
-            <a:endParaRPr lang="en-US" sz="2000"/>
-          </a:p>
-        </p:txBody>
-      </p:sp>
-      <p:sp>
-        <p:nvSpPr>
-          <p:cNvPr id="15" name="Rectangle 2"/>
-          <p:cNvSpPr>
-            <a:spLocks noGrp="1" noChangeArrowheads="1"/>
-          </p:cNvSpPr>
-          <p:nvPr>
-            <p:ph type="ctrTitle" hasCustomPrompt="1"/>
-          </p:nvPr>
-        </p:nvSpPr>
-        <p:spPr>
-          <a:xfrm>
-            <a:off x="946688" y="659971"/>
-            <a:ext cx="7239000" cy="2819400"/>
-          </a:xfrm>
-        </p:spPr>
-        <p:txBody>
-          <a:bodyPr anchor="b"/>
-          <a:lstStyle>
-            <a:lvl1pPr algn="ctr">
-              <a:spcAft>
-                <a:spcPts val="0"/>
-              </a:spcAft>
-              <a:defRPr b="1">
-                <a:solidFill>
-                  <a:schemeClr val="bg1"/>
-                </a:solidFill>
-                <a:latin typeface="Arial"/>
-                <a:cs typeface="Arial"/>
-              </a:defRPr>
-            </a:lvl1pPr>
-          </a:lstStyle>
-          <a:p>
-            <a:r>
-              <a:rPr lang="en-US" dirty="0"/>
-              <a:t>CLICK TO EDIT MASTER TITLE STYLE</a:t>
-            </a:r>
-          </a:p>
-        </p:txBody>
-      </p:sp>
-      <p:sp>
-        <p:nvSpPr>
-          <p:cNvPr id="16" name="Rectangle 3"/>
-          <p:cNvSpPr>
-            <a:spLocks noGrp="1" noChangeArrowheads="1"/>
-          </p:cNvSpPr>
-          <p:nvPr>
-            <p:ph type="subTitle" idx="1"/>
-          </p:nvPr>
-        </p:nvSpPr>
-        <p:spPr>
-          <a:xfrm>
-            <a:off x="946688" y="3707969"/>
-            <a:ext cx="7239000" cy="1371600"/>
-          </a:xfrm>
-        </p:spPr>
-        <p:txBody>
-          <a:bodyPr anchor="t"/>
-          <a:lstStyle>
-            <a:lvl1pPr marL="0" indent="0" algn="ctr">
-              <a:buFontTx/>
-              <a:buNone/>
-              <a:defRPr sz="1800" b="0" i="0" spc="100">
-                <a:solidFill>
-                  <a:srgbClr val="FFFFCC"/>
-                </a:solidFill>
-                <a:latin typeface="Arial" charset="0"/>
-                <a:ea typeface="Arial" charset="0"/>
-                <a:cs typeface="Arial" charset="0"/>
-              </a:defRPr>
-            </a:lvl1pPr>
-          </a:lstStyle>
-          <a:p>
-            <a:r>
-              <a:rPr lang="en-US" dirty="0"/>
-              <a:t>Click to edit Master subtitle style</a:t>
-            </a:r>
-          </a:p>
-        </p:txBody>
-      </p:sp>
-      <p:sp>
-        <p:nvSpPr>
-          <p:cNvPr id="7" name="Rectangle 6"/>
-          <p:cNvSpPr>
-            <a:spLocks noChangeArrowheads="1"/>
-          </p:cNvSpPr>
-          <p:nvPr userDrawn="1"/>
-        </p:nvSpPr>
-        <p:spPr bwMode="auto">
-          <a:xfrm rot="5400000">
-            <a:off x="3644297" y="1365584"/>
-            <a:ext cx="1843787" cy="9141046"/>
-          </a:xfrm>
-          <a:prstGeom prst="rect">
-            <a:avLst/>
-          </a:prstGeom>
-          <a:solidFill>
-            <a:srgbClr val="FFCC00"/>
-          </a:solidFill>
-          <a:ln w="9525">
-            <a:noFill/>
-            <a:miter lim="800000"/>
-            <a:headEnd/>
-            <a:tailEnd/>
-          </a:ln>
-          <a:effectLst/>
-        </p:spPr>
-        <p:txBody>
-          <a:bodyPr wrap="none" anchor="ctr"/>
-          <a:lstStyle/>
-          <a:p>
-            <a:pPr eaLnBrk="0" hangingPunct="0">
-              <a:spcBef>
-                <a:spcPct val="50000"/>
-              </a:spcBef>
-              <a:defRPr/>
-            </a:pPr>
-            <a:r>
-              <a:rPr lang="en-US" sz="2000" dirty="0">
-                <a:solidFill>
-                  <a:srgbClr val="FFCC00"/>
-                </a:solidFill>
-              </a:rPr>
-              <a:t> </a:t>
-            </a:r>
-          </a:p>
-        </p:txBody>
-      </p:sp>
-      <p:sp>
-        <p:nvSpPr>
-          <p:cNvPr id="18" name="Rectangle 4"/>
-          <p:cNvSpPr>
-            <a:spLocks noGrp="1" noChangeArrowheads="1"/>
-          </p:cNvSpPr>
-          <p:nvPr>
-            <p:ph type="dt" sz="half" idx="10"/>
-          </p:nvPr>
-        </p:nvSpPr>
-        <p:spPr>
-          <a:xfrm>
-            <a:off x="7086600" y="6400800"/>
-            <a:ext cx="1905000" cy="304800"/>
-          </a:xfrm>
-        </p:spPr>
-        <p:txBody>
-          <a:bodyPr anchor="ctr"/>
-          <a:lstStyle>
-            <a:lvl1pPr algn="r">
-              <a:defRPr>
-                <a:solidFill>
-                  <a:schemeClr val="bg1">
-                    <a:lumMod val="75000"/>
-                  </a:schemeClr>
-                </a:solidFill>
-                <a:latin typeface="Arial" charset="0"/>
-                <a:ea typeface="Arial" charset="0"/>
-                <a:cs typeface="Arial" charset="0"/>
-              </a:defRPr>
-            </a:lvl1pPr>
-          </a:lstStyle>
-          <a:p>
-            <a:pPr>
-              <a:defRPr/>
-            </a:pPr>
-            <a:endParaRPr lang="en-US" dirty="0"/>
-          </a:p>
-        </p:txBody>
-      </p:sp>
-      <p:pic>
-        <p:nvPicPr>
-          <p:cNvPr id="8" name="Picture 7"/>
-          <p:cNvPicPr>
-            <a:picLocks noChangeAspect="1"/>
-          </p:cNvPicPr>
-          <p:nvPr userDrawn="1"/>
-        </p:nvPicPr>
-        <p:blipFill>
-          <a:blip r:embed="rId2">
-            <a:extLst>
-              <a:ext uri="{28A0092B-C50C-407E-A947-70E740481C1C}">
-                <a14:useLocalDpi xmlns:a14="http://schemas.microsoft.com/office/drawing/2010/main" val="0"/>
-              </a:ext>
-            </a:extLst>
-          </a:blip>
-          <a:stretch>
-            <a:fillRect/>
-          </a:stretch>
-        </p:blipFill>
-        <p:spPr>
-          <a:xfrm>
-            <a:off x="3401891" y="5485179"/>
-            <a:ext cx="2343172" cy="861930"/>
-          </a:xfrm>
-          <a:prstGeom prst="rect">
-            <a:avLst/>
-          </a:prstGeom>
-        </p:spPr>
-      </p:pic>
-    </p:spTree>
-    <p:extLst>
-      <p:ext uri="{BB962C8B-B14F-4D97-AF65-F5344CB8AC3E}">
-        <p14:creationId xmlns:p14="http://schemas.microsoft.com/office/powerpoint/2010/main" val="490189589"/>
-      </p:ext>
-    </p:extLst>
-  </p:cSld>
-  <p:clrMapOvr>
-    <a:masterClrMapping/>
-  </p:clrMapOvr>
-</p:sldLayout>
-</file>
-
-<file path=ppt/slideLayouts/slideLayout19.xml><?xml version="1.0" encoding="utf-8"?>
-<p:sldLayout xmlns:a="http://schemas.openxmlformats.org/drawingml/2006/main" xmlns:r="http://schemas.openxmlformats.org/officeDocument/2006/relationships" xmlns:p="http://schemas.openxmlformats.org/presentationml/2006/main" showMasterSp="0" preserve="1" userDrawn="1">
-  <p:cSld name="4_Title Slide">
-    <p:spTree>
-      <p:nvGrpSpPr>
-        <p:cNvPr id="1" name=""/>
-        <p:cNvGrpSpPr/>
-        <p:nvPr/>
-      </p:nvGrpSpPr>
-      <p:grpSpPr>
-        <a:xfrm>
-          <a:off x="0" y="0"/>
-          <a:ext cx="0" cy="0"/>
-          <a:chOff x="0" y="0"/>
-          <a:chExt cx="0" cy="0"/>
-        </a:xfrm>
-      </p:grpSpPr>
-      <p:sp>
-        <p:nvSpPr>
-          <p:cNvPr id="7" name="Rectangle 6"/>
-          <p:cNvSpPr>
-            <a:spLocks noChangeArrowheads="1"/>
-          </p:cNvSpPr>
-          <p:nvPr userDrawn="1"/>
-        </p:nvSpPr>
-        <p:spPr bwMode="auto">
-          <a:xfrm rot="5400000">
-            <a:off x="3644297" y="1365584"/>
-            <a:ext cx="1843787" cy="9141046"/>
-          </a:xfrm>
-          <a:prstGeom prst="rect">
-            <a:avLst/>
-          </a:prstGeom>
-          <a:solidFill>
-            <a:srgbClr val="FFCC00"/>
-          </a:solidFill>
-          <a:ln w="9525">
-            <a:noFill/>
-            <a:miter lim="800000"/>
-            <a:headEnd/>
-            <a:tailEnd/>
-          </a:ln>
-          <a:effectLst/>
-        </p:spPr>
-        <p:txBody>
-          <a:bodyPr wrap="none" anchor="ctr"/>
-          <a:lstStyle/>
-          <a:p>
-            <a:pPr eaLnBrk="0" hangingPunct="0">
-              <a:spcBef>
-                <a:spcPct val="50000"/>
-              </a:spcBef>
-              <a:defRPr/>
-            </a:pPr>
-            <a:r>
-              <a:rPr lang="en-US" sz="2000" dirty="0">
-                <a:solidFill>
-                  <a:srgbClr val="FFCC00"/>
-                </a:solidFill>
-              </a:rPr>
-              <a:t> </a:t>
-            </a:r>
-          </a:p>
-        </p:txBody>
-      </p:sp>
-      <p:sp>
-        <p:nvSpPr>
-          <p:cNvPr id="18" name="Rectangle 4"/>
-          <p:cNvSpPr>
-            <a:spLocks noGrp="1" noChangeArrowheads="1"/>
-          </p:cNvSpPr>
-          <p:nvPr>
-            <p:ph type="dt" sz="half" idx="10"/>
-          </p:nvPr>
-        </p:nvSpPr>
-        <p:spPr>
-          <a:xfrm>
-            <a:off x="7086600" y="6400800"/>
-            <a:ext cx="1905000" cy="304800"/>
-          </a:xfrm>
-        </p:spPr>
-        <p:txBody>
-          <a:bodyPr anchor="ctr"/>
-          <a:lstStyle>
-            <a:lvl1pPr algn="r">
-              <a:defRPr>
-                <a:solidFill>
-                  <a:schemeClr val="bg1">
-                    <a:lumMod val="75000"/>
-                  </a:schemeClr>
-                </a:solidFill>
-                <a:latin typeface="Arial" charset="0"/>
-                <a:ea typeface="Arial" charset="0"/>
-                <a:cs typeface="Arial" charset="0"/>
-              </a:defRPr>
-            </a:lvl1pPr>
-          </a:lstStyle>
-          <a:p>
-            <a:pPr>
-              <a:defRPr/>
-            </a:pPr>
-            <a:endParaRPr lang="en-US" dirty="0"/>
-          </a:p>
-        </p:txBody>
-      </p:sp>
-      <p:sp>
-        <p:nvSpPr>
-          <p:cNvPr id="11" name="Rectangle 2"/>
-          <p:cNvSpPr>
-            <a:spLocks noGrp="1" noChangeArrowheads="1"/>
-          </p:cNvSpPr>
-          <p:nvPr>
-            <p:ph type="ctrTitle" hasCustomPrompt="1"/>
-          </p:nvPr>
-        </p:nvSpPr>
-        <p:spPr>
-          <a:xfrm>
-            <a:off x="946688" y="659971"/>
-            <a:ext cx="7239000" cy="2582077"/>
-          </a:xfrm>
-        </p:spPr>
-        <p:txBody>
-          <a:bodyPr anchor="b"/>
-          <a:lstStyle>
-            <a:lvl1pPr algn="ctr">
-              <a:spcAft>
-                <a:spcPts val="0"/>
-              </a:spcAft>
-              <a:defRPr b="1">
-                <a:solidFill>
-                  <a:srgbClr val="003264"/>
-                </a:solidFill>
-                <a:latin typeface="Arial"/>
-                <a:cs typeface="Arial"/>
-              </a:defRPr>
-            </a:lvl1pPr>
-          </a:lstStyle>
-          <a:p>
-            <a:r>
-              <a:rPr lang="en-US" dirty="0"/>
-              <a:t>CLICK TO EDIT MASTER TITLE STYLE</a:t>
-            </a:r>
-          </a:p>
-        </p:txBody>
-      </p:sp>
-      <p:sp>
-        <p:nvSpPr>
-          <p:cNvPr id="12" name="Rectangle 3"/>
-          <p:cNvSpPr>
-            <a:spLocks noGrp="1" noChangeArrowheads="1"/>
-          </p:cNvSpPr>
-          <p:nvPr>
-            <p:ph type="subTitle" idx="1"/>
-          </p:nvPr>
-        </p:nvSpPr>
-        <p:spPr>
-          <a:xfrm>
-            <a:off x="946688" y="3362155"/>
-            <a:ext cx="7239000" cy="1371600"/>
-          </a:xfrm>
-        </p:spPr>
-        <p:txBody>
-          <a:bodyPr anchor="t"/>
-          <a:lstStyle>
-            <a:lvl1pPr marL="0" indent="0" algn="ctr">
-              <a:buFontTx/>
-              <a:buNone/>
-              <a:defRPr sz="1800" b="0" i="0" spc="100">
-                <a:solidFill>
-                  <a:srgbClr val="003264"/>
-                </a:solidFill>
-                <a:latin typeface="Arial" charset="0"/>
-                <a:ea typeface="Arial" charset="0"/>
-                <a:cs typeface="Arial" charset="0"/>
-              </a:defRPr>
-            </a:lvl1pPr>
-          </a:lstStyle>
-          <a:p>
-            <a:r>
-              <a:rPr lang="en-US" dirty="0"/>
-              <a:t>Click to edit Master subtitle style</a:t>
-            </a:r>
-          </a:p>
-        </p:txBody>
-      </p:sp>
-      <p:sp>
-        <p:nvSpPr>
-          <p:cNvPr id="13" name="Rectangle 12"/>
-          <p:cNvSpPr>
-            <a:spLocks noChangeArrowheads="1"/>
-          </p:cNvSpPr>
-          <p:nvPr userDrawn="1"/>
-        </p:nvSpPr>
-        <p:spPr bwMode="auto">
-          <a:xfrm rot="5400000">
-            <a:off x="4516139" y="455721"/>
-            <a:ext cx="114680" cy="9141046"/>
-          </a:xfrm>
-          <a:prstGeom prst="rect">
-            <a:avLst/>
-          </a:prstGeom>
-          <a:solidFill>
-            <a:srgbClr val="003264"/>
-          </a:solidFill>
-          <a:ln w="9525">
-            <a:noFill/>
-            <a:miter lim="800000"/>
-            <a:headEnd/>
-            <a:tailEnd/>
-          </a:ln>
-          <a:effectLst/>
-        </p:spPr>
-        <p:txBody>
-          <a:bodyPr wrap="none" anchor="ctr"/>
-          <a:lstStyle/>
-          <a:p>
-            <a:pPr eaLnBrk="0" hangingPunct="0">
-              <a:spcBef>
-                <a:spcPct val="50000"/>
-              </a:spcBef>
-              <a:defRPr/>
-            </a:pPr>
-            <a:r>
-              <a:rPr lang="en-US" sz="2000" dirty="0">
-                <a:solidFill>
-                  <a:srgbClr val="FFCC00"/>
-                </a:solidFill>
-              </a:rPr>
-              <a:t> </a:t>
-            </a:r>
-          </a:p>
-        </p:txBody>
-      </p:sp>
-      <p:pic>
-        <p:nvPicPr>
-          <p:cNvPr id="8" name="Picture 7"/>
-          <p:cNvPicPr>
-            <a:picLocks noChangeAspect="1"/>
-          </p:cNvPicPr>
-          <p:nvPr userDrawn="1"/>
-        </p:nvPicPr>
-        <p:blipFill>
-          <a:blip r:embed="rId2">
-            <a:extLst>
-              <a:ext uri="{28A0092B-C50C-407E-A947-70E740481C1C}">
-                <a14:useLocalDpi xmlns:a14="http://schemas.microsoft.com/office/drawing/2010/main" val="0"/>
-              </a:ext>
-            </a:extLst>
-          </a:blip>
-          <a:stretch>
-            <a:fillRect/>
-          </a:stretch>
-        </p:blipFill>
-        <p:spPr>
-          <a:xfrm>
-            <a:off x="3401891" y="5485179"/>
-            <a:ext cx="2343172" cy="861930"/>
-          </a:xfrm>
-          <a:prstGeom prst="rect">
-            <a:avLst/>
-          </a:prstGeom>
-        </p:spPr>
-      </p:pic>
-    </p:spTree>
-    <p:extLst>
-      <p:ext uri="{BB962C8B-B14F-4D97-AF65-F5344CB8AC3E}">
-        <p14:creationId xmlns:p14="http://schemas.microsoft.com/office/powerpoint/2010/main" val="97851770"/>
-      </p:ext>
-    </p:extLst>
-  </p:cSld>
-  <p:clrMapOvr>
-    <a:masterClrMapping/>
-  </p:clrMapOvr>
-</p:sldLayout>
-</file>
-
-<file path=ppt/slideLayouts/slideLayout2.xml><?xml version="1.0" encoding="utf-8"?>
 <p:sldLayout xmlns:a="http://schemas.openxmlformats.org/drawingml/2006/main" xmlns:r="http://schemas.openxmlformats.org/officeDocument/2006/relationships" xmlns:p="http://schemas.openxmlformats.org/presentationml/2006/main" showMasterSp="0" preserve="1" userDrawn="1">
   <p:cSld name="8_Title Slide">
     <p:spTree>
@@ -4934,9 +4051,9 @@
 </p:sldLayout>
 </file>
 
-<file path=ppt/slideLayouts/slideLayout20.xml><?xml version="1.0" encoding="utf-8"?>
+<file path=ppt/slideLayouts/slideLayout18.xml><?xml version="1.0" encoding="utf-8"?>
 <p:sldLayout xmlns:a="http://schemas.openxmlformats.org/drawingml/2006/main" xmlns:r="http://schemas.openxmlformats.org/officeDocument/2006/relationships" xmlns:p="http://schemas.openxmlformats.org/presentationml/2006/main" preserve="1" userDrawn="1">
-  <p:cSld name="3_Blank">
+  <p:cSld name="1_Blank">
     <p:spTree>
       <p:nvGrpSpPr>
         <p:cNvPr id="1" name=""/>
@@ -4998,6 +4115,204 @@
       </p:sp>
       <p:sp>
         <p:nvSpPr>
+          <p:cNvPr id="5" name="Rectangle 13"/>
+          <p:cNvSpPr>
+            <a:spLocks noChangeArrowheads="1"/>
+          </p:cNvSpPr>
+          <p:nvPr userDrawn="1"/>
+        </p:nvSpPr>
+        <p:spPr bwMode="auto">
+          <a:xfrm rot="5400000">
+            <a:off x="4029445" y="1743445"/>
+            <a:ext cx="1088068" cy="9141044"/>
+          </a:xfrm>
+          <a:prstGeom prst="rect">
+            <a:avLst/>
+          </a:prstGeom>
+          <a:solidFill>
+            <a:srgbClr val="003264"/>
+          </a:solidFill>
+          <a:ln w="9525">
+            <a:noFill/>
+            <a:miter lim="800000"/>
+            <a:headEnd/>
+            <a:tailEnd/>
+          </a:ln>
+          <a:effectLst/>
+        </p:spPr>
+        <p:txBody>
+          <a:bodyPr wrap="none" anchor="ctr"/>
+          <a:lstStyle/>
+          <a:p>
+            <a:pPr eaLnBrk="0" hangingPunct="0">
+              <a:spcBef>
+                <a:spcPct val="50000"/>
+              </a:spcBef>
+              <a:defRPr/>
+            </a:pPr>
+            <a:endParaRPr lang="en-US" sz="2000"/>
+          </a:p>
+        </p:txBody>
+      </p:sp>
+      <p:sp>
+        <p:nvSpPr>
+          <p:cNvPr id="7" name="Rectangle 2"/>
+          <p:cNvSpPr>
+            <a:spLocks noGrp="1" noChangeArrowheads="1"/>
+          </p:cNvSpPr>
+          <p:nvPr>
+            <p:ph type="ctrTitle" hasCustomPrompt="1"/>
+          </p:nvPr>
+        </p:nvSpPr>
+        <p:spPr>
+          <a:xfrm>
+            <a:off x="946688" y="1921457"/>
+            <a:ext cx="7239000" cy="2048540"/>
+          </a:xfrm>
+        </p:spPr>
+        <p:txBody>
+          <a:bodyPr anchor="ctr"/>
+          <a:lstStyle>
+            <a:lvl1pPr algn="ctr">
+              <a:spcAft>
+                <a:spcPts val="0"/>
+              </a:spcAft>
+              <a:defRPr sz="2100" b="1">
+                <a:solidFill>
+                  <a:srgbClr val="003264"/>
+                </a:solidFill>
+                <a:latin typeface="Arial"/>
+                <a:cs typeface="Arial"/>
+              </a:defRPr>
+            </a:lvl1pPr>
+          </a:lstStyle>
+          <a:p>
+            <a:r>
+              <a:rPr lang="en-US" dirty="0"/>
+              <a:t>CLICK TO EDIT MASTER TITLE STYLE</a:t>
+            </a:r>
+          </a:p>
+        </p:txBody>
+      </p:sp>
+      <p:pic>
+        <p:nvPicPr>
+          <p:cNvPr id="4098" name="Picture 2" descr="NAU_Acronym_Horiz_1Line_rev-3514.png">
+            <a:extLst>
+              <a:ext uri="{FF2B5EF4-FFF2-40B4-BE49-F238E27FC236}">
+                <a16:creationId xmlns:a16="http://schemas.microsoft.com/office/drawing/2014/main" id="{BBF33649-9580-B640-B874-C69CFE423FB5}"/>
+              </a:ext>
+            </a:extLst>
+          </p:cNvPr>
+          <p:cNvPicPr>
+            <a:picLocks noChangeAspect="1" noChangeArrowheads="1"/>
+          </p:cNvPicPr>
+          <p:nvPr userDrawn="1"/>
+        </p:nvPicPr>
+        <p:blipFill>
+          <a:blip r:embed="rId2">
+            <a:extLst>
+              <a:ext uri="{28A0092B-C50C-407E-A947-70E740481C1C}">
+                <a14:useLocalDpi xmlns:a14="http://schemas.microsoft.com/office/drawing/2010/main" val="0"/>
+              </a:ext>
+            </a:extLst>
+          </a:blip>
+          <a:srcRect/>
+          <a:stretch>
+            <a:fillRect/>
+          </a:stretch>
+        </p:blipFill>
+        <p:spPr bwMode="auto">
+          <a:xfrm>
+            <a:off x="1038523" y="6142782"/>
+            <a:ext cx="7069909" cy="344904"/>
+          </a:xfrm>
+          <a:prstGeom prst="rect">
+            <a:avLst/>
+          </a:prstGeom>
+          <a:noFill/>
+          <a:extLst>
+            <a:ext uri="{909E8E84-426E-40DD-AFC4-6F175D3DCCD1}">
+              <a14:hiddenFill xmlns:a14="http://schemas.microsoft.com/office/drawing/2010/main">
+                <a:solidFill>
+                  <a:srgbClr val="FFFFFF"/>
+                </a:solidFill>
+              </a14:hiddenFill>
+            </a:ext>
+          </a:extLst>
+        </p:spPr>
+      </p:pic>
+    </p:spTree>
+  </p:cSld>
+  <p:clrMapOvr>
+    <a:masterClrMapping/>
+  </p:clrMapOvr>
+</p:sldLayout>
+</file>
+
+<file path=ppt/slideLayouts/slideLayout19.xml><?xml version="1.0" encoding="utf-8"?>
+<p:sldLayout xmlns:a="http://schemas.openxmlformats.org/drawingml/2006/main" xmlns:r="http://schemas.openxmlformats.org/officeDocument/2006/relationships" xmlns:p="http://schemas.openxmlformats.org/presentationml/2006/main" preserve="1" userDrawn="1">
+  <p:cSld name="5_Blank">
+    <p:spTree>
+      <p:nvGrpSpPr>
+        <p:cNvPr id="1" name=""/>
+        <p:cNvGrpSpPr/>
+        <p:nvPr/>
+      </p:nvGrpSpPr>
+      <p:grpSpPr>
+        <a:xfrm>
+          <a:off x="0" y="0"/>
+          <a:ext cx="0" cy="0"/>
+          <a:chOff x="0" y="0"/>
+          <a:chExt cx="0" cy="0"/>
+        </a:xfrm>
+      </p:grpSpPr>
+      <p:sp>
+        <p:nvSpPr>
+          <p:cNvPr id="4" name="Rectangle 13"/>
+          <p:cNvSpPr>
+            <a:spLocks noChangeArrowheads="1"/>
+          </p:cNvSpPr>
+          <p:nvPr userDrawn="1"/>
+        </p:nvSpPr>
+        <p:spPr bwMode="auto">
+          <a:xfrm rot="5400000">
+            <a:off x="1130088" y="-1141517"/>
+            <a:ext cx="6858000" cy="9141044"/>
+          </a:xfrm>
+          <a:prstGeom prst="rect">
+            <a:avLst/>
+          </a:prstGeom>
+          <a:solidFill>
+            <a:schemeClr val="bg1"/>
+          </a:solidFill>
+          <a:ln w="9525">
+            <a:noFill/>
+            <a:miter lim="800000"/>
+            <a:headEnd/>
+            <a:tailEnd/>
+          </a:ln>
+          <a:effectLst/>
+        </p:spPr>
+        <p:txBody>
+          <a:bodyPr wrap="none" anchor="ctr"/>
+          <a:lstStyle/>
+          <a:p>
+            <a:pPr eaLnBrk="0" hangingPunct="0">
+              <a:spcBef>
+                <a:spcPct val="50000"/>
+              </a:spcBef>
+              <a:defRPr/>
+            </a:pPr>
+            <a:endParaRPr lang="en-US" sz="2000" dirty="0">
+              <a:solidFill>
+                <a:schemeClr val="bg1"/>
+              </a:solidFill>
+            </a:endParaRPr>
+          </a:p>
+        </p:txBody>
+      </p:sp>
+      <p:sp>
+        <p:nvSpPr>
           <p:cNvPr id="7" name="Rectangle 2"/>
           <p:cNvSpPr>
             <a:spLocks noGrp="1" noChangeArrowheads="1"/>
@@ -5086,9 +4401,15 @@
       </p:sp>
       <p:pic>
         <p:nvPicPr>
-          <p:cNvPr id="10" name="Picture 9"/>
+          <p:cNvPr id="10" name="Picture 4" descr="NAU_Acronym_horiz_1Line-281.png">
+            <a:extLst>
+              <a:ext uri="{FF2B5EF4-FFF2-40B4-BE49-F238E27FC236}">
+                <a16:creationId xmlns:a16="http://schemas.microsoft.com/office/drawing/2014/main" id="{F2D5B70D-8588-774A-9655-D973EBF373D0}"/>
+              </a:ext>
+            </a:extLst>
+          </p:cNvPr>
           <p:cNvPicPr>
-            <a:picLocks noChangeAspect="1"/>
+            <a:picLocks noChangeAspect="1" noChangeArrowheads="1"/>
           </p:cNvPicPr>
           <p:nvPr userDrawn="1"/>
         </p:nvPicPr>
@@ -5100,24 +4421,35 @@
               </a:ext>
             </a:extLst>
           </a:blip>
+          <a:srcRect/>
           <a:stretch>
             <a:fillRect/>
           </a:stretch>
         </p:blipFill>
-        <p:spPr>
+        <p:spPr bwMode="auto">
           <a:xfrm>
-            <a:off x="1784250" y="6038330"/>
-            <a:ext cx="5521752" cy="466226"/>
+            <a:off x="997805" y="6141515"/>
+            <a:ext cx="7122566" cy="347472"/>
           </a:xfrm>
           <a:prstGeom prst="rect">
             <a:avLst/>
           </a:prstGeom>
+          <a:noFill/>
+          <a:extLst>
+            <a:ext uri="{909E8E84-426E-40DD-AFC4-6F175D3DCCD1}">
+              <a14:hiddenFill xmlns:a14="http://schemas.microsoft.com/office/drawing/2010/main">
+                <a:solidFill>
+                  <a:srgbClr val="FFFFFF"/>
+                </a:solidFill>
+              </a14:hiddenFill>
+            </a:ext>
+          </a:extLst>
         </p:spPr>
       </p:pic>
     </p:spTree>
     <p:extLst>
       <p:ext uri="{BB962C8B-B14F-4D97-AF65-F5344CB8AC3E}">
-        <p14:creationId xmlns:p14="http://schemas.microsoft.com/office/powerpoint/2010/main" val="1422388769"/>
+        <p14:creationId xmlns:p14="http://schemas.microsoft.com/office/powerpoint/2010/main" val="1592171207"/>
       </p:ext>
     </p:extLst>
   </p:cSld>
@@ -5127,9 +4459,256 @@
 </p:sldLayout>
 </file>
 
-<file path=ppt/slideLayouts/slideLayout21.xml><?xml version="1.0" encoding="utf-8"?>
+<file path=ppt/slideLayouts/slideLayout2.xml><?xml version="1.0" encoding="utf-8"?>
+<p:sldLayout xmlns:a="http://schemas.openxmlformats.org/drawingml/2006/main" xmlns:r="http://schemas.openxmlformats.org/officeDocument/2006/relationships" xmlns:p="http://schemas.openxmlformats.org/presentationml/2006/main" showMasterSp="0" preserve="1" userDrawn="1">
+  <p:cSld name="10_Title Slide">
+    <p:spTree>
+      <p:nvGrpSpPr>
+        <p:cNvPr id="1" name=""/>
+        <p:cNvGrpSpPr/>
+        <p:nvPr/>
+      </p:nvGrpSpPr>
+      <p:grpSpPr>
+        <a:xfrm>
+          <a:off x="0" y="0"/>
+          <a:ext cx="0" cy="0"/>
+          <a:chOff x="0" y="0"/>
+          <a:chExt cx="0" cy="0"/>
+        </a:xfrm>
+      </p:grpSpPr>
+      <p:sp>
+        <p:nvSpPr>
+          <p:cNvPr id="8" name="Rectangle 7"/>
+          <p:cNvSpPr>
+            <a:spLocks noChangeArrowheads="1"/>
+          </p:cNvSpPr>
+          <p:nvPr userDrawn="1"/>
+        </p:nvSpPr>
+        <p:spPr bwMode="auto">
+          <a:xfrm rot="5400000">
+            <a:off x="4421079" y="2135077"/>
+            <a:ext cx="304800" cy="9141046"/>
+          </a:xfrm>
+          <a:prstGeom prst="rect">
+            <a:avLst/>
+          </a:prstGeom>
+          <a:solidFill>
+            <a:srgbClr val="003264"/>
+          </a:solidFill>
+          <a:ln w="9525">
+            <a:noFill/>
+            <a:miter lim="800000"/>
+            <a:headEnd/>
+            <a:tailEnd/>
+          </a:ln>
+          <a:effectLst/>
+        </p:spPr>
+        <p:txBody>
+          <a:bodyPr wrap="none" anchor="ctr"/>
+          <a:lstStyle/>
+          <a:p>
+            <a:pPr eaLnBrk="0" hangingPunct="0">
+              <a:spcBef>
+                <a:spcPct val="50000"/>
+              </a:spcBef>
+              <a:defRPr/>
+            </a:pPr>
+            <a:r>
+              <a:rPr lang="en-US" sz="2000" dirty="0">
+                <a:solidFill>
+                  <a:srgbClr val="FFCC00"/>
+                </a:solidFill>
+              </a:rPr>
+              <a:t> </a:t>
+            </a:r>
+          </a:p>
+        </p:txBody>
+      </p:sp>
+      <p:sp>
+        <p:nvSpPr>
+          <p:cNvPr id="9" name="Rectangle 8"/>
+          <p:cNvSpPr>
+            <a:spLocks noChangeArrowheads="1"/>
+          </p:cNvSpPr>
+          <p:nvPr userDrawn="1"/>
+        </p:nvSpPr>
+        <p:spPr bwMode="auto">
+          <a:xfrm rot="5400000">
+            <a:off x="3644296" y="-3648115"/>
+            <a:ext cx="1843787" cy="9141046"/>
+          </a:xfrm>
+          <a:prstGeom prst="rect">
+            <a:avLst/>
+          </a:prstGeom>
+          <a:solidFill>
+            <a:srgbClr val="FFCC00"/>
+          </a:solidFill>
+          <a:ln w="9525">
+            <a:noFill/>
+            <a:miter lim="800000"/>
+            <a:headEnd/>
+            <a:tailEnd/>
+          </a:ln>
+          <a:effectLst/>
+        </p:spPr>
+        <p:txBody>
+          <a:bodyPr wrap="none" anchor="ctr"/>
+          <a:lstStyle/>
+          <a:p>
+            <a:pPr eaLnBrk="0" hangingPunct="0">
+              <a:spcBef>
+                <a:spcPct val="50000"/>
+              </a:spcBef>
+              <a:defRPr/>
+            </a:pPr>
+            <a:r>
+              <a:rPr lang="en-US" sz="2000" dirty="0">
+                <a:solidFill>
+                  <a:srgbClr val="FFCC00"/>
+                </a:solidFill>
+              </a:rPr>
+              <a:t> </a:t>
+            </a:r>
+          </a:p>
+        </p:txBody>
+      </p:sp>
+      <p:sp>
+        <p:nvSpPr>
+          <p:cNvPr id="13" name="Rectangle 4"/>
+          <p:cNvSpPr>
+            <a:spLocks noGrp="1" noChangeArrowheads="1"/>
+          </p:cNvSpPr>
+          <p:nvPr>
+            <p:ph type="dt" sz="half" idx="10"/>
+          </p:nvPr>
+        </p:nvSpPr>
+        <p:spPr>
+          <a:xfrm>
+            <a:off x="3768061" y="6085317"/>
+            <a:ext cx="1610832" cy="304800"/>
+          </a:xfrm>
+        </p:spPr>
+        <p:txBody>
+          <a:bodyPr anchor="ctr"/>
+          <a:lstStyle>
+            <a:lvl1pPr algn="ctr">
+              <a:defRPr>
+                <a:solidFill>
+                  <a:schemeClr val="tx1">
+                    <a:lumMod val="50000"/>
+                    <a:lumOff val="50000"/>
+                  </a:schemeClr>
+                </a:solidFill>
+                <a:latin typeface="Arial" charset="0"/>
+                <a:ea typeface="Arial" charset="0"/>
+                <a:cs typeface="Arial" charset="0"/>
+              </a:defRPr>
+            </a:lvl1pPr>
+          </a:lstStyle>
+          <a:p>
+            <a:pPr>
+              <a:defRPr/>
+            </a:pPr>
+            <a:endParaRPr lang="en-US" dirty="0"/>
+          </a:p>
+        </p:txBody>
+      </p:sp>
+      <p:sp>
+        <p:nvSpPr>
+          <p:cNvPr id="14" name="Rectangle 3"/>
+          <p:cNvSpPr>
+            <a:spLocks noGrp="1" noChangeArrowheads="1"/>
+          </p:cNvSpPr>
+          <p:nvPr>
+            <p:ph type="subTitle" idx="1"/>
+          </p:nvPr>
+        </p:nvSpPr>
+        <p:spPr>
+          <a:xfrm>
+            <a:off x="946688" y="4661592"/>
+            <a:ext cx="7239000" cy="1086040"/>
+          </a:xfrm>
+        </p:spPr>
+        <p:txBody>
+          <a:bodyPr anchor="t"/>
+          <a:lstStyle>
+            <a:lvl1pPr marL="0" indent="0" algn="ctr">
+              <a:buFontTx/>
+              <a:buNone/>
+              <a:defRPr sz="1800" b="0" i="0" spc="100">
+                <a:solidFill>
+                  <a:srgbClr val="003264"/>
+                </a:solidFill>
+                <a:latin typeface="Arial" charset="0"/>
+                <a:ea typeface="Arial" charset="0"/>
+                <a:cs typeface="Arial" charset="0"/>
+              </a:defRPr>
+            </a:lvl1pPr>
+          </a:lstStyle>
+          <a:p>
+            <a:r>
+              <a:rPr lang="en-US" dirty="0"/>
+              <a:t>Click to edit Master subtitle style</a:t>
+            </a:r>
+          </a:p>
+        </p:txBody>
+      </p:sp>
+      <p:sp>
+        <p:nvSpPr>
+          <p:cNvPr id="15" name="Rectangle 2"/>
+          <p:cNvSpPr>
+            <a:spLocks noGrp="1" noChangeArrowheads="1"/>
+          </p:cNvSpPr>
+          <p:nvPr>
+            <p:ph type="ctrTitle" hasCustomPrompt="1"/>
+          </p:nvPr>
+        </p:nvSpPr>
+        <p:spPr>
+          <a:xfrm>
+            <a:off x="946688" y="2509285"/>
+            <a:ext cx="7239000" cy="2048540"/>
+          </a:xfrm>
+        </p:spPr>
+        <p:txBody>
+          <a:bodyPr anchor="ctr"/>
+          <a:lstStyle>
+            <a:lvl1pPr algn="ctr">
+              <a:spcAft>
+                <a:spcPts val="0"/>
+              </a:spcAft>
+              <a:defRPr b="1">
+                <a:solidFill>
+                  <a:srgbClr val="003264"/>
+                </a:solidFill>
+                <a:latin typeface="Arial"/>
+                <a:cs typeface="Arial"/>
+              </a:defRPr>
+            </a:lvl1pPr>
+          </a:lstStyle>
+          <a:p>
+            <a:r>
+              <a:rPr lang="en-US" dirty="0"/>
+              <a:t>CLICK TO EDIT MASTER TITLE STYLE</a:t>
+            </a:r>
+          </a:p>
+        </p:txBody>
+      </p:sp>
+    </p:spTree>
+    <p:extLst>
+      <p:ext uri="{BB962C8B-B14F-4D97-AF65-F5344CB8AC3E}">
+        <p14:creationId xmlns:p14="http://schemas.microsoft.com/office/powerpoint/2010/main" val="940515174"/>
+      </p:ext>
+    </p:extLst>
+  </p:cSld>
+  <p:clrMapOvr>
+    <a:masterClrMapping/>
+  </p:clrMapOvr>
+</p:sldLayout>
+</file>
+
+<file path=ppt/slideLayouts/slideLayout20.xml><?xml version="1.0" encoding="utf-8"?>
 <p:sldLayout xmlns:a="http://schemas.openxmlformats.org/drawingml/2006/main" xmlns:r="http://schemas.openxmlformats.org/officeDocument/2006/relationships" xmlns:p="http://schemas.openxmlformats.org/presentationml/2006/main" preserve="1" userDrawn="1">
-  <p:cSld name="2_Blank">
+  <p:cSld name="6_Blank">
     <p:spTree>
       <p:nvGrpSpPr>
         <p:cNvPr id="1" name=""/>
@@ -5227,9 +4806,15 @@
       </p:sp>
       <p:pic>
         <p:nvPicPr>
-          <p:cNvPr id="8" name="Picture 7"/>
+          <p:cNvPr id="8" name="Picture 2" descr="NAU_Acronym_Horiz_1Line_rev-3514.png">
+            <a:extLst>
+              <a:ext uri="{FF2B5EF4-FFF2-40B4-BE49-F238E27FC236}">
+                <a16:creationId xmlns:a16="http://schemas.microsoft.com/office/drawing/2014/main" id="{C42B1AFE-51D6-4146-8549-8CD89D6DF8CC}"/>
+              </a:ext>
+            </a:extLst>
+          </p:cNvPr>
           <p:cNvPicPr>
-            <a:picLocks noChangeAspect="1"/>
+            <a:picLocks noChangeAspect="1" noChangeArrowheads="1"/>
           </p:cNvPicPr>
           <p:nvPr userDrawn="1"/>
         </p:nvPicPr>
@@ -5241,24 +4826,35 @@
               </a:ext>
             </a:extLst>
           </a:blip>
+          <a:srcRect/>
           <a:stretch>
             <a:fillRect/>
           </a:stretch>
         </p:blipFill>
-        <p:spPr>
+        <p:spPr bwMode="auto">
           <a:xfrm>
-            <a:off x="1784020" y="6038330"/>
-            <a:ext cx="5522212" cy="466226"/>
+            <a:off x="1038523" y="6142782"/>
+            <a:ext cx="7069909" cy="344904"/>
           </a:xfrm>
           <a:prstGeom prst="rect">
             <a:avLst/>
           </a:prstGeom>
+          <a:noFill/>
+          <a:extLst>
+            <a:ext uri="{909E8E84-426E-40DD-AFC4-6F175D3DCCD1}">
+              <a14:hiddenFill xmlns:a14="http://schemas.microsoft.com/office/drawing/2010/main">
+                <a:solidFill>
+                  <a:srgbClr val="FFFFFF"/>
+                </a:solidFill>
+              </a14:hiddenFill>
+            </a:ext>
+          </a:extLst>
         </p:spPr>
       </p:pic>
     </p:spTree>
     <p:extLst>
       <p:ext uri="{BB962C8B-B14F-4D97-AF65-F5344CB8AC3E}">
-        <p14:creationId xmlns:p14="http://schemas.microsoft.com/office/powerpoint/2010/main" val="1189579297"/>
+        <p14:creationId xmlns:p14="http://schemas.microsoft.com/office/powerpoint/2010/main" val="11972753"/>
       </p:ext>
     </p:extLst>
   </p:cSld>
@@ -5268,9 +4864,9 @@
 </p:sldLayout>
 </file>
 
-<file path=ppt/slideLayouts/slideLayout22.xml><?xml version="1.0" encoding="utf-8"?>
+<file path=ppt/slideLayouts/slideLayout21.xml><?xml version="1.0" encoding="utf-8"?>
 <p:sldLayout xmlns:a="http://schemas.openxmlformats.org/drawingml/2006/main" xmlns:r="http://schemas.openxmlformats.org/officeDocument/2006/relationships" xmlns:p="http://schemas.openxmlformats.org/presentationml/2006/main" preserve="1" userDrawn="1">
-  <p:cSld name="4_Blank">
+  <p:cSld name="7_Blank">
     <p:spTree>
       <p:nvGrpSpPr>
         <p:cNvPr id="1" name=""/>
@@ -5287,7 +4883,165 @@
       </p:grpSpPr>
       <p:sp>
         <p:nvSpPr>
-          <p:cNvPr id="6" name="Rectangle 13"/>
+          <p:cNvPr id="5" name="Rectangle 13"/>
+          <p:cNvSpPr>
+            <a:spLocks noChangeArrowheads="1"/>
+          </p:cNvSpPr>
+          <p:nvPr userDrawn="1"/>
+        </p:nvSpPr>
+        <p:spPr bwMode="auto">
+          <a:xfrm rot="5400000">
+            <a:off x="1144478" y="-1141522"/>
+            <a:ext cx="6858000" cy="9141044"/>
+          </a:xfrm>
+          <a:prstGeom prst="rect">
+            <a:avLst/>
+          </a:prstGeom>
+          <a:solidFill>
+            <a:srgbClr val="FBCE20"/>
+          </a:solidFill>
+          <a:ln w="9525">
+            <a:noFill/>
+            <a:miter lim="800000"/>
+            <a:headEnd/>
+            <a:tailEnd/>
+          </a:ln>
+          <a:effectLst/>
+        </p:spPr>
+        <p:txBody>
+          <a:bodyPr wrap="none" anchor="ctr"/>
+          <a:lstStyle/>
+          <a:p>
+            <a:pPr eaLnBrk="0" hangingPunct="0">
+              <a:spcBef>
+                <a:spcPct val="50000"/>
+              </a:spcBef>
+              <a:defRPr/>
+            </a:pPr>
+            <a:endParaRPr lang="en-US" sz="2000"/>
+          </a:p>
+        </p:txBody>
+      </p:sp>
+      <p:sp>
+        <p:nvSpPr>
+          <p:cNvPr id="9" name="Rectangle 2"/>
+          <p:cNvSpPr>
+            <a:spLocks noGrp="1" noChangeArrowheads="1"/>
+          </p:cNvSpPr>
+          <p:nvPr>
+            <p:ph type="ctrTitle" hasCustomPrompt="1"/>
+          </p:nvPr>
+        </p:nvSpPr>
+        <p:spPr>
+          <a:xfrm>
+            <a:off x="946688" y="1921457"/>
+            <a:ext cx="7239000" cy="2048540"/>
+          </a:xfrm>
+        </p:spPr>
+        <p:txBody>
+          <a:bodyPr anchor="ctr"/>
+          <a:lstStyle>
+            <a:lvl1pPr algn="ctr">
+              <a:spcAft>
+                <a:spcPts val="0"/>
+              </a:spcAft>
+              <a:defRPr sz="2100" b="1">
+                <a:solidFill>
+                  <a:srgbClr val="003264"/>
+                </a:solidFill>
+                <a:latin typeface="Arial"/>
+                <a:cs typeface="Arial"/>
+              </a:defRPr>
+            </a:lvl1pPr>
+          </a:lstStyle>
+          <a:p>
+            <a:r>
+              <a:rPr lang="en-US" dirty="0"/>
+              <a:t>CLICK TO EDIT MASTER TITLE STYLE</a:t>
+            </a:r>
+          </a:p>
+        </p:txBody>
+      </p:sp>
+      <p:pic>
+        <p:nvPicPr>
+          <p:cNvPr id="7" name="Picture 4" descr="NAU_Acronym_horiz_1Line-281.png">
+            <a:extLst>
+              <a:ext uri="{FF2B5EF4-FFF2-40B4-BE49-F238E27FC236}">
+                <a16:creationId xmlns:a16="http://schemas.microsoft.com/office/drawing/2014/main" id="{8F1209B8-1B41-274D-B453-9A45948BE5A6}"/>
+              </a:ext>
+            </a:extLst>
+          </p:cNvPr>
+          <p:cNvPicPr>
+            <a:picLocks noChangeAspect="1" noChangeArrowheads="1"/>
+          </p:cNvPicPr>
+          <p:nvPr userDrawn="1"/>
+        </p:nvPicPr>
+        <p:blipFill>
+          <a:blip r:embed="rId2">
+            <a:extLst>
+              <a:ext uri="{28A0092B-C50C-407E-A947-70E740481C1C}">
+                <a14:useLocalDpi xmlns:a14="http://schemas.microsoft.com/office/drawing/2010/main" val="0"/>
+              </a:ext>
+            </a:extLst>
+          </a:blip>
+          <a:srcRect/>
+          <a:stretch>
+            <a:fillRect/>
+          </a:stretch>
+        </p:blipFill>
+        <p:spPr bwMode="auto">
+          <a:xfrm>
+            <a:off x="997805" y="6141515"/>
+            <a:ext cx="7122566" cy="347472"/>
+          </a:xfrm>
+          <a:prstGeom prst="rect">
+            <a:avLst/>
+          </a:prstGeom>
+          <a:noFill/>
+          <a:extLst>
+            <a:ext uri="{909E8E84-426E-40DD-AFC4-6F175D3DCCD1}">
+              <a14:hiddenFill xmlns:a14="http://schemas.microsoft.com/office/drawing/2010/main">
+                <a:solidFill>
+                  <a:srgbClr val="FFFFFF"/>
+                </a:solidFill>
+              </a14:hiddenFill>
+            </a:ext>
+          </a:extLst>
+        </p:spPr>
+      </p:pic>
+    </p:spTree>
+    <p:extLst>
+      <p:ext uri="{BB962C8B-B14F-4D97-AF65-F5344CB8AC3E}">
+        <p14:creationId xmlns:p14="http://schemas.microsoft.com/office/powerpoint/2010/main" val="588916892"/>
+      </p:ext>
+    </p:extLst>
+  </p:cSld>
+  <p:clrMapOvr>
+    <a:masterClrMapping/>
+  </p:clrMapOvr>
+</p:sldLayout>
+</file>
+
+<file path=ppt/slideLayouts/slideLayout22.xml><?xml version="1.0" encoding="utf-8"?>
+<p:sldLayout xmlns:a="http://schemas.openxmlformats.org/drawingml/2006/main" xmlns:r="http://schemas.openxmlformats.org/officeDocument/2006/relationships" xmlns:p="http://schemas.openxmlformats.org/presentationml/2006/main" preserve="1" userDrawn="1">
+  <p:cSld name="8_Blank">
+    <p:spTree>
+      <p:nvGrpSpPr>
+        <p:cNvPr id="1" name=""/>
+        <p:cNvGrpSpPr/>
+        <p:nvPr/>
+      </p:nvGrpSpPr>
+      <p:grpSpPr>
+        <a:xfrm>
+          <a:off x="0" y="0"/>
+          <a:ext cx="0" cy="0"/>
+          <a:chOff x="0" y="0"/>
+          <a:chExt cx="0" cy="0"/>
+        </a:xfrm>
+      </p:grpSpPr>
+      <p:sp>
+        <p:nvSpPr>
+          <p:cNvPr id="4" name="Rectangle 13"/>
           <p:cNvSpPr>
             <a:spLocks noChangeArrowheads="1"/>
           </p:cNvSpPr>
@@ -5332,7 +5086,48 @@
       </p:sp>
       <p:sp>
         <p:nvSpPr>
-          <p:cNvPr id="9" name="Picture Placeholder 2"/>
+          <p:cNvPr id="5" name="Rectangle 13"/>
+          <p:cNvSpPr>
+            <a:spLocks noChangeArrowheads="1"/>
+          </p:cNvSpPr>
+          <p:nvPr userDrawn="1"/>
+        </p:nvSpPr>
+        <p:spPr bwMode="auto">
+          <a:xfrm rot="5400000">
+            <a:off x="4029445" y="1743445"/>
+            <a:ext cx="1088068" cy="9141044"/>
+          </a:xfrm>
+          <a:prstGeom prst="rect">
+            <a:avLst/>
+          </a:prstGeom>
+          <a:solidFill>
+            <a:srgbClr val="003264"/>
+          </a:solidFill>
+          <a:ln w="9525">
+            <a:noFill/>
+            <a:miter lim="800000"/>
+            <a:headEnd/>
+            <a:tailEnd/>
+          </a:ln>
+          <a:effectLst/>
+        </p:spPr>
+        <p:txBody>
+          <a:bodyPr wrap="none" anchor="ctr"/>
+          <a:lstStyle/>
+          <a:p>
+            <a:pPr eaLnBrk="0" hangingPunct="0">
+              <a:spcBef>
+                <a:spcPct val="50000"/>
+              </a:spcBef>
+              <a:defRPr/>
+            </a:pPr>
+            <a:endParaRPr lang="en-US" sz="2000"/>
+          </a:p>
+        </p:txBody>
+      </p:sp>
+      <p:sp>
+        <p:nvSpPr>
+          <p:cNvPr id="6" name="Picture Placeholder 2"/>
           <p:cNvSpPr>
             <a:spLocks noGrp="1"/>
           </p:cNvSpPr>
@@ -5389,65 +5184,23 @@
           <a:p>
             <a:pPr lvl="0"/>
             <a:r>
-              <a:rPr lang="en-US" noProof="0"/>
+              <a:rPr lang="en-US" noProof="0" dirty="0"/>
               <a:t>Click icon to add picture</a:t>
-            </a:r>
-          </a:p>
-        </p:txBody>
-      </p:sp>
-      <p:sp>
-        <p:nvSpPr>
-          <p:cNvPr id="10" name="Rectangle 13"/>
-          <p:cNvSpPr>
-            <a:spLocks noChangeArrowheads="1"/>
-          </p:cNvSpPr>
-          <p:nvPr userDrawn="1"/>
-        </p:nvSpPr>
-        <p:spPr bwMode="auto">
-          <a:xfrm rot="5400000">
-            <a:off x="4029446" y="1743448"/>
-            <a:ext cx="1088067" cy="9141046"/>
-          </a:xfrm>
-          <a:prstGeom prst="rect">
-            <a:avLst/>
-          </a:prstGeom>
-          <a:solidFill>
-            <a:srgbClr val="FFCC00"/>
-          </a:solidFill>
-          <a:ln w="9525">
-            <a:noFill/>
-            <a:miter lim="800000"/>
-            <a:headEnd/>
-            <a:tailEnd/>
-          </a:ln>
-          <a:effectLst/>
-        </p:spPr>
-        <p:txBody>
-          <a:bodyPr wrap="none" anchor="ctr"/>
-          <a:lstStyle/>
-          <a:p>
-            <a:pPr eaLnBrk="0" hangingPunct="0">
-              <a:spcBef>
-                <a:spcPct val="50000"/>
-              </a:spcBef>
-              <a:defRPr/>
-            </a:pPr>
-            <a:r>
-              <a:rPr lang="en-US" sz="2000" dirty="0">
-                <a:solidFill>
-                  <a:srgbClr val="FFCC00"/>
-                </a:solidFill>
-              </a:rPr>
-              <a:t> </a:t>
             </a:r>
           </a:p>
         </p:txBody>
       </p:sp>
       <p:pic>
         <p:nvPicPr>
-          <p:cNvPr id="7" name="Picture 6"/>
+          <p:cNvPr id="7" name="Picture 2" descr="NAU_Acronym_Horiz_1Line_rev-3514.png">
+            <a:extLst>
+              <a:ext uri="{FF2B5EF4-FFF2-40B4-BE49-F238E27FC236}">
+                <a16:creationId xmlns:a16="http://schemas.microsoft.com/office/drawing/2014/main" id="{0887B146-0FDD-AE40-8ED9-1F310565079F}"/>
+              </a:ext>
+            </a:extLst>
+          </p:cNvPr>
           <p:cNvPicPr>
-            <a:picLocks noChangeAspect="1"/>
+            <a:picLocks noChangeAspect="1" noChangeArrowheads="1"/>
           </p:cNvPicPr>
           <p:nvPr userDrawn="1"/>
         </p:nvPicPr>
@@ -5459,24 +5212,35 @@
               </a:ext>
             </a:extLst>
           </a:blip>
+          <a:srcRect/>
           <a:stretch>
             <a:fillRect/>
           </a:stretch>
         </p:blipFill>
-        <p:spPr>
+        <p:spPr bwMode="auto">
           <a:xfrm>
-            <a:off x="1784250" y="6038330"/>
-            <a:ext cx="5521752" cy="466226"/>
+            <a:off x="1038523" y="6142782"/>
+            <a:ext cx="7069909" cy="344904"/>
           </a:xfrm>
           <a:prstGeom prst="rect">
             <a:avLst/>
           </a:prstGeom>
+          <a:noFill/>
+          <a:extLst>
+            <a:ext uri="{909E8E84-426E-40DD-AFC4-6F175D3DCCD1}">
+              <a14:hiddenFill xmlns:a14="http://schemas.microsoft.com/office/drawing/2010/main">
+                <a:solidFill>
+                  <a:srgbClr val="FFFFFF"/>
+                </a:solidFill>
+              </a14:hiddenFill>
+            </a:ext>
+          </a:extLst>
         </p:spPr>
       </p:pic>
     </p:spTree>
     <p:extLst>
       <p:ext uri="{BB962C8B-B14F-4D97-AF65-F5344CB8AC3E}">
-        <p14:creationId xmlns:p14="http://schemas.microsoft.com/office/powerpoint/2010/main" val="2043674431"/>
+        <p14:creationId xmlns:p14="http://schemas.microsoft.com/office/powerpoint/2010/main" val="1577442899"/>
       </p:ext>
     </p:extLst>
   </p:cSld>
@@ -5487,627 +5251,8 @@
 </file>
 
 <file path=ppt/slideLayouts/slideLayout23.xml><?xml version="1.0" encoding="utf-8"?>
-<p:sldLayout xmlns:a="http://schemas.openxmlformats.org/drawingml/2006/main" xmlns:r="http://schemas.openxmlformats.org/officeDocument/2006/relationships" xmlns:p="http://schemas.openxmlformats.org/presentationml/2006/main" type="obj" preserve="1">
-  <p:cSld name="Title and Content">
-    <p:spTree>
-      <p:nvGrpSpPr>
-        <p:cNvPr id="1" name=""/>
-        <p:cNvGrpSpPr/>
-        <p:nvPr/>
-      </p:nvGrpSpPr>
-      <p:grpSpPr>
-        <a:xfrm>
-          <a:off x="0" y="0"/>
-          <a:ext cx="0" cy="0"/>
-          <a:chOff x="0" y="0"/>
-          <a:chExt cx="0" cy="0"/>
-        </a:xfrm>
-      </p:grpSpPr>
-      <p:sp>
-        <p:nvSpPr>
-          <p:cNvPr id="7" name="Rectangle 6"/>
-          <p:cNvSpPr/>
-          <p:nvPr userDrawn="1"/>
-        </p:nvSpPr>
-        <p:spPr bwMode="auto">
-          <a:xfrm>
-            <a:off x="0" y="1151819"/>
-            <a:ext cx="9144000" cy="400110"/>
-          </a:xfrm>
-          <a:prstGeom prst="rect">
-            <a:avLst/>
-          </a:prstGeom>
-          <a:solidFill>
-            <a:schemeClr val="bg1"/>
-          </a:solidFill>
-          <a:ln w="9525" cap="flat" cmpd="sng" algn="ctr">
-            <a:noFill/>
-            <a:prstDash val="solid"/>
-            <a:round/>
-            <a:headEnd type="none" w="med" len="med"/>
-            <a:tailEnd type="none" w="med" len="med"/>
-          </a:ln>
-          <a:effectLst/>
-        </p:spPr>
-        <p:txBody>
-          <a:bodyPr vert="horz" wrap="square" lIns="91440" tIns="45720" rIns="91440" bIns="45720" numCol="1" rtlCol="0" anchor="t" anchorCtr="0" compatLnSpc="1">
-            <a:prstTxWarp prst="textNoShape">
-              <a:avLst/>
-            </a:prstTxWarp>
-            <a:spAutoFit/>
-          </a:bodyPr>
-          <a:lstStyle/>
-          <a:p>
-            <a:pPr marL="0" marR="0" indent="0" algn="l" defTabSz="914377" rtl="0" eaLnBrk="0" fontAlgn="base" latinLnBrk="0" hangingPunct="0">
-              <a:lnSpc>
-                <a:spcPct val="100000"/>
-              </a:lnSpc>
-              <a:spcBef>
-                <a:spcPct val="50000"/>
-              </a:spcBef>
-              <a:spcAft>
-                <a:spcPct val="0"/>
-              </a:spcAft>
-              <a:buClrTx/>
-              <a:buSzTx/>
-              <a:buFontTx/>
-              <a:buNone/>
-              <a:tabLst/>
-            </a:pPr>
-            <a:endParaRPr kumimoji="0" lang="en-US" sz="2000" b="0" i="0" u="none" strike="noStrike" cap="none" normalizeH="0" baseline="0">
-              <a:ln>
-                <a:noFill/>
-              </a:ln>
-              <a:solidFill>
-                <a:schemeClr val="tx1"/>
-              </a:solidFill>
-              <a:effectLst/>
-              <a:latin typeface="Arial" charset="0"/>
-            </a:endParaRPr>
-          </a:p>
-        </p:txBody>
-      </p:sp>
-      <p:sp>
-        <p:nvSpPr>
-          <p:cNvPr id="2" name="Title 1"/>
-          <p:cNvSpPr>
-            <a:spLocks noGrp="1"/>
-          </p:cNvSpPr>
-          <p:nvPr>
-            <p:ph type="title" hasCustomPrompt="1"/>
-          </p:nvPr>
-        </p:nvSpPr>
-        <p:spPr>
-          <a:xfrm>
-            <a:off x="446570" y="147287"/>
-            <a:ext cx="8315201" cy="990600"/>
-          </a:xfrm>
-        </p:spPr>
-        <p:txBody>
-          <a:bodyPr anchor="ctr"/>
-          <a:lstStyle>
-            <a:lvl1pPr>
-              <a:defRPr sz="2800" cap="small" baseline="0">
-                <a:solidFill>
-                  <a:schemeClr val="tx1"/>
-                </a:solidFill>
-                <a:latin typeface="Arial"/>
-                <a:cs typeface="Arial"/>
-              </a:defRPr>
-            </a:lvl1pPr>
-          </a:lstStyle>
-          <a:p>
-            <a:r>
-              <a:rPr lang="en-US" dirty="0"/>
-              <a:t>CLICK TO EDIT MASTER TITLE STYLE</a:t>
-            </a:r>
-          </a:p>
-        </p:txBody>
-      </p:sp>
-      <p:sp>
-        <p:nvSpPr>
-          <p:cNvPr id="3" name="Content Placeholder 2"/>
-          <p:cNvSpPr>
-            <a:spLocks noGrp="1"/>
-          </p:cNvSpPr>
-          <p:nvPr>
-            <p:ph idx="1"/>
-          </p:nvPr>
-        </p:nvSpPr>
-        <p:spPr>
-          <a:xfrm>
-            <a:off x="446568" y="1358555"/>
-            <a:ext cx="8315202" cy="5001061"/>
-          </a:xfrm>
-        </p:spPr>
-        <p:txBody>
-          <a:bodyPr/>
-          <a:lstStyle>
-            <a:lvl1pPr>
-              <a:buClr>
-                <a:srgbClr val="003264"/>
-              </a:buClr>
-              <a:buFont typeface="Arial"/>
-              <a:buChar char="•"/>
-              <a:defRPr baseline="0">
-                <a:solidFill>
-                  <a:srgbClr val="003D7C"/>
-                </a:solidFill>
-              </a:defRPr>
-            </a:lvl1pPr>
-            <a:lvl2pPr>
-              <a:defRPr baseline="0">
-                <a:solidFill>
-                  <a:srgbClr val="0070C0"/>
-                </a:solidFill>
-              </a:defRPr>
-            </a:lvl2pPr>
-            <a:lvl3pPr>
-              <a:defRPr>
-                <a:solidFill>
-                  <a:srgbClr val="0070C0"/>
-                </a:solidFill>
-              </a:defRPr>
-            </a:lvl3pPr>
-            <a:lvl4pPr>
-              <a:defRPr baseline="0">
-                <a:solidFill>
-                  <a:srgbClr val="0070C0"/>
-                </a:solidFill>
-              </a:defRPr>
-            </a:lvl4pPr>
-            <a:lvl5pPr>
-              <a:defRPr>
-                <a:solidFill>
-                  <a:srgbClr val="0070C0"/>
-                </a:solidFill>
-              </a:defRPr>
-            </a:lvl5pPr>
-          </a:lstStyle>
-          <a:p>
-            <a:pPr lvl="0"/>
-            <a:r>
-              <a:rPr lang="en-US" dirty="0"/>
-              <a:t>Click to edit Master text styles</a:t>
-            </a:r>
-          </a:p>
-          <a:p>
-            <a:pPr lvl="1"/>
-            <a:r>
-              <a:rPr lang="en-US" dirty="0"/>
-              <a:t>Second level</a:t>
-            </a:r>
-          </a:p>
-          <a:p>
-            <a:pPr lvl="2"/>
-            <a:r>
-              <a:rPr lang="en-US" dirty="0"/>
-              <a:t>Third level</a:t>
-            </a:r>
-          </a:p>
-          <a:p>
-            <a:pPr lvl="3"/>
-            <a:r>
-              <a:rPr lang="en-US" dirty="0"/>
-              <a:t>Fourth level</a:t>
-            </a:r>
-          </a:p>
-          <a:p>
-            <a:pPr lvl="4"/>
-            <a:r>
-              <a:rPr lang="en-US" dirty="0"/>
-              <a:t>Fifth level</a:t>
-            </a:r>
-          </a:p>
-        </p:txBody>
-      </p:sp>
-      <p:sp>
-        <p:nvSpPr>
-          <p:cNvPr id="4" name="Rectangle 4"/>
-          <p:cNvSpPr>
-            <a:spLocks noGrp="1" noChangeArrowheads="1"/>
-          </p:cNvSpPr>
-          <p:nvPr>
-            <p:ph type="dt" sz="half" idx="10"/>
-          </p:nvPr>
-        </p:nvSpPr>
-        <p:spPr>
-          <a:xfrm>
-            <a:off x="6766512" y="6553200"/>
-            <a:ext cx="1995258" cy="304800"/>
-          </a:xfrm>
-          <a:ln/>
-        </p:spPr>
-        <p:txBody>
-          <a:bodyPr/>
-          <a:lstStyle>
-            <a:lvl1pPr>
-              <a:defRPr>
-                <a:latin typeface="Arial" charset="0"/>
-                <a:ea typeface="Arial" charset="0"/>
-                <a:cs typeface="Arial" charset="0"/>
-              </a:defRPr>
-            </a:lvl1pPr>
-          </a:lstStyle>
-          <a:p>
-            <a:pPr>
-              <a:defRPr/>
-            </a:pPr>
-            <a:endParaRPr lang="en-US" dirty="0"/>
-          </a:p>
-        </p:txBody>
-      </p:sp>
-      <p:sp>
-        <p:nvSpPr>
-          <p:cNvPr id="5" name="Rectangle 5"/>
-          <p:cNvSpPr>
-            <a:spLocks noGrp="1" noChangeArrowheads="1"/>
-          </p:cNvSpPr>
-          <p:nvPr>
-            <p:ph type="ftr" sz="quarter" idx="11"/>
-          </p:nvPr>
-        </p:nvSpPr>
-        <p:spPr>
-          <a:xfrm>
-            <a:off x="446568" y="6553200"/>
-            <a:ext cx="4927869" cy="304800"/>
-          </a:xfrm>
-          <a:ln/>
-        </p:spPr>
-        <p:txBody>
-          <a:bodyPr/>
-          <a:lstStyle>
-            <a:lvl1pPr>
-              <a:defRPr/>
-            </a:lvl1pPr>
-          </a:lstStyle>
-          <a:p>
-            <a:pPr>
-              <a:defRPr/>
-            </a:pPr>
-            <a:endParaRPr lang="en-US" dirty="0"/>
-          </a:p>
-        </p:txBody>
-      </p:sp>
-    </p:spTree>
-    <p:extLst>
-      <p:ext uri="{BB962C8B-B14F-4D97-AF65-F5344CB8AC3E}">
-        <p14:creationId xmlns:p14="http://schemas.microsoft.com/office/powerpoint/2010/main" val="1396549202"/>
-      </p:ext>
-    </p:extLst>
-  </p:cSld>
-  <p:clrMapOvr>
-    <a:masterClrMapping/>
-  </p:clrMapOvr>
-</p:sldLayout>
-</file>
-
-<file path=ppt/slideLayouts/slideLayout24.xml><?xml version="1.0" encoding="utf-8"?>
-<p:sldLayout xmlns:a="http://schemas.openxmlformats.org/drawingml/2006/main" xmlns:r="http://schemas.openxmlformats.org/officeDocument/2006/relationships" xmlns:p="http://schemas.openxmlformats.org/presentationml/2006/main" type="obj" preserve="1">
-  <p:cSld name="1_Title and Content">
-    <p:spTree>
-      <p:nvGrpSpPr>
-        <p:cNvPr id="1" name=""/>
-        <p:cNvGrpSpPr/>
-        <p:nvPr/>
-      </p:nvGrpSpPr>
-      <p:grpSpPr>
-        <a:xfrm>
-          <a:off x="0" y="0"/>
-          <a:ext cx="0" cy="0"/>
-          <a:chOff x="0" y="0"/>
-          <a:chExt cx="0" cy="0"/>
-        </a:xfrm>
-      </p:grpSpPr>
-      <p:sp>
-        <p:nvSpPr>
-          <p:cNvPr id="7" name="Rectangle 6"/>
-          <p:cNvSpPr/>
-          <p:nvPr userDrawn="1"/>
-        </p:nvSpPr>
-        <p:spPr bwMode="auto">
-          <a:xfrm>
-            <a:off x="0" y="1151819"/>
-            <a:ext cx="9144000" cy="400110"/>
-          </a:xfrm>
-          <a:prstGeom prst="rect">
-            <a:avLst/>
-          </a:prstGeom>
-          <a:solidFill>
-            <a:schemeClr val="bg1"/>
-          </a:solidFill>
-          <a:ln w="9525" cap="flat" cmpd="sng" algn="ctr">
-            <a:noFill/>
-            <a:prstDash val="solid"/>
-            <a:round/>
-            <a:headEnd type="none" w="med" len="med"/>
-            <a:tailEnd type="none" w="med" len="med"/>
-          </a:ln>
-          <a:effectLst/>
-        </p:spPr>
-        <p:txBody>
-          <a:bodyPr vert="horz" wrap="square" lIns="91440" tIns="45720" rIns="91440" bIns="45720" numCol="1" rtlCol="0" anchor="t" anchorCtr="0" compatLnSpc="1">
-            <a:prstTxWarp prst="textNoShape">
-              <a:avLst/>
-            </a:prstTxWarp>
-            <a:spAutoFit/>
-          </a:bodyPr>
-          <a:lstStyle/>
-          <a:p>
-            <a:pPr marL="0" marR="0" indent="0" algn="l" defTabSz="914377" rtl="0" eaLnBrk="0" fontAlgn="base" latinLnBrk="0" hangingPunct="0">
-              <a:lnSpc>
-                <a:spcPct val="100000"/>
-              </a:lnSpc>
-              <a:spcBef>
-                <a:spcPct val="50000"/>
-              </a:spcBef>
-              <a:spcAft>
-                <a:spcPct val="0"/>
-              </a:spcAft>
-              <a:buClrTx/>
-              <a:buSzTx/>
-              <a:buFontTx/>
-              <a:buNone/>
-              <a:tabLst/>
-            </a:pPr>
-            <a:endParaRPr kumimoji="0" lang="en-US" sz="2000" b="0" i="0" u="none" strike="noStrike" cap="none" normalizeH="0" baseline="0">
-              <a:ln>
-                <a:noFill/>
-              </a:ln>
-              <a:solidFill>
-                <a:schemeClr val="tx1"/>
-              </a:solidFill>
-              <a:effectLst/>
-              <a:latin typeface="Arial" charset="0"/>
-            </a:endParaRPr>
-          </a:p>
-        </p:txBody>
-      </p:sp>
-      <p:sp>
-        <p:nvSpPr>
-          <p:cNvPr id="2" name="Title 1"/>
-          <p:cNvSpPr>
-            <a:spLocks noGrp="1"/>
-          </p:cNvSpPr>
-          <p:nvPr>
-            <p:ph type="title" hasCustomPrompt="1"/>
-          </p:nvPr>
-        </p:nvSpPr>
-        <p:spPr>
-          <a:xfrm>
-            <a:off x="457200" y="147287"/>
-            <a:ext cx="8305800" cy="990600"/>
-          </a:xfrm>
-        </p:spPr>
-        <p:txBody>
-          <a:bodyPr anchor="ctr"/>
-          <a:lstStyle>
-            <a:lvl1pPr>
-              <a:defRPr sz="2800" cap="small" baseline="0">
-                <a:solidFill>
-                  <a:schemeClr val="tx1"/>
-                </a:solidFill>
-                <a:latin typeface="Arial"/>
-                <a:cs typeface="Arial"/>
-              </a:defRPr>
-            </a:lvl1pPr>
-          </a:lstStyle>
-          <a:p>
-            <a:r>
-              <a:rPr lang="en-US" dirty="0"/>
-              <a:t>CLICK TO EDIT MASTER TITLE STYLE</a:t>
-            </a:r>
-          </a:p>
-        </p:txBody>
-      </p:sp>
-      <p:sp>
-        <p:nvSpPr>
-          <p:cNvPr id="3" name="Content Placeholder 2"/>
-          <p:cNvSpPr>
-            <a:spLocks noGrp="1"/>
-          </p:cNvSpPr>
-          <p:nvPr>
-            <p:ph idx="1"/>
-          </p:nvPr>
-        </p:nvSpPr>
-        <p:spPr>
-          <a:xfrm>
-            <a:off x="457200" y="1358555"/>
-            <a:ext cx="8305800" cy="5001061"/>
-          </a:xfrm>
-        </p:spPr>
-        <p:txBody>
-          <a:bodyPr/>
-          <a:lstStyle>
-            <a:lvl1pPr>
-              <a:buClr>
-                <a:srgbClr val="003264"/>
-              </a:buClr>
-              <a:buFont typeface="Arial"/>
-              <a:buChar char="•"/>
-              <a:defRPr baseline="0">
-                <a:solidFill>
-                  <a:srgbClr val="003D7C"/>
-                </a:solidFill>
-              </a:defRPr>
-            </a:lvl1pPr>
-            <a:lvl2pPr>
-              <a:defRPr baseline="0">
-                <a:solidFill>
-                  <a:srgbClr val="0070C0"/>
-                </a:solidFill>
-              </a:defRPr>
-            </a:lvl2pPr>
-            <a:lvl3pPr>
-              <a:defRPr>
-                <a:solidFill>
-                  <a:srgbClr val="0070C0"/>
-                </a:solidFill>
-              </a:defRPr>
-            </a:lvl3pPr>
-            <a:lvl4pPr>
-              <a:defRPr baseline="0">
-                <a:solidFill>
-                  <a:srgbClr val="0070C0"/>
-                </a:solidFill>
-              </a:defRPr>
-            </a:lvl4pPr>
-            <a:lvl5pPr>
-              <a:defRPr>
-                <a:solidFill>
-                  <a:srgbClr val="0070C0"/>
-                </a:solidFill>
-              </a:defRPr>
-            </a:lvl5pPr>
-          </a:lstStyle>
-          <a:p>
-            <a:pPr lvl="0"/>
-            <a:r>
-              <a:rPr lang="en-US" dirty="0"/>
-              <a:t>Click to edit Master text styles</a:t>
-            </a:r>
-          </a:p>
-          <a:p>
-            <a:pPr lvl="1"/>
-            <a:r>
-              <a:rPr lang="en-US" dirty="0"/>
-              <a:t>Second level</a:t>
-            </a:r>
-          </a:p>
-          <a:p>
-            <a:pPr lvl="2"/>
-            <a:r>
-              <a:rPr lang="en-US" dirty="0"/>
-              <a:t>Third level</a:t>
-            </a:r>
-          </a:p>
-          <a:p>
-            <a:pPr lvl="3"/>
-            <a:r>
-              <a:rPr lang="en-US" dirty="0"/>
-              <a:t>Fourth level</a:t>
-            </a:r>
-          </a:p>
-          <a:p>
-            <a:pPr lvl="4"/>
-            <a:r>
-              <a:rPr lang="en-US" dirty="0"/>
-              <a:t>Fifth level</a:t>
-            </a:r>
-          </a:p>
-        </p:txBody>
-      </p:sp>
-      <p:sp>
-        <p:nvSpPr>
-          <p:cNvPr id="4" name="Rectangle 4"/>
-          <p:cNvSpPr>
-            <a:spLocks noGrp="1" noChangeArrowheads="1"/>
-          </p:cNvSpPr>
-          <p:nvPr>
-            <p:ph type="dt" sz="half" idx="10"/>
-          </p:nvPr>
-        </p:nvSpPr>
-        <p:spPr>
-          <a:ln/>
-        </p:spPr>
-        <p:txBody>
-          <a:bodyPr/>
-          <a:lstStyle>
-            <a:lvl1pPr>
-              <a:defRPr>
-                <a:latin typeface="Arial Hebrew Scholar" charset="-79"/>
-                <a:ea typeface="Arial Hebrew Scholar" charset="-79"/>
-                <a:cs typeface="Arial Hebrew Scholar" charset="-79"/>
-              </a:defRPr>
-            </a:lvl1pPr>
-          </a:lstStyle>
-          <a:p>
-            <a:pPr>
-              <a:defRPr/>
-            </a:pPr>
-            <a:endParaRPr lang="en-US" dirty="0"/>
-          </a:p>
-        </p:txBody>
-      </p:sp>
-      <p:sp>
-        <p:nvSpPr>
-          <p:cNvPr id="5" name="Rectangle 5"/>
-          <p:cNvSpPr>
-            <a:spLocks noGrp="1" noChangeArrowheads="1"/>
-          </p:cNvSpPr>
-          <p:nvPr>
-            <p:ph type="ftr" sz="quarter" idx="11"/>
-          </p:nvPr>
-        </p:nvSpPr>
-        <p:spPr>
-          <a:ln/>
-        </p:spPr>
-        <p:txBody>
-          <a:bodyPr/>
-          <a:lstStyle>
-            <a:lvl1pPr>
-              <a:defRPr/>
-            </a:lvl1pPr>
-          </a:lstStyle>
-          <a:p>
-            <a:pPr>
-              <a:defRPr/>
-            </a:pPr>
-            <a:endParaRPr lang="en-US"/>
-          </a:p>
-        </p:txBody>
-      </p:sp>
-      <p:sp>
-        <p:nvSpPr>
-          <p:cNvPr id="6" name="Rectangle 6"/>
-          <p:cNvSpPr>
-            <a:spLocks noGrp="1" noChangeArrowheads="1"/>
-          </p:cNvSpPr>
-          <p:nvPr>
-            <p:ph type="sldNum" sz="quarter" idx="12"/>
-          </p:nvPr>
-        </p:nvSpPr>
-        <p:spPr>
-          <a:ln/>
-        </p:spPr>
-        <p:txBody>
-          <a:bodyPr/>
-          <a:lstStyle>
-            <a:lvl1pPr>
-              <a:defRPr/>
-            </a:lvl1pPr>
-          </a:lstStyle>
-          <a:p>
-            <a:pPr>
-              <a:defRPr/>
-            </a:pPr>
-            <a:fld id="{3464530E-D695-45C9-AFB6-E411BBE0972A}" type="slidenum">
-              <a:rPr lang="en-US"/>
-              <a:pPr>
-                <a:defRPr/>
-              </a:pPr>
-              <a:t>‹#›</a:t>
-            </a:fld>
-            <a:endParaRPr lang="en-US"/>
-          </a:p>
-        </p:txBody>
-      </p:sp>
-    </p:spTree>
-    <p:extLst>
-      <p:ext uri="{BB962C8B-B14F-4D97-AF65-F5344CB8AC3E}">
-        <p14:creationId xmlns:p14="http://schemas.microsoft.com/office/powerpoint/2010/main" val="137833827"/>
-      </p:ext>
-    </p:extLst>
-  </p:cSld>
-  <p:clrMapOvr>
-    <a:masterClrMapping/>
-  </p:clrMapOvr>
-</p:sldLayout>
-</file>
-
-<file path=ppt/slideLayouts/slideLayout25.xml><?xml version="1.0" encoding="utf-8"?>
 <p:sldLayout xmlns:a="http://schemas.openxmlformats.org/drawingml/2006/main" xmlns:r="http://schemas.openxmlformats.org/officeDocument/2006/relationships" xmlns:p="http://schemas.openxmlformats.org/presentationml/2006/main" preserve="1" userDrawn="1">
-  <p:cSld name="Two Content">
+  <p:cSld name="1_Two Content">
     <p:spTree>
       <p:nvGrpSpPr>
         <p:cNvPr id="1" name=""/>
@@ -6522,11 +5667,6 @@
         </p:txBody>
       </p:sp>
     </p:spTree>
-    <p:extLst>
-      <p:ext uri="{BB962C8B-B14F-4D97-AF65-F5344CB8AC3E}">
-        <p14:creationId xmlns:p14="http://schemas.microsoft.com/office/powerpoint/2010/main" val="1578159591"/>
-      </p:ext>
-    </p:extLst>
   </p:cSld>
   <p:clrMapOvr>
     <a:masterClrMapping/>
@@ -6534,9 +5674,9 @@
 </p:sldLayout>
 </file>
 
-<file path=ppt/slideLayouts/slideLayout26.xml><?xml version="1.0" encoding="utf-8"?>
+<file path=ppt/slideLayouts/slideLayout24.xml><?xml version="1.0" encoding="utf-8"?>
 <p:sldLayout xmlns:a="http://schemas.openxmlformats.org/drawingml/2006/main" xmlns:r="http://schemas.openxmlformats.org/officeDocument/2006/relationships" xmlns:p="http://schemas.openxmlformats.org/presentationml/2006/main" preserve="1" userDrawn="1">
-  <p:cSld name="Title, Content, and 2 Content">
+  <p:cSld name="1_Title, Content, and 2 Content">
     <p:spTree>
       <p:nvGrpSpPr>
         <p:cNvPr id="1" name=""/>
@@ -7016,11 +6156,6 @@
         </p:txBody>
       </p:sp>
     </p:spTree>
-    <p:extLst>
-      <p:ext uri="{BB962C8B-B14F-4D97-AF65-F5344CB8AC3E}">
-        <p14:creationId xmlns:p14="http://schemas.microsoft.com/office/powerpoint/2010/main" val="2012329372"/>
-      </p:ext>
-    </p:extLst>
   </p:cSld>
   <p:clrMapOvr>
     <a:masterClrMapping/>
@@ -7028,9 +6163,9 @@
 </p:sldLayout>
 </file>
 
-<file path=ppt/slideLayouts/slideLayout27.xml><?xml version="1.0" encoding="utf-8"?>
+<file path=ppt/slideLayouts/slideLayout25.xml><?xml version="1.0" encoding="utf-8"?>
 <p:sldLayout xmlns:a="http://schemas.openxmlformats.org/drawingml/2006/main" xmlns:r="http://schemas.openxmlformats.org/officeDocument/2006/relationships" xmlns:p="http://schemas.openxmlformats.org/presentationml/2006/main" preserve="1" userDrawn="1">
-  <p:cSld name="Title and 4 Content">
+  <p:cSld name="1_Title and 4 Content">
     <p:spTree>
       <p:nvGrpSpPr>
         <p:cNvPr id="1" name=""/>
@@ -7584,11 +6719,6 @@
         </p:txBody>
       </p:sp>
     </p:spTree>
-    <p:extLst>
-      <p:ext uri="{BB962C8B-B14F-4D97-AF65-F5344CB8AC3E}">
-        <p14:creationId xmlns:p14="http://schemas.microsoft.com/office/powerpoint/2010/main" val="1306543590"/>
-      </p:ext>
-    </p:extLst>
   </p:cSld>
   <p:clrMapOvr>
     <a:masterClrMapping/>
@@ -7596,9 +6726,9 @@
 </p:sldLayout>
 </file>
 
-<file path=ppt/slideLayouts/slideLayout28.xml><?xml version="1.0" encoding="utf-8"?>
+<file path=ppt/slideLayouts/slideLayout26.xml><?xml version="1.0" encoding="utf-8"?>
 <p:sldLayout xmlns:a="http://schemas.openxmlformats.org/drawingml/2006/main" xmlns:r="http://schemas.openxmlformats.org/officeDocument/2006/relationships" xmlns:p="http://schemas.openxmlformats.org/presentationml/2006/main" preserve="1" userDrawn="1">
-  <p:cSld name="Title and Table">
+  <p:cSld name="1_Title and Table">
     <p:spTree>
       <p:nvGrpSpPr>
         <p:cNvPr id="1" name=""/>
@@ -7840,11 +6970,6 @@
         </p:txBody>
       </p:sp>
     </p:spTree>
-    <p:extLst>
-      <p:ext uri="{BB962C8B-B14F-4D97-AF65-F5344CB8AC3E}">
-        <p14:creationId xmlns:p14="http://schemas.microsoft.com/office/powerpoint/2010/main" val="2021280019"/>
-      </p:ext>
-    </p:extLst>
   </p:cSld>
   <p:clrMapOvr>
     <a:masterClrMapping/>
@@ -7852,9 +6977,9 @@
 </p:sldLayout>
 </file>
 
-<file path=ppt/slideLayouts/slideLayout29.xml><?xml version="1.0" encoding="utf-8"?>
-<p:sldLayout xmlns:a="http://schemas.openxmlformats.org/drawingml/2006/main" xmlns:r="http://schemas.openxmlformats.org/officeDocument/2006/relationships" xmlns:p="http://schemas.openxmlformats.org/presentationml/2006/main" type="picTx" preserve="1">
-  <p:cSld name="Picture with Caption">
+<file path=ppt/slideLayouts/slideLayout3.xml><?xml version="1.0" encoding="utf-8"?>
+<p:sldLayout xmlns:a="http://schemas.openxmlformats.org/drawingml/2006/main" xmlns:r="http://schemas.openxmlformats.org/officeDocument/2006/relationships" xmlns:p="http://schemas.openxmlformats.org/presentationml/2006/main" showMasterSp="0" preserve="1" userDrawn="1">
+  <p:cSld name="3_Title Slide">
     <p:spTree>
       <p:nvGrpSpPr>
         <p:cNvPr id="1" name=""/>
@@ -7871,39 +6996,931 @@
       </p:grpSpPr>
       <p:sp>
         <p:nvSpPr>
-          <p:cNvPr id="2" name="Title 1"/>
-          <p:cNvSpPr>
-            <a:spLocks noGrp="1"/>
+          <p:cNvPr id="6" name="Rectangle 13"/>
+          <p:cNvSpPr>
+            <a:spLocks noChangeArrowheads="1"/>
+          </p:cNvSpPr>
+          <p:nvPr/>
+        </p:nvSpPr>
+        <p:spPr bwMode="auto">
+          <a:xfrm rot="5400000">
+            <a:off x="1144478" y="-1141521"/>
+            <a:ext cx="6858000" cy="9141044"/>
+          </a:xfrm>
+          <a:prstGeom prst="rect">
+            <a:avLst/>
+          </a:prstGeom>
+          <a:solidFill>
+            <a:srgbClr val="003264"/>
+          </a:solidFill>
+          <a:ln w="9525">
+            <a:noFill/>
+            <a:miter lim="800000"/>
+            <a:headEnd/>
+            <a:tailEnd/>
+          </a:ln>
+          <a:effectLst/>
+        </p:spPr>
+        <p:txBody>
+          <a:bodyPr wrap="none" anchor="ctr"/>
+          <a:lstStyle/>
+          <a:p>
+            <a:pPr eaLnBrk="0" hangingPunct="0">
+              <a:spcBef>
+                <a:spcPct val="50000"/>
+              </a:spcBef>
+              <a:defRPr/>
+            </a:pPr>
+            <a:endParaRPr lang="en-US" sz="2000"/>
+          </a:p>
+        </p:txBody>
+      </p:sp>
+      <p:sp>
+        <p:nvSpPr>
+          <p:cNvPr id="15" name="Rectangle 2"/>
+          <p:cNvSpPr>
+            <a:spLocks noGrp="1" noChangeArrowheads="1"/>
           </p:cNvSpPr>
           <p:nvPr>
-            <p:ph type="title"/>
+            <p:ph type="ctrTitle" hasCustomPrompt="1"/>
           </p:nvPr>
         </p:nvSpPr>
         <p:spPr>
           <a:xfrm>
-            <a:off x="1210996" y="4800600"/>
-            <a:ext cx="6685089" cy="566739"/>
+            <a:off x="946688" y="659971"/>
+            <a:ext cx="7239000" cy="2819400"/>
+          </a:xfrm>
+        </p:spPr>
+        <p:txBody>
+          <a:bodyPr anchor="b"/>
+          <a:lstStyle>
+            <a:lvl1pPr algn="ctr">
+              <a:spcAft>
+                <a:spcPts val="0"/>
+              </a:spcAft>
+              <a:defRPr b="1">
+                <a:solidFill>
+                  <a:schemeClr val="bg1"/>
+                </a:solidFill>
+                <a:latin typeface="Arial"/>
+                <a:cs typeface="Arial"/>
+              </a:defRPr>
+            </a:lvl1pPr>
+          </a:lstStyle>
+          <a:p>
+            <a:r>
+              <a:rPr lang="en-US" dirty="0"/>
+              <a:t>CLICK TO EDIT MASTER TITLE STYLE</a:t>
+            </a:r>
+          </a:p>
+        </p:txBody>
+      </p:sp>
+      <p:sp>
+        <p:nvSpPr>
+          <p:cNvPr id="16" name="Rectangle 3"/>
+          <p:cNvSpPr>
+            <a:spLocks noGrp="1" noChangeArrowheads="1"/>
+          </p:cNvSpPr>
+          <p:nvPr>
+            <p:ph type="subTitle" idx="1"/>
+          </p:nvPr>
+        </p:nvSpPr>
+        <p:spPr>
+          <a:xfrm>
+            <a:off x="946688" y="3707969"/>
+            <a:ext cx="7239000" cy="1371600"/>
+          </a:xfrm>
+        </p:spPr>
+        <p:txBody>
+          <a:bodyPr anchor="t"/>
+          <a:lstStyle>
+            <a:lvl1pPr marL="0" indent="0" algn="ctr">
+              <a:buFontTx/>
+              <a:buNone/>
+              <a:defRPr sz="1800" b="0" i="0" spc="100">
+                <a:solidFill>
+                  <a:srgbClr val="FFFFCC"/>
+                </a:solidFill>
+                <a:latin typeface="Arial" charset="0"/>
+                <a:ea typeface="Arial" charset="0"/>
+                <a:cs typeface="Arial" charset="0"/>
+              </a:defRPr>
+            </a:lvl1pPr>
+          </a:lstStyle>
+          <a:p>
+            <a:r>
+              <a:rPr lang="en-US" dirty="0"/>
+              <a:t>Click to edit Master subtitle style</a:t>
+            </a:r>
+          </a:p>
+        </p:txBody>
+      </p:sp>
+      <p:sp>
+        <p:nvSpPr>
+          <p:cNvPr id="7" name="Rectangle 6"/>
+          <p:cNvSpPr>
+            <a:spLocks noChangeArrowheads="1"/>
+          </p:cNvSpPr>
+          <p:nvPr userDrawn="1"/>
+        </p:nvSpPr>
+        <p:spPr bwMode="auto">
+          <a:xfrm rot="5400000">
+            <a:off x="3644297" y="1365584"/>
+            <a:ext cx="1843787" cy="9141046"/>
+          </a:xfrm>
+          <a:prstGeom prst="rect">
+            <a:avLst/>
+          </a:prstGeom>
+          <a:solidFill>
+            <a:srgbClr val="FFCC00"/>
+          </a:solidFill>
+          <a:ln w="9525">
+            <a:noFill/>
+            <a:miter lim="800000"/>
+            <a:headEnd/>
+            <a:tailEnd/>
+          </a:ln>
+          <a:effectLst/>
+        </p:spPr>
+        <p:txBody>
+          <a:bodyPr wrap="none" anchor="ctr"/>
+          <a:lstStyle/>
+          <a:p>
+            <a:pPr eaLnBrk="0" hangingPunct="0">
+              <a:spcBef>
+                <a:spcPct val="50000"/>
+              </a:spcBef>
+              <a:defRPr/>
+            </a:pPr>
+            <a:r>
+              <a:rPr lang="en-US" sz="2000" dirty="0">
+                <a:solidFill>
+                  <a:srgbClr val="FFCC00"/>
+                </a:solidFill>
+              </a:rPr>
+              <a:t> </a:t>
+            </a:r>
+          </a:p>
+        </p:txBody>
+      </p:sp>
+      <p:sp>
+        <p:nvSpPr>
+          <p:cNvPr id="18" name="Rectangle 4"/>
+          <p:cNvSpPr>
+            <a:spLocks noGrp="1" noChangeArrowheads="1"/>
+          </p:cNvSpPr>
+          <p:nvPr>
+            <p:ph type="dt" sz="half" idx="10"/>
+          </p:nvPr>
+        </p:nvSpPr>
+        <p:spPr>
+          <a:xfrm>
+            <a:off x="7086600" y="6400800"/>
+            <a:ext cx="1905000" cy="304800"/>
           </a:xfrm>
         </p:spPr>
         <p:txBody>
           <a:bodyPr anchor="ctr"/>
           <a:lstStyle>
-            <a:lvl1pPr algn="l">
-              <a:defRPr sz="2000" b="1"/>
+            <a:lvl1pPr algn="r">
+              <a:defRPr>
+                <a:solidFill>
+                  <a:schemeClr val="bg1">
+                    <a:lumMod val="75000"/>
+                  </a:schemeClr>
+                </a:solidFill>
+                <a:latin typeface="Arial" charset="0"/>
+                <a:ea typeface="Arial" charset="0"/>
+                <a:cs typeface="Arial" charset="0"/>
+              </a:defRPr>
             </a:lvl1pPr>
           </a:lstStyle>
           <a:p>
-            <a:r>
-              <a:rPr lang="en-US"/>
-              <a:t>Click to edit Master title style</a:t>
-            </a:r>
+            <a:pPr>
+              <a:defRPr/>
+            </a:pPr>
             <a:endParaRPr lang="en-US" dirty="0"/>
           </a:p>
         </p:txBody>
       </p:sp>
-      <p:sp>
-        <p:nvSpPr>
-          <p:cNvPr id="3" name="Picture Placeholder 2"/>
+      <p:pic>
+        <p:nvPicPr>
+          <p:cNvPr id="8" name="Picture 7"/>
+          <p:cNvPicPr>
+            <a:picLocks noChangeAspect="1"/>
+          </p:cNvPicPr>
+          <p:nvPr userDrawn="1"/>
+        </p:nvPicPr>
+        <p:blipFill>
+          <a:blip r:embed="rId2">
+            <a:extLst>
+              <a:ext uri="{28A0092B-C50C-407E-A947-70E740481C1C}">
+                <a14:useLocalDpi xmlns:a14="http://schemas.microsoft.com/office/drawing/2010/main" val="0"/>
+              </a:ext>
+            </a:extLst>
+          </a:blip>
+          <a:stretch>
+            <a:fillRect/>
+          </a:stretch>
+        </p:blipFill>
+        <p:spPr>
+          <a:xfrm>
+            <a:off x="3401891" y="5485179"/>
+            <a:ext cx="2343172" cy="861930"/>
+          </a:xfrm>
+          <a:prstGeom prst="rect">
+            <a:avLst/>
+          </a:prstGeom>
+        </p:spPr>
+      </p:pic>
+    </p:spTree>
+    <p:extLst>
+      <p:ext uri="{BB962C8B-B14F-4D97-AF65-F5344CB8AC3E}">
+        <p14:creationId xmlns:p14="http://schemas.microsoft.com/office/powerpoint/2010/main" val="490189589"/>
+      </p:ext>
+    </p:extLst>
+  </p:cSld>
+  <p:clrMapOvr>
+    <a:masterClrMapping/>
+  </p:clrMapOvr>
+</p:sldLayout>
+</file>
+
+<file path=ppt/slideLayouts/slideLayout4.xml><?xml version="1.0" encoding="utf-8"?>
+<p:sldLayout xmlns:a="http://schemas.openxmlformats.org/drawingml/2006/main" xmlns:r="http://schemas.openxmlformats.org/officeDocument/2006/relationships" xmlns:p="http://schemas.openxmlformats.org/presentationml/2006/main" showMasterSp="0" preserve="1" userDrawn="1">
+  <p:cSld name="4_Title Slide">
+    <p:spTree>
+      <p:nvGrpSpPr>
+        <p:cNvPr id="1" name=""/>
+        <p:cNvGrpSpPr/>
+        <p:nvPr/>
+      </p:nvGrpSpPr>
+      <p:grpSpPr>
+        <a:xfrm>
+          <a:off x="0" y="0"/>
+          <a:ext cx="0" cy="0"/>
+          <a:chOff x="0" y="0"/>
+          <a:chExt cx="0" cy="0"/>
+        </a:xfrm>
+      </p:grpSpPr>
+      <p:sp>
+        <p:nvSpPr>
+          <p:cNvPr id="7" name="Rectangle 6"/>
+          <p:cNvSpPr>
+            <a:spLocks noChangeArrowheads="1"/>
+          </p:cNvSpPr>
+          <p:nvPr userDrawn="1"/>
+        </p:nvSpPr>
+        <p:spPr bwMode="auto">
+          <a:xfrm rot="5400000">
+            <a:off x="3644297" y="1365584"/>
+            <a:ext cx="1843787" cy="9141046"/>
+          </a:xfrm>
+          <a:prstGeom prst="rect">
+            <a:avLst/>
+          </a:prstGeom>
+          <a:solidFill>
+            <a:srgbClr val="FFCC00"/>
+          </a:solidFill>
+          <a:ln w="9525">
+            <a:noFill/>
+            <a:miter lim="800000"/>
+            <a:headEnd/>
+            <a:tailEnd/>
+          </a:ln>
+          <a:effectLst/>
+        </p:spPr>
+        <p:txBody>
+          <a:bodyPr wrap="none" anchor="ctr"/>
+          <a:lstStyle/>
+          <a:p>
+            <a:pPr eaLnBrk="0" hangingPunct="0">
+              <a:spcBef>
+                <a:spcPct val="50000"/>
+              </a:spcBef>
+              <a:defRPr/>
+            </a:pPr>
+            <a:r>
+              <a:rPr lang="en-US" sz="2000" dirty="0">
+                <a:solidFill>
+                  <a:srgbClr val="FFCC00"/>
+                </a:solidFill>
+              </a:rPr>
+              <a:t> </a:t>
+            </a:r>
+          </a:p>
+        </p:txBody>
+      </p:sp>
+      <p:sp>
+        <p:nvSpPr>
+          <p:cNvPr id="18" name="Rectangle 4"/>
+          <p:cNvSpPr>
+            <a:spLocks noGrp="1" noChangeArrowheads="1"/>
+          </p:cNvSpPr>
+          <p:nvPr>
+            <p:ph type="dt" sz="half" idx="10"/>
+          </p:nvPr>
+        </p:nvSpPr>
+        <p:spPr>
+          <a:xfrm>
+            <a:off x="7086600" y="6400800"/>
+            <a:ext cx="1905000" cy="304800"/>
+          </a:xfrm>
+        </p:spPr>
+        <p:txBody>
+          <a:bodyPr anchor="ctr"/>
+          <a:lstStyle>
+            <a:lvl1pPr algn="r">
+              <a:defRPr>
+                <a:solidFill>
+                  <a:schemeClr val="bg1">
+                    <a:lumMod val="75000"/>
+                  </a:schemeClr>
+                </a:solidFill>
+                <a:latin typeface="Arial" charset="0"/>
+                <a:ea typeface="Arial" charset="0"/>
+                <a:cs typeface="Arial" charset="0"/>
+              </a:defRPr>
+            </a:lvl1pPr>
+          </a:lstStyle>
+          <a:p>
+            <a:pPr>
+              <a:defRPr/>
+            </a:pPr>
+            <a:endParaRPr lang="en-US" dirty="0"/>
+          </a:p>
+        </p:txBody>
+      </p:sp>
+      <p:sp>
+        <p:nvSpPr>
+          <p:cNvPr id="11" name="Rectangle 2"/>
+          <p:cNvSpPr>
+            <a:spLocks noGrp="1" noChangeArrowheads="1"/>
+          </p:cNvSpPr>
+          <p:nvPr>
+            <p:ph type="ctrTitle" hasCustomPrompt="1"/>
+          </p:nvPr>
+        </p:nvSpPr>
+        <p:spPr>
+          <a:xfrm>
+            <a:off x="946688" y="659971"/>
+            <a:ext cx="7239000" cy="2582077"/>
+          </a:xfrm>
+        </p:spPr>
+        <p:txBody>
+          <a:bodyPr anchor="b"/>
+          <a:lstStyle>
+            <a:lvl1pPr algn="ctr">
+              <a:spcAft>
+                <a:spcPts val="0"/>
+              </a:spcAft>
+              <a:defRPr b="1">
+                <a:solidFill>
+                  <a:srgbClr val="003264"/>
+                </a:solidFill>
+                <a:latin typeface="Arial"/>
+                <a:cs typeface="Arial"/>
+              </a:defRPr>
+            </a:lvl1pPr>
+          </a:lstStyle>
+          <a:p>
+            <a:r>
+              <a:rPr lang="en-US" dirty="0"/>
+              <a:t>CLICK TO EDIT MASTER TITLE STYLE</a:t>
+            </a:r>
+          </a:p>
+        </p:txBody>
+      </p:sp>
+      <p:sp>
+        <p:nvSpPr>
+          <p:cNvPr id="12" name="Rectangle 3"/>
+          <p:cNvSpPr>
+            <a:spLocks noGrp="1" noChangeArrowheads="1"/>
+          </p:cNvSpPr>
+          <p:nvPr>
+            <p:ph type="subTitle" idx="1"/>
+          </p:nvPr>
+        </p:nvSpPr>
+        <p:spPr>
+          <a:xfrm>
+            <a:off x="946688" y="3362155"/>
+            <a:ext cx="7239000" cy="1371600"/>
+          </a:xfrm>
+        </p:spPr>
+        <p:txBody>
+          <a:bodyPr anchor="t"/>
+          <a:lstStyle>
+            <a:lvl1pPr marL="0" indent="0" algn="ctr">
+              <a:buFontTx/>
+              <a:buNone/>
+              <a:defRPr sz="1800" b="0" i="0" spc="100">
+                <a:solidFill>
+                  <a:srgbClr val="003264"/>
+                </a:solidFill>
+                <a:latin typeface="Arial" charset="0"/>
+                <a:ea typeface="Arial" charset="0"/>
+                <a:cs typeface="Arial" charset="0"/>
+              </a:defRPr>
+            </a:lvl1pPr>
+          </a:lstStyle>
+          <a:p>
+            <a:r>
+              <a:rPr lang="en-US" dirty="0"/>
+              <a:t>Click to edit Master subtitle style</a:t>
+            </a:r>
+          </a:p>
+        </p:txBody>
+      </p:sp>
+      <p:sp>
+        <p:nvSpPr>
+          <p:cNvPr id="13" name="Rectangle 12"/>
+          <p:cNvSpPr>
+            <a:spLocks noChangeArrowheads="1"/>
+          </p:cNvSpPr>
+          <p:nvPr userDrawn="1"/>
+        </p:nvSpPr>
+        <p:spPr bwMode="auto">
+          <a:xfrm rot="5400000">
+            <a:off x="4516139" y="455721"/>
+            <a:ext cx="114680" cy="9141046"/>
+          </a:xfrm>
+          <a:prstGeom prst="rect">
+            <a:avLst/>
+          </a:prstGeom>
+          <a:solidFill>
+            <a:srgbClr val="003264"/>
+          </a:solidFill>
+          <a:ln w="9525">
+            <a:noFill/>
+            <a:miter lim="800000"/>
+            <a:headEnd/>
+            <a:tailEnd/>
+          </a:ln>
+          <a:effectLst/>
+        </p:spPr>
+        <p:txBody>
+          <a:bodyPr wrap="none" anchor="ctr"/>
+          <a:lstStyle/>
+          <a:p>
+            <a:pPr eaLnBrk="0" hangingPunct="0">
+              <a:spcBef>
+                <a:spcPct val="50000"/>
+              </a:spcBef>
+              <a:defRPr/>
+            </a:pPr>
+            <a:r>
+              <a:rPr lang="en-US" sz="2000" dirty="0">
+                <a:solidFill>
+                  <a:srgbClr val="FFCC00"/>
+                </a:solidFill>
+              </a:rPr>
+              <a:t> </a:t>
+            </a:r>
+          </a:p>
+        </p:txBody>
+      </p:sp>
+      <p:pic>
+        <p:nvPicPr>
+          <p:cNvPr id="8" name="Picture 7"/>
+          <p:cNvPicPr>
+            <a:picLocks noChangeAspect="1"/>
+          </p:cNvPicPr>
+          <p:nvPr userDrawn="1"/>
+        </p:nvPicPr>
+        <p:blipFill>
+          <a:blip r:embed="rId2">
+            <a:extLst>
+              <a:ext uri="{28A0092B-C50C-407E-A947-70E740481C1C}">
+                <a14:useLocalDpi xmlns:a14="http://schemas.microsoft.com/office/drawing/2010/main" val="0"/>
+              </a:ext>
+            </a:extLst>
+          </a:blip>
+          <a:stretch>
+            <a:fillRect/>
+          </a:stretch>
+        </p:blipFill>
+        <p:spPr>
+          <a:xfrm>
+            <a:off x="3401891" y="5485179"/>
+            <a:ext cx="2343172" cy="861930"/>
+          </a:xfrm>
+          <a:prstGeom prst="rect">
+            <a:avLst/>
+          </a:prstGeom>
+        </p:spPr>
+      </p:pic>
+    </p:spTree>
+    <p:extLst>
+      <p:ext uri="{BB962C8B-B14F-4D97-AF65-F5344CB8AC3E}">
+        <p14:creationId xmlns:p14="http://schemas.microsoft.com/office/powerpoint/2010/main" val="97851770"/>
+      </p:ext>
+    </p:extLst>
+  </p:cSld>
+  <p:clrMapOvr>
+    <a:masterClrMapping/>
+  </p:clrMapOvr>
+</p:sldLayout>
+</file>
+
+<file path=ppt/slideLayouts/slideLayout5.xml><?xml version="1.0" encoding="utf-8"?>
+<p:sldLayout xmlns:a="http://schemas.openxmlformats.org/drawingml/2006/main" xmlns:r="http://schemas.openxmlformats.org/officeDocument/2006/relationships" xmlns:p="http://schemas.openxmlformats.org/presentationml/2006/main" preserve="1" userDrawn="1">
+  <p:cSld name="3_Blank">
+    <p:spTree>
+      <p:nvGrpSpPr>
+        <p:cNvPr id="1" name=""/>
+        <p:cNvGrpSpPr/>
+        <p:nvPr/>
+      </p:nvGrpSpPr>
+      <p:grpSpPr>
+        <a:xfrm>
+          <a:off x="0" y="0"/>
+          <a:ext cx="0" cy="0"/>
+          <a:chOff x="0" y="0"/>
+          <a:chExt cx="0" cy="0"/>
+        </a:xfrm>
+      </p:grpSpPr>
+      <p:sp>
+        <p:nvSpPr>
+          <p:cNvPr id="4" name="Rectangle 13"/>
+          <p:cNvSpPr>
+            <a:spLocks noChangeArrowheads="1"/>
+          </p:cNvSpPr>
+          <p:nvPr userDrawn="1"/>
+        </p:nvSpPr>
+        <p:spPr bwMode="auto">
+          <a:xfrm rot="5400000">
+            <a:off x="1144478" y="-1141521"/>
+            <a:ext cx="6858000" cy="9141044"/>
+          </a:xfrm>
+          <a:prstGeom prst="rect">
+            <a:avLst/>
+          </a:prstGeom>
+          <a:solidFill>
+            <a:schemeClr val="bg1"/>
+          </a:solidFill>
+          <a:ln w="9525">
+            <a:noFill/>
+            <a:miter lim="800000"/>
+            <a:headEnd/>
+            <a:tailEnd/>
+          </a:ln>
+          <a:effectLst/>
+        </p:spPr>
+        <p:txBody>
+          <a:bodyPr wrap="none" anchor="ctr"/>
+          <a:lstStyle/>
+          <a:p>
+            <a:pPr eaLnBrk="0" hangingPunct="0">
+              <a:spcBef>
+                <a:spcPct val="50000"/>
+              </a:spcBef>
+              <a:defRPr/>
+            </a:pPr>
+            <a:endParaRPr lang="en-US" sz="2000" dirty="0">
+              <a:solidFill>
+                <a:schemeClr val="bg1"/>
+              </a:solidFill>
+            </a:endParaRPr>
+          </a:p>
+        </p:txBody>
+      </p:sp>
+      <p:sp>
+        <p:nvSpPr>
+          <p:cNvPr id="7" name="Rectangle 2"/>
+          <p:cNvSpPr>
+            <a:spLocks noGrp="1" noChangeArrowheads="1"/>
+          </p:cNvSpPr>
+          <p:nvPr>
+            <p:ph type="ctrTitle" hasCustomPrompt="1"/>
+          </p:nvPr>
+        </p:nvSpPr>
+        <p:spPr>
+          <a:xfrm>
+            <a:off x="946688" y="1921457"/>
+            <a:ext cx="7239000" cy="2048540"/>
+          </a:xfrm>
+        </p:spPr>
+        <p:txBody>
+          <a:bodyPr anchor="ctr"/>
+          <a:lstStyle>
+            <a:lvl1pPr algn="ctr">
+              <a:spcAft>
+                <a:spcPts val="0"/>
+              </a:spcAft>
+              <a:defRPr sz="2100" b="1">
+                <a:solidFill>
+                  <a:srgbClr val="003264"/>
+                </a:solidFill>
+                <a:latin typeface="Arial"/>
+                <a:cs typeface="Arial"/>
+              </a:defRPr>
+            </a:lvl1pPr>
+          </a:lstStyle>
+          <a:p>
+            <a:r>
+              <a:rPr lang="en-US" dirty="0"/>
+              <a:t>CLICK TO EDIT MASTER TITLE STYLE</a:t>
+            </a:r>
+          </a:p>
+        </p:txBody>
+      </p:sp>
+      <p:sp>
+        <p:nvSpPr>
+          <p:cNvPr id="6" name="Rectangle 13"/>
+          <p:cNvSpPr>
+            <a:spLocks noChangeArrowheads="1"/>
+          </p:cNvSpPr>
+          <p:nvPr userDrawn="1"/>
+        </p:nvSpPr>
+        <p:spPr bwMode="auto">
+          <a:xfrm rot="5400000">
+            <a:off x="4029446" y="1743448"/>
+            <a:ext cx="1088067" cy="9141046"/>
+          </a:xfrm>
+          <a:prstGeom prst="rect">
+            <a:avLst/>
+          </a:prstGeom>
+          <a:solidFill>
+            <a:srgbClr val="FFCC00"/>
+          </a:solidFill>
+          <a:ln w="9525">
+            <a:noFill/>
+            <a:miter lim="800000"/>
+            <a:headEnd/>
+            <a:tailEnd/>
+          </a:ln>
+          <a:effectLst/>
+        </p:spPr>
+        <p:txBody>
+          <a:bodyPr wrap="none" anchor="ctr"/>
+          <a:lstStyle/>
+          <a:p>
+            <a:pPr eaLnBrk="0" hangingPunct="0">
+              <a:spcBef>
+                <a:spcPct val="50000"/>
+              </a:spcBef>
+              <a:defRPr/>
+            </a:pPr>
+            <a:r>
+              <a:rPr lang="en-US" sz="2000" dirty="0">
+                <a:solidFill>
+                  <a:srgbClr val="FFCC00"/>
+                </a:solidFill>
+              </a:rPr>
+              <a:t> </a:t>
+            </a:r>
+          </a:p>
+        </p:txBody>
+      </p:sp>
+      <p:pic>
+        <p:nvPicPr>
+          <p:cNvPr id="10" name="Picture 9"/>
+          <p:cNvPicPr>
+            <a:picLocks noChangeAspect="1"/>
+          </p:cNvPicPr>
+          <p:nvPr userDrawn="1"/>
+        </p:nvPicPr>
+        <p:blipFill>
+          <a:blip r:embed="rId2">
+            <a:extLst>
+              <a:ext uri="{28A0092B-C50C-407E-A947-70E740481C1C}">
+                <a14:useLocalDpi xmlns:a14="http://schemas.microsoft.com/office/drawing/2010/main" val="0"/>
+              </a:ext>
+            </a:extLst>
+          </a:blip>
+          <a:stretch>
+            <a:fillRect/>
+          </a:stretch>
+        </p:blipFill>
+        <p:spPr>
+          <a:xfrm>
+            <a:off x="1784250" y="6038330"/>
+            <a:ext cx="5521752" cy="466226"/>
+          </a:xfrm>
+          <a:prstGeom prst="rect">
+            <a:avLst/>
+          </a:prstGeom>
+        </p:spPr>
+      </p:pic>
+    </p:spTree>
+    <p:extLst>
+      <p:ext uri="{BB962C8B-B14F-4D97-AF65-F5344CB8AC3E}">
+        <p14:creationId xmlns:p14="http://schemas.microsoft.com/office/powerpoint/2010/main" val="1422388769"/>
+      </p:ext>
+    </p:extLst>
+  </p:cSld>
+  <p:clrMapOvr>
+    <a:masterClrMapping/>
+  </p:clrMapOvr>
+</p:sldLayout>
+</file>
+
+<file path=ppt/slideLayouts/slideLayout6.xml><?xml version="1.0" encoding="utf-8"?>
+<p:sldLayout xmlns:a="http://schemas.openxmlformats.org/drawingml/2006/main" xmlns:r="http://schemas.openxmlformats.org/officeDocument/2006/relationships" xmlns:p="http://schemas.openxmlformats.org/presentationml/2006/main" preserve="1" userDrawn="1">
+  <p:cSld name="2_Blank">
+    <p:spTree>
+      <p:nvGrpSpPr>
+        <p:cNvPr id="1" name=""/>
+        <p:cNvGrpSpPr/>
+        <p:nvPr/>
+      </p:nvGrpSpPr>
+      <p:grpSpPr>
+        <a:xfrm>
+          <a:off x="0" y="0"/>
+          <a:ext cx="0" cy="0"/>
+          <a:chOff x="0" y="0"/>
+          <a:chExt cx="0" cy="0"/>
+        </a:xfrm>
+      </p:grpSpPr>
+      <p:sp>
+        <p:nvSpPr>
+          <p:cNvPr id="5" name="Rectangle 13"/>
+          <p:cNvSpPr>
+            <a:spLocks noChangeArrowheads="1"/>
+          </p:cNvSpPr>
+          <p:nvPr userDrawn="1"/>
+        </p:nvSpPr>
+        <p:spPr bwMode="auto">
+          <a:xfrm rot="5400000">
+            <a:off x="1144478" y="-1141522"/>
+            <a:ext cx="6858000" cy="9141044"/>
+          </a:xfrm>
+          <a:prstGeom prst="rect">
+            <a:avLst/>
+          </a:prstGeom>
+          <a:solidFill>
+            <a:srgbClr val="003264"/>
+          </a:solidFill>
+          <a:ln w="9525">
+            <a:noFill/>
+            <a:miter lim="800000"/>
+            <a:headEnd/>
+            <a:tailEnd/>
+          </a:ln>
+          <a:effectLst/>
+        </p:spPr>
+        <p:txBody>
+          <a:bodyPr wrap="none" anchor="ctr"/>
+          <a:lstStyle/>
+          <a:p>
+            <a:pPr eaLnBrk="0" hangingPunct="0">
+              <a:spcBef>
+                <a:spcPct val="50000"/>
+              </a:spcBef>
+              <a:defRPr/>
+            </a:pPr>
+            <a:endParaRPr lang="en-US" sz="2000"/>
+          </a:p>
+        </p:txBody>
+      </p:sp>
+      <p:sp>
+        <p:nvSpPr>
+          <p:cNvPr id="7" name="Rectangle 2"/>
+          <p:cNvSpPr>
+            <a:spLocks noGrp="1" noChangeArrowheads="1"/>
+          </p:cNvSpPr>
+          <p:nvPr>
+            <p:ph type="ctrTitle" hasCustomPrompt="1"/>
+          </p:nvPr>
+        </p:nvSpPr>
+        <p:spPr>
+          <a:xfrm>
+            <a:off x="946688" y="1921457"/>
+            <a:ext cx="7239000" cy="2048540"/>
+          </a:xfrm>
+        </p:spPr>
+        <p:txBody>
+          <a:bodyPr anchor="ctr"/>
+          <a:lstStyle>
+            <a:lvl1pPr algn="ctr">
+              <a:spcAft>
+                <a:spcPts val="0"/>
+              </a:spcAft>
+              <a:defRPr sz="2100" b="1">
+                <a:solidFill>
+                  <a:schemeClr val="bg1"/>
+                </a:solidFill>
+                <a:latin typeface="Arial"/>
+                <a:cs typeface="Arial"/>
+              </a:defRPr>
+            </a:lvl1pPr>
+          </a:lstStyle>
+          <a:p>
+            <a:r>
+              <a:rPr lang="en-US" dirty="0"/>
+              <a:t>CLICK TO EDIT MASTER TITLE STYLE</a:t>
+            </a:r>
+          </a:p>
+        </p:txBody>
+      </p:sp>
+      <p:pic>
+        <p:nvPicPr>
+          <p:cNvPr id="8" name="Picture 7"/>
+          <p:cNvPicPr>
+            <a:picLocks noChangeAspect="1"/>
+          </p:cNvPicPr>
+          <p:nvPr userDrawn="1"/>
+        </p:nvPicPr>
+        <p:blipFill>
+          <a:blip r:embed="rId2">
+            <a:extLst>
+              <a:ext uri="{28A0092B-C50C-407E-A947-70E740481C1C}">
+                <a14:useLocalDpi xmlns:a14="http://schemas.microsoft.com/office/drawing/2010/main" val="0"/>
+              </a:ext>
+            </a:extLst>
+          </a:blip>
+          <a:stretch>
+            <a:fillRect/>
+          </a:stretch>
+        </p:blipFill>
+        <p:spPr>
+          <a:xfrm>
+            <a:off x="1784020" y="6038330"/>
+            <a:ext cx="5522212" cy="466226"/>
+          </a:xfrm>
+          <a:prstGeom prst="rect">
+            <a:avLst/>
+          </a:prstGeom>
+        </p:spPr>
+      </p:pic>
+    </p:spTree>
+    <p:extLst>
+      <p:ext uri="{BB962C8B-B14F-4D97-AF65-F5344CB8AC3E}">
+        <p14:creationId xmlns:p14="http://schemas.microsoft.com/office/powerpoint/2010/main" val="1189579297"/>
+      </p:ext>
+    </p:extLst>
+  </p:cSld>
+  <p:clrMapOvr>
+    <a:masterClrMapping/>
+  </p:clrMapOvr>
+</p:sldLayout>
+</file>
+
+<file path=ppt/slideLayouts/slideLayout7.xml><?xml version="1.0" encoding="utf-8"?>
+<p:sldLayout xmlns:a="http://schemas.openxmlformats.org/drawingml/2006/main" xmlns:r="http://schemas.openxmlformats.org/officeDocument/2006/relationships" xmlns:p="http://schemas.openxmlformats.org/presentationml/2006/main" preserve="1" userDrawn="1">
+  <p:cSld name="4_Blank">
+    <p:spTree>
+      <p:nvGrpSpPr>
+        <p:cNvPr id="1" name=""/>
+        <p:cNvGrpSpPr/>
+        <p:nvPr/>
+      </p:nvGrpSpPr>
+      <p:grpSpPr>
+        <a:xfrm>
+          <a:off x="0" y="0"/>
+          <a:ext cx="0" cy="0"/>
+          <a:chOff x="0" y="0"/>
+          <a:chExt cx="0" cy="0"/>
+        </a:xfrm>
+      </p:grpSpPr>
+      <p:sp>
+        <p:nvSpPr>
+          <p:cNvPr id="6" name="Rectangle 13"/>
+          <p:cNvSpPr>
+            <a:spLocks noChangeArrowheads="1"/>
+          </p:cNvSpPr>
+          <p:nvPr userDrawn="1"/>
+        </p:nvSpPr>
+        <p:spPr bwMode="auto">
+          <a:xfrm rot="5400000">
+            <a:off x="1144478" y="-1141521"/>
+            <a:ext cx="6858000" cy="9141044"/>
+          </a:xfrm>
+          <a:prstGeom prst="rect">
+            <a:avLst/>
+          </a:prstGeom>
+          <a:solidFill>
+            <a:schemeClr val="bg1"/>
+          </a:solidFill>
+          <a:ln w="9525">
+            <a:noFill/>
+            <a:miter lim="800000"/>
+            <a:headEnd/>
+            <a:tailEnd/>
+          </a:ln>
+          <a:effectLst/>
+        </p:spPr>
+        <p:txBody>
+          <a:bodyPr wrap="none" anchor="ctr"/>
+          <a:lstStyle/>
+          <a:p>
+            <a:pPr eaLnBrk="0" hangingPunct="0">
+              <a:spcBef>
+                <a:spcPct val="50000"/>
+              </a:spcBef>
+              <a:defRPr/>
+            </a:pPr>
+            <a:endParaRPr lang="en-US" sz="2000">
+              <a:solidFill>
+                <a:schemeClr val="bg1"/>
+              </a:solidFill>
+            </a:endParaRPr>
+          </a:p>
+        </p:txBody>
+      </p:sp>
+      <p:sp>
+        <p:nvSpPr>
+          <p:cNvPr id="9" name="Picture Placeholder 2"/>
           <p:cNvSpPr>
             <a:spLocks noGrp="1"/>
           </p:cNvSpPr>
@@ -7913,8 +7930,8 @@
         </p:nvSpPr>
         <p:spPr>
           <a:xfrm>
-            <a:off x="1210997" y="612775"/>
-            <a:ext cx="6685089" cy="4114800"/>
+            <a:off x="1" y="1"/>
+            <a:ext cx="9144000" cy="5769929"/>
           </a:xfrm>
         </p:spPr>
         <p:txBody>
@@ -7968,722 +7985,7 @@
       </p:sp>
       <p:sp>
         <p:nvSpPr>
-          <p:cNvPr id="4" name="Text Placeholder 3"/>
-          <p:cNvSpPr>
-            <a:spLocks noGrp="1"/>
-          </p:cNvSpPr>
-          <p:nvPr>
-            <p:ph type="body" sz="half" idx="2"/>
-          </p:nvPr>
-        </p:nvSpPr>
-        <p:spPr>
-          <a:xfrm>
-            <a:off x="1210996" y="5367338"/>
-            <a:ext cx="6685089" cy="804863"/>
-          </a:xfrm>
-        </p:spPr>
-        <p:txBody>
-          <a:bodyPr/>
-          <a:lstStyle>
-            <a:lvl1pPr marL="0" indent="0">
-              <a:buNone/>
-              <a:defRPr sz="1400"/>
-            </a:lvl1pPr>
-            <a:lvl2pPr marL="457189" indent="0">
-              <a:buNone/>
-              <a:defRPr sz="1200"/>
-            </a:lvl2pPr>
-            <a:lvl3pPr marL="914377" indent="0">
-              <a:buNone/>
-              <a:defRPr sz="1000"/>
-            </a:lvl3pPr>
-            <a:lvl4pPr marL="1371566" indent="0">
-              <a:buNone/>
-              <a:defRPr sz="900"/>
-            </a:lvl4pPr>
-            <a:lvl5pPr marL="1828754" indent="0">
-              <a:buNone/>
-              <a:defRPr sz="900"/>
-            </a:lvl5pPr>
-            <a:lvl6pPr marL="2285943" indent="0">
-              <a:buNone/>
-              <a:defRPr sz="900"/>
-            </a:lvl6pPr>
-            <a:lvl7pPr marL="2743131" indent="0">
-              <a:buNone/>
-              <a:defRPr sz="900"/>
-            </a:lvl7pPr>
-            <a:lvl8pPr marL="3200320" indent="0">
-              <a:buNone/>
-              <a:defRPr sz="900"/>
-            </a:lvl8pPr>
-            <a:lvl9pPr marL="3657509" indent="0">
-              <a:buNone/>
-              <a:defRPr sz="900"/>
-            </a:lvl9pPr>
-          </a:lstStyle>
-          <a:p>
-            <a:pPr lvl="0"/>
-            <a:r>
-              <a:rPr lang="en-US"/>
-              <a:t>Click to edit Master text styles</a:t>
-            </a:r>
-          </a:p>
-        </p:txBody>
-      </p:sp>
-      <p:sp>
-        <p:nvSpPr>
-          <p:cNvPr id="6" name="Rectangle 5"/>
-          <p:cNvSpPr>
-            <a:spLocks noGrp="1" noChangeArrowheads="1"/>
-          </p:cNvSpPr>
-          <p:nvPr>
-            <p:ph type="ftr" sz="quarter" idx="11"/>
-          </p:nvPr>
-        </p:nvSpPr>
-        <p:spPr>
-          <a:ln/>
-        </p:spPr>
-        <p:txBody>
-          <a:bodyPr/>
-          <a:lstStyle>
-            <a:lvl1pPr>
-              <a:defRPr/>
-            </a:lvl1pPr>
-          </a:lstStyle>
-          <a:p>
-            <a:pPr>
-              <a:defRPr/>
-            </a:pPr>
-            <a:endParaRPr lang="en-US"/>
-          </a:p>
-        </p:txBody>
-      </p:sp>
-      <p:sp>
-        <p:nvSpPr>
-          <p:cNvPr id="7" name="Rectangle 6"/>
-          <p:cNvSpPr>
-            <a:spLocks noGrp="1" noChangeArrowheads="1"/>
-          </p:cNvSpPr>
-          <p:nvPr>
-            <p:ph type="sldNum" sz="quarter" idx="12"/>
-          </p:nvPr>
-        </p:nvSpPr>
-        <p:spPr>
-          <a:ln/>
-        </p:spPr>
-        <p:txBody>
-          <a:bodyPr/>
-          <a:lstStyle>
-            <a:lvl1pPr>
-              <a:defRPr/>
-            </a:lvl1pPr>
-          </a:lstStyle>
-          <a:p>
-            <a:pPr>
-              <a:defRPr/>
-            </a:pPr>
-            <a:fld id="{624716E3-BCC5-4306-8204-3518F1026FEC}" type="slidenum">
-              <a:rPr lang="en-US"/>
-              <a:pPr>
-                <a:defRPr/>
-              </a:pPr>
-              <a:t>‹#›</a:t>
-            </a:fld>
-            <a:endParaRPr lang="en-US"/>
-          </a:p>
-        </p:txBody>
-      </p:sp>
-      <p:sp>
-        <p:nvSpPr>
-          <p:cNvPr id="8" name="Rectangle 4"/>
-          <p:cNvSpPr>
-            <a:spLocks noGrp="1" noChangeArrowheads="1"/>
-          </p:cNvSpPr>
-          <p:nvPr>
-            <p:ph type="dt" sz="half" idx="10"/>
-          </p:nvPr>
-        </p:nvSpPr>
-        <p:spPr>
-          <a:xfrm>
-            <a:off x="5867914" y="6553200"/>
-            <a:ext cx="2893856" cy="304800"/>
-          </a:xfrm>
-          <a:ln/>
-        </p:spPr>
-        <p:txBody>
-          <a:bodyPr/>
-          <a:lstStyle>
-            <a:lvl1pPr>
-              <a:defRPr>
-                <a:latin typeface="Arial" charset="0"/>
-                <a:ea typeface="Arial" charset="0"/>
-                <a:cs typeface="Arial" charset="0"/>
-              </a:defRPr>
-            </a:lvl1pPr>
-          </a:lstStyle>
-          <a:p>
-            <a:pPr>
-              <a:defRPr/>
-            </a:pPr>
-            <a:endParaRPr lang="en-US" dirty="0"/>
-          </a:p>
-        </p:txBody>
-      </p:sp>
-    </p:spTree>
-    <p:extLst>
-      <p:ext uri="{BB962C8B-B14F-4D97-AF65-F5344CB8AC3E}">
-        <p14:creationId xmlns:p14="http://schemas.microsoft.com/office/powerpoint/2010/main" val="1969751537"/>
-      </p:ext>
-    </p:extLst>
-  </p:cSld>
-  <p:clrMapOvr>
-    <a:masterClrMapping/>
-  </p:clrMapOvr>
-</p:sldLayout>
-</file>
-
-<file path=ppt/slideLayouts/slideLayout3.xml><?xml version="1.0" encoding="utf-8"?>
-<p:sldLayout xmlns:a="http://schemas.openxmlformats.org/drawingml/2006/main" xmlns:r="http://schemas.openxmlformats.org/officeDocument/2006/relationships" xmlns:p="http://schemas.openxmlformats.org/presentationml/2006/main" showMasterSp="0" preserve="1" userDrawn="1">
-  <p:cSld name="10_Title Slide">
-    <p:spTree>
-      <p:nvGrpSpPr>
-        <p:cNvPr id="1" name=""/>
-        <p:cNvGrpSpPr/>
-        <p:nvPr/>
-      </p:nvGrpSpPr>
-      <p:grpSpPr>
-        <a:xfrm>
-          <a:off x="0" y="0"/>
-          <a:ext cx="0" cy="0"/>
-          <a:chOff x="0" y="0"/>
-          <a:chExt cx="0" cy="0"/>
-        </a:xfrm>
-      </p:grpSpPr>
-      <p:sp>
-        <p:nvSpPr>
-          <p:cNvPr id="9" name="Rectangle 13"/>
-          <p:cNvSpPr>
-            <a:spLocks noChangeArrowheads="1"/>
-          </p:cNvSpPr>
-          <p:nvPr userDrawn="1"/>
-        </p:nvSpPr>
-        <p:spPr bwMode="auto">
-          <a:xfrm rot="5400000">
-            <a:off x="1144478" y="-1141521"/>
-            <a:ext cx="6858000" cy="9141044"/>
-          </a:xfrm>
-          <a:prstGeom prst="rect">
-            <a:avLst/>
-          </a:prstGeom>
-          <a:solidFill>
-            <a:srgbClr val="003264"/>
-          </a:solidFill>
-          <a:ln w="9525">
-            <a:noFill/>
-            <a:miter lim="800000"/>
-            <a:headEnd/>
-            <a:tailEnd/>
-          </a:ln>
-          <a:effectLst/>
-        </p:spPr>
-        <p:txBody>
-          <a:bodyPr wrap="none" anchor="ctr"/>
-          <a:lstStyle/>
-          <a:p>
-            <a:pPr eaLnBrk="0" hangingPunct="0">
-              <a:spcBef>
-                <a:spcPct val="50000"/>
-              </a:spcBef>
-              <a:defRPr/>
-            </a:pPr>
-            <a:endParaRPr lang="en-US" sz="2000"/>
-          </a:p>
-        </p:txBody>
-      </p:sp>
-      <p:sp>
-        <p:nvSpPr>
-          <p:cNvPr id="14" name="Rectangle 4"/>
-          <p:cNvSpPr>
-            <a:spLocks noGrp="1" noChangeArrowheads="1"/>
-          </p:cNvSpPr>
-          <p:nvPr>
-            <p:ph type="dt" sz="half" idx="10"/>
-          </p:nvPr>
-        </p:nvSpPr>
-        <p:spPr>
-          <a:xfrm>
-            <a:off x="3768061" y="5745753"/>
-            <a:ext cx="1610832" cy="304800"/>
-          </a:xfrm>
-        </p:spPr>
-        <p:txBody>
-          <a:bodyPr anchor="ctr"/>
-          <a:lstStyle>
-            <a:lvl1pPr algn="ctr">
-              <a:defRPr>
-                <a:solidFill>
-                  <a:schemeClr val="bg1">
-                    <a:lumMod val="75000"/>
-                  </a:schemeClr>
-                </a:solidFill>
-                <a:latin typeface="Arial" charset="0"/>
-                <a:ea typeface="Arial" charset="0"/>
-                <a:cs typeface="Arial" charset="0"/>
-              </a:defRPr>
-            </a:lvl1pPr>
-          </a:lstStyle>
-          <a:p>
-            <a:pPr>
-              <a:defRPr/>
-            </a:pPr>
-            <a:endParaRPr lang="en-US" dirty="0"/>
-          </a:p>
-        </p:txBody>
-      </p:sp>
-      <p:sp>
-        <p:nvSpPr>
-          <p:cNvPr id="15" name="Rectangle 3"/>
-          <p:cNvSpPr>
-            <a:spLocks noGrp="1" noChangeArrowheads="1"/>
-          </p:cNvSpPr>
-          <p:nvPr>
-            <p:ph type="subTitle" idx="1"/>
-          </p:nvPr>
-        </p:nvSpPr>
-        <p:spPr>
-          <a:xfrm>
-            <a:off x="946688" y="4461865"/>
-            <a:ext cx="7239000" cy="1086040"/>
-          </a:xfrm>
-        </p:spPr>
-        <p:txBody>
-          <a:bodyPr anchor="t"/>
-          <a:lstStyle>
-            <a:lvl1pPr marL="0" indent="0" algn="ctr">
-              <a:buFontTx/>
-              <a:buNone/>
-              <a:defRPr sz="1800" b="0" i="0" spc="100">
-                <a:solidFill>
-                  <a:srgbClr val="FFFFCC"/>
-                </a:solidFill>
-                <a:latin typeface="Arial" charset="0"/>
-                <a:ea typeface="Arial" charset="0"/>
-                <a:cs typeface="Arial" charset="0"/>
-              </a:defRPr>
-            </a:lvl1pPr>
-          </a:lstStyle>
-          <a:p>
-            <a:r>
-              <a:rPr lang="en-US" dirty="0"/>
-              <a:t>Click to edit Master subtitle style</a:t>
-            </a:r>
-          </a:p>
-        </p:txBody>
-      </p:sp>
-      <p:sp>
-        <p:nvSpPr>
-          <p:cNvPr id="16" name="Rectangle 2"/>
-          <p:cNvSpPr>
-            <a:spLocks noGrp="1" noChangeArrowheads="1"/>
-          </p:cNvSpPr>
-          <p:nvPr>
-            <p:ph type="ctrTitle" hasCustomPrompt="1"/>
-          </p:nvPr>
-        </p:nvSpPr>
-        <p:spPr>
-          <a:xfrm>
-            <a:off x="946688" y="2309558"/>
-            <a:ext cx="7239000" cy="2048540"/>
-          </a:xfrm>
-        </p:spPr>
-        <p:txBody>
-          <a:bodyPr anchor="ctr"/>
-          <a:lstStyle>
-            <a:lvl1pPr algn="ctr">
-              <a:spcAft>
-                <a:spcPts val="0"/>
-              </a:spcAft>
-              <a:defRPr b="1">
-                <a:solidFill>
-                  <a:schemeClr val="bg1"/>
-                </a:solidFill>
-                <a:latin typeface="Arial"/>
-                <a:cs typeface="Arial"/>
-              </a:defRPr>
-            </a:lvl1pPr>
-          </a:lstStyle>
-          <a:p>
-            <a:r>
-              <a:rPr lang="en-US" dirty="0"/>
-              <a:t>CLICK TO EDIT MASTER TITLE STYLE</a:t>
-            </a:r>
-          </a:p>
-        </p:txBody>
-      </p:sp>
-      <p:pic>
-        <p:nvPicPr>
-          <p:cNvPr id="8" name="Picture 6" descr="Prim-H2L_School of Informatics Computing and Cyber Systems-rev.png">
-            <a:extLst>
-              <a:ext uri="{FF2B5EF4-FFF2-40B4-BE49-F238E27FC236}">
-                <a16:creationId xmlns:a16="http://schemas.microsoft.com/office/drawing/2014/main" id="{C7C4CDF3-AC9D-684C-94A1-6FCDF7B8F6B3}"/>
-              </a:ext>
-            </a:extLst>
-          </p:cNvPr>
-          <p:cNvPicPr>
-            <a:picLocks noChangeAspect="1" noChangeArrowheads="1"/>
-          </p:cNvPicPr>
-          <p:nvPr userDrawn="1"/>
-        </p:nvPicPr>
-        <p:blipFill>
-          <a:blip r:embed="rId2">
-            <a:extLst>
-              <a:ext uri="{28A0092B-C50C-407E-A947-70E740481C1C}">
-                <a14:useLocalDpi xmlns:a14="http://schemas.microsoft.com/office/drawing/2010/main" val="0"/>
-              </a:ext>
-            </a:extLst>
-          </a:blip>
-          <a:srcRect/>
-          <a:stretch>
-            <a:fillRect/>
-          </a:stretch>
-        </p:blipFill>
-        <p:spPr bwMode="auto">
-          <a:xfrm>
-            <a:off x="1253492" y="388719"/>
-            <a:ext cx="6625392" cy="1532122"/>
-          </a:xfrm>
-          <a:prstGeom prst="rect">
-            <a:avLst/>
-          </a:prstGeom>
-          <a:noFill/>
-          <a:extLst>
-            <a:ext uri="{909E8E84-426E-40DD-AFC4-6F175D3DCCD1}">
-              <a14:hiddenFill xmlns:a14="http://schemas.microsoft.com/office/drawing/2010/main">
-                <a:solidFill>
-                  <a:srgbClr val="FFFFFF"/>
-                </a:solidFill>
-              </a14:hiddenFill>
-            </a:ext>
-          </a:extLst>
-        </p:spPr>
-      </p:pic>
-    </p:spTree>
-    <p:extLst>
-      <p:ext uri="{BB962C8B-B14F-4D97-AF65-F5344CB8AC3E}">
-        <p14:creationId xmlns:p14="http://schemas.microsoft.com/office/powerpoint/2010/main" val="1310371351"/>
-      </p:ext>
-    </p:extLst>
-  </p:cSld>
-  <p:clrMapOvr>
-    <a:masterClrMapping/>
-  </p:clrMapOvr>
-</p:sldLayout>
-</file>
-
-<file path=ppt/slideLayouts/slideLayout4.xml><?xml version="1.0" encoding="utf-8"?>
-<p:sldLayout xmlns:a="http://schemas.openxmlformats.org/drawingml/2006/main" xmlns:r="http://schemas.openxmlformats.org/officeDocument/2006/relationships" xmlns:p="http://schemas.openxmlformats.org/presentationml/2006/main" preserve="1" userDrawn="1">
-  <p:cSld name="Blank">
-    <p:spTree>
-      <p:nvGrpSpPr>
-        <p:cNvPr id="1" name=""/>
-        <p:cNvGrpSpPr/>
-        <p:nvPr/>
-      </p:nvGrpSpPr>
-      <p:grpSpPr>
-        <a:xfrm>
-          <a:off x="0" y="0"/>
-          <a:ext cx="0" cy="0"/>
-          <a:chOff x="0" y="0"/>
-          <a:chExt cx="0" cy="0"/>
-        </a:xfrm>
-      </p:grpSpPr>
-      <p:sp>
-        <p:nvSpPr>
-          <p:cNvPr id="4" name="Rectangle 13"/>
-          <p:cNvSpPr>
-            <a:spLocks noChangeArrowheads="1"/>
-          </p:cNvSpPr>
-          <p:nvPr userDrawn="1"/>
-        </p:nvSpPr>
-        <p:spPr bwMode="auto">
-          <a:xfrm rot="5400000">
-            <a:off x="1144478" y="-1141521"/>
-            <a:ext cx="6858000" cy="9141044"/>
-          </a:xfrm>
-          <a:prstGeom prst="rect">
-            <a:avLst/>
-          </a:prstGeom>
-          <a:solidFill>
-            <a:schemeClr val="bg1"/>
-          </a:solidFill>
-          <a:ln w="9525">
-            <a:noFill/>
-            <a:miter lim="800000"/>
-            <a:headEnd/>
-            <a:tailEnd/>
-          </a:ln>
-          <a:effectLst/>
-        </p:spPr>
-        <p:txBody>
-          <a:bodyPr wrap="none" anchor="ctr"/>
-          <a:lstStyle/>
-          <a:p>
-            <a:pPr eaLnBrk="0" hangingPunct="0">
-              <a:spcBef>
-                <a:spcPct val="50000"/>
-              </a:spcBef>
-              <a:defRPr/>
-            </a:pPr>
-            <a:endParaRPr lang="en-US" sz="2000" dirty="0">
-              <a:solidFill>
-                <a:schemeClr val="bg1"/>
-              </a:solidFill>
-            </a:endParaRPr>
-          </a:p>
-        </p:txBody>
-      </p:sp>
-      <p:sp>
-        <p:nvSpPr>
-          <p:cNvPr id="5" name="Rectangle 13"/>
-          <p:cNvSpPr>
-            <a:spLocks noChangeArrowheads="1"/>
-          </p:cNvSpPr>
-          <p:nvPr userDrawn="1"/>
-        </p:nvSpPr>
-        <p:spPr bwMode="auto">
-          <a:xfrm rot="5400000">
-            <a:off x="4029445" y="1743445"/>
-            <a:ext cx="1088068" cy="9141044"/>
-          </a:xfrm>
-          <a:prstGeom prst="rect">
-            <a:avLst/>
-          </a:prstGeom>
-          <a:solidFill>
-            <a:srgbClr val="003264"/>
-          </a:solidFill>
-          <a:ln w="9525">
-            <a:noFill/>
-            <a:miter lim="800000"/>
-            <a:headEnd/>
-            <a:tailEnd/>
-          </a:ln>
-          <a:effectLst/>
-        </p:spPr>
-        <p:txBody>
-          <a:bodyPr wrap="none" anchor="ctr"/>
-          <a:lstStyle/>
-          <a:p>
-            <a:pPr eaLnBrk="0" hangingPunct="0">
-              <a:spcBef>
-                <a:spcPct val="50000"/>
-              </a:spcBef>
-              <a:defRPr/>
-            </a:pPr>
-            <a:endParaRPr lang="en-US" sz="2000"/>
-          </a:p>
-        </p:txBody>
-      </p:sp>
-      <p:sp>
-        <p:nvSpPr>
-          <p:cNvPr id="7" name="Rectangle 2"/>
-          <p:cNvSpPr>
-            <a:spLocks noGrp="1" noChangeArrowheads="1"/>
-          </p:cNvSpPr>
-          <p:nvPr>
-            <p:ph type="ctrTitle" hasCustomPrompt="1"/>
-          </p:nvPr>
-        </p:nvSpPr>
-        <p:spPr>
-          <a:xfrm>
-            <a:off x="946688" y="1921457"/>
-            <a:ext cx="7239000" cy="2048540"/>
-          </a:xfrm>
-        </p:spPr>
-        <p:txBody>
-          <a:bodyPr anchor="ctr"/>
-          <a:lstStyle>
-            <a:lvl1pPr algn="ctr">
-              <a:spcAft>
-                <a:spcPts val="0"/>
-              </a:spcAft>
-              <a:defRPr sz="2100" b="1">
-                <a:solidFill>
-                  <a:srgbClr val="003264"/>
-                </a:solidFill>
-                <a:latin typeface="Arial"/>
-                <a:cs typeface="Arial"/>
-              </a:defRPr>
-            </a:lvl1pPr>
-          </a:lstStyle>
-          <a:p>
-            <a:r>
-              <a:rPr lang="en-US" dirty="0"/>
-              <a:t>CLICK TO EDIT MASTER TITLE STYLE</a:t>
-            </a:r>
-          </a:p>
-        </p:txBody>
-      </p:sp>
-      <p:pic>
-        <p:nvPicPr>
-          <p:cNvPr id="4098" name="Picture 2" descr="NAU_Acronym_Horiz_1Line_rev-3514.png">
-            <a:extLst>
-              <a:ext uri="{FF2B5EF4-FFF2-40B4-BE49-F238E27FC236}">
-                <a16:creationId xmlns:a16="http://schemas.microsoft.com/office/drawing/2014/main" id="{BBF33649-9580-B640-B874-C69CFE423FB5}"/>
-              </a:ext>
-            </a:extLst>
-          </p:cNvPr>
-          <p:cNvPicPr>
-            <a:picLocks noChangeAspect="1" noChangeArrowheads="1"/>
-          </p:cNvPicPr>
-          <p:nvPr userDrawn="1"/>
-        </p:nvPicPr>
-        <p:blipFill>
-          <a:blip r:embed="rId2">
-            <a:extLst>
-              <a:ext uri="{28A0092B-C50C-407E-A947-70E740481C1C}">
-                <a14:useLocalDpi xmlns:a14="http://schemas.microsoft.com/office/drawing/2010/main" val="0"/>
-              </a:ext>
-            </a:extLst>
-          </a:blip>
-          <a:srcRect/>
-          <a:stretch>
-            <a:fillRect/>
-          </a:stretch>
-        </p:blipFill>
-        <p:spPr bwMode="auto">
-          <a:xfrm>
-            <a:off x="1038523" y="6142782"/>
-            <a:ext cx="7069909" cy="344904"/>
-          </a:xfrm>
-          <a:prstGeom prst="rect">
-            <a:avLst/>
-          </a:prstGeom>
-          <a:noFill/>
-          <a:extLst>
-            <a:ext uri="{909E8E84-426E-40DD-AFC4-6F175D3DCCD1}">
-              <a14:hiddenFill xmlns:a14="http://schemas.microsoft.com/office/drawing/2010/main">
-                <a:solidFill>
-                  <a:srgbClr val="FFFFFF"/>
-                </a:solidFill>
-              </a14:hiddenFill>
-            </a:ext>
-          </a:extLst>
-        </p:spPr>
-      </p:pic>
-    </p:spTree>
-  </p:cSld>
-  <p:clrMapOvr>
-    <a:masterClrMapping/>
-  </p:clrMapOvr>
-</p:sldLayout>
-</file>
-
-<file path=ppt/slideLayouts/slideLayout5.xml><?xml version="1.0" encoding="utf-8"?>
-<p:sldLayout xmlns:a="http://schemas.openxmlformats.org/drawingml/2006/main" xmlns:r="http://schemas.openxmlformats.org/officeDocument/2006/relationships" xmlns:p="http://schemas.openxmlformats.org/presentationml/2006/main" preserve="1" userDrawn="1">
-  <p:cSld name="3_Blank">
-    <p:spTree>
-      <p:nvGrpSpPr>
-        <p:cNvPr id="1" name=""/>
-        <p:cNvGrpSpPr/>
-        <p:nvPr/>
-      </p:nvGrpSpPr>
-      <p:grpSpPr>
-        <a:xfrm>
-          <a:off x="0" y="0"/>
-          <a:ext cx="0" cy="0"/>
-          <a:chOff x="0" y="0"/>
-          <a:chExt cx="0" cy="0"/>
-        </a:xfrm>
-      </p:grpSpPr>
-      <p:sp>
-        <p:nvSpPr>
-          <p:cNvPr id="4" name="Rectangle 13"/>
-          <p:cNvSpPr>
-            <a:spLocks noChangeArrowheads="1"/>
-          </p:cNvSpPr>
-          <p:nvPr userDrawn="1"/>
-        </p:nvSpPr>
-        <p:spPr bwMode="auto">
-          <a:xfrm rot="5400000">
-            <a:off x="1130088" y="-1141517"/>
-            <a:ext cx="6858000" cy="9141044"/>
-          </a:xfrm>
-          <a:prstGeom prst="rect">
-            <a:avLst/>
-          </a:prstGeom>
-          <a:solidFill>
-            <a:schemeClr val="bg1"/>
-          </a:solidFill>
-          <a:ln w="9525">
-            <a:noFill/>
-            <a:miter lim="800000"/>
-            <a:headEnd/>
-            <a:tailEnd/>
-          </a:ln>
-          <a:effectLst/>
-        </p:spPr>
-        <p:txBody>
-          <a:bodyPr wrap="none" anchor="ctr"/>
-          <a:lstStyle/>
-          <a:p>
-            <a:pPr eaLnBrk="0" hangingPunct="0">
-              <a:spcBef>
-                <a:spcPct val="50000"/>
-              </a:spcBef>
-              <a:defRPr/>
-            </a:pPr>
-            <a:endParaRPr lang="en-US" sz="2000" dirty="0">
-              <a:solidFill>
-                <a:schemeClr val="bg1"/>
-              </a:solidFill>
-            </a:endParaRPr>
-          </a:p>
-        </p:txBody>
-      </p:sp>
-      <p:sp>
-        <p:nvSpPr>
-          <p:cNvPr id="7" name="Rectangle 2"/>
-          <p:cNvSpPr>
-            <a:spLocks noGrp="1" noChangeArrowheads="1"/>
-          </p:cNvSpPr>
-          <p:nvPr>
-            <p:ph type="ctrTitle" hasCustomPrompt="1"/>
-          </p:nvPr>
-        </p:nvSpPr>
-        <p:spPr>
-          <a:xfrm>
-            <a:off x="946688" y="1921457"/>
-            <a:ext cx="7239000" cy="2048540"/>
-          </a:xfrm>
-        </p:spPr>
-        <p:txBody>
-          <a:bodyPr anchor="ctr"/>
-          <a:lstStyle>
-            <a:lvl1pPr algn="ctr">
-              <a:spcAft>
-                <a:spcPts val="0"/>
-              </a:spcAft>
-              <a:defRPr sz="2100" b="1">
-                <a:solidFill>
-                  <a:srgbClr val="003264"/>
-                </a:solidFill>
-                <a:latin typeface="Arial"/>
-                <a:cs typeface="Arial"/>
-              </a:defRPr>
-            </a:lvl1pPr>
-          </a:lstStyle>
-          <a:p>
-            <a:r>
-              <a:rPr lang="en-US" dirty="0"/>
-              <a:t>CLICK TO EDIT MASTER TITLE STYLE</a:t>
-            </a:r>
-          </a:p>
-        </p:txBody>
-      </p:sp>
-      <p:sp>
-        <p:nvSpPr>
-          <p:cNvPr id="6" name="Rectangle 13"/>
+          <p:cNvPr id="10" name="Rectangle 13"/>
           <p:cNvSpPr>
             <a:spLocks noChangeArrowheads="1"/>
           </p:cNvSpPr>
@@ -8731,15 +8033,9 @@
       </p:sp>
       <p:pic>
         <p:nvPicPr>
-          <p:cNvPr id="10" name="Picture 4" descr="NAU_Acronym_horiz_1Line-281.png">
-            <a:extLst>
-              <a:ext uri="{FF2B5EF4-FFF2-40B4-BE49-F238E27FC236}">
-                <a16:creationId xmlns:a16="http://schemas.microsoft.com/office/drawing/2014/main" id="{F2D5B70D-8588-774A-9655-D973EBF373D0}"/>
-              </a:ext>
-            </a:extLst>
-          </p:cNvPr>
+          <p:cNvPr id="7" name="Picture 6"/>
           <p:cNvPicPr>
-            <a:picLocks noChangeAspect="1" noChangeArrowheads="1"/>
+            <a:picLocks noChangeAspect="1"/>
           </p:cNvPicPr>
           <p:nvPr userDrawn="1"/>
         </p:nvPicPr>
@@ -8751,351 +8047,24 @@
               </a:ext>
             </a:extLst>
           </a:blip>
-          <a:srcRect/>
           <a:stretch>
             <a:fillRect/>
           </a:stretch>
         </p:blipFill>
-        <p:spPr bwMode="auto">
+        <p:spPr>
           <a:xfrm>
-            <a:off x="997805" y="6141515"/>
-            <a:ext cx="7122566" cy="347472"/>
+            <a:off x="1784250" y="6038330"/>
+            <a:ext cx="5521752" cy="466226"/>
           </a:xfrm>
           <a:prstGeom prst="rect">
             <a:avLst/>
           </a:prstGeom>
-          <a:noFill/>
-          <a:extLst>
-            <a:ext uri="{909E8E84-426E-40DD-AFC4-6F175D3DCCD1}">
-              <a14:hiddenFill xmlns:a14="http://schemas.microsoft.com/office/drawing/2010/main">
-                <a:solidFill>
-                  <a:srgbClr val="FFFFFF"/>
-                </a:solidFill>
-              </a14:hiddenFill>
-            </a:ext>
-          </a:extLst>
         </p:spPr>
       </p:pic>
     </p:spTree>
     <p:extLst>
       <p:ext uri="{BB962C8B-B14F-4D97-AF65-F5344CB8AC3E}">
-        <p14:creationId xmlns:p14="http://schemas.microsoft.com/office/powerpoint/2010/main" val="1592171207"/>
-      </p:ext>
-    </p:extLst>
-  </p:cSld>
-  <p:clrMapOvr>
-    <a:masterClrMapping/>
-  </p:clrMapOvr>
-</p:sldLayout>
-</file>
-
-<file path=ppt/slideLayouts/slideLayout6.xml><?xml version="1.0" encoding="utf-8"?>
-<p:sldLayout xmlns:a="http://schemas.openxmlformats.org/drawingml/2006/main" xmlns:r="http://schemas.openxmlformats.org/officeDocument/2006/relationships" xmlns:p="http://schemas.openxmlformats.org/presentationml/2006/main" preserve="1" userDrawn="1">
-  <p:cSld name="2_Blank">
-    <p:spTree>
-      <p:nvGrpSpPr>
-        <p:cNvPr id="1" name=""/>
-        <p:cNvGrpSpPr/>
-        <p:nvPr/>
-      </p:nvGrpSpPr>
-      <p:grpSpPr>
-        <a:xfrm>
-          <a:off x="0" y="0"/>
-          <a:ext cx="0" cy="0"/>
-          <a:chOff x="0" y="0"/>
-          <a:chExt cx="0" cy="0"/>
-        </a:xfrm>
-      </p:grpSpPr>
-      <p:sp>
-        <p:nvSpPr>
-          <p:cNvPr id="5" name="Rectangle 13"/>
-          <p:cNvSpPr>
-            <a:spLocks noChangeArrowheads="1"/>
-          </p:cNvSpPr>
-          <p:nvPr userDrawn="1"/>
-        </p:nvSpPr>
-        <p:spPr bwMode="auto">
-          <a:xfrm rot="5400000">
-            <a:off x="1144478" y="-1141522"/>
-            <a:ext cx="6858000" cy="9141044"/>
-          </a:xfrm>
-          <a:prstGeom prst="rect">
-            <a:avLst/>
-          </a:prstGeom>
-          <a:solidFill>
-            <a:srgbClr val="003264"/>
-          </a:solidFill>
-          <a:ln w="9525">
-            <a:noFill/>
-            <a:miter lim="800000"/>
-            <a:headEnd/>
-            <a:tailEnd/>
-          </a:ln>
-          <a:effectLst/>
-        </p:spPr>
-        <p:txBody>
-          <a:bodyPr wrap="none" anchor="ctr"/>
-          <a:lstStyle/>
-          <a:p>
-            <a:pPr eaLnBrk="0" hangingPunct="0">
-              <a:spcBef>
-                <a:spcPct val="50000"/>
-              </a:spcBef>
-              <a:defRPr/>
-            </a:pPr>
-            <a:endParaRPr lang="en-US" sz="2000"/>
-          </a:p>
-        </p:txBody>
-      </p:sp>
-      <p:sp>
-        <p:nvSpPr>
-          <p:cNvPr id="7" name="Rectangle 2"/>
-          <p:cNvSpPr>
-            <a:spLocks noGrp="1" noChangeArrowheads="1"/>
-          </p:cNvSpPr>
-          <p:nvPr>
-            <p:ph type="ctrTitle" hasCustomPrompt="1"/>
-          </p:nvPr>
-        </p:nvSpPr>
-        <p:spPr>
-          <a:xfrm>
-            <a:off x="946688" y="1921457"/>
-            <a:ext cx="7239000" cy="2048540"/>
-          </a:xfrm>
-        </p:spPr>
-        <p:txBody>
-          <a:bodyPr anchor="ctr"/>
-          <a:lstStyle>
-            <a:lvl1pPr algn="ctr">
-              <a:spcAft>
-                <a:spcPts val="0"/>
-              </a:spcAft>
-              <a:defRPr sz="2100" b="1">
-                <a:solidFill>
-                  <a:schemeClr val="bg1"/>
-                </a:solidFill>
-                <a:latin typeface="Arial"/>
-                <a:cs typeface="Arial"/>
-              </a:defRPr>
-            </a:lvl1pPr>
-          </a:lstStyle>
-          <a:p>
-            <a:r>
-              <a:rPr lang="en-US" dirty="0"/>
-              <a:t>CLICK TO EDIT MASTER TITLE STYLE</a:t>
-            </a:r>
-          </a:p>
-        </p:txBody>
-      </p:sp>
-      <p:pic>
-        <p:nvPicPr>
-          <p:cNvPr id="8" name="Picture 2" descr="NAU_Acronym_Horiz_1Line_rev-3514.png">
-            <a:extLst>
-              <a:ext uri="{FF2B5EF4-FFF2-40B4-BE49-F238E27FC236}">
-                <a16:creationId xmlns:a16="http://schemas.microsoft.com/office/drawing/2014/main" id="{C42B1AFE-51D6-4146-8549-8CD89D6DF8CC}"/>
-              </a:ext>
-            </a:extLst>
-          </p:cNvPr>
-          <p:cNvPicPr>
-            <a:picLocks noChangeAspect="1" noChangeArrowheads="1"/>
-          </p:cNvPicPr>
-          <p:nvPr userDrawn="1"/>
-        </p:nvPicPr>
-        <p:blipFill>
-          <a:blip r:embed="rId2">
-            <a:extLst>
-              <a:ext uri="{28A0092B-C50C-407E-A947-70E740481C1C}">
-                <a14:useLocalDpi xmlns:a14="http://schemas.microsoft.com/office/drawing/2010/main" val="0"/>
-              </a:ext>
-            </a:extLst>
-          </a:blip>
-          <a:srcRect/>
-          <a:stretch>
-            <a:fillRect/>
-          </a:stretch>
-        </p:blipFill>
-        <p:spPr bwMode="auto">
-          <a:xfrm>
-            <a:off x="1038523" y="6142782"/>
-            <a:ext cx="7069909" cy="344904"/>
-          </a:xfrm>
-          <a:prstGeom prst="rect">
-            <a:avLst/>
-          </a:prstGeom>
-          <a:noFill/>
-          <a:extLst>
-            <a:ext uri="{909E8E84-426E-40DD-AFC4-6F175D3DCCD1}">
-              <a14:hiddenFill xmlns:a14="http://schemas.microsoft.com/office/drawing/2010/main">
-                <a:solidFill>
-                  <a:srgbClr val="FFFFFF"/>
-                </a:solidFill>
-              </a14:hiddenFill>
-            </a:ext>
-          </a:extLst>
-        </p:spPr>
-      </p:pic>
-    </p:spTree>
-    <p:extLst>
-      <p:ext uri="{BB962C8B-B14F-4D97-AF65-F5344CB8AC3E}">
-        <p14:creationId xmlns:p14="http://schemas.microsoft.com/office/powerpoint/2010/main" val="11972753"/>
-      </p:ext>
-    </p:extLst>
-  </p:cSld>
-  <p:clrMapOvr>
-    <a:masterClrMapping/>
-  </p:clrMapOvr>
-</p:sldLayout>
-</file>
-
-<file path=ppt/slideLayouts/slideLayout7.xml><?xml version="1.0" encoding="utf-8"?>
-<p:sldLayout xmlns:a="http://schemas.openxmlformats.org/drawingml/2006/main" xmlns:r="http://schemas.openxmlformats.org/officeDocument/2006/relationships" xmlns:p="http://schemas.openxmlformats.org/presentationml/2006/main" preserve="1" userDrawn="1">
-  <p:cSld name="5_Blank">
-    <p:spTree>
-      <p:nvGrpSpPr>
-        <p:cNvPr id="1" name=""/>
-        <p:cNvGrpSpPr/>
-        <p:nvPr/>
-      </p:nvGrpSpPr>
-      <p:grpSpPr>
-        <a:xfrm>
-          <a:off x="0" y="0"/>
-          <a:ext cx="0" cy="0"/>
-          <a:chOff x="0" y="0"/>
-          <a:chExt cx="0" cy="0"/>
-        </a:xfrm>
-      </p:grpSpPr>
-      <p:sp>
-        <p:nvSpPr>
-          <p:cNvPr id="5" name="Rectangle 13"/>
-          <p:cNvSpPr>
-            <a:spLocks noChangeArrowheads="1"/>
-          </p:cNvSpPr>
-          <p:nvPr userDrawn="1"/>
-        </p:nvSpPr>
-        <p:spPr bwMode="auto">
-          <a:xfrm rot="5400000">
-            <a:off x="1144478" y="-1141522"/>
-            <a:ext cx="6858000" cy="9141044"/>
-          </a:xfrm>
-          <a:prstGeom prst="rect">
-            <a:avLst/>
-          </a:prstGeom>
-          <a:solidFill>
-            <a:srgbClr val="FBCE20"/>
-          </a:solidFill>
-          <a:ln w="9525">
-            <a:noFill/>
-            <a:miter lim="800000"/>
-            <a:headEnd/>
-            <a:tailEnd/>
-          </a:ln>
-          <a:effectLst/>
-        </p:spPr>
-        <p:txBody>
-          <a:bodyPr wrap="none" anchor="ctr"/>
-          <a:lstStyle/>
-          <a:p>
-            <a:pPr eaLnBrk="0" hangingPunct="0">
-              <a:spcBef>
-                <a:spcPct val="50000"/>
-              </a:spcBef>
-              <a:defRPr/>
-            </a:pPr>
-            <a:endParaRPr lang="en-US" sz="2000"/>
-          </a:p>
-        </p:txBody>
-      </p:sp>
-      <p:sp>
-        <p:nvSpPr>
-          <p:cNvPr id="9" name="Rectangle 2"/>
-          <p:cNvSpPr>
-            <a:spLocks noGrp="1" noChangeArrowheads="1"/>
-          </p:cNvSpPr>
-          <p:nvPr>
-            <p:ph type="ctrTitle" hasCustomPrompt="1"/>
-          </p:nvPr>
-        </p:nvSpPr>
-        <p:spPr>
-          <a:xfrm>
-            <a:off x="946688" y="1921457"/>
-            <a:ext cx="7239000" cy="2048540"/>
-          </a:xfrm>
-        </p:spPr>
-        <p:txBody>
-          <a:bodyPr anchor="ctr"/>
-          <a:lstStyle>
-            <a:lvl1pPr algn="ctr">
-              <a:spcAft>
-                <a:spcPts val="0"/>
-              </a:spcAft>
-              <a:defRPr sz="2100" b="1">
-                <a:solidFill>
-                  <a:srgbClr val="003264"/>
-                </a:solidFill>
-                <a:latin typeface="Arial"/>
-                <a:cs typeface="Arial"/>
-              </a:defRPr>
-            </a:lvl1pPr>
-          </a:lstStyle>
-          <a:p>
-            <a:r>
-              <a:rPr lang="en-US" dirty="0"/>
-              <a:t>CLICK TO EDIT MASTER TITLE STYLE</a:t>
-            </a:r>
-          </a:p>
-        </p:txBody>
-      </p:sp>
-      <p:pic>
-        <p:nvPicPr>
-          <p:cNvPr id="7" name="Picture 4" descr="NAU_Acronym_horiz_1Line-281.png">
-            <a:extLst>
-              <a:ext uri="{FF2B5EF4-FFF2-40B4-BE49-F238E27FC236}">
-                <a16:creationId xmlns:a16="http://schemas.microsoft.com/office/drawing/2014/main" id="{8F1209B8-1B41-274D-B453-9A45948BE5A6}"/>
-              </a:ext>
-            </a:extLst>
-          </p:cNvPr>
-          <p:cNvPicPr>
-            <a:picLocks noChangeAspect="1" noChangeArrowheads="1"/>
-          </p:cNvPicPr>
-          <p:nvPr userDrawn="1"/>
-        </p:nvPicPr>
-        <p:blipFill>
-          <a:blip r:embed="rId2">
-            <a:extLst>
-              <a:ext uri="{28A0092B-C50C-407E-A947-70E740481C1C}">
-                <a14:useLocalDpi xmlns:a14="http://schemas.microsoft.com/office/drawing/2010/main" val="0"/>
-              </a:ext>
-            </a:extLst>
-          </a:blip>
-          <a:srcRect/>
-          <a:stretch>
-            <a:fillRect/>
-          </a:stretch>
-        </p:blipFill>
-        <p:spPr bwMode="auto">
-          <a:xfrm>
-            <a:off x="997805" y="6141515"/>
-            <a:ext cx="7122566" cy="347472"/>
-          </a:xfrm>
-          <a:prstGeom prst="rect">
-            <a:avLst/>
-          </a:prstGeom>
-          <a:noFill/>
-          <a:extLst>
-            <a:ext uri="{909E8E84-426E-40DD-AFC4-6F175D3DCCD1}">
-              <a14:hiddenFill xmlns:a14="http://schemas.microsoft.com/office/drawing/2010/main">
-                <a:solidFill>
-                  <a:srgbClr val="FFFFFF"/>
-                </a:solidFill>
-              </a14:hiddenFill>
-            </a:ext>
-          </a:extLst>
-        </p:spPr>
-      </p:pic>
-    </p:spTree>
-    <p:extLst>
-      <p:ext uri="{BB962C8B-B14F-4D97-AF65-F5344CB8AC3E}">
-        <p14:creationId xmlns:p14="http://schemas.microsoft.com/office/powerpoint/2010/main" val="588916892"/>
+        <p14:creationId xmlns:p14="http://schemas.microsoft.com/office/powerpoint/2010/main" val="2043674431"/>
       </p:ext>
     </p:extLst>
   </p:cSld>
@@ -9106,234 +8075,6 @@
 </file>
 
 <file path=ppt/slideLayouts/slideLayout8.xml><?xml version="1.0" encoding="utf-8"?>
-<p:sldLayout xmlns:a="http://schemas.openxmlformats.org/drawingml/2006/main" xmlns:r="http://schemas.openxmlformats.org/officeDocument/2006/relationships" xmlns:p="http://schemas.openxmlformats.org/presentationml/2006/main" preserve="1" userDrawn="1">
-  <p:cSld name="1_Blank">
-    <p:spTree>
-      <p:nvGrpSpPr>
-        <p:cNvPr id="1" name=""/>
-        <p:cNvGrpSpPr/>
-        <p:nvPr/>
-      </p:nvGrpSpPr>
-      <p:grpSpPr>
-        <a:xfrm>
-          <a:off x="0" y="0"/>
-          <a:ext cx="0" cy="0"/>
-          <a:chOff x="0" y="0"/>
-          <a:chExt cx="0" cy="0"/>
-        </a:xfrm>
-      </p:grpSpPr>
-      <p:sp>
-        <p:nvSpPr>
-          <p:cNvPr id="4" name="Rectangle 13"/>
-          <p:cNvSpPr>
-            <a:spLocks noChangeArrowheads="1"/>
-          </p:cNvSpPr>
-          <p:nvPr userDrawn="1"/>
-        </p:nvSpPr>
-        <p:spPr bwMode="auto">
-          <a:xfrm rot="5400000">
-            <a:off x="1144478" y="-1141521"/>
-            <a:ext cx="6858000" cy="9141044"/>
-          </a:xfrm>
-          <a:prstGeom prst="rect">
-            <a:avLst/>
-          </a:prstGeom>
-          <a:solidFill>
-            <a:schemeClr val="bg1"/>
-          </a:solidFill>
-          <a:ln w="9525">
-            <a:noFill/>
-            <a:miter lim="800000"/>
-            <a:headEnd/>
-            <a:tailEnd/>
-          </a:ln>
-          <a:effectLst/>
-        </p:spPr>
-        <p:txBody>
-          <a:bodyPr wrap="none" anchor="ctr"/>
-          <a:lstStyle/>
-          <a:p>
-            <a:pPr eaLnBrk="0" hangingPunct="0">
-              <a:spcBef>
-                <a:spcPct val="50000"/>
-              </a:spcBef>
-              <a:defRPr/>
-            </a:pPr>
-            <a:endParaRPr lang="en-US" sz="2000">
-              <a:solidFill>
-                <a:schemeClr val="bg1"/>
-              </a:solidFill>
-            </a:endParaRPr>
-          </a:p>
-        </p:txBody>
-      </p:sp>
-      <p:sp>
-        <p:nvSpPr>
-          <p:cNvPr id="5" name="Rectangle 13"/>
-          <p:cNvSpPr>
-            <a:spLocks noChangeArrowheads="1"/>
-          </p:cNvSpPr>
-          <p:nvPr userDrawn="1"/>
-        </p:nvSpPr>
-        <p:spPr bwMode="auto">
-          <a:xfrm rot="5400000">
-            <a:off x="4029445" y="1743445"/>
-            <a:ext cx="1088068" cy="9141044"/>
-          </a:xfrm>
-          <a:prstGeom prst="rect">
-            <a:avLst/>
-          </a:prstGeom>
-          <a:solidFill>
-            <a:srgbClr val="003264"/>
-          </a:solidFill>
-          <a:ln w="9525">
-            <a:noFill/>
-            <a:miter lim="800000"/>
-            <a:headEnd/>
-            <a:tailEnd/>
-          </a:ln>
-          <a:effectLst/>
-        </p:spPr>
-        <p:txBody>
-          <a:bodyPr wrap="none" anchor="ctr"/>
-          <a:lstStyle/>
-          <a:p>
-            <a:pPr eaLnBrk="0" hangingPunct="0">
-              <a:spcBef>
-                <a:spcPct val="50000"/>
-              </a:spcBef>
-              <a:defRPr/>
-            </a:pPr>
-            <a:endParaRPr lang="en-US" sz="2000"/>
-          </a:p>
-        </p:txBody>
-      </p:sp>
-      <p:sp>
-        <p:nvSpPr>
-          <p:cNvPr id="6" name="Picture Placeholder 2"/>
-          <p:cNvSpPr>
-            <a:spLocks noGrp="1"/>
-          </p:cNvSpPr>
-          <p:nvPr>
-            <p:ph type="pic" idx="1"/>
-          </p:nvPr>
-        </p:nvSpPr>
-        <p:spPr>
-          <a:xfrm>
-            <a:off x="1" y="1"/>
-            <a:ext cx="9144000" cy="5769929"/>
-          </a:xfrm>
-        </p:spPr>
-        <p:txBody>
-          <a:bodyPr anchor="ctr"/>
-          <a:lstStyle>
-            <a:lvl1pPr marL="0" indent="0" algn="ctr">
-              <a:buNone/>
-              <a:defRPr sz="3200"/>
-            </a:lvl1pPr>
-            <a:lvl2pPr marL="457189" indent="0">
-              <a:buNone/>
-              <a:defRPr sz="2800"/>
-            </a:lvl2pPr>
-            <a:lvl3pPr marL="914377" indent="0">
-              <a:buNone/>
-              <a:defRPr sz="2400"/>
-            </a:lvl3pPr>
-            <a:lvl4pPr marL="1371566" indent="0">
-              <a:buNone/>
-              <a:defRPr sz="2000"/>
-            </a:lvl4pPr>
-            <a:lvl5pPr marL="1828754" indent="0">
-              <a:buNone/>
-              <a:defRPr sz="2000"/>
-            </a:lvl5pPr>
-            <a:lvl6pPr marL="2285943" indent="0">
-              <a:buNone/>
-              <a:defRPr sz="2000"/>
-            </a:lvl6pPr>
-            <a:lvl7pPr marL="2743131" indent="0">
-              <a:buNone/>
-              <a:defRPr sz="2000"/>
-            </a:lvl7pPr>
-            <a:lvl8pPr marL="3200320" indent="0">
-              <a:buNone/>
-              <a:defRPr sz="2000"/>
-            </a:lvl8pPr>
-            <a:lvl9pPr marL="3657509" indent="0">
-              <a:buNone/>
-              <a:defRPr sz="2000"/>
-            </a:lvl9pPr>
-          </a:lstStyle>
-          <a:p>
-            <a:pPr lvl="0"/>
-            <a:r>
-              <a:rPr lang="en-US" noProof="0" dirty="0"/>
-              <a:t>Click icon to add picture</a:t>
-            </a:r>
-          </a:p>
-        </p:txBody>
-      </p:sp>
-      <p:pic>
-        <p:nvPicPr>
-          <p:cNvPr id="7" name="Picture 2" descr="NAU_Acronym_Horiz_1Line_rev-3514.png">
-            <a:extLst>
-              <a:ext uri="{FF2B5EF4-FFF2-40B4-BE49-F238E27FC236}">
-                <a16:creationId xmlns:a16="http://schemas.microsoft.com/office/drawing/2014/main" id="{0887B146-0FDD-AE40-8ED9-1F310565079F}"/>
-              </a:ext>
-            </a:extLst>
-          </p:cNvPr>
-          <p:cNvPicPr>
-            <a:picLocks noChangeAspect="1" noChangeArrowheads="1"/>
-          </p:cNvPicPr>
-          <p:nvPr userDrawn="1"/>
-        </p:nvPicPr>
-        <p:blipFill>
-          <a:blip r:embed="rId2">
-            <a:extLst>
-              <a:ext uri="{28A0092B-C50C-407E-A947-70E740481C1C}">
-                <a14:useLocalDpi xmlns:a14="http://schemas.microsoft.com/office/drawing/2010/main" val="0"/>
-              </a:ext>
-            </a:extLst>
-          </a:blip>
-          <a:srcRect/>
-          <a:stretch>
-            <a:fillRect/>
-          </a:stretch>
-        </p:blipFill>
-        <p:spPr bwMode="auto">
-          <a:xfrm>
-            <a:off x="1038523" y="6142782"/>
-            <a:ext cx="7069909" cy="344904"/>
-          </a:xfrm>
-          <a:prstGeom prst="rect">
-            <a:avLst/>
-          </a:prstGeom>
-          <a:noFill/>
-          <a:extLst>
-            <a:ext uri="{909E8E84-426E-40DD-AFC4-6F175D3DCCD1}">
-              <a14:hiddenFill xmlns:a14="http://schemas.microsoft.com/office/drawing/2010/main">
-                <a:solidFill>
-                  <a:srgbClr val="FFFFFF"/>
-                </a:solidFill>
-              </a14:hiddenFill>
-            </a:ext>
-          </a:extLst>
-        </p:spPr>
-      </p:pic>
-    </p:spTree>
-    <p:extLst>
-      <p:ext uri="{BB962C8B-B14F-4D97-AF65-F5344CB8AC3E}">
-        <p14:creationId xmlns:p14="http://schemas.microsoft.com/office/powerpoint/2010/main" val="1577442899"/>
-      </p:ext>
-    </p:extLst>
-  </p:cSld>
-  <p:clrMapOvr>
-    <a:masterClrMapping/>
-  </p:clrMapOvr>
-</p:sldLayout>
-</file>
-
-<file path=ppt/slideLayouts/slideLayout9.xml><?xml version="1.0" encoding="utf-8"?>
 <p:sldLayout xmlns:a="http://schemas.openxmlformats.org/drawingml/2006/main" xmlns:r="http://schemas.openxmlformats.org/officeDocument/2006/relationships" xmlns:p="http://schemas.openxmlformats.org/presentationml/2006/main" type="obj" preserve="1">
   <p:cSld name="Title and Content">
     <p:spTree>
@@ -9436,7 +8177,7 @@
             <a:lvl1pPr>
               <a:defRPr sz="2800" cap="small" baseline="0">
                 <a:solidFill>
-                  <a:schemeClr val="bg1"/>
+                  <a:schemeClr val="tx1"/>
                 </a:solidFill>
                 <a:latin typeface="Arial"/>
                 <a:cs typeface="Arial"/>
@@ -9617,6 +8358,334 @@
         </p:txBody>
       </p:sp>
     </p:spTree>
+    <p:extLst>
+      <p:ext uri="{BB962C8B-B14F-4D97-AF65-F5344CB8AC3E}">
+        <p14:creationId xmlns:p14="http://schemas.microsoft.com/office/powerpoint/2010/main" val="1396549202"/>
+      </p:ext>
+    </p:extLst>
+  </p:cSld>
+  <p:clrMapOvr>
+    <a:masterClrMapping/>
+  </p:clrMapOvr>
+</p:sldLayout>
+</file>
+
+<file path=ppt/slideLayouts/slideLayout9.xml><?xml version="1.0" encoding="utf-8"?>
+<p:sldLayout xmlns:a="http://schemas.openxmlformats.org/drawingml/2006/main" xmlns:r="http://schemas.openxmlformats.org/officeDocument/2006/relationships" xmlns:p="http://schemas.openxmlformats.org/presentationml/2006/main" type="obj" preserve="1">
+  <p:cSld name="1_Title and Content">
+    <p:spTree>
+      <p:nvGrpSpPr>
+        <p:cNvPr id="1" name=""/>
+        <p:cNvGrpSpPr/>
+        <p:nvPr/>
+      </p:nvGrpSpPr>
+      <p:grpSpPr>
+        <a:xfrm>
+          <a:off x="0" y="0"/>
+          <a:ext cx="0" cy="0"/>
+          <a:chOff x="0" y="0"/>
+          <a:chExt cx="0" cy="0"/>
+        </a:xfrm>
+      </p:grpSpPr>
+      <p:sp>
+        <p:nvSpPr>
+          <p:cNvPr id="7" name="Rectangle 6"/>
+          <p:cNvSpPr/>
+          <p:nvPr userDrawn="1"/>
+        </p:nvSpPr>
+        <p:spPr bwMode="auto">
+          <a:xfrm>
+            <a:off x="0" y="1151819"/>
+            <a:ext cx="9144000" cy="400110"/>
+          </a:xfrm>
+          <a:prstGeom prst="rect">
+            <a:avLst/>
+          </a:prstGeom>
+          <a:solidFill>
+            <a:schemeClr val="bg1"/>
+          </a:solidFill>
+          <a:ln w="9525" cap="flat" cmpd="sng" algn="ctr">
+            <a:noFill/>
+            <a:prstDash val="solid"/>
+            <a:round/>
+            <a:headEnd type="none" w="med" len="med"/>
+            <a:tailEnd type="none" w="med" len="med"/>
+          </a:ln>
+          <a:effectLst/>
+        </p:spPr>
+        <p:txBody>
+          <a:bodyPr vert="horz" wrap="square" lIns="91440" tIns="45720" rIns="91440" bIns="45720" numCol="1" rtlCol="0" anchor="t" anchorCtr="0" compatLnSpc="1">
+            <a:prstTxWarp prst="textNoShape">
+              <a:avLst/>
+            </a:prstTxWarp>
+            <a:spAutoFit/>
+          </a:bodyPr>
+          <a:lstStyle/>
+          <a:p>
+            <a:pPr marL="0" marR="0" indent="0" algn="l" defTabSz="914377" rtl="0" eaLnBrk="0" fontAlgn="base" latinLnBrk="0" hangingPunct="0">
+              <a:lnSpc>
+                <a:spcPct val="100000"/>
+              </a:lnSpc>
+              <a:spcBef>
+                <a:spcPct val="50000"/>
+              </a:spcBef>
+              <a:spcAft>
+                <a:spcPct val="0"/>
+              </a:spcAft>
+              <a:buClrTx/>
+              <a:buSzTx/>
+              <a:buFontTx/>
+              <a:buNone/>
+              <a:tabLst/>
+            </a:pPr>
+            <a:endParaRPr kumimoji="0" lang="en-US" sz="2000" b="0" i="0" u="none" strike="noStrike" cap="none" normalizeH="0" baseline="0">
+              <a:ln>
+                <a:noFill/>
+              </a:ln>
+              <a:solidFill>
+                <a:schemeClr val="tx1"/>
+              </a:solidFill>
+              <a:effectLst/>
+              <a:latin typeface="Arial" charset="0"/>
+            </a:endParaRPr>
+          </a:p>
+        </p:txBody>
+      </p:sp>
+      <p:sp>
+        <p:nvSpPr>
+          <p:cNvPr id="2" name="Title 1"/>
+          <p:cNvSpPr>
+            <a:spLocks noGrp="1"/>
+          </p:cNvSpPr>
+          <p:nvPr>
+            <p:ph type="title" hasCustomPrompt="1"/>
+          </p:nvPr>
+        </p:nvSpPr>
+        <p:spPr>
+          <a:xfrm>
+            <a:off x="457200" y="147287"/>
+            <a:ext cx="8305800" cy="990600"/>
+          </a:xfrm>
+        </p:spPr>
+        <p:txBody>
+          <a:bodyPr anchor="ctr"/>
+          <a:lstStyle>
+            <a:lvl1pPr>
+              <a:defRPr sz="2800" cap="small" baseline="0">
+                <a:solidFill>
+                  <a:schemeClr val="tx1"/>
+                </a:solidFill>
+                <a:latin typeface="Arial"/>
+                <a:cs typeface="Arial"/>
+              </a:defRPr>
+            </a:lvl1pPr>
+          </a:lstStyle>
+          <a:p>
+            <a:r>
+              <a:rPr lang="en-US" dirty="0"/>
+              <a:t>CLICK TO EDIT MASTER TITLE STYLE</a:t>
+            </a:r>
+          </a:p>
+        </p:txBody>
+      </p:sp>
+      <p:sp>
+        <p:nvSpPr>
+          <p:cNvPr id="3" name="Content Placeholder 2"/>
+          <p:cNvSpPr>
+            <a:spLocks noGrp="1"/>
+          </p:cNvSpPr>
+          <p:nvPr>
+            <p:ph idx="1"/>
+          </p:nvPr>
+        </p:nvSpPr>
+        <p:spPr>
+          <a:xfrm>
+            <a:off x="457200" y="1358555"/>
+            <a:ext cx="8305800" cy="5001061"/>
+          </a:xfrm>
+        </p:spPr>
+        <p:txBody>
+          <a:bodyPr/>
+          <a:lstStyle>
+            <a:lvl1pPr>
+              <a:buClr>
+                <a:srgbClr val="003264"/>
+              </a:buClr>
+              <a:buFont typeface="Arial"/>
+              <a:buChar char="•"/>
+              <a:defRPr baseline="0">
+                <a:solidFill>
+                  <a:srgbClr val="003D7C"/>
+                </a:solidFill>
+              </a:defRPr>
+            </a:lvl1pPr>
+            <a:lvl2pPr>
+              <a:defRPr baseline="0">
+                <a:solidFill>
+                  <a:srgbClr val="0070C0"/>
+                </a:solidFill>
+              </a:defRPr>
+            </a:lvl2pPr>
+            <a:lvl3pPr>
+              <a:defRPr>
+                <a:solidFill>
+                  <a:srgbClr val="0070C0"/>
+                </a:solidFill>
+              </a:defRPr>
+            </a:lvl3pPr>
+            <a:lvl4pPr>
+              <a:defRPr baseline="0">
+                <a:solidFill>
+                  <a:srgbClr val="0070C0"/>
+                </a:solidFill>
+              </a:defRPr>
+            </a:lvl4pPr>
+            <a:lvl5pPr>
+              <a:defRPr>
+                <a:solidFill>
+                  <a:srgbClr val="0070C0"/>
+                </a:solidFill>
+              </a:defRPr>
+            </a:lvl5pPr>
+          </a:lstStyle>
+          <a:p>
+            <a:pPr lvl="0"/>
+            <a:r>
+              <a:rPr lang="en-US" dirty="0"/>
+              <a:t>Click to edit Master text styles</a:t>
+            </a:r>
+          </a:p>
+          <a:p>
+            <a:pPr lvl="1"/>
+            <a:r>
+              <a:rPr lang="en-US" dirty="0"/>
+              <a:t>Second level</a:t>
+            </a:r>
+          </a:p>
+          <a:p>
+            <a:pPr lvl="2"/>
+            <a:r>
+              <a:rPr lang="en-US" dirty="0"/>
+              <a:t>Third level</a:t>
+            </a:r>
+          </a:p>
+          <a:p>
+            <a:pPr lvl="3"/>
+            <a:r>
+              <a:rPr lang="en-US" dirty="0"/>
+              <a:t>Fourth level</a:t>
+            </a:r>
+          </a:p>
+          <a:p>
+            <a:pPr lvl="4"/>
+            <a:r>
+              <a:rPr lang="en-US" dirty="0"/>
+              <a:t>Fifth level</a:t>
+            </a:r>
+          </a:p>
+        </p:txBody>
+      </p:sp>
+      <p:sp>
+        <p:nvSpPr>
+          <p:cNvPr id="4" name="Rectangle 4"/>
+          <p:cNvSpPr>
+            <a:spLocks noGrp="1" noChangeArrowheads="1"/>
+          </p:cNvSpPr>
+          <p:nvPr>
+            <p:ph type="dt" sz="half" idx="10"/>
+          </p:nvPr>
+        </p:nvSpPr>
+        <p:spPr>
+          <a:ln/>
+        </p:spPr>
+        <p:txBody>
+          <a:bodyPr/>
+          <a:lstStyle>
+            <a:lvl1pPr>
+              <a:defRPr>
+                <a:latin typeface="Arial Hebrew Scholar" charset="-79"/>
+                <a:ea typeface="Arial Hebrew Scholar" charset="-79"/>
+                <a:cs typeface="Arial Hebrew Scholar" charset="-79"/>
+              </a:defRPr>
+            </a:lvl1pPr>
+          </a:lstStyle>
+          <a:p>
+            <a:pPr>
+              <a:defRPr/>
+            </a:pPr>
+            <a:endParaRPr lang="en-US" dirty="0"/>
+          </a:p>
+        </p:txBody>
+      </p:sp>
+      <p:sp>
+        <p:nvSpPr>
+          <p:cNvPr id="5" name="Rectangle 5"/>
+          <p:cNvSpPr>
+            <a:spLocks noGrp="1" noChangeArrowheads="1"/>
+          </p:cNvSpPr>
+          <p:nvPr>
+            <p:ph type="ftr" sz="quarter" idx="11"/>
+          </p:nvPr>
+        </p:nvSpPr>
+        <p:spPr>
+          <a:ln/>
+        </p:spPr>
+        <p:txBody>
+          <a:bodyPr/>
+          <a:lstStyle>
+            <a:lvl1pPr>
+              <a:defRPr/>
+            </a:lvl1pPr>
+          </a:lstStyle>
+          <a:p>
+            <a:pPr>
+              <a:defRPr/>
+            </a:pPr>
+            <a:endParaRPr lang="en-US"/>
+          </a:p>
+        </p:txBody>
+      </p:sp>
+      <p:sp>
+        <p:nvSpPr>
+          <p:cNvPr id="6" name="Rectangle 6"/>
+          <p:cNvSpPr>
+            <a:spLocks noGrp="1" noChangeArrowheads="1"/>
+          </p:cNvSpPr>
+          <p:nvPr>
+            <p:ph type="sldNum" sz="quarter" idx="12"/>
+          </p:nvPr>
+        </p:nvSpPr>
+        <p:spPr>
+          <a:ln/>
+        </p:spPr>
+        <p:txBody>
+          <a:bodyPr/>
+          <a:lstStyle>
+            <a:lvl1pPr>
+              <a:defRPr/>
+            </a:lvl1pPr>
+          </a:lstStyle>
+          <a:p>
+            <a:pPr>
+              <a:defRPr/>
+            </a:pPr>
+            <a:fld id="{3464530E-D695-45C9-AFB6-E411BBE0972A}" type="slidenum">
+              <a:rPr lang="en-US"/>
+              <a:pPr>
+                <a:defRPr/>
+              </a:pPr>
+              <a:t>‹#›</a:t>
+            </a:fld>
+            <a:endParaRPr lang="en-US"/>
+          </a:p>
+        </p:txBody>
+      </p:sp>
+    </p:spTree>
+    <p:extLst>
+      <p:ext uri="{BB962C8B-B14F-4D97-AF65-F5344CB8AC3E}">
+        <p14:creationId xmlns:p14="http://schemas.microsoft.com/office/powerpoint/2010/main" val="137833827"/>
+      </p:ext>
+    </p:extLst>
   </p:cSld>
   <p:clrMapOvr>
     <a:masterClrMapping/>
@@ -9625,7 +8694,7 @@
 </file>
 
 <file path=ppt/slideMasters/slideMaster1.xml><?xml version="1.0" encoding="utf-8"?>
-<p:sldMaster xmlns:a="http://schemas.openxmlformats.org/drawingml/2006/main" xmlns:r="http://schemas.openxmlformats.org/officeDocument/2006/relationships" xmlns:p="http://schemas.openxmlformats.org/presentationml/2006/main">
+<p:sldMaster xmlns:a="http://schemas.openxmlformats.org/drawingml/2006/main" xmlns:r="http://schemas.openxmlformats.org/officeDocument/2006/relationships" xmlns:p="http://schemas.openxmlformats.org/presentationml/2006/main" preserve="1">
   <p:cSld>
     <p:bg>
       <p:bgPr>
@@ -9666,7 +8735,7 @@
             <a:avLst/>
           </a:prstGeom>
           <a:solidFill>
-            <a:srgbClr val="FBCE20"/>
+            <a:srgbClr val="003264"/>
           </a:solidFill>
           <a:ln w="9525">
             <a:noFill/>
@@ -9707,7 +8776,7 @@
             <a:avLst/>
           </a:prstGeom>
           <a:solidFill>
-            <a:srgbClr val="003264"/>
+            <a:srgbClr val="FBCE20"/>
           </a:solidFill>
           <a:ln w="9525">
             <a:noFill/>
@@ -9883,11 +8952,10 @@
               </a:spcBef>
               <a:defRPr sz="800" b="1" i="0" u="none" kern="1500" cap="all" spc="1500">
                 <a:solidFill>
-                  <a:srgbClr val="003264"/>
+                  <a:schemeClr val="bg1"/>
                 </a:solidFill>
-                <a:latin typeface="Arial" charset="0"/>
-                <a:ea typeface="Arial" charset="0"/>
-                <a:cs typeface="Arial" charset="0"/>
+                <a:latin typeface="Rial"/>
+                <a:cs typeface="Rial"/>
               </a:defRPr>
             </a:lvl1pPr>
           </a:lstStyle>
@@ -9939,7 +9007,7 @@
               </a:spcBef>
               <a:defRPr sz="800" b="1" i="0" u="none" kern="1500" cap="all" spc="1500">
                 <a:solidFill>
-                  <a:srgbClr val="003264"/>
+                  <a:schemeClr val="bg1"/>
                 </a:solidFill>
                 <a:latin typeface="Arial" charset="0"/>
                 <a:ea typeface="Arial" charset="0"/>
@@ -9995,7 +9063,7 @@
               </a:spcBef>
               <a:defRPr sz="900" b="1" i="0" u="none" cap="all">
                 <a:solidFill>
-                  <a:srgbClr val="003264"/>
+                  <a:schemeClr val="bg1"/>
                 </a:solidFill>
                 <a:latin typeface="Rial"/>
                 <a:cs typeface="Rial"/>
@@ -10068,845 +9136,6 @@
         </p:spPr>
       </p:cxnSp>
     </p:spTree>
-  </p:cSld>
-  <p:clrMap bg1="lt1" tx1="dk1" bg2="lt2" tx2="dk2" accent1="accent1" accent2="accent2" accent3="accent3" accent4="accent4" accent5="accent5" accent6="accent6" hlink="hlink" folHlink="folHlink"/>
-  <p:sldLayoutIdLst>
-    <p:sldLayoutId id="2147483800" r:id="rId1"/>
-    <p:sldLayoutId id="2147483768" r:id="rId2"/>
-    <p:sldLayoutId id="2147483796" r:id="rId3"/>
-    <p:sldLayoutId id="2147483745" r:id="rId4"/>
-    <p:sldLayoutId id="2147483774" r:id="rId5"/>
-    <p:sldLayoutId id="2147483771" r:id="rId6"/>
-    <p:sldLayoutId id="2147483798" r:id="rId7"/>
-    <p:sldLayoutId id="2147483770" r:id="rId8"/>
-    <p:sldLayoutId id="2147483740" r:id="rId9"/>
-    <p:sldLayoutId id="2147483763" r:id="rId10"/>
-    <p:sldLayoutId id="2147483742" r:id="rId11"/>
-    <p:sldLayoutId id="2147483752" r:id="rId12"/>
-    <p:sldLayoutId id="2147483750" r:id="rId13"/>
-    <p:sldLayoutId id="2147483751" r:id="rId14"/>
-    <p:sldLayoutId id="2147483747" r:id="rId15"/>
-  </p:sldLayoutIdLst>
-  <p:hf hdr="0" ftr="0" dt="0"/>
-  <p:txStyles>
-    <p:titleStyle>
-      <a:lvl1pPr algn="ctr" rtl="0" eaLnBrk="1" fontAlgn="base" hangingPunct="1">
-        <a:spcBef>
-          <a:spcPct val="0"/>
-        </a:spcBef>
-        <a:spcAft>
-          <a:spcPct val="0"/>
-        </a:spcAft>
-        <a:defRPr sz="2800" b="1" cap="all">
-          <a:solidFill>
-            <a:schemeClr val="bg1"/>
-          </a:solidFill>
-          <a:latin typeface="Arial"/>
-          <a:ea typeface="+mj-ea"/>
-          <a:cs typeface="Arial"/>
-        </a:defRPr>
-      </a:lvl1pPr>
-      <a:lvl2pPr algn="ctr" rtl="0" eaLnBrk="1" fontAlgn="base" hangingPunct="1">
-        <a:spcBef>
-          <a:spcPct val="0"/>
-        </a:spcBef>
-        <a:spcAft>
-          <a:spcPct val="0"/>
-        </a:spcAft>
-        <a:defRPr sz="4400">
-          <a:solidFill>
-            <a:srgbClr val="003D7C"/>
-          </a:solidFill>
-          <a:latin typeface="Calibri" pitchFamily="34" charset="0"/>
-        </a:defRPr>
-      </a:lvl2pPr>
-      <a:lvl3pPr algn="ctr" rtl="0" eaLnBrk="1" fontAlgn="base" hangingPunct="1">
-        <a:spcBef>
-          <a:spcPct val="0"/>
-        </a:spcBef>
-        <a:spcAft>
-          <a:spcPct val="0"/>
-        </a:spcAft>
-        <a:defRPr sz="4400">
-          <a:solidFill>
-            <a:srgbClr val="003D7C"/>
-          </a:solidFill>
-          <a:latin typeface="Calibri" pitchFamily="34" charset="0"/>
-        </a:defRPr>
-      </a:lvl3pPr>
-      <a:lvl4pPr algn="ctr" rtl="0" eaLnBrk="1" fontAlgn="base" hangingPunct="1">
-        <a:spcBef>
-          <a:spcPct val="0"/>
-        </a:spcBef>
-        <a:spcAft>
-          <a:spcPct val="0"/>
-        </a:spcAft>
-        <a:defRPr sz="4400">
-          <a:solidFill>
-            <a:srgbClr val="003D7C"/>
-          </a:solidFill>
-          <a:latin typeface="Calibri" pitchFamily="34" charset="0"/>
-        </a:defRPr>
-      </a:lvl4pPr>
-      <a:lvl5pPr algn="ctr" rtl="0" eaLnBrk="1" fontAlgn="base" hangingPunct="1">
-        <a:spcBef>
-          <a:spcPct val="0"/>
-        </a:spcBef>
-        <a:spcAft>
-          <a:spcPct val="0"/>
-        </a:spcAft>
-        <a:defRPr sz="4400">
-          <a:solidFill>
-            <a:srgbClr val="003D7C"/>
-          </a:solidFill>
-          <a:latin typeface="Calibri" pitchFamily="34" charset="0"/>
-        </a:defRPr>
-      </a:lvl5pPr>
-      <a:lvl6pPr marL="457189" algn="ctr" rtl="0" eaLnBrk="1" fontAlgn="base" hangingPunct="1">
-        <a:spcBef>
-          <a:spcPct val="0"/>
-        </a:spcBef>
-        <a:spcAft>
-          <a:spcPct val="0"/>
-        </a:spcAft>
-        <a:defRPr sz="4400">
-          <a:solidFill>
-            <a:srgbClr val="003D7C"/>
-          </a:solidFill>
-          <a:latin typeface="Arial" charset="0"/>
-        </a:defRPr>
-      </a:lvl6pPr>
-      <a:lvl7pPr marL="914377" algn="ctr" rtl="0" eaLnBrk="1" fontAlgn="base" hangingPunct="1">
-        <a:spcBef>
-          <a:spcPct val="0"/>
-        </a:spcBef>
-        <a:spcAft>
-          <a:spcPct val="0"/>
-        </a:spcAft>
-        <a:defRPr sz="4400">
-          <a:solidFill>
-            <a:srgbClr val="003D7C"/>
-          </a:solidFill>
-          <a:latin typeface="Arial" charset="0"/>
-        </a:defRPr>
-      </a:lvl7pPr>
-      <a:lvl8pPr marL="1371566" algn="ctr" rtl="0" eaLnBrk="1" fontAlgn="base" hangingPunct="1">
-        <a:spcBef>
-          <a:spcPct val="0"/>
-        </a:spcBef>
-        <a:spcAft>
-          <a:spcPct val="0"/>
-        </a:spcAft>
-        <a:defRPr sz="4400">
-          <a:solidFill>
-            <a:srgbClr val="003D7C"/>
-          </a:solidFill>
-          <a:latin typeface="Arial" charset="0"/>
-        </a:defRPr>
-      </a:lvl8pPr>
-      <a:lvl9pPr marL="1828754" algn="ctr" rtl="0" eaLnBrk="1" fontAlgn="base" hangingPunct="1">
-        <a:spcBef>
-          <a:spcPct val="0"/>
-        </a:spcBef>
-        <a:spcAft>
-          <a:spcPct val="0"/>
-        </a:spcAft>
-        <a:defRPr sz="4400">
-          <a:solidFill>
-            <a:srgbClr val="003D7C"/>
-          </a:solidFill>
-          <a:latin typeface="Arial" charset="0"/>
-        </a:defRPr>
-      </a:lvl9pPr>
-    </p:titleStyle>
-    <p:bodyStyle>
-      <a:lvl1pPr marL="342891" indent="-342891" algn="l" rtl="0" eaLnBrk="1" fontAlgn="base" hangingPunct="1">
-        <a:spcBef>
-          <a:spcPct val="20000"/>
-        </a:spcBef>
-        <a:spcAft>
-          <a:spcPct val="0"/>
-        </a:spcAft>
-        <a:buClr>
-          <a:srgbClr val="003264"/>
-        </a:buClr>
-        <a:buChar char="•"/>
-        <a:defRPr sz="2100">
-          <a:solidFill>
-            <a:srgbClr val="003264"/>
-          </a:solidFill>
-          <a:latin typeface="Arial"/>
-          <a:ea typeface="+mn-ea"/>
-          <a:cs typeface="Arial"/>
-        </a:defRPr>
-      </a:lvl1pPr>
-      <a:lvl2pPr marL="742932" indent="-285744" algn="l" rtl="0" eaLnBrk="1" fontAlgn="base" hangingPunct="1">
-        <a:spcBef>
-          <a:spcPct val="20000"/>
-        </a:spcBef>
-        <a:spcAft>
-          <a:spcPct val="0"/>
-        </a:spcAft>
-        <a:buChar char="–"/>
-        <a:defRPr sz="1800" b="1">
-          <a:solidFill>
-            <a:srgbClr val="003264"/>
-          </a:solidFill>
-          <a:latin typeface="Arial"/>
-          <a:cs typeface="Arial"/>
-        </a:defRPr>
-      </a:lvl2pPr>
-      <a:lvl3pPr marL="1142971" indent="-228594" algn="l" rtl="0" eaLnBrk="1" fontAlgn="base" hangingPunct="1">
-        <a:spcBef>
-          <a:spcPct val="20000"/>
-        </a:spcBef>
-        <a:spcAft>
-          <a:spcPct val="0"/>
-        </a:spcAft>
-        <a:buChar char="•"/>
-        <a:defRPr sz="1800" i="0">
-          <a:solidFill>
-            <a:srgbClr val="003264"/>
-          </a:solidFill>
-          <a:latin typeface="Arial"/>
-          <a:cs typeface="Arial"/>
-        </a:defRPr>
-      </a:lvl3pPr>
-      <a:lvl4pPr marL="1600160" indent="-228594" algn="l" rtl="0" eaLnBrk="1" fontAlgn="base" hangingPunct="1">
-        <a:spcBef>
-          <a:spcPct val="20000"/>
-        </a:spcBef>
-        <a:spcAft>
-          <a:spcPct val="0"/>
-        </a:spcAft>
-        <a:buChar char="–"/>
-        <a:defRPr sz="1600">
-          <a:solidFill>
-            <a:srgbClr val="003264"/>
-          </a:solidFill>
-          <a:latin typeface="Arial"/>
-          <a:cs typeface="Arial"/>
-        </a:defRPr>
-      </a:lvl4pPr>
-      <a:lvl5pPr marL="2057349" indent="-228594" algn="l" rtl="0" eaLnBrk="1" fontAlgn="base" hangingPunct="1">
-        <a:spcBef>
-          <a:spcPct val="20000"/>
-        </a:spcBef>
-        <a:spcAft>
-          <a:spcPct val="0"/>
-        </a:spcAft>
-        <a:buChar char="»"/>
-        <a:defRPr sz="1400">
-          <a:solidFill>
-            <a:srgbClr val="003264"/>
-          </a:solidFill>
-          <a:latin typeface="Arial"/>
-          <a:cs typeface="Arial"/>
-        </a:defRPr>
-      </a:lvl5pPr>
-      <a:lvl6pPr marL="2514537" indent="-228594" algn="l" rtl="0" eaLnBrk="1" fontAlgn="base" hangingPunct="1">
-        <a:spcBef>
-          <a:spcPct val="20000"/>
-        </a:spcBef>
-        <a:spcAft>
-          <a:spcPct val="0"/>
-        </a:spcAft>
-        <a:buChar char="»"/>
-        <a:defRPr sz="2000">
-          <a:solidFill>
-            <a:srgbClr val="003D7C"/>
-          </a:solidFill>
-          <a:latin typeface="+mn-lt"/>
-        </a:defRPr>
-      </a:lvl6pPr>
-      <a:lvl7pPr marL="2971726" indent="-228594" algn="l" rtl="0" eaLnBrk="1" fontAlgn="base" hangingPunct="1">
-        <a:spcBef>
-          <a:spcPct val="20000"/>
-        </a:spcBef>
-        <a:spcAft>
-          <a:spcPct val="0"/>
-        </a:spcAft>
-        <a:buChar char="»"/>
-        <a:defRPr sz="2000">
-          <a:solidFill>
-            <a:srgbClr val="003D7C"/>
-          </a:solidFill>
-          <a:latin typeface="+mn-lt"/>
-        </a:defRPr>
-      </a:lvl7pPr>
-      <a:lvl8pPr marL="3428914" indent="-228594" algn="l" rtl="0" eaLnBrk="1" fontAlgn="base" hangingPunct="1">
-        <a:spcBef>
-          <a:spcPct val="20000"/>
-        </a:spcBef>
-        <a:spcAft>
-          <a:spcPct val="0"/>
-        </a:spcAft>
-        <a:buChar char="»"/>
-        <a:defRPr sz="2000">
-          <a:solidFill>
-            <a:srgbClr val="003D7C"/>
-          </a:solidFill>
-          <a:latin typeface="+mn-lt"/>
-        </a:defRPr>
-      </a:lvl8pPr>
-      <a:lvl9pPr marL="3886103" indent="-228594" algn="l" rtl="0" eaLnBrk="1" fontAlgn="base" hangingPunct="1">
-        <a:spcBef>
-          <a:spcPct val="20000"/>
-        </a:spcBef>
-        <a:spcAft>
-          <a:spcPct val="0"/>
-        </a:spcAft>
-        <a:buChar char="»"/>
-        <a:defRPr sz="2000">
-          <a:solidFill>
-            <a:srgbClr val="003D7C"/>
-          </a:solidFill>
-          <a:latin typeface="+mn-lt"/>
-        </a:defRPr>
-      </a:lvl9pPr>
-    </p:bodyStyle>
-    <p:otherStyle>
-      <a:defPPr>
-        <a:defRPr lang="en-US"/>
-      </a:defPPr>
-      <a:lvl1pPr marL="0" algn="l" defTabSz="914377" rtl="0" eaLnBrk="1" latinLnBrk="0" hangingPunct="1">
-        <a:defRPr sz="1800" kern="1200">
-          <a:solidFill>
-            <a:schemeClr val="tx1"/>
-          </a:solidFill>
-          <a:latin typeface="+mn-lt"/>
-          <a:ea typeface="+mn-ea"/>
-          <a:cs typeface="+mn-cs"/>
-        </a:defRPr>
-      </a:lvl1pPr>
-      <a:lvl2pPr marL="457189" algn="l" defTabSz="914377" rtl="0" eaLnBrk="1" latinLnBrk="0" hangingPunct="1">
-        <a:defRPr sz="1800" kern="1200">
-          <a:solidFill>
-            <a:schemeClr val="tx1"/>
-          </a:solidFill>
-          <a:latin typeface="+mn-lt"/>
-          <a:ea typeface="+mn-ea"/>
-          <a:cs typeface="+mn-cs"/>
-        </a:defRPr>
-      </a:lvl2pPr>
-      <a:lvl3pPr marL="914377" algn="l" defTabSz="914377" rtl="0" eaLnBrk="1" latinLnBrk="0" hangingPunct="1">
-        <a:defRPr sz="1800" kern="1200">
-          <a:solidFill>
-            <a:schemeClr val="tx1"/>
-          </a:solidFill>
-          <a:latin typeface="+mn-lt"/>
-          <a:ea typeface="+mn-ea"/>
-          <a:cs typeface="+mn-cs"/>
-        </a:defRPr>
-      </a:lvl3pPr>
-      <a:lvl4pPr marL="1371566" algn="l" defTabSz="914377" rtl="0" eaLnBrk="1" latinLnBrk="0" hangingPunct="1">
-        <a:defRPr sz="1800" kern="1200">
-          <a:solidFill>
-            <a:schemeClr val="tx1"/>
-          </a:solidFill>
-          <a:latin typeface="+mn-lt"/>
-          <a:ea typeface="+mn-ea"/>
-          <a:cs typeface="+mn-cs"/>
-        </a:defRPr>
-      </a:lvl4pPr>
-      <a:lvl5pPr marL="1828754" algn="l" defTabSz="914377" rtl="0" eaLnBrk="1" latinLnBrk="0" hangingPunct="1">
-        <a:defRPr sz="1800" kern="1200">
-          <a:solidFill>
-            <a:schemeClr val="tx1"/>
-          </a:solidFill>
-          <a:latin typeface="+mn-lt"/>
-          <a:ea typeface="+mn-ea"/>
-          <a:cs typeface="+mn-cs"/>
-        </a:defRPr>
-      </a:lvl5pPr>
-      <a:lvl6pPr marL="2285943" algn="l" defTabSz="914377" rtl="0" eaLnBrk="1" latinLnBrk="0" hangingPunct="1">
-        <a:defRPr sz="1800" kern="1200">
-          <a:solidFill>
-            <a:schemeClr val="tx1"/>
-          </a:solidFill>
-          <a:latin typeface="+mn-lt"/>
-          <a:ea typeface="+mn-ea"/>
-          <a:cs typeface="+mn-cs"/>
-        </a:defRPr>
-      </a:lvl6pPr>
-      <a:lvl7pPr marL="2743131" algn="l" defTabSz="914377" rtl="0" eaLnBrk="1" latinLnBrk="0" hangingPunct="1">
-        <a:defRPr sz="1800" kern="1200">
-          <a:solidFill>
-            <a:schemeClr val="tx1"/>
-          </a:solidFill>
-          <a:latin typeface="+mn-lt"/>
-          <a:ea typeface="+mn-ea"/>
-          <a:cs typeface="+mn-cs"/>
-        </a:defRPr>
-      </a:lvl7pPr>
-      <a:lvl8pPr marL="3200320" algn="l" defTabSz="914377" rtl="0" eaLnBrk="1" latinLnBrk="0" hangingPunct="1">
-        <a:defRPr sz="1800" kern="1200">
-          <a:solidFill>
-            <a:schemeClr val="tx1"/>
-          </a:solidFill>
-          <a:latin typeface="+mn-lt"/>
-          <a:ea typeface="+mn-ea"/>
-          <a:cs typeface="+mn-cs"/>
-        </a:defRPr>
-      </a:lvl8pPr>
-      <a:lvl9pPr marL="3657509" algn="l" defTabSz="914377" rtl="0" eaLnBrk="1" latinLnBrk="0" hangingPunct="1">
-        <a:defRPr sz="1800" kern="1200">
-          <a:solidFill>
-            <a:schemeClr val="tx1"/>
-          </a:solidFill>
-          <a:latin typeface="+mn-lt"/>
-          <a:ea typeface="+mn-ea"/>
-          <a:cs typeface="+mn-cs"/>
-        </a:defRPr>
-      </a:lvl9pPr>
-    </p:otherStyle>
-  </p:txStyles>
-</p:sldMaster>
-</file>
-
-<file path=ppt/slideMasters/slideMaster2.xml><?xml version="1.0" encoding="utf-8"?>
-<p:sldMaster xmlns:a="http://schemas.openxmlformats.org/drawingml/2006/main" xmlns:r="http://schemas.openxmlformats.org/officeDocument/2006/relationships" xmlns:p="http://schemas.openxmlformats.org/presentationml/2006/main" preserve="1">
-  <p:cSld>
-    <p:bg>
-      <p:bgPr>
-        <a:solidFill>
-          <a:schemeClr val="bg1"/>
-        </a:solidFill>
-        <a:effectLst/>
-      </p:bgPr>
-    </p:bg>
-    <p:spTree>
-      <p:nvGrpSpPr>
-        <p:cNvPr id="1" name=""/>
-        <p:cNvGrpSpPr/>
-        <p:nvPr/>
-      </p:nvGrpSpPr>
-      <p:grpSpPr>
-        <a:xfrm>
-          <a:off x="0" y="0"/>
-          <a:ext cx="0" cy="0"/>
-          <a:chOff x="0" y="0"/>
-          <a:chExt cx="0" cy="0"/>
-        </a:xfrm>
-      </p:grpSpPr>
-      <p:sp>
-        <p:nvSpPr>
-          <p:cNvPr id="12" name="Rectangle 13"/>
-          <p:cNvSpPr>
-            <a:spLocks noChangeArrowheads="1"/>
-          </p:cNvSpPr>
-          <p:nvPr userDrawn="1"/>
-        </p:nvSpPr>
-        <p:spPr bwMode="auto">
-          <a:xfrm rot="5400000">
-            <a:off x="4303822" y="2020778"/>
-            <a:ext cx="533400" cy="9141044"/>
-          </a:xfrm>
-          <a:prstGeom prst="rect">
-            <a:avLst/>
-          </a:prstGeom>
-          <a:solidFill>
-            <a:srgbClr val="003264"/>
-          </a:solidFill>
-          <a:ln w="9525">
-            <a:noFill/>
-            <a:miter lim="800000"/>
-            <a:headEnd/>
-            <a:tailEnd/>
-          </a:ln>
-          <a:effectLst/>
-        </p:spPr>
-        <p:txBody>
-          <a:bodyPr wrap="none" anchor="ctr"/>
-          <a:lstStyle/>
-          <a:p>
-            <a:pPr eaLnBrk="0" hangingPunct="0">
-              <a:spcBef>
-                <a:spcPct val="50000"/>
-              </a:spcBef>
-              <a:defRPr/>
-            </a:pPr>
-            <a:endParaRPr lang="en-US" sz="2000"/>
-          </a:p>
-        </p:txBody>
-      </p:sp>
-      <p:sp>
-        <p:nvSpPr>
-          <p:cNvPr id="11" name="Rectangle 13"/>
-          <p:cNvSpPr>
-            <a:spLocks noChangeArrowheads="1"/>
-          </p:cNvSpPr>
-          <p:nvPr userDrawn="1"/>
-        </p:nvSpPr>
-        <p:spPr bwMode="auto">
-          <a:xfrm rot="5400000">
-            <a:off x="4004537" y="-4001581"/>
-            <a:ext cx="1137884" cy="9141044"/>
-          </a:xfrm>
-          <a:prstGeom prst="rect">
-            <a:avLst/>
-          </a:prstGeom>
-          <a:solidFill>
-            <a:srgbClr val="FBCE20"/>
-          </a:solidFill>
-          <a:ln w="9525">
-            <a:noFill/>
-            <a:miter lim="800000"/>
-            <a:headEnd/>
-            <a:tailEnd/>
-          </a:ln>
-          <a:effectLst/>
-        </p:spPr>
-        <p:txBody>
-          <a:bodyPr wrap="none" anchor="ctr"/>
-          <a:lstStyle/>
-          <a:p>
-            <a:pPr eaLnBrk="0" hangingPunct="0">
-              <a:spcBef>
-                <a:spcPct val="50000"/>
-              </a:spcBef>
-              <a:defRPr/>
-            </a:pPr>
-            <a:endParaRPr lang="en-US" sz="2000"/>
-          </a:p>
-        </p:txBody>
-      </p:sp>
-      <p:sp>
-        <p:nvSpPr>
-          <p:cNvPr id="4098" name="Rectangle 2"/>
-          <p:cNvSpPr>
-            <a:spLocks noGrp="1" noChangeArrowheads="1"/>
-          </p:cNvSpPr>
-          <p:nvPr>
-            <p:ph type="title"/>
-          </p:nvPr>
-        </p:nvSpPr>
-        <p:spPr bwMode="auto">
-          <a:xfrm>
-            <a:off x="457200" y="147284"/>
-            <a:ext cx="8305800" cy="990600"/>
-          </a:xfrm>
-          <a:prstGeom prst="rect">
-            <a:avLst/>
-          </a:prstGeom>
-          <a:noFill/>
-          <a:ln w="9525">
-            <a:noFill/>
-            <a:miter lim="800000"/>
-            <a:headEnd/>
-            <a:tailEnd/>
-          </a:ln>
-        </p:spPr>
-        <p:txBody>
-          <a:bodyPr vert="horz" wrap="square" lIns="91440" tIns="45720" rIns="91440" bIns="45720" numCol="1" anchor="ctr" anchorCtr="0" compatLnSpc="1">
-            <a:prstTxWarp prst="textNoShape">
-              <a:avLst/>
-            </a:prstTxWarp>
-          </a:bodyPr>
-          <a:lstStyle/>
-          <a:p>
-            <a:pPr lvl="0"/>
-            <a:r>
-              <a:rPr lang="en-US" dirty="0"/>
-              <a:t>Click to edit Master title style</a:t>
-            </a:r>
-          </a:p>
-        </p:txBody>
-      </p:sp>
-      <p:sp>
-        <p:nvSpPr>
-          <p:cNvPr id="4099" name="Rectangle 3"/>
-          <p:cNvSpPr>
-            <a:spLocks noGrp="1" noChangeArrowheads="1"/>
-          </p:cNvSpPr>
-          <p:nvPr>
-            <p:ph type="body" idx="1"/>
-          </p:nvPr>
-        </p:nvSpPr>
-        <p:spPr bwMode="auto">
-          <a:xfrm>
-            <a:off x="457200" y="1368402"/>
-            <a:ext cx="8305800" cy="4956199"/>
-          </a:xfrm>
-          <a:prstGeom prst="rect">
-            <a:avLst/>
-          </a:prstGeom>
-          <a:noFill/>
-          <a:ln w="9525">
-            <a:noFill/>
-            <a:miter lim="800000"/>
-            <a:headEnd/>
-            <a:tailEnd/>
-          </a:ln>
-        </p:spPr>
-        <p:txBody>
-          <a:bodyPr vert="horz" wrap="square" lIns="91440" tIns="45720" rIns="91440" bIns="45720" numCol="1" anchor="t" anchorCtr="0" compatLnSpc="1">
-            <a:prstTxWarp prst="textNoShape">
-              <a:avLst/>
-            </a:prstTxWarp>
-          </a:bodyPr>
-          <a:lstStyle/>
-          <a:p>
-            <a:pPr lvl="0"/>
-            <a:r>
-              <a:rPr lang="en-US" dirty="0"/>
-              <a:t>Click to edit Master text styles</a:t>
-            </a:r>
-          </a:p>
-          <a:p>
-            <a:pPr lvl="1"/>
-            <a:r>
-              <a:rPr lang="en-US" dirty="0"/>
-              <a:t>Second level</a:t>
-            </a:r>
-          </a:p>
-          <a:p>
-            <a:pPr lvl="2"/>
-            <a:r>
-              <a:rPr lang="en-US" dirty="0"/>
-              <a:t>Third level</a:t>
-            </a:r>
-          </a:p>
-          <a:p>
-            <a:pPr lvl="3"/>
-            <a:r>
-              <a:rPr lang="en-US" dirty="0"/>
-              <a:t>Fourth level</a:t>
-            </a:r>
-          </a:p>
-          <a:p>
-            <a:pPr lvl="4"/>
-            <a:r>
-              <a:rPr lang="en-US" dirty="0"/>
-              <a:t>Fifth level</a:t>
-            </a:r>
-          </a:p>
-        </p:txBody>
-      </p:sp>
-      <p:sp>
-        <p:nvSpPr>
-          <p:cNvPr id="1028" name="Rectangle 4"/>
-          <p:cNvSpPr>
-            <a:spLocks noGrp="1" noChangeArrowheads="1"/>
-          </p:cNvSpPr>
-          <p:nvPr>
-            <p:ph type="dt" sz="half" idx="2"/>
-          </p:nvPr>
-        </p:nvSpPr>
-        <p:spPr bwMode="auto">
-          <a:xfrm>
-            <a:off x="5848222" y="6553200"/>
-            <a:ext cx="2913548" cy="304800"/>
-          </a:xfrm>
-          <a:prstGeom prst="rect">
-            <a:avLst/>
-          </a:prstGeom>
-          <a:noFill/>
-          <a:ln w="9525">
-            <a:noFill/>
-            <a:miter lim="800000"/>
-            <a:headEnd/>
-            <a:tailEnd/>
-          </a:ln>
-          <a:effectLst/>
-        </p:spPr>
-        <p:txBody>
-          <a:bodyPr vert="horz" wrap="square" lIns="91440" tIns="45720" rIns="91440" bIns="45720" numCol="1" anchor="t" anchorCtr="0" compatLnSpc="1">
-            <a:prstTxWarp prst="textNoShape">
-              <a:avLst/>
-            </a:prstTxWarp>
-          </a:bodyPr>
-          <a:lstStyle>
-            <a:lvl1pPr algn="r" eaLnBrk="0" hangingPunct="0">
-              <a:spcBef>
-                <a:spcPct val="0"/>
-              </a:spcBef>
-              <a:defRPr sz="800" b="1" i="0" u="none" kern="1500" cap="all" spc="1500">
-                <a:solidFill>
-                  <a:schemeClr val="bg1"/>
-                </a:solidFill>
-                <a:latin typeface="Rial"/>
-                <a:cs typeface="Rial"/>
-              </a:defRPr>
-            </a:lvl1pPr>
-          </a:lstStyle>
-          <a:p>
-            <a:pPr>
-              <a:defRPr/>
-            </a:pPr>
-            <a:endParaRPr lang="en-US" dirty="0"/>
-          </a:p>
-        </p:txBody>
-      </p:sp>
-      <p:sp>
-        <p:nvSpPr>
-          <p:cNvPr id="1029" name="Rectangle 5"/>
-          <p:cNvSpPr>
-            <a:spLocks noGrp="1" noChangeArrowheads="1"/>
-          </p:cNvSpPr>
-          <p:nvPr>
-            <p:ph type="ftr" sz="quarter" idx="3"/>
-          </p:nvPr>
-        </p:nvSpPr>
-        <p:spPr bwMode="auto">
-          <a:xfrm>
-            <a:off x="452380" y="6553200"/>
-            <a:ext cx="2895600" cy="304800"/>
-          </a:xfrm>
-          <a:prstGeom prst="rect">
-            <a:avLst/>
-          </a:prstGeom>
-          <a:noFill/>
-          <a:ln w="9525">
-            <a:noFill/>
-            <a:miter lim="800000"/>
-            <a:headEnd/>
-            <a:tailEnd/>
-          </a:ln>
-          <a:effectLst/>
-        </p:spPr>
-        <p:txBody>
-          <a:bodyPr vert="horz" wrap="square" lIns="91440" tIns="45720" rIns="91440" bIns="45720" numCol="1" anchor="t" anchorCtr="0" compatLnSpc="1">
-            <a:prstTxWarp prst="textNoShape">
-              <a:avLst/>
-            </a:prstTxWarp>
-          </a:bodyPr>
-          <a:lstStyle>
-            <a:lvl1pPr algn="l" eaLnBrk="0" hangingPunct="0">
-              <a:spcBef>
-                <a:spcPct val="0"/>
-              </a:spcBef>
-              <a:defRPr sz="800" b="1" i="0" u="none" kern="1500" cap="all" spc="1500">
-                <a:solidFill>
-                  <a:schemeClr val="bg1"/>
-                </a:solidFill>
-                <a:latin typeface="Arial" charset="0"/>
-                <a:ea typeface="Arial" charset="0"/>
-                <a:cs typeface="Arial" charset="0"/>
-              </a:defRPr>
-            </a:lvl1pPr>
-          </a:lstStyle>
-          <a:p>
-            <a:pPr>
-              <a:defRPr/>
-            </a:pPr>
-            <a:endParaRPr lang="en-US" dirty="0"/>
-          </a:p>
-        </p:txBody>
-      </p:sp>
-      <p:sp>
-        <p:nvSpPr>
-          <p:cNvPr id="1030" name="Rectangle 6"/>
-          <p:cNvSpPr>
-            <a:spLocks noGrp="1" noChangeArrowheads="1"/>
-          </p:cNvSpPr>
-          <p:nvPr>
-            <p:ph type="sldNum" sz="quarter" idx="4"/>
-          </p:nvPr>
-        </p:nvSpPr>
-        <p:spPr bwMode="auto">
-          <a:xfrm>
-            <a:off x="3655447" y="6553200"/>
-            <a:ext cx="1905000" cy="304800"/>
-          </a:xfrm>
-          <a:prstGeom prst="rect">
-            <a:avLst/>
-          </a:prstGeom>
-          <a:noFill/>
-          <a:ln w="9525">
-            <a:noFill/>
-            <a:miter lim="800000"/>
-            <a:headEnd/>
-            <a:tailEnd/>
-          </a:ln>
-          <a:effectLst/>
-        </p:spPr>
-        <p:txBody>
-          <a:bodyPr vert="horz" wrap="square" lIns="91440" tIns="45720" rIns="91440" bIns="45720" numCol="1" anchor="t" anchorCtr="0" compatLnSpc="1">
-            <a:prstTxWarp prst="textNoShape">
-              <a:avLst/>
-            </a:prstTxWarp>
-          </a:bodyPr>
-          <a:lstStyle>
-            <a:lvl1pPr algn="ctr" eaLnBrk="0" hangingPunct="0">
-              <a:spcBef>
-                <a:spcPct val="0"/>
-              </a:spcBef>
-              <a:defRPr sz="900" b="1" i="0" u="none" cap="all">
-                <a:solidFill>
-                  <a:schemeClr val="bg1"/>
-                </a:solidFill>
-                <a:latin typeface="Rial"/>
-                <a:cs typeface="Rial"/>
-              </a:defRPr>
-            </a:lvl1pPr>
-          </a:lstStyle>
-          <a:p>
-            <a:pPr>
-              <a:defRPr/>
-            </a:pPr>
-            <a:fld id="{1BD493C5-18C0-4657-ABB8-57661F65AEBB}" type="slidenum">
-              <a:rPr lang="en-US" smtClean="0"/>
-              <a:pPr>
-                <a:defRPr/>
-              </a:pPr>
-              <a:t>‹#›</a:t>
-            </a:fld>
-            <a:endParaRPr lang="en-US" dirty="0"/>
-          </a:p>
-        </p:txBody>
-      </p:sp>
-      <p:cxnSp>
-        <p:nvCxnSpPr>
-          <p:cNvPr id="4106" name="Straight Connector 11"/>
-          <p:cNvCxnSpPr>
-            <a:cxnSpLocks noChangeShapeType="1"/>
-          </p:cNvCxnSpPr>
-          <p:nvPr/>
-        </p:nvCxnSpPr>
-        <p:spPr bwMode="auto">
-          <a:xfrm>
-            <a:off x="1074059" y="1137884"/>
-            <a:ext cx="7765143" cy="159104"/>
-          </a:xfrm>
-          <a:prstGeom prst="line">
-            <a:avLst/>
-          </a:prstGeom>
-          <a:noFill/>
-          <a:ln w="9525" algn="ctr">
-            <a:noFill/>
-            <a:round/>
-            <a:headEnd/>
-            <a:tailEnd/>
-          </a:ln>
-        </p:spPr>
-      </p:cxnSp>
-      <p:cxnSp>
-        <p:nvCxnSpPr>
-          <p:cNvPr id="4107" name="Straight Connector 20"/>
-          <p:cNvCxnSpPr>
-            <a:cxnSpLocks noChangeShapeType="1"/>
-          </p:cNvCxnSpPr>
-          <p:nvPr/>
-        </p:nvCxnSpPr>
-        <p:spPr bwMode="auto">
-          <a:xfrm rot="5400000" flipH="1" flipV="1">
-            <a:off x="8570914" y="723901"/>
-            <a:ext cx="77788" cy="1587"/>
-          </a:xfrm>
-          <a:prstGeom prst="line">
-            <a:avLst/>
-          </a:prstGeom>
-          <a:noFill/>
-          <a:ln w="9525" algn="ctr">
-            <a:noFill/>
-            <a:round/>
-            <a:headEnd/>
-            <a:tailEnd/>
-          </a:ln>
-        </p:spPr>
-      </p:cxnSp>
-    </p:spTree>
     <p:extLst>
       <p:ext uri="{BB962C8B-B14F-4D97-AF65-F5344CB8AC3E}">
         <p14:creationId xmlns:p14="http://schemas.microsoft.com/office/powerpoint/2010/main" val="255735896"/>
@@ -10929,6 +9158,18 @@
     <p:sldLayoutId id="2147483793" r:id="rId12"/>
     <p:sldLayoutId id="2147483794" r:id="rId13"/>
     <p:sldLayoutId id="2147483795" r:id="rId14"/>
+    <p:sldLayoutId id="2147483917" r:id="rId15"/>
+    <p:sldLayoutId id="2147483800" r:id="rId16"/>
+    <p:sldLayoutId id="2147483768" r:id="rId17"/>
+    <p:sldLayoutId id="2147483745" r:id="rId18"/>
+    <p:sldLayoutId id="2147483774" r:id="rId19"/>
+    <p:sldLayoutId id="2147483771" r:id="rId20"/>
+    <p:sldLayoutId id="2147483798" r:id="rId21"/>
+    <p:sldLayoutId id="2147483770" r:id="rId22"/>
+    <p:sldLayoutId id="2147483742" r:id="rId23"/>
+    <p:sldLayoutId id="2147483752" r:id="rId24"/>
+    <p:sldLayoutId id="2147483750" r:id="rId25"/>
+    <p:sldLayoutId id="2147483751" r:id="rId26"/>
   </p:sldLayoutIdLst>
   <p:hf hdr="0" ftr="0" dt="0"/>
   <p:txStyles>
@@ -11347,7 +9588,9 @@
           </a:xfrm>
         </p:spPr>
         <p:txBody>
-          <a:bodyPr/>
+          <a:bodyPr>
+            <a:normAutofit/>
+          </a:bodyPr>
           <a:lstStyle/>
           <a:p>
             <a:r>
@@ -11406,7 +9649,12 @@
             <p:ph type="ctrTitle"/>
           </p:nvPr>
         </p:nvSpPr>
-        <p:spPr/>
+        <p:spPr>
+          <a:xfrm>
+            <a:off x="946688" y="0"/>
+            <a:ext cx="7239000" cy="2048540"/>
+          </a:xfrm>
+        </p:spPr>
         <p:txBody>
           <a:bodyPr/>
           <a:lstStyle/>
@@ -11418,6 +9666,53 @@
           </a:p>
         </p:txBody>
       </p:sp>
+      <p:pic>
+        <p:nvPicPr>
+          <p:cNvPr id="1026" name="Picture 2" descr="Image result for utfpr logo">
+            <a:extLst>
+              <a:ext uri="{FF2B5EF4-FFF2-40B4-BE49-F238E27FC236}">
+                <a16:creationId xmlns:a16="http://schemas.microsoft.com/office/drawing/2014/main" id="{2FC0C0C2-9C5F-9F40-BF24-850ED21939CC}"/>
+              </a:ext>
+            </a:extLst>
+          </p:cNvPr>
+          <p:cNvPicPr>
+            <a:picLocks noChangeAspect="1" noChangeArrowheads="1"/>
+          </p:cNvPicPr>
+          <p:nvPr/>
+        </p:nvPicPr>
+        <p:blipFill>
+          <a:blip r:embed="rId3">
+            <a:extLst>
+              <a:ext uri="{28A0092B-C50C-407E-A947-70E740481C1C}">
+                <a14:useLocalDpi xmlns:a14="http://schemas.microsoft.com/office/drawing/2010/main" val="0"/>
+              </a:ext>
+            </a:extLst>
+          </a:blip>
+          <a:srcRect/>
+          <a:stretch>
+            <a:fillRect/>
+          </a:stretch>
+        </p:blipFill>
+        <p:spPr bwMode="auto">
+          <a:xfrm>
+            <a:off x="2407910" y="2421576"/>
+            <a:ext cx="4316555" cy="1714632"/>
+          </a:xfrm>
+          <a:prstGeom prst="rect">
+            <a:avLst/>
+          </a:prstGeom>
+          <a:noFill/>
+          <a:extLst>
+            <a:ext uri="{909E8E84-426E-40DD-AFC4-6F175D3DCCD1}">
+              <a14:hiddenFill xmlns:a14="http://schemas.microsoft.com/office/drawing/2010/main">
+                <a:solidFill>
+                  <a:srgbClr val="FFFFFF"/>
+                </a:solidFill>
+              </a14:hiddenFill>
+            </a:ext>
+          </a:extLst>
+        </p:spPr>
+      </p:pic>
     </p:spTree>
     <p:extLst>
       <p:ext uri="{BB962C8B-B14F-4D97-AF65-F5344CB8AC3E}">
@@ -13741,10 +12036,15 @@
             <a:spLocks noGrp="1"/>
           </p:cNvSpPr>
           <p:nvPr>
-            <p:ph type="sldNum" sz="quarter" idx="12"/>
+            <p:ph type="sldNum" sz="quarter" idx="4294967295"/>
           </p:nvPr>
         </p:nvSpPr>
-        <p:spPr/>
+        <p:spPr>
+          <a:xfrm>
+            <a:off x="8458200" y="320675"/>
+            <a:ext cx="685800" cy="319088"/>
+          </a:xfrm>
+        </p:spPr>
         <p:txBody>
           <a:bodyPr/>
           <a:lstStyle/>
@@ -13889,10 +12189,15 @@
             <a:spLocks noGrp="1"/>
           </p:cNvSpPr>
           <p:nvPr>
-            <p:ph type="sldNum" sz="quarter" idx="12"/>
+            <p:ph type="sldNum" sz="quarter" idx="4294967295"/>
           </p:nvPr>
         </p:nvSpPr>
-        <p:spPr/>
+        <p:spPr>
+          <a:xfrm>
+            <a:off x="8458200" y="320675"/>
+            <a:ext cx="685800" cy="319088"/>
+          </a:xfrm>
+        </p:spPr>
         <p:txBody>
           <a:bodyPr/>
           <a:lstStyle/>
@@ -14064,14 +12369,11 @@
             <p:ph idx="1"/>
           </p:nvPr>
         </p:nvSpPr>
-        <p:spPr>
-          <a:xfrm>
-            <a:off x="457200" y="1358555"/>
-            <a:ext cx="8305800" cy="5001061"/>
-          </a:xfrm>
-        </p:spPr>
-        <p:txBody>
-          <a:bodyPr/>
+        <p:spPr/>
+        <p:txBody>
+          <a:bodyPr>
+            <a:normAutofit/>
+          </a:bodyPr>
           <a:lstStyle/>
           <a:p>
             <a:endParaRPr lang="en-US" dirty="0"/>
@@ -14150,10 +12452,15 @@
             <a:spLocks noGrp="1"/>
           </p:cNvSpPr>
           <p:nvPr>
-            <p:ph type="sldNum" sz="quarter" idx="12"/>
+            <p:ph type="sldNum" sz="quarter" idx="4294967295"/>
           </p:nvPr>
         </p:nvSpPr>
-        <p:spPr/>
+        <p:spPr>
+          <a:xfrm>
+            <a:off x="8458200" y="320675"/>
+            <a:ext cx="685800" cy="319088"/>
+          </a:xfrm>
+        </p:spPr>
         <p:txBody>
           <a:bodyPr/>
           <a:lstStyle/>
@@ -14248,7 +12555,9 @@
         </p:nvSpPr>
         <p:spPr/>
         <p:txBody>
-          <a:bodyPr/>
+          <a:bodyPr>
+            <a:normAutofit/>
+          </a:bodyPr>
           <a:lstStyle/>
           <a:p>
             <a:endParaRPr lang="en-US" dirty="0"/>
@@ -14310,10 +12619,15 @@
             <a:spLocks noGrp="1"/>
           </p:cNvSpPr>
           <p:nvPr>
-            <p:ph type="sldNum" sz="quarter" idx="12"/>
+            <p:ph type="sldNum" sz="quarter" idx="4294967295"/>
           </p:nvPr>
         </p:nvSpPr>
-        <p:spPr/>
+        <p:spPr>
+          <a:xfrm>
+            <a:off x="8458200" y="320675"/>
+            <a:ext cx="685800" cy="319088"/>
+          </a:xfrm>
+        </p:spPr>
         <p:txBody>
           <a:bodyPr/>
           <a:lstStyle/>
@@ -14408,7 +12722,9 @@
         </p:nvSpPr>
         <p:spPr/>
         <p:txBody>
-          <a:bodyPr/>
+          <a:bodyPr>
+            <a:normAutofit/>
+          </a:bodyPr>
           <a:lstStyle/>
           <a:p>
             <a:endParaRPr lang="en-US" dirty="0"/>
@@ -14478,10 +12794,15 @@
             <a:spLocks noGrp="1"/>
           </p:cNvSpPr>
           <p:nvPr>
-            <p:ph type="sldNum" sz="quarter" idx="12"/>
+            <p:ph type="sldNum" sz="quarter" idx="4294967295"/>
           </p:nvPr>
         </p:nvSpPr>
-        <p:spPr/>
+        <p:spPr>
+          <a:xfrm>
+            <a:off x="8458200" y="320675"/>
+            <a:ext cx="685800" cy="319088"/>
+          </a:xfrm>
+        </p:spPr>
         <p:txBody>
           <a:bodyPr/>
           <a:lstStyle/>
@@ -14576,7 +12897,9 @@
         </p:nvSpPr>
         <p:spPr/>
         <p:txBody>
-          <a:bodyPr/>
+          <a:bodyPr>
+            <a:normAutofit/>
+          </a:bodyPr>
           <a:lstStyle/>
           <a:p>
             <a:r>
@@ -14665,10 +12988,15 @@
             <a:spLocks noGrp="1"/>
           </p:cNvSpPr>
           <p:nvPr>
-            <p:ph type="sldNum" sz="quarter" idx="12"/>
+            <p:ph type="sldNum" sz="quarter" idx="4294967295"/>
           </p:nvPr>
         </p:nvSpPr>
-        <p:spPr/>
+        <p:spPr>
+          <a:xfrm>
+            <a:off x="8458200" y="320675"/>
+            <a:ext cx="685800" cy="319088"/>
+          </a:xfrm>
+        </p:spPr>
         <p:txBody>
           <a:bodyPr/>
           <a:lstStyle/>
@@ -14840,10 +13168,15 @@
             <a:spLocks noGrp="1"/>
           </p:cNvSpPr>
           <p:nvPr>
-            <p:ph type="sldNum" sz="quarter" idx="12"/>
+            <p:ph type="sldNum" sz="quarter" idx="4294967295"/>
           </p:nvPr>
         </p:nvSpPr>
-        <p:spPr/>
+        <p:spPr>
+          <a:xfrm>
+            <a:off x="8458200" y="320675"/>
+            <a:ext cx="685800" cy="319088"/>
+          </a:xfrm>
+        </p:spPr>
         <p:txBody>
           <a:bodyPr/>
           <a:lstStyle/>
@@ -14981,10 +13314,15 @@
             <a:spLocks noGrp="1"/>
           </p:cNvSpPr>
           <p:nvPr>
-            <p:ph type="sldNum" sz="quarter" idx="12"/>
+            <p:ph type="sldNum" sz="quarter" idx="4294967295"/>
           </p:nvPr>
         </p:nvSpPr>
-        <p:spPr/>
+        <p:spPr>
+          <a:xfrm>
+            <a:off x="8458200" y="320675"/>
+            <a:ext cx="685800" cy="319088"/>
+          </a:xfrm>
+        </p:spPr>
         <p:txBody>
           <a:bodyPr/>
           <a:lstStyle/>
@@ -15058,41 +13396,6 @@
               <a:rPr lang="en-US" dirty="0"/>
               <a:t>Important Information </a:t>
             </a:r>
-          </a:p>
-        </p:txBody>
-      </p:sp>
-      <p:sp>
-        <p:nvSpPr>
-          <p:cNvPr id="4" name="Slide Number Placeholder 3">
-            <a:extLst>
-              <a:ext uri="{FF2B5EF4-FFF2-40B4-BE49-F238E27FC236}">
-                <a16:creationId xmlns:a16="http://schemas.microsoft.com/office/drawing/2014/main" id="{4E8606BE-BC1F-194C-8F0D-DF8760F02EC0}"/>
-              </a:ext>
-            </a:extLst>
-          </p:cNvPr>
-          <p:cNvSpPr>
-            <a:spLocks noGrp="1"/>
-          </p:cNvSpPr>
-          <p:nvPr>
-            <p:ph type="sldNum" sz="quarter" idx="12"/>
-          </p:nvPr>
-        </p:nvSpPr>
-        <p:spPr/>
-        <p:txBody>
-          <a:bodyPr/>
-          <a:lstStyle/>
-          <a:p>
-            <a:pPr>
-              <a:defRPr/>
-            </a:pPr>
-            <a:fld id="{3464530E-D695-45C9-AFB6-E411BBE0972A}" type="slidenum">
-              <a:rPr lang="en-US" smtClean="0"/>
-              <a:pPr>
-                <a:defRPr/>
-              </a:pPr>
-              <a:t>9</a:t>
-            </a:fld>
-            <a:endParaRPr lang="en-US"/>
           </a:p>
         </p:txBody>
       </p:sp>
@@ -16759,6 +15062,46 @@
           </a:graphicData>
         </a:graphic>
       </p:graphicFrame>
+      <p:sp>
+        <p:nvSpPr>
+          <p:cNvPr id="4" name="Slide Number Placeholder 3">
+            <a:extLst>
+              <a:ext uri="{FF2B5EF4-FFF2-40B4-BE49-F238E27FC236}">
+                <a16:creationId xmlns:a16="http://schemas.microsoft.com/office/drawing/2014/main" id="{4E8606BE-BC1F-194C-8F0D-DF8760F02EC0}"/>
+              </a:ext>
+            </a:extLst>
+          </p:cNvPr>
+          <p:cNvSpPr>
+            <a:spLocks noGrp="1"/>
+          </p:cNvSpPr>
+          <p:nvPr>
+            <p:ph type="sldNum" sz="quarter" idx="4294967295"/>
+          </p:nvPr>
+        </p:nvSpPr>
+        <p:spPr>
+          <a:xfrm>
+            <a:off x="8458200" y="320675"/>
+            <a:ext cx="685800" cy="319088"/>
+          </a:xfrm>
+        </p:spPr>
+        <p:txBody>
+          <a:bodyPr/>
+          <a:lstStyle/>
+          <a:p>
+            <a:pPr>
+              <a:defRPr/>
+            </a:pPr>
+            <a:fld id="{3464530E-D695-45C9-AFB6-E411BBE0972A}" type="slidenum">
+              <a:rPr lang="en-US" smtClean="0"/>
+              <a:pPr>
+                <a:defRPr/>
+              </a:pPr>
+              <a:t>9</a:t>
+            </a:fld>
+            <a:endParaRPr lang="en-US"/>
+          </a:p>
+        </p:txBody>
+      </p:sp>
     </p:spTree>
     <p:extLst>
       <p:ext uri="{BB962C8B-B14F-4D97-AF65-F5344CB8AC3E}">
@@ -16773,7 +15116,7 @@
 </file>
 
 <file path=ppt/theme/theme1.xml><?xml version="1.0" encoding="utf-8"?>
-<a:theme xmlns:a="http://schemas.openxmlformats.org/drawingml/2006/main" name="Dark-Blue-Vertical-PPT-Template">
+<a:theme xmlns:a="http://schemas.openxmlformats.org/drawingml/2006/main" name="1_Dark-Blue-Vertical-PPT-Template">
   <a:themeElements>
     <a:clrScheme name="Custom 1">
       <a:dk1>
@@ -17668,44 +16011,44 @@
 </file>
 
 <file path=ppt/theme/theme2.xml><?xml version="1.0" encoding="utf-8"?>
-<a:theme xmlns:a="http://schemas.openxmlformats.org/drawingml/2006/main" name="1_Dark-Blue-Vertical-PPT-Template">
+<a:theme xmlns:a="http://schemas.openxmlformats.org/drawingml/2006/main" name="Office Theme">
   <a:themeElements>
-    <a:clrScheme name="Custom 1">
+    <a:clrScheme name="">
       <a:dk1>
-        <a:srgbClr val="003366"/>
+        <a:srgbClr val="000000"/>
       </a:dk1>
       <a:lt1>
         <a:srgbClr val="FFFFFF"/>
       </a:lt1>
       <a:dk2>
-        <a:srgbClr val="0066B3"/>
+        <a:srgbClr val="000000"/>
       </a:dk2>
       <a:lt2>
-        <a:srgbClr val="C3B8B2"/>
+        <a:srgbClr val="808080"/>
       </a:lt2>
       <a:accent1>
-        <a:srgbClr val="FBB040"/>
+        <a:srgbClr val="BBE0E3"/>
       </a:accent1>
       <a:accent2>
-        <a:srgbClr val="F07F09"/>
+        <a:srgbClr val="333399"/>
       </a:accent2>
       <a:accent3>
-        <a:srgbClr val="B1541F"/>
+        <a:srgbClr val="FFFFFF"/>
       </a:accent3>
       <a:accent4>
-        <a:srgbClr val="00ABA3"/>
+        <a:srgbClr val="000000"/>
       </a:accent4>
       <a:accent5>
-        <a:srgbClr val="009DDC"/>
+        <a:srgbClr val="DAEDEF"/>
       </a:accent5>
       <a:accent6>
-        <a:srgbClr val="0066B3"/>
+        <a:srgbClr val="2D2D8A"/>
       </a:accent6>
       <a:hlink>
-        <a:srgbClr val="FFCC00"/>
+        <a:srgbClr val="009999"/>
       </a:hlink>
       <a:folHlink>
-        <a:srgbClr val="00853F"/>
+        <a:srgbClr val="99CC00"/>
       </a:folHlink>
     </a:clrScheme>
     <a:fontScheme name="Office">
@@ -17945,620 +16288,8 @@
       </a:bgFillStyleLst>
     </a:fmtScheme>
   </a:themeElements>
-  <a:objectDefaults>
-    <a:spDef>
-      <a:spPr bwMode="auto">
-        <a:xfrm>
-          <a:off x="0" y="0"/>
-          <a:ext cx="1" cy="1"/>
-        </a:xfrm>
-        <a:custGeom>
-          <a:avLst/>
-          <a:gdLst/>
-          <a:ahLst/>
-          <a:cxnLst/>
-          <a:rect l="0" t="0" r="0" b="0"/>
-          <a:pathLst/>
-        </a:custGeom>
-        <a:noFill/>
-        <a:ln w="9525" cap="flat" cmpd="sng" algn="ctr">
-          <a:noFill/>
-          <a:prstDash val="solid"/>
-          <a:round/>
-          <a:headEnd type="none" w="med" len="med"/>
-          <a:tailEnd type="none" w="med" len="med"/>
-        </a:ln>
-        <a:effectLst/>
-      </a:spPr>
-      <a:bodyPr vert="horz" wrap="square" lIns="91440" tIns="45720" rIns="91440" bIns="45720" numCol="1" anchor="t" anchorCtr="0" compatLnSpc="1">
-        <a:prstTxWarp prst="textNoShape">
-          <a:avLst/>
-        </a:prstTxWarp>
-        <a:spAutoFit/>
-      </a:bodyPr>
-      <a:lstStyle>
-        <a:defPPr marL="0" marR="0" indent="0" algn="l" defTabSz="914400" rtl="0" eaLnBrk="0" fontAlgn="base" latinLnBrk="0" hangingPunct="0">
-          <a:lnSpc>
-            <a:spcPct val="100000"/>
-          </a:lnSpc>
-          <a:spcBef>
-            <a:spcPct val="50000"/>
-          </a:spcBef>
-          <a:spcAft>
-            <a:spcPct val="0"/>
-          </a:spcAft>
-          <a:buClrTx/>
-          <a:buSzTx/>
-          <a:buFontTx/>
-          <a:buNone/>
-          <a:tabLst/>
-          <a:defRPr kumimoji="0" lang="en-US" sz="2000" b="0" i="0" u="none" strike="noStrike" cap="none" normalizeH="0" baseline="0" smtClean="0">
-            <a:ln>
-              <a:noFill/>
-            </a:ln>
-            <a:solidFill>
-              <a:schemeClr val="tx1"/>
-            </a:solidFill>
-            <a:effectLst/>
-            <a:latin typeface="Arial" charset="0"/>
-          </a:defRPr>
-        </a:defPPr>
-      </a:lstStyle>
-    </a:spDef>
-    <a:lnDef>
-      <a:spPr bwMode="auto">
-        <a:xfrm>
-          <a:off x="0" y="0"/>
-          <a:ext cx="1" cy="1"/>
-        </a:xfrm>
-        <a:custGeom>
-          <a:avLst/>
-          <a:gdLst/>
-          <a:ahLst/>
-          <a:cxnLst/>
-          <a:rect l="0" t="0" r="0" b="0"/>
-          <a:pathLst/>
-        </a:custGeom>
-        <a:noFill/>
-        <a:ln w="9525" cap="flat" cmpd="sng" algn="ctr">
-          <a:noFill/>
-          <a:prstDash val="solid"/>
-          <a:round/>
-          <a:headEnd type="none" w="med" len="med"/>
-          <a:tailEnd type="none" w="med" len="med"/>
-        </a:ln>
-        <a:effectLst/>
-      </a:spPr>
-      <a:bodyPr vert="horz" wrap="square" lIns="91440" tIns="45720" rIns="91440" bIns="45720" numCol="1" anchor="t" anchorCtr="0" compatLnSpc="1">
-        <a:prstTxWarp prst="textNoShape">
-          <a:avLst/>
-        </a:prstTxWarp>
-        <a:spAutoFit/>
-      </a:bodyPr>
-      <a:lstStyle>
-        <a:defPPr marL="0" marR="0" indent="0" algn="l" defTabSz="914400" rtl="0" eaLnBrk="0" fontAlgn="base" latinLnBrk="0" hangingPunct="0">
-          <a:lnSpc>
-            <a:spcPct val="100000"/>
-          </a:lnSpc>
-          <a:spcBef>
-            <a:spcPct val="50000"/>
-          </a:spcBef>
-          <a:spcAft>
-            <a:spcPct val="0"/>
-          </a:spcAft>
-          <a:buClrTx/>
-          <a:buSzTx/>
-          <a:buFontTx/>
-          <a:buNone/>
-          <a:tabLst/>
-          <a:defRPr kumimoji="0" lang="en-US" sz="2000" b="0" i="0" u="none" strike="noStrike" cap="none" normalizeH="0" baseline="0" smtClean="0">
-            <a:ln>
-              <a:noFill/>
-            </a:ln>
-            <a:solidFill>
-              <a:schemeClr val="tx1"/>
-            </a:solidFill>
-            <a:effectLst/>
-            <a:latin typeface="Arial" charset="0"/>
-          </a:defRPr>
-        </a:defPPr>
-      </a:lstStyle>
-    </a:lnDef>
-  </a:objectDefaults>
-  <a:extraClrSchemeLst>
-    <a:extraClrScheme>
-      <a:clrScheme name="NAU_President_template 1">
-        <a:dk1>
-          <a:srgbClr val="000000"/>
-        </a:dk1>
-        <a:lt1>
-          <a:srgbClr val="FFFFFF"/>
-        </a:lt1>
-        <a:dk2>
-          <a:srgbClr val="000000"/>
-        </a:dk2>
-        <a:lt2>
-          <a:srgbClr val="808080"/>
-        </a:lt2>
-        <a:accent1>
-          <a:srgbClr val="BBE0E3"/>
-        </a:accent1>
-        <a:accent2>
-          <a:srgbClr val="333399"/>
-        </a:accent2>
-        <a:accent3>
-          <a:srgbClr val="FFFFFF"/>
-        </a:accent3>
-        <a:accent4>
-          <a:srgbClr val="000000"/>
-        </a:accent4>
-        <a:accent5>
-          <a:srgbClr val="DAEDEF"/>
-        </a:accent5>
-        <a:accent6>
-          <a:srgbClr val="2D2D8A"/>
-        </a:accent6>
-        <a:hlink>
-          <a:srgbClr val="009999"/>
-        </a:hlink>
-        <a:folHlink>
-          <a:srgbClr val="99CC00"/>
-        </a:folHlink>
-      </a:clrScheme>
-      <a:clrMap bg1="lt1" tx1="dk1" bg2="lt2" tx2="dk2" accent1="accent1" accent2="accent2" accent3="accent3" accent4="accent4" accent5="accent5" accent6="accent6" hlink="hlink" folHlink="folHlink"/>
-    </a:extraClrScheme>
-    <a:extraClrScheme>
-      <a:clrScheme name="NAU_President_template 2">
-        <a:dk1>
-          <a:srgbClr val="000000"/>
-        </a:dk1>
-        <a:lt1>
-          <a:srgbClr val="FFFFFF"/>
-        </a:lt1>
-        <a:dk2>
-          <a:srgbClr val="000000"/>
-        </a:dk2>
-        <a:lt2>
-          <a:srgbClr val="969696"/>
-        </a:lt2>
-        <a:accent1>
-          <a:srgbClr val="FBDF53"/>
-        </a:accent1>
-        <a:accent2>
-          <a:srgbClr val="FF9966"/>
-        </a:accent2>
-        <a:accent3>
-          <a:srgbClr val="FFFFFF"/>
-        </a:accent3>
-        <a:accent4>
-          <a:srgbClr val="000000"/>
-        </a:accent4>
-        <a:accent5>
-          <a:srgbClr val="FDECB3"/>
-        </a:accent5>
-        <a:accent6>
-          <a:srgbClr val="E78A5C"/>
-        </a:accent6>
-        <a:hlink>
-          <a:srgbClr val="CC3300"/>
-        </a:hlink>
-        <a:folHlink>
-          <a:srgbClr val="996600"/>
-        </a:folHlink>
-      </a:clrScheme>
-      <a:clrMap bg1="lt1" tx1="dk1" bg2="lt2" tx2="dk2" accent1="accent1" accent2="accent2" accent3="accent3" accent4="accent4" accent5="accent5" accent6="accent6" hlink="hlink" folHlink="folHlink"/>
-    </a:extraClrScheme>
-    <a:extraClrScheme>
-      <a:clrScheme name="NAU_President_template 3">
-        <a:dk1>
-          <a:srgbClr val="000000"/>
-        </a:dk1>
-        <a:lt1>
-          <a:srgbClr val="FFFFFF"/>
-        </a:lt1>
-        <a:dk2>
-          <a:srgbClr val="000000"/>
-        </a:dk2>
-        <a:lt2>
-          <a:srgbClr val="808080"/>
-        </a:lt2>
-        <a:accent1>
-          <a:srgbClr val="99CCFF"/>
-        </a:accent1>
-        <a:accent2>
-          <a:srgbClr val="CCCCFF"/>
-        </a:accent2>
-        <a:accent3>
-          <a:srgbClr val="FFFFFF"/>
-        </a:accent3>
-        <a:accent4>
-          <a:srgbClr val="000000"/>
-        </a:accent4>
-        <a:accent5>
-          <a:srgbClr val="CAE2FF"/>
-        </a:accent5>
-        <a:accent6>
-          <a:srgbClr val="B9B9E7"/>
-        </a:accent6>
-        <a:hlink>
-          <a:srgbClr val="3333CC"/>
-        </a:hlink>
-        <a:folHlink>
-          <a:srgbClr val="AF67FF"/>
-        </a:folHlink>
-      </a:clrScheme>
-      <a:clrMap bg1="lt1" tx1="dk1" bg2="lt2" tx2="dk2" accent1="accent1" accent2="accent2" accent3="accent3" accent4="accent4" accent5="accent5" accent6="accent6" hlink="hlink" folHlink="folHlink"/>
-    </a:extraClrScheme>
-    <a:extraClrScheme>
-      <a:clrScheme name="NAU_President_template 4">
-        <a:dk1>
-          <a:srgbClr val="000000"/>
-        </a:dk1>
-        <a:lt1>
-          <a:srgbClr val="DEF6F1"/>
-        </a:lt1>
-        <a:dk2>
-          <a:srgbClr val="000000"/>
-        </a:dk2>
-        <a:lt2>
-          <a:srgbClr val="969696"/>
-        </a:lt2>
-        <a:accent1>
-          <a:srgbClr val="FFFFFF"/>
-        </a:accent1>
-        <a:accent2>
-          <a:srgbClr val="8DC6FF"/>
-        </a:accent2>
-        <a:accent3>
-          <a:srgbClr val="ECFAF7"/>
-        </a:accent3>
-        <a:accent4>
-          <a:srgbClr val="000000"/>
-        </a:accent4>
-        <a:accent5>
-          <a:srgbClr val="FFFFFF"/>
-        </a:accent5>
-        <a:accent6>
-          <a:srgbClr val="7FB3E7"/>
-        </a:accent6>
-        <a:hlink>
-          <a:srgbClr val="0066CC"/>
-        </a:hlink>
-        <a:folHlink>
-          <a:srgbClr val="00A800"/>
-        </a:folHlink>
-      </a:clrScheme>
-      <a:clrMap bg1="lt1" tx1="dk1" bg2="lt2" tx2="dk2" accent1="accent1" accent2="accent2" accent3="accent3" accent4="accent4" accent5="accent5" accent6="accent6" hlink="hlink" folHlink="folHlink"/>
-    </a:extraClrScheme>
-    <a:extraClrScheme>
-      <a:clrScheme name="NAU_President_template 5">
-        <a:dk1>
-          <a:srgbClr val="000000"/>
-        </a:dk1>
-        <a:lt1>
-          <a:srgbClr val="FFFFD9"/>
-        </a:lt1>
-        <a:dk2>
-          <a:srgbClr val="000000"/>
-        </a:dk2>
-        <a:lt2>
-          <a:srgbClr val="777777"/>
-        </a:lt2>
-        <a:accent1>
-          <a:srgbClr val="FFFFF7"/>
-        </a:accent1>
-        <a:accent2>
-          <a:srgbClr val="33CCCC"/>
-        </a:accent2>
-        <a:accent3>
-          <a:srgbClr val="FFFFE9"/>
-        </a:accent3>
-        <a:accent4>
-          <a:srgbClr val="000000"/>
-        </a:accent4>
-        <a:accent5>
-          <a:srgbClr val="FFFFFA"/>
-        </a:accent5>
-        <a:accent6>
-          <a:srgbClr val="2DB9B9"/>
-        </a:accent6>
-        <a:hlink>
-          <a:srgbClr val="FF5050"/>
-        </a:hlink>
-        <a:folHlink>
-          <a:srgbClr val="FF9900"/>
-        </a:folHlink>
-      </a:clrScheme>
-      <a:clrMap bg1="lt1" tx1="dk1" bg2="lt2" tx2="dk2" accent1="accent1" accent2="accent2" accent3="accent3" accent4="accent4" accent5="accent5" accent6="accent6" hlink="hlink" folHlink="folHlink"/>
-    </a:extraClrScheme>
-    <a:extraClrScheme>
-      <a:clrScheme name="NAU_President_template 6">
-        <a:dk1>
-          <a:srgbClr val="005A58"/>
-        </a:dk1>
-        <a:lt1>
-          <a:srgbClr val="FFFFFF"/>
-        </a:lt1>
-        <a:dk2>
-          <a:srgbClr val="008080"/>
-        </a:dk2>
-        <a:lt2>
-          <a:srgbClr val="FFFF99"/>
-        </a:lt2>
-        <a:accent1>
-          <a:srgbClr val="006462"/>
-        </a:accent1>
-        <a:accent2>
-          <a:srgbClr val="6D6FC7"/>
-        </a:accent2>
-        <a:accent3>
-          <a:srgbClr val="AAC0C0"/>
-        </a:accent3>
-        <a:accent4>
-          <a:srgbClr val="DADADA"/>
-        </a:accent4>
-        <a:accent5>
-          <a:srgbClr val="AAB8B7"/>
-        </a:accent5>
-        <a:accent6>
-          <a:srgbClr val="6264B4"/>
-        </a:accent6>
-        <a:hlink>
-          <a:srgbClr val="00FFFF"/>
-        </a:hlink>
-        <a:folHlink>
-          <a:srgbClr val="00FF00"/>
-        </a:folHlink>
-      </a:clrScheme>
-      <a:clrMap bg1="dk2" tx1="lt1" bg2="dk1" tx2="lt2" accent1="accent1" accent2="accent2" accent3="accent3" accent4="accent4" accent5="accent5" accent6="accent6" hlink="hlink" folHlink="folHlink"/>
-    </a:extraClrScheme>
-    <a:extraClrScheme>
-      <a:clrScheme name="NAU_President_template 7">
-        <a:dk1>
-          <a:srgbClr val="5C1F00"/>
-        </a:dk1>
-        <a:lt1>
-          <a:srgbClr val="FFFFFF"/>
-        </a:lt1>
-        <a:dk2>
-          <a:srgbClr val="800000"/>
-        </a:dk2>
-        <a:lt2>
-          <a:srgbClr val="DFD293"/>
-        </a:lt2>
-        <a:accent1>
-          <a:srgbClr val="713E39"/>
-        </a:accent1>
-        <a:accent2>
-          <a:srgbClr val="BE7960"/>
-        </a:accent2>
-        <a:accent3>
-          <a:srgbClr val="C0AAAA"/>
-        </a:accent3>
-        <a:accent4>
-          <a:srgbClr val="DADADA"/>
-        </a:accent4>
-        <a:accent5>
-          <a:srgbClr val="BBAFAE"/>
-        </a:accent5>
-        <a:accent6>
-          <a:srgbClr val="AC6D56"/>
-        </a:accent6>
-        <a:hlink>
-          <a:srgbClr val="FFFF99"/>
-        </a:hlink>
-        <a:folHlink>
-          <a:srgbClr val="D3A219"/>
-        </a:folHlink>
-      </a:clrScheme>
-      <a:clrMap bg1="dk2" tx1="lt1" bg2="dk1" tx2="lt2" accent1="accent1" accent2="accent2" accent3="accent3" accent4="accent4" accent5="accent5" accent6="accent6" hlink="hlink" folHlink="folHlink"/>
-    </a:extraClrScheme>
-    <a:extraClrScheme>
-      <a:clrScheme name="NAU_President_template 8">
-        <a:dk1>
-          <a:srgbClr val="003366"/>
-        </a:dk1>
-        <a:lt1>
-          <a:srgbClr val="FFFFFF"/>
-        </a:lt1>
-        <a:dk2>
-          <a:srgbClr val="000099"/>
-        </a:dk2>
-        <a:lt2>
-          <a:srgbClr val="CCFFFF"/>
-        </a:lt2>
-        <a:accent1>
-          <a:srgbClr val="3366CC"/>
-        </a:accent1>
-        <a:accent2>
-          <a:srgbClr val="00B000"/>
-        </a:accent2>
-        <a:accent3>
-          <a:srgbClr val="AAAACA"/>
-        </a:accent3>
-        <a:accent4>
-          <a:srgbClr val="DADADA"/>
-        </a:accent4>
-        <a:accent5>
-          <a:srgbClr val="ADB8E2"/>
-        </a:accent5>
-        <a:accent6>
-          <a:srgbClr val="009F00"/>
-        </a:accent6>
-        <a:hlink>
-          <a:srgbClr val="66CCFF"/>
-        </a:hlink>
-        <a:folHlink>
-          <a:srgbClr val="FFE701"/>
-        </a:folHlink>
-      </a:clrScheme>
-      <a:clrMap bg1="dk2" tx1="lt1" bg2="dk1" tx2="lt2" accent1="accent1" accent2="accent2" accent3="accent3" accent4="accent4" accent5="accent5" accent6="accent6" hlink="hlink" folHlink="folHlink"/>
-    </a:extraClrScheme>
-    <a:extraClrScheme>
-      <a:clrScheme name="NAU_President_template 9">
-        <a:dk1>
-          <a:srgbClr val="336699"/>
-        </a:dk1>
-        <a:lt1>
-          <a:srgbClr val="FFFFFF"/>
-        </a:lt1>
-        <a:dk2>
-          <a:srgbClr val="000000"/>
-        </a:dk2>
-        <a:lt2>
-          <a:srgbClr val="E3EBF1"/>
-        </a:lt2>
-        <a:accent1>
-          <a:srgbClr val="003399"/>
-        </a:accent1>
-        <a:accent2>
-          <a:srgbClr val="468A4B"/>
-        </a:accent2>
-        <a:accent3>
-          <a:srgbClr val="AAAAAA"/>
-        </a:accent3>
-        <a:accent4>
-          <a:srgbClr val="DADADA"/>
-        </a:accent4>
-        <a:accent5>
-          <a:srgbClr val="AAADCA"/>
-        </a:accent5>
-        <a:accent6>
-          <a:srgbClr val="3F7D43"/>
-        </a:accent6>
-        <a:hlink>
-          <a:srgbClr val="66CCFF"/>
-        </a:hlink>
-        <a:folHlink>
-          <a:srgbClr val="F0E500"/>
-        </a:folHlink>
-      </a:clrScheme>
-      <a:clrMap bg1="dk2" tx1="lt1" bg2="dk1" tx2="lt2" accent1="accent1" accent2="accent2" accent3="accent3" accent4="accent4" accent5="accent5" accent6="accent6" hlink="hlink" folHlink="folHlink"/>
-    </a:extraClrScheme>
-    <a:extraClrScheme>
-      <a:clrScheme name="NAU_President_template 10">
-        <a:dk1>
-          <a:srgbClr val="777777"/>
-        </a:dk1>
-        <a:lt1>
-          <a:srgbClr val="FFFFFF"/>
-        </a:lt1>
-        <a:dk2>
-          <a:srgbClr val="686B5D"/>
-        </a:dk2>
-        <a:lt2>
-          <a:srgbClr val="D1D1CB"/>
-        </a:lt2>
-        <a:accent1>
-          <a:srgbClr val="909082"/>
-        </a:accent1>
-        <a:accent2>
-          <a:srgbClr val="809EA8"/>
-        </a:accent2>
-        <a:accent3>
-          <a:srgbClr val="B9BAB6"/>
-        </a:accent3>
-        <a:accent4>
-          <a:srgbClr val="DADADA"/>
-        </a:accent4>
-        <a:accent5>
-          <a:srgbClr val="C6C6C1"/>
-        </a:accent5>
-        <a:accent6>
-          <a:srgbClr val="738F98"/>
-        </a:accent6>
-        <a:hlink>
-          <a:srgbClr val="FFCC66"/>
-        </a:hlink>
-        <a:folHlink>
-          <a:srgbClr val="E9DCB9"/>
-        </a:folHlink>
-      </a:clrScheme>
-      <a:clrMap bg1="dk2" tx1="lt1" bg2="dk1" tx2="lt2" accent1="accent1" accent2="accent2" accent3="accent3" accent4="accent4" accent5="accent5" accent6="accent6" hlink="hlink" folHlink="folHlink"/>
-    </a:extraClrScheme>
-    <a:extraClrScheme>
-      <a:clrScheme name="NAU_President_template 11">
-        <a:dk1>
-          <a:srgbClr val="3E3E5C"/>
-        </a:dk1>
-        <a:lt1>
-          <a:srgbClr val="FFFFFF"/>
-        </a:lt1>
-        <a:dk2>
-          <a:srgbClr val="666699"/>
-        </a:dk2>
-        <a:lt2>
-          <a:srgbClr val="FFFFFF"/>
-        </a:lt2>
-        <a:accent1>
-          <a:srgbClr val="60597B"/>
-        </a:accent1>
-        <a:accent2>
-          <a:srgbClr val="6666FF"/>
-        </a:accent2>
-        <a:accent3>
-          <a:srgbClr val="B8B8CA"/>
-        </a:accent3>
-        <a:accent4>
-          <a:srgbClr val="DADADA"/>
-        </a:accent4>
-        <a:accent5>
-          <a:srgbClr val="B6B5BF"/>
-        </a:accent5>
-        <a:accent6>
-          <a:srgbClr val="5C5CE7"/>
-        </a:accent6>
-        <a:hlink>
-          <a:srgbClr val="99CCFF"/>
-        </a:hlink>
-        <a:folHlink>
-          <a:srgbClr val="FFFF99"/>
-        </a:folHlink>
-      </a:clrScheme>
-      <a:clrMap bg1="dk2" tx1="lt1" bg2="dk1" tx2="lt2" accent1="accent1" accent2="accent2" accent3="accent3" accent4="accent4" accent5="accent5" accent6="accent6" hlink="hlink" folHlink="folHlink"/>
-    </a:extraClrScheme>
-    <a:extraClrScheme>
-      <a:clrScheme name="NAU_President_template 12">
-        <a:dk1>
-          <a:srgbClr val="2D2015"/>
-        </a:dk1>
-        <a:lt1>
-          <a:srgbClr val="FFFFFF"/>
-        </a:lt1>
-        <a:dk2>
-          <a:srgbClr val="523E26"/>
-        </a:dk2>
-        <a:lt2>
-          <a:srgbClr val="DFC08D"/>
-        </a:lt2>
-        <a:accent1>
-          <a:srgbClr val="8C7B70"/>
-        </a:accent1>
-        <a:accent2>
-          <a:srgbClr val="8F5F2F"/>
-        </a:accent2>
-        <a:accent3>
-          <a:srgbClr val="B3AFAC"/>
-        </a:accent3>
-        <a:accent4>
-          <a:srgbClr val="DADADA"/>
-        </a:accent4>
-        <a:accent5>
-          <a:srgbClr val="C5BFBB"/>
-        </a:accent5>
-        <a:accent6>
-          <a:srgbClr val="81552A"/>
-        </a:accent6>
-        <a:hlink>
-          <a:srgbClr val="CCB400"/>
-        </a:hlink>
-        <a:folHlink>
-          <a:srgbClr val="8C9EA0"/>
-        </a:folHlink>
-      </a:clrScheme>
-      <a:clrMap bg1="dk2" tx1="lt1" bg2="dk1" tx2="lt2" accent1="accent1" accent2="accent2" accent3="accent3" accent4="accent4" accent5="accent5" accent6="accent6" hlink="hlink" folHlink="folHlink"/>
-    </a:extraClrScheme>
-  </a:extraClrSchemeLst>
+  <a:objectDefaults/>
+  <a:extraClrSchemeLst/>
 </a:theme>
 </file>
 
@@ -18843,287 +16574,4 @@
   <a:objectDefaults/>
   <a:extraClrSchemeLst/>
 </a:theme>
-</file>
-
-<file path=ppt/theme/theme4.xml><?xml version="1.0" encoding="utf-8"?>
-<a:theme xmlns:a="http://schemas.openxmlformats.org/drawingml/2006/main" name="Office Theme">
-  <a:themeElements>
-    <a:clrScheme name="">
-      <a:dk1>
-        <a:srgbClr val="000000"/>
-      </a:dk1>
-      <a:lt1>
-        <a:srgbClr val="FFFFFF"/>
-      </a:lt1>
-      <a:dk2>
-        <a:srgbClr val="000000"/>
-      </a:dk2>
-      <a:lt2>
-        <a:srgbClr val="808080"/>
-      </a:lt2>
-      <a:accent1>
-        <a:srgbClr val="BBE0E3"/>
-      </a:accent1>
-      <a:accent2>
-        <a:srgbClr val="333399"/>
-      </a:accent2>
-      <a:accent3>
-        <a:srgbClr val="FFFFFF"/>
-      </a:accent3>
-      <a:accent4>
-        <a:srgbClr val="000000"/>
-      </a:accent4>
-      <a:accent5>
-        <a:srgbClr val="DAEDEF"/>
-      </a:accent5>
-      <a:accent6>
-        <a:srgbClr val="2D2D8A"/>
-      </a:accent6>
-      <a:hlink>
-        <a:srgbClr val="009999"/>
-      </a:hlink>
-      <a:folHlink>
-        <a:srgbClr val="99CC00"/>
-      </a:folHlink>
-    </a:clrScheme>
-    <a:fontScheme name="Office">
-      <a:majorFont>
-        <a:latin typeface="Calibri"/>
-        <a:ea typeface=""/>
-        <a:cs typeface=""/>
-        <a:font script="Jpan" typeface="ＭＳ Ｐゴシック"/>
-        <a:font script="Hang" typeface="맑은 고딕"/>
-        <a:font script="Hans" typeface="宋体"/>
-        <a:font script="Hant" typeface="新細明體"/>
-        <a:font script="Arab" typeface="Times New Roman"/>
-        <a:font script="Hebr" typeface="Times New Roman"/>
-        <a:font script="Thai" typeface="Angsana New"/>
-        <a:font script="Ethi" typeface="Nyala"/>
-        <a:font script="Beng" typeface="Vrinda"/>
-        <a:font script="Gujr" typeface="Shruti"/>
-        <a:font script="Khmr" typeface="MoolBoran"/>
-        <a:font script="Knda" typeface="Tunga"/>
-        <a:font script="Guru" typeface="Raavi"/>
-        <a:font script="Cans" typeface="Euphemia"/>
-        <a:font script="Cher" typeface="Plantagenet Cherokee"/>
-        <a:font script="Yiii" typeface="Microsoft Yi Baiti"/>
-        <a:font script="Tibt" typeface="Microsoft Himalaya"/>
-        <a:font script="Thaa" typeface="MV Boli"/>
-        <a:font script="Deva" typeface="Mangal"/>
-        <a:font script="Telu" typeface="Gautami"/>
-        <a:font script="Taml" typeface="Latha"/>
-        <a:font script="Syrc" typeface="Estrangelo Edessa"/>
-        <a:font script="Orya" typeface="Kalinga"/>
-        <a:font script="Mlym" typeface="Kartika"/>
-        <a:font script="Laoo" typeface="DokChampa"/>
-        <a:font script="Sinh" typeface="Iskoola Pota"/>
-        <a:font script="Mong" typeface="Mongolian Baiti"/>
-        <a:font script="Viet" typeface="Times New Roman"/>
-        <a:font script="Uigh" typeface="Microsoft Uighur"/>
-      </a:majorFont>
-      <a:minorFont>
-        <a:latin typeface="Calibri"/>
-        <a:ea typeface=""/>
-        <a:cs typeface=""/>
-        <a:font script="Jpan" typeface="ＭＳ Ｐゴシック"/>
-        <a:font script="Hang" typeface="맑은 고딕"/>
-        <a:font script="Hans" typeface="宋体"/>
-        <a:font script="Hant" typeface="新細明體"/>
-        <a:font script="Arab" typeface="Arial"/>
-        <a:font script="Hebr" typeface="Arial"/>
-        <a:font script="Thai" typeface="Cordia New"/>
-        <a:font script="Ethi" typeface="Nyala"/>
-        <a:font script="Beng" typeface="Vrinda"/>
-        <a:font script="Gujr" typeface="Shruti"/>
-        <a:font script="Khmr" typeface="DaunPenh"/>
-        <a:font script="Knda" typeface="Tunga"/>
-        <a:font script="Guru" typeface="Raavi"/>
-        <a:font script="Cans" typeface="Euphemia"/>
-        <a:font script="Cher" typeface="Plantagenet Cherokee"/>
-        <a:font script="Yiii" typeface="Microsoft Yi Baiti"/>
-        <a:font script="Tibt" typeface="Microsoft Himalaya"/>
-        <a:font script="Thaa" typeface="MV Boli"/>
-        <a:font script="Deva" typeface="Mangal"/>
-        <a:font script="Telu" typeface="Gautami"/>
-        <a:font script="Taml" typeface="Latha"/>
-        <a:font script="Syrc" typeface="Estrangelo Edessa"/>
-        <a:font script="Orya" typeface="Kalinga"/>
-        <a:font script="Mlym" typeface="Kartika"/>
-        <a:font script="Laoo" typeface="DokChampa"/>
-        <a:font script="Sinh" typeface="Iskoola Pota"/>
-        <a:font script="Mong" typeface="Mongolian Baiti"/>
-        <a:font script="Viet" typeface="Arial"/>
-        <a:font script="Uigh" typeface="Microsoft Uighur"/>
-      </a:minorFont>
-    </a:fontScheme>
-    <a:fmtScheme name="Office">
-      <a:fillStyleLst>
-        <a:solidFill>
-          <a:schemeClr val="phClr"/>
-        </a:solidFill>
-        <a:gradFill rotWithShape="1">
-          <a:gsLst>
-            <a:gs pos="0">
-              <a:schemeClr val="phClr">
-                <a:tint val="50000"/>
-                <a:satMod val="300000"/>
-              </a:schemeClr>
-            </a:gs>
-            <a:gs pos="35000">
-              <a:schemeClr val="phClr">
-                <a:tint val="37000"/>
-                <a:satMod val="300000"/>
-              </a:schemeClr>
-            </a:gs>
-            <a:gs pos="100000">
-              <a:schemeClr val="phClr">
-                <a:tint val="15000"/>
-                <a:satMod val="350000"/>
-              </a:schemeClr>
-            </a:gs>
-          </a:gsLst>
-          <a:lin ang="16200000" scaled="1"/>
-        </a:gradFill>
-        <a:gradFill rotWithShape="1">
-          <a:gsLst>
-            <a:gs pos="0">
-              <a:schemeClr val="phClr">
-                <a:shade val="51000"/>
-                <a:satMod val="130000"/>
-              </a:schemeClr>
-            </a:gs>
-            <a:gs pos="80000">
-              <a:schemeClr val="phClr">
-                <a:shade val="93000"/>
-                <a:satMod val="130000"/>
-              </a:schemeClr>
-            </a:gs>
-            <a:gs pos="100000">
-              <a:schemeClr val="phClr">
-                <a:shade val="94000"/>
-                <a:satMod val="135000"/>
-              </a:schemeClr>
-            </a:gs>
-          </a:gsLst>
-          <a:lin ang="16200000" scaled="0"/>
-        </a:gradFill>
-      </a:fillStyleLst>
-      <a:lnStyleLst>
-        <a:ln w="9525" cap="flat" cmpd="sng" algn="ctr">
-          <a:solidFill>
-            <a:schemeClr val="phClr">
-              <a:shade val="95000"/>
-              <a:satMod val="105000"/>
-            </a:schemeClr>
-          </a:solidFill>
-          <a:prstDash val="solid"/>
-        </a:ln>
-        <a:ln w="25400" cap="flat" cmpd="sng" algn="ctr">
-          <a:solidFill>
-            <a:schemeClr val="phClr"/>
-          </a:solidFill>
-          <a:prstDash val="solid"/>
-        </a:ln>
-        <a:ln w="38100" cap="flat" cmpd="sng" algn="ctr">
-          <a:solidFill>
-            <a:schemeClr val="phClr"/>
-          </a:solidFill>
-          <a:prstDash val="solid"/>
-        </a:ln>
-      </a:lnStyleLst>
-      <a:effectStyleLst>
-        <a:effectStyle>
-          <a:effectLst>
-            <a:outerShdw blurRad="40000" dist="20000" dir="5400000" rotWithShape="0">
-              <a:srgbClr val="000000">
-                <a:alpha val="38000"/>
-              </a:srgbClr>
-            </a:outerShdw>
-          </a:effectLst>
-        </a:effectStyle>
-        <a:effectStyle>
-          <a:effectLst>
-            <a:outerShdw blurRad="40000" dist="23000" dir="5400000" rotWithShape="0">
-              <a:srgbClr val="000000">
-                <a:alpha val="35000"/>
-              </a:srgbClr>
-            </a:outerShdw>
-          </a:effectLst>
-        </a:effectStyle>
-        <a:effectStyle>
-          <a:effectLst>
-            <a:outerShdw blurRad="40000" dist="23000" dir="5400000" rotWithShape="0">
-              <a:srgbClr val="000000">
-                <a:alpha val="35000"/>
-              </a:srgbClr>
-            </a:outerShdw>
-          </a:effectLst>
-          <a:scene3d>
-            <a:camera prst="orthographicFront">
-              <a:rot lat="0" lon="0" rev="0"/>
-            </a:camera>
-            <a:lightRig rig="threePt" dir="t">
-              <a:rot lat="0" lon="0" rev="1200000"/>
-            </a:lightRig>
-          </a:scene3d>
-          <a:sp3d>
-            <a:bevelT w="63500" h="25400"/>
-          </a:sp3d>
-        </a:effectStyle>
-      </a:effectStyleLst>
-      <a:bgFillStyleLst>
-        <a:solidFill>
-          <a:schemeClr val="phClr"/>
-        </a:solidFill>
-        <a:gradFill rotWithShape="1">
-          <a:gsLst>
-            <a:gs pos="0">
-              <a:schemeClr val="phClr">
-                <a:tint val="40000"/>
-                <a:satMod val="350000"/>
-              </a:schemeClr>
-            </a:gs>
-            <a:gs pos="40000">
-              <a:schemeClr val="phClr">
-                <a:tint val="45000"/>
-                <a:shade val="99000"/>
-                <a:satMod val="350000"/>
-              </a:schemeClr>
-            </a:gs>
-            <a:gs pos="100000">
-              <a:schemeClr val="phClr">
-                <a:shade val="20000"/>
-                <a:satMod val="255000"/>
-              </a:schemeClr>
-            </a:gs>
-          </a:gsLst>
-          <a:path path="circle">
-            <a:fillToRect l="50000" t="-80000" r="50000" b="180000"/>
-          </a:path>
-        </a:gradFill>
-        <a:gradFill rotWithShape="1">
-          <a:gsLst>
-            <a:gs pos="0">
-              <a:schemeClr val="phClr">
-                <a:tint val="80000"/>
-                <a:satMod val="300000"/>
-              </a:schemeClr>
-            </a:gs>
-            <a:gs pos="100000">
-              <a:schemeClr val="phClr">
-                <a:shade val="30000"/>
-                <a:satMod val="200000"/>
-              </a:schemeClr>
-            </a:gs>
-          </a:gsLst>
-          <a:path path="circle">
-            <a:fillToRect l="50000" t="50000" r="50000" b="50000"/>
-          </a:path>
-        </a:gradFill>
-      </a:bgFillStyleLst>
-    </a:fmtScheme>
-  </a:themeElements>
-  <a:objectDefaults/>
-  <a:extraClrSchemeLst/>
-</a:theme>
 </file>